--- a/ArielCast.pptx
+++ b/ArielCast.pptx
@@ -1,53 +1,60 @@
 
 <file path=ppt/presentation.xml><?xml version="1.0" encoding="utf-8"?>
-<p:presentation xmlns:a="http://schemas.openxmlformats.org/drawingml/2006/main" xmlns:r="http://schemas.openxmlformats.org/officeDocument/2006/relationships" xmlns:mc="http://schemas.openxmlformats.org/markup-compatibility/2006" xmlns:mv="urn:schemas-microsoft-com:mac:vml" xmlns:p="http://schemas.openxmlformats.org/presentationml/2006/main" xmlns:c="http://schemas.openxmlformats.org/drawingml/2006/chart" xmlns:dgm="http://schemas.openxmlformats.org/drawingml/2006/diagram" xmlns:o="urn:schemas-microsoft-com:office:office" xmlns:v="urn:schemas-microsoft-com:vml" xmlns:pvml="urn:schemas-microsoft-com:office:powerpoint" xmlns:com="http://schemas.openxmlformats.org/drawingml/2006/compatibility" xmlns:p14="http://schemas.microsoft.com/office/powerpoint/2010/main" xmlns:p15="http://schemas.microsoft.com/office/powerpoint/2012/main" xmlns:ahyp="http://schemas.microsoft.com/office/drawing/2018/hyperlinkcolor" autoCompressPictures="0" embedTrueTypeFonts="1" strictFirstAndLastChars="0" saveSubsetFonts="1">
+<p:presentation xmlns:a="http://schemas.openxmlformats.org/drawingml/2006/main" xmlns:r="http://schemas.openxmlformats.org/officeDocument/2006/relationships" xmlns:p="http://schemas.openxmlformats.org/presentationml/2006/main" strictFirstAndLastChars="0" embedTrueTypeFonts="1" saveSubsetFonts="1" autoCompressPictures="0">
   <p:sldMasterIdLst>
-    <p:sldMasterId id="2147483659" r:id="rId4"/>
+    <p:sldMasterId id="2147483659" r:id="rId1"/>
   </p:sldMasterIdLst>
   <p:notesMasterIdLst>
-    <p:notesMasterId r:id="rId5"/>
+    <p:notesMasterId r:id="rId28"/>
   </p:notesMasterIdLst>
   <p:sldIdLst>
-    <p:sldId id="256" r:id="rId6"/>
-    <p:sldId id="257" r:id="rId7"/>
-    <p:sldId id="258" r:id="rId8"/>
-    <p:sldId id="259" r:id="rId9"/>
-    <p:sldId id="260" r:id="rId10"/>
-    <p:sldId id="261" r:id="rId11"/>
-    <p:sldId id="262" r:id="rId12"/>
-    <p:sldId id="263" r:id="rId13"/>
-    <p:sldId id="264" r:id="rId14"/>
-    <p:sldId id="265" r:id="rId15"/>
-    <p:sldId id="266" r:id="rId16"/>
-    <p:sldId id="267" r:id="rId17"/>
-    <p:sldId id="268" r:id="rId18"/>
-    <p:sldId id="269" r:id="rId19"/>
-    <p:sldId id="270" r:id="rId20"/>
-    <p:sldId id="271" r:id="rId21"/>
-    <p:sldId id="272" r:id="rId22"/>
-    <p:sldId id="273" r:id="rId23"/>
-    <p:sldId id="274" r:id="rId24"/>
-    <p:sldId id="275" r:id="rId25"/>
-    <p:sldId id="276" r:id="rId26"/>
-    <p:sldId id="277" r:id="rId27"/>
-    <p:sldId id="278" r:id="rId28"/>
-    <p:sldId id="279" r:id="rId29"/>
-    <p:sldId id="280" r:id="rId30"/>
-    <p:sldId id="281" r:id="rId31"/>
+    <p:sldId id="256" r:id="rId2"/>
+    <p:sldId id="257" r:id="rId3"/>
+    <p:sldId id="258" r:id="rId4"/>
+    <p:sldId id="259" r:id="rId5"/>
+    <p:sldId id="260" r:id="rId6"/>
+    <p:sldId id="261" r:id="rId7"/>
+    <p:sldId id="262" r:id="rId8"/>
+    <p:sldId id="263" r:id="rId9"/>
+    <p:sldId id="264" r:id="rId10"/>
+    <p:sldId id="265" r:id="rId11"/>
+    <p:sldId id="266" r:id="rId12"/>
+    <p:sldId id="267" r:id="rId13"/>
+    <p:sldId id="268" r:id="rId14"/>
+    <p:sldId id="269" r:id="rId15"/>
+    <p:sldId id="270" r:id="rId16"/>
+    <p:sldId id="271" r:id="rId17"/>
+    <p:sldId id="272" r:id="rId18"/>
+    <p:sldId id="273" r:id="rId19"/>
+    <p:sldId id="274" r:id="rId20"/>
+    <p:sldId id="275" r:id="rId21"/>
+    <p:sldId id="276" r:id="rId22"/>
+    <p:sldId id="277" r:id="rId23"/>
+    <p:sldId id="278" r:id="rId24"/>
+    <p:sldId id="279" r:id="rId25"/>
+    <p:sldId id="280" r:id="rId26"/>
+    <p:sldId id="281" r:id="rId27"/>
   </p:sldIdLst>
-  <p:sldSz cy="5143500" cx="9144000"/>
+  <p:sldSz cx="9144000" cy="5143500" type="screen16x9"/>
   <p:notesSz cx="6858000" cy="9144000"/>
   <p:embeddedFontLst>
     <p:embeddedFont>
-      <p:font typeface="Proxima Nova"/>
-      <p:regular r:id="rId32"/>
-      <p:bold r:id="rId33"/>
-      <p:italic r:id="rId34"/>
-      <p:boldItalic r:id="rId35"/>
+      <p:font typeface="Calibri" panose="020F0502020204030204" pitchFamily="34" charset="0"/>
+      <p:regular r:id="rId29"/>
+      <p:bold r:id="rId30"/>
+      <p:italic r:id="rId31"/>
+      <p:boldItalic r:id="rId32"/>
+    </p:embeddedFont>
+    <p:embeddedFont>
+      <p:font typeface="Proxima Nova" panose="020B0604020202020204" charset="0"/>
+      <p:regular r:id="rId33"/>
+      <p:bold r:id="rId34"/>
+      <p:italic r:id="rId35"/>
+      <p:boldItalic r:id="rId36"/>
     </p:embeddedFont>
   </p:embeddedFontLst>
   <p:defaultTextStyle>
-    <a:defPPr lvl="0" marR="0" rtl="0" algn="l">
+    <a:defPPr marR="0" lvl="0" algn="l" rtl="0">
       <a:lnSpc>
         <a:spcPct val="100000"/>
       </a:lnSpc>
@@ -58,7 +65,7 @@
         <a:spcPts val="0"/>
       </a:spcAft>
     </a:defPPr>
-    <a:lvl1pPr lvl="0" marR="0" rtl="0" algn="l">
+    <a:lvl1pPr marR="0" lvl="0" algn="l" rtl="0">
       <a:lnSpc>
         <a:spcPct val="100000"/>
       </a:lnSpc>
@@ -72,7 +79,7 @@
         <a:srgbClr val="000000"/>
       </a:buClr>
       <a:buFont typeface="Arial"/>
-      <a:defRPr b="0" i="0" sz="1400" u="none" cap="none" strike="noStrike">
+      <a:defRPr sz="1400" b="0" i="0" u="none" strike="noStrike" cap="none">
         <a:solidFill>
           <a:srgbClr val="000000"/>
         </a:solidFill>
@@ -82,7 +89,7 @@
         <a:sym typeface="Arial"/>
       </a:defRPr>
     </a:lvl1pPr>
-    <a:lvl2pPr lvl="1" marR="0" rtl="0" algn="l">
+    <a:lvl2pPr marR="0" lvl="1" algn="l" rtl="0">
       <a:lnSpc>
         <a:spcPct val="100000"/>
       </a:lnSpc>
@@ -96,7 +103,7 @@
         <a:srgbClr val="000000"/>
       </a:buClr>
       <a:buFont typeface="Arial"/>
-      <a:defRPr b="0" i="0" sz="1400" u="none" cap="none" strike="noStrike">
+      <a:defRPr sz="1400" b="0" i="0" u="none" strike="noStrike" cap="none">
         <a:solidFill>
           <a:srgbClr val="000000"/>
         </a:solidFill>
@@ -106,7 +113,7 @@
         <a:sym typeface="Arial"/>
       </a:defRPr>
     </a:lvl2pPr>
-    <a:lvl3pPr lvl="2" marR="0" rtl="0" algn="l">
+    <a:lvl3pPr marR="0" lvl="2" algn="l" rtl="0">
       <a:lnSpc>
         <a:spcPct val="100000"/>
       </a:lnSpc>
@@ -120,7 +127,7 @@
         <a:srgbClr val="000000"/>
       </a:buClr>
       <a:buFont typeface="Arial"/>
-      <a:defRPr b="0" i="0" sz="1400" u="none" cap="none" strike="noStrike">
+      <a:defRPr sz="1400" b="0" i="0" u="none" strike="noStrike" cap="none">
         <a:solidFill>
           <a:srgbClr val="000000"/>
         </a:solidFill>
@@ -130,7 +137,7 @@
         <a:sym typeface="Arial"/>
       </a:defRPr>
     </a:lvl3pPr>
-    <a:lvl4pPr lvl="3" marR="0" rtl="0" algn="l">
+    <a:lvl4pPr marR="0" lvl="3" algn="l" rtl="0">
       <a:lnSpc>
         <a:spcPct val="100000"/>
       </a:lnSpc>
@@ -144,7 +151,7 @@
         <a:srgbClr val="000000"/>
       </a:buClr>
       <a:buFont typeface="Arial"/>
-      <a:defRPr b="0" i="0" sz="1400" u="none" cap="none" strike="noStrike">
+      <a:defRPr sz="1400" b="0" i="0" u="none" strike="noStrike" cap="none">
         <a:solidFill>
           <a:srgbClr val="000000"/>
         </a:solidFill>
@@ -154,7 +161,7 @@
         <a:sym typeface="Arial"/>
       </a:defRPr>
     </a:lvl4pPr>
-    <a:lvl5pPr lvl="4" marR="0" rtl="0" algn="l">
+    <a:lvl5pPr marR="0" lvl="4" algn="l" rtl="0">
       <a:lnSpc>
         <a:spcPct val="100000"/>
       </a:lnSpc>
@@ -168,7 +175,7 @@
         <a:srgbClr val="000000"/>
       </a:buClr>
       <a:buFont typeface="Arial"/>
-      <a:defRPr b="0" i="0" sz="1400" u="none" cap="none" strike="noStrike">
+      <a:defRPr sz="1400" b="0" i="0" u="none" strike="noStrike" cap="none">
         <a:solidFill>
           <a:srgbClr val="000000"/>
         </a:solidFill>
@@ -178,7 +185,7 @@
         <a:sym typeface="Arial"/>
       </a:defRPr>
     </a:lvl5pPr>
-    <a:lvl6pPr lvl="5" marR="0" rtl="0" algn="l">
+    <a:lvl6pPr marR="0" lvl="5" algn="l" rtl="0">
       <a:lnSpc>
         <a:spcPct val="100000"/>
       </a:lnSpc>
@@ -192,7 +199,7 @@
         <a:srgbClr val="000000"/>
       </a:buClr>
       <a:buFont typeface="Arial"/>
-      <a:defRPr b="0" i="0" sz="1400" u="none" cap="none" strike="noStrike">
+      <a:defRPr sz="1400" b="0" i="0" u="none" strike="noStrike" cap="none">
         <a:solidFill>
           <a:srgbClr val="000000"/>
         </a:solidFill>
@@ -202,7 +209,7 @@
         <a:sym typeface="Arial"/>
       </a:defRPr>
     </a:lvl6pPr>
-    <a:lvl7pPr lvl="6" marR="0" rtl="0" algn="l">
+    <a:lvl7pPr marR="0" lvl="6" algn="l" rtl="0">
       <a:lnSpc>
         <a:spcPct val="100000"/>
       </a:lnSpc>
@@ -216,7 +223,7 @@
         <a:srgbClr val="000000"/>
       </a:buClr>
       <a:buFont typeface="Arial"/>
-      <a:defRPr b="0" i="0" sz="1400" u="none" cap="none" strike="noStrike">
+      <a:defRPr sz="1400" b="0" i="0" u="none" strike="noStrike" cap="none">
         <a:solidFill>
           <a:srgbClr val="000000"/>
         </a:solidFill>
@@ -226,7 +233,7 @@
         <a:sym typeface="Arial"/>
       </a:defRPr>
     </a:lvl7pPr>
-    <a:lvl8pPr lvl="7" marR="0" rtl="0" algn="l">
+    <a:lvl8pPr marR="0" lvl="7" algn="l" rtl="0">
       <a:lnSpc>
         <a:spcPct val="100000"/>
       </a:lnSpc>
@@ -240,7 +247,7 @@
         <a:srgbClr val="000000"/>
       </a:buClr>
       <a:buFont typeface="Arial"/>
-      <a:defRPr b="0" i="0" sz="1400" u="none" cap="none" strike="noStrike">
+      <a:defRPr sz="1400" b="0" i="0" u="none" strike="noStrike" cap="none">
         <a:solidFill>
           <a:srgbClr val="000000"/>
         </a:solidFill>
@@ -250,7 +257,7 @@
         <a:sym typeface="Arial"/>
       </a:defRPr>
     </a:lvl8pPr>
-    <a:lvl9pPr lvl="8" marR="0" rtl="0" algn="l">
+    <a:lvl9pPr marR="0" lvl="8" algn="l" rtl="0">
       <a:lnSpc>
         <a:spcPct val="100000"/>
       </a:lnSpc>
@@ -264,7 +271,7 @@
         <a:srgbClr val="000000"/>
       </a:buClr>
       <a:buFont typeface="Arial"/>
-      <a:defRPr b="0" i="0" sz="1400" u="none" cap="none" strike="noStrike">
+      <a:defRPr sz="1400" b="0" i="0" u="none" strike="noStrike" cap="none">
         <a:solidFill>
           <a:srgbClr val="000000"/>
         </a:solidFill>
@@ -277,7 +284,7 @@
   </p:defaultTextStyle>
   <p:extLst>
     <p:ext uri="{EFAFB233-063F-42B5-8137-9DF3F51BA10A}">
-      <p15:sldGuideLst>
+      <p15:sldGuideLst xmlns:p15="http://schemas.microsoft.com/office/powerpoint/2012/main">
         <p15:guide id="1" orient="horz" pos="1620">
           <p15:clr>
             <a:srgbClr val="A4A3A4"/>
@@ -295,11 +302,16 @@
 </file>
 
 <file path=ppt/notesMasters/notesMaster1.xml><?xml version="1.0" encoding="utf-8"?>
-<p:notesMaster xmlns:a="http://schemas.openxmlformats.org/drawingml/2006/main" xmlns:r="http://schemas.openxmlformats.org/officeDocument/2006/relationships" xmlns:mc="http://schemas.openxmlformats.org/markup-compatibility/2006" xmlns:mv="urn:schemas-microsoft-com:mac:vml" xmlns:p="http://schemas.openxmlformats.org/presentationml/2006/main" xmlns:c="http://schemas.openxmlformats.org/drawingml/2006/chart" xmlns:dgm="http://schemas.openxmlformats.org/drawingml/2006/diagram" xmlns:o="urn:schemas-microsoft-com:office:office" xmlns:v="urn:schemas-microsoft-com:vml" xmlns:pvml="urn:schemas-microsoft-com:office:powerpoint" xmlns:com="http://schemas.openxmlformats.org/drawingml/2006/compatibility" xmlns:p14="http://schemas.microsoft.com/office/powerpoint/2010/main" xmlns:p15="http://schemas.microsoft.com/office/powerpoint/2012/main" xmlns:ahyp="http://schemas.microsoft.com/office/drawing/2018/hyperlinkcolor">
+<p:notesMaster xmlns:a="http://schemas.openxmlformats.org/drawingml/2006/main" xmlns:r="http://schemas.openxmlformats.org/officeDocument/2006/relationships" xmlns:p="http://schemas.openxmlformats.org/presentationml/2006/main">
   <p:cSld>
+    <p:bg>
+      <p:bgRef idx="1001">
+        <a:schemeClr val="bg1"/>
+      </p:bgRef>
+    </p:bg>
     <p:spTree>
       <p:nvGrpSpPr>
-        <p:cNvPr id="2" name="Shape 2"/>
+        <p:cNvPr id="1" name="Shape 2"/>
         <p:cNvGrpSpPr/>
         <p:nvPr/>
       </p:nvGrpSpPr>
@@ -314,9 +326,11 @@
       <p:sp>
         <p:nvSpPr>
           <p:cNvPr id="3" name="Google Shape;3;n"/>
-          <p:cNvSpPr/>
+          <p:cNvSpPr>
+            <a:spLocks noGrp="1" noRot="1" noChangeAspect="1"/>
+          </p:cNvSpPr>
           <p:nvPr>
-            <p:ph idx="2" type="sldImg"/>
+            <p:ph type="sldImg" idx="2"/>
           </p:nvPr>
         </p:nvSpPr>
         <p:spPr>
@@ -325,9 +339,13 @@
             <a:ext cx="6096075" cy="3429000"/>
           </a:xfrm>
           <a:custGeom>
-            <a:rect b="b" l="l" r="r" t="t"/>
+            <a:avLst/>
+            <a:gdLst/>
+            <a:ahLst/>
+            <a:cxnLst/>
+            <a:rect l="l" t="t" r="r" b="b"/>
             <a:pathLst>
-              <a:path extrusionOk="0" h="120000" w="120000">
+              <a:path w="120000" h="120000" extrusionOk="0">
                 <a:moveTo>
                   <a:pt x="0" y="0"/>
                 </a:moveTo>
@@ -345,23 +363,25 @@
             </a:pathLst>
           </a:custGeom>
           <a:noFill/>
-          <a:ln cap="flat" cmpd="sng" w="9525">
+          <a:ln w="9525" cap="flat" cmpd="sng">
             <a:solidFill>
               <a:srgbClr val="000000"/>
             </a:solidFill>
             <a:prstDash val="solid"/>
             <a:round/>
-            <a:headEnd len="sm" w="sm" type="none"/>
-            <a:tailEnd len="sm" w="sm" type="none"/>
+            <a:headEnd type="none" w="sm" len="sm"/>
+            <a:tailEnd type="none" w="sm" len="sm"/>
           </a:ln>
         </p:spPr>
       </p:sp>
       <p:sp>
         <p:nvSpPr>
           <p:cNvPr id="4" name="Google Shape;4;n"/>
-          <p:cNvSpPr txBox="1"/>
+          <p:cNvSpPr txBox="1">
+            <a:spLocks noGrp="1"/>
+          </p:cNvSpPr>
           <p:nvPr>
-            <p:ph idx="1" type="body"/>
+            <p:ph type="body" idx="1"/>
           </p:nvPr>
         </p:nvSpPr>
         <p:spPr>
@@ -378,11 +398,11 @@
           </a:ln>
         </p:spPr>
         <p:txBody>
-          <a:bodyPr anchorCtr="0" anchor="t" bIns="91425" lIns="91425" spcFirstLastPara="1" rIns="91425" wrap="square" tIns="91425">
+          <a:bodyPr spcFirstLastPara="1" wrap="square" lIns="91425" tIns="91425" rIns="91425" bIns="91425" anchor="t" anchorCtr="0">
             <a:noAutofit/>
           </a:bodyPr>
           <a:lstStyle>
-            <a:lvl1pPr indent="-298450" lvl="0" marL="457200">
+            <a:lvl1pPr marL="457200" lvl="0" indent="-298450">
               <a:spcBef>
                 <a:spcPts val="0"/>
               </a:spcBef>
@@ -393,7 +413,7 @@
               <a:buChar char="●"/>
               <a:defRPr sz="1100"/>
             </a:lvl1pPr>
-            <a:lvl2pPr indent="-298450" lvl="1" marL="914400">
+            <a:lvl2pPr marL="914400" lvl="1" indent="-298450">
               <a:spcBef>
                 <a:spcPts val="0"/>
               </a:spcBef>
@@ -404,7 +424,7 @@
               <a:buChar char="○"/>
               <a:defRPr sz="1100"/>
             </a:lvl2pPr>
-            <a:lvl3pPr indent="-298450" lvl="2" marL="1371600">
+            <a:lvl3pPr marL="1371600" lvl="2" indent="-298450">
               <a:spcBef>
                 <a:spcPts val="0"/>
               </a:spcBef>
@@ -415,7 +435,7 @@
               <a:buChar char="■"/>
               <a:defRPr sz="1100"/>
             </a:lvl3pPr>
-            <a:lvl4pPr indent="-298450" lvl="3" marL="1828800">
+            <a:lvl4pPr marL="1828800" lvl="3" indent="-298450">
               <a:spcBef>
                 <a:spcPts val="0"/>
               </a:spcBef>
@@ -426,7 +446,7 @@
               <a:buChar char="●"/>
               <a:defRPr sz="1100"/>
             </a:lvl4pPr>
-            <a:lvl5pPr indent="-298450" lvl="4" marL="2286000">
+            <a:lvl5pPr marL="2286000" lvl="4" indent="-298450">
               <a:spcBef>
                 <a:spcPts val="0"/>
               </a:spcBef>
@@ -437,7 +457,7 @@
               <a:buChar char="○"/>
               <a:defRPr sz="1100"/>
             </a:lvl5pPr>
-            <a:lvl6pPr indent="-298450" lvl="5" marL="2743200">
+            <a:lvl6pPr marL="2743200" lvl="5" indent="-298450">
               <a:spcBef>
                 <a:spcPts val="0"/>
               </a:spcBef>
@@ -448,7 +468,7 @@
               <a:buChar char="■"/>
               <a:defRPr sz="1100"/>
             </a:lvl6pPr>
-            <a:lvl7pPr indent="-298450" lvl="6" marL="3200400">
+            <a:lvl7pPr marL="3200400" lvl="6" indent="-298450">
               <a:spcBef>
                 <a:spcPts val="0"/>
               </a:spcBef>
@@ -459,7 +479,7 @@
               <a:buChar char="●"/>
               <a:defRPr sz="1100"/>
             </a:lvl7pPr>
-            <a:lvl8pPr indent="-298450" lvl="7" marL="3657600">
+            <a:lvl8pPr marL="3657600" lvl="7" indent="-298450">
               <a:spcBef>
                 <a:spcPts val="0"/>
               </a:spcBef>
@@ -470,7 +490,7 @@
               <a:buChar char="○"/>
               <a:defRPr sz="1100"/>
             </a:lvl8pPr>
-            <a:lvl9pPr indent="-298450" lvl="8" marL="4114800">
+            <a:lvl9pPr marL="4114800" lvl="8" indent="-298450">
               <a:spcBef>
                 <a:spcPts val="0"/>
               </a:spcBef>
@@ -482,14 +502,16 @@
               <a:defRPr sz="1100"/>
             </a:lvl9pPr>
           </a:lstStyle>
-          <a:p/>
+          <a:p>
+            <a:endParaRPr/>
+          </a:p>
         </p:txBody>
       </p:sp>
     </p:spTree>
   </p:cSld>
-  <p:clrMap accent1="accent1" accent2="accent2" accent3="accent3" accent4="accent4" accent5="accent5" accent6="accent6" bg1="lt1" bg2="dk2" tx1="dk1" tx2="lt2" folHlink="folHlink" hlink="hlink"/>
+  <p:clrMap bg1="lt1" tx1="dk1" bg2="dk2" tx2="lt2" accent1="accent1" accent2="accent2" accent3="accent3" accent4="accent4" accent5="accent5" accent6="accent6" hlink="hlink" folHlink="folHlink"/>
   <p:notesStyle>
-    <a:defPPr lvl="0" marR="0" rtl="0" algn="l">
+    <a:defPPr marR="0" lvl="0" algn="l" rtl="0">
       <a:lnSpc>
         <a:spcPct val="100000"/>
       </a:lnSpc>
@@ -500,7 +522,7 @@
         <a:spcPts val="0"/>
       </a:spcAft>
     </a:defPPr>
-    <a:lvl1pPr lvl="0" marR="0" rtl="0" algn="l">
+    <a:lvl1pPr marR="0" lvl="0" algn="l" rtl="0">
       <a:lnSpc>
         <a:spcPct val="100000"/>
       </a:lnSpc>
@@ -514,7 +536,7 @@
         <a:srgbClr val="000000"/>
       </a:buClr>
       <a:buFont typeface="Arial"/>
-      <a:defRPr b="0" i="0" sz="1400" u="none" cap="none" strike="noStrike">
+      <a:defRPr sz="1400" b="0" i="0" u="none" strike="noStrike" cap="none">
         <a:solidFill>
           <a:srgbClr val="000000"/>
         </a:solidFill>
@@ -524,7 +546,7 @@
         <a:sym typeface="Arial"/>
       </a:defRPr>
     </a:lvl1pPr>
-    <a:lvl2pPr lvl="1" marR="0" rtl="0" algn="l">
+    <a:lvl2pPr marR="0" lvl="1" algn="l" rtl="0">
       <a:lnSpc>
         <a:spcPct val="100000"/>
       </a:lnSpc>
@@ -538,7 +560,7 @@
         <a:srgbClr val="000000"/>
       </a:buClr>
       <a:buFont typeface="Arial"/>
-      <a:defRPr b="0" i="0" sz="1400" u="none" cap="none" strike="noStrike">
+      <a:defRPr sz="1400" b="0" i="0" u="none" strike="noStrike" cap="none">
         <a:solidFill>
           <a:srgbClr val="000000"/>
         </a:solidFill>
@@ -548,7 +570,7 @@
         <a:sym typeface="Arial"/>
       </a:defRPr>
     </a:lvl2pPr>
-    <a:lvl3pPr lvl="2" marR="0" rtl="0" algn="l">
+    <a:lvl3pPr marR="0" lvl="2" algn="l" rtl="0">
       <a:lnSpc>
         <a:spcPct val="100000"/>
       </a:lnSpc>
@@ -562,7 +584,7 @@
         <a:srgbClr val="000000"/>
       </a:buClr>
       <a:buFont typeface="Arial"/>
-      <a:defRPr b="0" i="0" sz="1400" u="none" cap="none" strike="noStrike">
+      <a:defRPr sz="1400" b="0" i="0" u="none" strike="noStrike" cap="none">
         <a:solidFill>
           <a:srgbClr val="000000"/>
         </a:solidFill>
@@ -572,7 +594,7 @@
         <a:sym typeface="Arial"/>
       </a:defRPr>
     </a:lvl3pPr>
-    <a:lvl4pPr lvl="3" marR="0" rtl="0" algn="l">
+    <a:lvl4pPr marR="0" lvl="3" algn="l" rtl="0">
       <a:lnSpc>
         <a:spcPct val="100000"/>
       </a:lnSpc>
@@ -586,7 +608,7 @@
         <a:srgbClr val="000000"/>
       </a:buClr>
       <a:buFont typeface="Arial"/>
-      <a:defRPr b="0" i="0" sz="1400" u="none" cap="none" strike="noStrike">
+      <a:defRPr sz="1400" b="0" i="0" u="none" strike="noStrike" cap="none">
         <a:solidFill>
           <a:srgbClr val="000000"/>
         </a:solidFill>
@@ -596,7 +618,7 @@
         <a:sym typeface="Arial"/>
       </a:defRPr>
     </a:lvl4pPr>
-    <a:lvl5pPr lvl="4" marR="0" rtl="0" algn="l">
+    <a:lvl5pPr marR="0" lvl="4" algn="l" rtl="0">
       <a:lnSpc>
         <a:spcPct val="100000"/>
       </a:lnSpc>
@@ -610,7 +632,7 @@
         <a:srgbClr val="000000"/>
       </a:buClr>
       <a:buFont typeface="Arial"/>
-      <a:defRPr b="0" i="0" sz="1400" u="none" cap="none" strike="noStrike">
+      <a:defRPr sz="1400" b="0" i="0" u="none" strike="noStrike" cap="none">
         <a:solidFill>
           <a:srgbClr val="000000"/>
         </a:solidFill>
@@ -620,7 +642,7 @@
         <a:sym typeface="Arial"/>
       </a:defRPr>
     </a:lvl5pPr>
-    <a:lvl6pPr lvl="5" marR="0" rtl="0" algn="l">
+    <a:lvl6pPr marR="0" lvl="5" algn="l" rtl="0">
       <a:lnSpc>
         <a:spcPct val="100000"/>
       </a:lnSpc>
@@ -634,7 +656,7 @@
         <a:srgbClr val="000000"/>
       </a:buClr>
       <a:buFont typeface="Arial"/>
-      <a:defRPr b="0" i="0" sz="1400" u="none" cap="none" strike="noStrike">
+      <a:defRPr sz="1400" b="0" i="0" u="none" strike="noStrike" cap="none">
         <a:solidFill>
           <a:srgbClr val="000000"/>
         </a:solidFill>
@@ -644,7 +666,7 @@
         <a:sym typeface="Arial"/>
       </a:defRPr>
     </a:lvl6pPr>
-    <a:lvl7pPr lvl="6" marR="0" rtl="0" algn="l">
+    <a:lvl7pPr marR="0" lvl="6" algn="l" rtl="0">
       <a:lnSpc>
         <a:spcPct val="100000"/>
       </a:lnSpc>
@@ -658,7 +680,7 @@
         <a:srgbClr val="000000"/>
       </a:buClr>
       <a:buFont typeface="Arial"/>
-      <a:defRPr b="0" i="0" sz="1400" u="none" cap="none" strike="noStrike">
+      <a:defRPr sz="1400" b="0" i="0" u="none" strike="noStrike" cap="none">
         <a:solidFill>
           <a:srgbClr val="000000"/>
         </a:solidFill>
@@ -668,7 +690,7 @@
         <a:sym typeface="Arial"/>
       </a:defRPr>
     </a:lvl7pPr>
-    <a:lvl8pPr lvl="7" marR="0" rtl="0" algn="l">
+    <a:lvl8pPr marR="0" lvl="7" algn="l" rtl="0">
       <a:lnSpc>
         <a:spcPct val="100000"/>
       </a:lnSpc>
@@ -682,7 +704,7 @@
         <a:srgbClr val="000000"/>
       </a:buClr>
       <a:buFont typeface="Arial"/>
-      <a:defRPr b="0" i="0" sz="1400" u="none" cap="none" strike="noStrike">
+      <a:defRPr sz="1400" b="0" i="0" u="none" strike="noStrike" cap="none">
         <a:solidFill>
           <a:srgbClr val="000000"/>
         </a:solidFill>
@@ -692,7 +714,7 @@
         <a:sym typeface="Arial"/>
       </a:defRPr>
     </a:lvl8pPr>
-    <a:lvl9pPr lvl="8" marR="0" rtl="0" algn="l">
+    <a:lvl9pPr marR="0" lvl="8" algn="l" rtl="0">
       <a:lnSpc>
         <a:spcPct val="100000"/>
       </a:lnSpc>
@@ -706,7 +728,7 @@
         <a:srgbClr val="000000"/>
       </a:buClr>
       <a:buFont typeface="Arial"/>
-      <a:defRPr b="0" i="0" sz="1400" u="none" cap="none" strike="noStrike">
+      <a:defRPr sz="1400" b="0" i="0" u="none" strike="noStrike" cap="none">
         <a:solidFill>
           <a:srgbClr val="000000"/>
         </a:solidFill>
@@ -721,11 +743,11 @@
 </file>
 
 <file path=ppt/notesSlides/notesSlide1.xml><?xml version="1.0" encoding="utf-8"?>
-<p:notes xmlns:a="http://schemas.openxmlformats.org/drawingml/2006/main" xmlns:r="http://schemas.openxmlformats.org/officeDocument/2006/relationships" xmlns:mc="http://schemas.openxmlformats.org/markup-compatibility/2006" xmlns:mv="urn:schemas-microsoft-com:mac:vml" xmlns:p="http://schemas.openxmlformats.org/presentationml/2006/main" xmlns:c="http://schemas.openxmlformats.org/drawingml/2006/chart" xmlns:dgm="http://schemas.openxmlformats.org/drawingml/2006/diagram" xmlns:o="urn:schemas-microsoft-com:office:office" xmlns:v="urn:schemas-microsoft-com:vml" xmlns:pvml="urn:schemas-microsoft-com:office:powerpoint" xmlns:com="http://schemas.openxmlformats.org/drawingml/2006/compatibility" xmlns:p14="http://schemas.microsoft.com/office/powerpoint/2010/main" xmlns:p15="http://schemas.microsoft.com/office/powerpoint/2012/main" xmlns:ahyp="http://schemas.microsoft.com/office/drawing/2018/hyperlinkcolor" showMasterPhAnim="0" showMasterSp="0">
+<p:notes xmlns:a="http://schemas.openxmlformats.org/drawingml/2006/main" xmlns:r="http://schemas.openxmlformats.org/officeDocument/2006/relationships" xmlns:p="http://schemas.openxmlformats.org/presentationml/2006/main" showMasterSp="0" showMasterPhAnim="0">
   <p:cSld>
     <p:spTree>
       <p:nvGrpSpPr>
-        <p:cNvPr id="55" name="Shape 55"/>
+        <p:cNvPr id="1" name="Shape 55"/>
         <p:cNvGrpSpPr/>
         <p:nvPr/>
       </p:nvGrpSpPr>
@@ -740,20 +762,26 @@
       <p:sp>
         <p:nvSpPr>
           <p:cNvPr id="56" name="Google Shape;56;p:notes"/>
-          <p:cNvSpPr/>
+          <p:cNvSpPr>
+            <a:spLocks noGrp="1" noRot="1" noChangeAspect="1"/>
+          </p:cNvSpPr>
           <p:nvPr>
-            <p:ph idx="2" type="sldImg"/>
+            <p:ph type="sldImg" idx="2"/>
           </p:nvPr>
         </p:nvSpPr>
         <p:spPr>
           <a:xfrm>
-            <a:off x="381300" y="685800"/>
-            <a:ext cx="6096075" cy="3429000"/>
+            <a:off x="381000" y="685800"/>
+            <a:ext cx="6096000" cy="3429000"/>
           </a:xfrm>
           <a:custGeom>
-            <a:rect b="b" l="l" r="r" t="t"/>
+            <a:avLst/>
+            <a:gdLst/>
+            <a:ahLst/>
+            <a:cxnLst/>
+            <a:rect l="l" t="t" r="r" b="b"/>
             <a:pathLst>
-              <a:path extrusionOk="0" h="120000" w="120000">
+              <a:path w="120000" h="120000" extrusionOk="0">
                 <a:moveTo>
                   <a:pt x="0" y="0"/>
                 </a:moveTo>
@@ -775,9 +803,11 @@
       <p:sp>
         <p:nvSpPr>
           <p:cNvPr id="57" name="Google Shape;57;p:notes"/>
-          <p:cNvSpPr txBox="1"/>
+          <p:cNvSpPr txBox="1">
+            <a:spLocks noGrp="1"/>
+          </p:cNvSpPr>
           <p:nvPr>
-            <p:ph idx="1" type="body"/>
+            <p:ph type="body" idx="1"/>
           </p:nvPr>
         </p:nvSpPr>
         <p:spPr>
@@ -790,12 +820,12 @@
           </a:prstGeom>
         </p:spPr>
         <p:txBody>
-          <a:bodyPr anchorCtr="0" anchor="t" bIns="91425" lIns="91425" spcFirstLastPara="1" rIns="91425" wrap="square" tIns="91425">
+          <a:bodyPr spcFirstLastPara="1" wrap="square" lIns="91425" tIns="91425" rIns="91425" bIns="91425" anchor="t" anchorCtr="0">
             <a:noAutofit/>
           </a:bodyPr>
           <a:lstStyle/>
           <a:p>
-            <a:pPr indent="0" lvl="0" marL="0" rtl="0" algn="l">
+            <a:pPr marL="0" lvl="0" indent="0" algn="l" rtl="0">
               <a:spcBef>
                 <a:spcPts val="0"/>
               </a:spcBef>
@@ -804,9 +834,6 @@
               </a:spcAft>
               <a:buNone/>
             </a:pPr>
-            <a:r>
-              <a:t/>
-            </a:r>
             <a:endParaRPr/>
           </a:p>
         </p:txBody>
@@ -820,11 +847,11 @@
 </file>
 
 <file path=ppt/notesSlides/notesSlide10.xml><?xml version="1.0" encoding="utf-8"?>
-<p:notes xmlns:a="http://schemas.openxmlformats.org/drawingml/2006/main" xmlns:r="http://schemas.openxmlformats.org/officeDocument/2006/relationships" xmlns:mc="http://schemas.openxmlformats.org/markup-compatibility/2006" xmlns:mv="urn:schemas-microsoft-com:mac:vml" xmlns:p="http://schemas.openxmlformats.org/presentationml/2006/main" xmlns:c="http://schemas.openxmlformats.org/drawingml/2006/chart" xmlns:dgm="http://schemas.openxmlformats.org/drawingml/2006/diagram" xmlns:o="urn:schemas-microsoft-com:office:office" xmlns:v="urn:schemas-microsoft-com:vml" xmlns:pvml="urn:schemas-microsoft-com:office:powerpoint" xmlns:com="http://schemas.openxmlformats.org/drawingml/2006/compatibility" xmlns:p14="http://schemas.microsoft.com/office/powerpoint/2010/main" xmlns:p15="http://schemas.microsoft.com/office/powerpoint/2012/main" xmlns:ahyp="http://schemas.microsoft.com/office/drawing/2018/hyperlinkcolor" showMasterPhAnim="0" showMasterSp="0">
+<p:notes xmlns:a="http://schemas.openxmlformats.org/drawingml/2006/main" xmlns:r="http://schemas.openxmlformats.org/officeDocument/2006/relationships" xmlns:p="http://schemas.openxmlformats.org/presentationml/2006/main" showMasterSp="0" showMasterPhAnim="0">
   <p:cSld>
     <p:spTree>
       <p:nvGrpSpPr>
-        <p:cNvPr id="114" name="Shape 114"/>
+        <p:cNvPr id="1" name="Shape 114"/>
         <p:cNvGrpSpPr/>
         <p:nvPr/>
       </p:nvGrpSpPr>
@@ -839,9 +866,11 @@
       <p:sp>
         <p:nvSpPr>
           <p:cNvPr id="115" name="Google Shape;115;gb4eda68a34_1_21:notes"/>
-          <p:cNvSpPr/>
+          <p:cNvSpPr>
+            <a:spLocks noGrp="1" noRot="1" noChangeAspect="1"/>
+          </p:cNvSpPr>
           <p:nvPr>
-            <p:ph idx="2" type="sldImg"/>
+            <p:ph type="sldImg" idx="2"/>
           </p:nvPr>
         </p:nvSpPr>
         <p:spPr>
@@ -850,9 +879,13 @@
             <a:ext cx="6096000" cy="3429000"/>
           </a:xfrm>
           <a:custGeom>
-            <a:rect b="b" l="l" r="r" t="t"/>
+            <a:avLst/>
+            <a:gdLst/>
+            <a:ahLst/>
+            <a:cxnLst/>
+            <a:rect l="l" t="t" r="r" b="b"/>
             <a:pathLst>
-              <a:path extrusionOk="0" h="120000" w="120000">
+              <a:path w="120000" h="120000" extrusionOk="0">
                 <a:moveTo>
                   <a:pt x="0" y="0"/>
                 </a:moveTo>
@@ -874,9 +907,11 @@
       <p:sp>
         <p:nvSpPr>
           <p:cNvPr id="116" name="Google Shape;116;gb4eda68a34_1_21:notes"/>
-          <p:cNvSpPr txBox="1"/>
+          <p:cNvSpPr txBox="1">
+            <a:spLocks noGrp="1"/>
+          </p:cNvSpPr>
           <p:nvPr>
-            <p:ph idx="1" type="body"/>
+            <p:ph type="body" idx="1"/>
           </p:nvPr>
         </p:nvSpPr>
         <p:spPr>
@@ -889,12 +924,12 @@
           </a:prstGeom>
         </p:spPr>
         <p:txBody>
-          <a:bodyPr anchorCtr="0" anchor="t" bIns="91425" lIns="91425" spcFirstLastPara="1" rIns="91425" wrap="square" tIns="91425">
+          <a:bodyPr spcFirstLastPara="1" wrap="square" lIns="91425" tIns="91425" rIns="91425" bIns="91425" anchor="t" anchorCtr="0">
             <a:noAutofit/>
           </a:bodyPr>
           <a:lstStyle/>
           <a:p>
-            <a:pPr indent="0" lvl="0" marL="0" rtl="0" algn="l">
+            <a:pPr marL="0" lvl="0" indent="0" algn="l" rtl="0">
               <a:spcBef>
                 <a:spcPts val="0"/>
               </a:spcBef>
@@ -903,9 +938,6 @@
               </a:spcAft>
               <a:buNone/>
             </a:pPr>
-            <a:r>
-              <a:t/>
-            </a:r>
             <a:endParaRPr/>
           </a:p>
         </p:txBody>
@@ -919,11 +951,11 @@
 </file>
 
 <file path=ppt/notesSlides/notesSlide11.xml><?xml version="1.0" encoding="utf-8"?>
-<p:notes xmlns:a="http://schemas.openxmlformats.org/drawingml/2006/main" xmlns:r="http://schemas.openxmlformats.org/officeDocument/2006/relationships" xmlns:mc="http://schemas.openxmlformats.org/markup-compatibility/2006" xmlns:mv="urn:schemas-microsoft-com:mac:vml" xmlns:p="http://schemas.openxmlformats.org/presentationml/2006/main" xmlns:c="http://schemas.openxmlformats.org/drawingml/2006/chart" xmlns:dgm="http://schemas.openxmlformats.org/drawingml/2006/diagram" xmlns:o="urn:schemas-microsoft-com:office:office" xmlns:v="urn:schemas-microsoft-com:vml" xmlns:pvml="urn:schemas-microsoft-com:office:powerpoint" xmlns:com="http://schemas.openxmlformats.org/drawingml/2006/compatibility" xmlns:p14="http://schemas.microsoft.com/office/powerpoint/2010/main" xmlns:p15="http://schemas.microsoft.com/office/powerpoint/2012/main" xmlns:ahyp="http://schemas.microsoft.com/office/drawing/2018/hyperlinkcolor" showMasterPhAnim="0" showMasterSp="0">
+<p:notes xmlns:a="http://schemas.openxmlformats.org/drawingml/2006/main" xmlns:r="http://schemas.openxmlformats.org/officeDocument/2006/relationships" xmlns:p="http://schemas.openxmlformats.org/presentationml/2006/main" showMasterSp="0" showMasterPhAnim="0">
   <p:cSld>
     <p:spTree>
       <p:nvGrpSpPr>
-        <p:cNvPr id="121" name="Shape 121"/>
+        <p:cNvPr id="1" name="Shape 121"/>
         <p:cNvGrpSpPr/>
         <p:nvPr/>
       </p:nvGrpSpPr>
@@ -938,9 +970,11 @@
       <p:sp>
         <p:nvSpPr>
           <p:cNvPr id="122" name="Google Shape;122;gb4eda68a34_1_29:notes"/>
-          <p:cNvSpPr/>
+          <p:cNvSpPr>
+            <a:spLocks noGrp="1" noRot="1" noChangeAspect="1"/>
+          </p:cNvSpPr>
           <p:nvPr>
-            <p:ph idx="2" type="sldImg"/>
+            <p:ph type="sldImg" idx="2"/>
           </p:nvPr>
         </p:nvSpPr>
         <p:spPr>
@@ -949,9 +983,13 @@
             <a:ext cx="6096000" cy="3429000"/>
           </a:xfrm>
           <a:custGeom>
-            <a:rect b="b" l="l" r="r" t="t"/>
+            <a:avLst/>
+            <a:gdLst/>
+            <a:ahLst/>
+            <a:cxnLst/>
+            <a:rect l="l" t="t" r="r" b="b"/>
             <a:pathLst>
-              <a:path extrusionOk="0" h="120000" w="120000">
+              <a:path w="120000" h="120000" extrusionOk="0">
                 <a:moveTo>
                   <a:pt x="0" y="0"/>
                 </a:moveTo>
@@ -973,9 +1011,11 @@
       <p:sp>
         <p:nvSpPr>
           <p:cNvPr id="123" name="Google Shape;123;gb4eda68a34_1_29:notes"/>
-          <p:cNvSpPr txBox="1"/>
+          <p:cNvSpPr txBox="1">
+            <a:spLocks noGrp="1"/>
+          </p:cNvSpPr>
           <p:nvPr>
-            <p:ph idx="1" type="body"/>
+            <p:ph type="body" idx="1"/>
           </p:nvPr>
         </p:nvSpPr>
         <p:spPr>
@@ -988,12 +1028,12 @@
           </a:prstGeom>
         </p:spPr>
         <p:txBody>
-          <a:bodyPr anchorCtr="0" anchor="t" bIns="91425" lIns="91425" spcFirstLastPara="1" rIns="91425" wrap="square" tIns="91425">
+          <a:bodyPr spcFirstLastPara="1" wrap="square" lIns="91425" tIns="91425" rIns="91425" bIns="91425" anchor="t" anchorCtr="0">
             <a:noAutofit/>
           </a:bodyPr>
           <a:lstStyle/>
           <a:p>
-            <a:pPr indent="0" lvl="0" marL="0" rtl="1" algn="r">
+            <a:pPr marL="0" lvl="0" indent="0" algn="r" rtl="1">
               <a:spcBef>
                 <a:spcPts val="0"/>
               </a:spcBef>
@@ -1009,7 +1049,7 @@
             <a:endParaRPr/>
           </a:p>
           <a:p>
-            <a:pPr indent="0" lvl="0" marL="0" rtl="1" algn="r">
+            <a:pPr marL="0" lvl="0" indent="0" algn="r" rtl="1">
               <a:spcBef>
                 <a:spcPts val="0"/>
               </a:spcBef>
@@ -1025,7 +1065,7 @@
             <a:endParaRPr/>
           </a:p>
           <a:p>
-            <a:pPr indent="0" lvl="0" marL="0" rtl="1" algn="r">
+            <a:pPr marL="0" lvl="0" indent="0" algn="r" rtl="1">
               <a:spcBef>
                 <a:spcPts val="0"/>
               </a:spcBef>
@@ -1051,11 +1091,11 @@
 </file>
 
 <file path=ppt/notesSlides/notesSlide12.xml><?xml version="1.0" encoding="utf-8"?>
-<p:notes xmlns:a="http://schemas.openxmlformats.org/drawingml/2006/main" xmlns:r="http://schemas.openxmlformats.org/officeDocument/2006/relationships" xmlns:mc="http://schemas.openxmlformats.org/markup-compatibility/2006" xmlns:mv="urn:schemas-microsoft-com:mac:vml" xmlns:p="http://schemas.openxmlformats.org/presentationml/2006/main" xmlns:c="http://schemas.openxmlformats.org/drawingml/2006/chart" xmlns:dgm="http://schemas.openxmlformats.org/drawingml/2006/diagram" xmlns:o="urn:schemas-microsoft-com:office:office" xmlns:v="urn:schemas-microsoft-com:vml" xmlns:pvml="urn:schemas-microsoft-com:office:powerpoint" xmlns:com="http://schemas.openxmlformats.org/drawingml/2006/compatibility" xmlns:p14="http://schemas.microsoft.com/office/powerpoint/2010/main" xmlns:p15="http://schemas.microsoft.com/office/powerpoint/2012/main" xmlns:ahyp="http://schemas.microsoft.com/office/drawing/2018/hyperlinkcolor" showMasterPhAnim="0" showMasterSp="0">
+<p:notes xmlns:a="http://schemas.openxmlformats.org/drawingml/2006/main" xmlns:r="http://schemas.openxmlformats.org/officeDocument/2006/relationships" xmlns:p="http://schemas.openxmlformats.org/presentationml/2006/main" showMasterSp="0" showMasterPhAnim="0">
   <p:cSld>
     <p:spTree>
       <p:nvGrpSpPr>
-        <p:cNvPr id="132" name="Shape 132"/>
+        <p:cNvPr id="1" name="Shape 132"/>
         <p:cNvGrpSpPr/>
         <p:nvPr/>
       </p:nvGrpSpPr>
@@ -1070,9 +1110,11 @@
       <p:sp>
         <p:nvSpPr>
           <p:cNvPr id="133" name="Google Shape;133;gb4eda68a34_1_34:notes"/>
-          <p:cNvSpPr/>
+          <p:cNvSpPr>
+            <a:spLocks noGrp="1" noRot="1" noChangeAspect="1"/>
+          </p:cNvSpPr>
           <p:nvPr>
-            <p:ph idx="2" type="sldImg"/>
+            <p:ph type="sldImg" idx="2"/>
           </p:nvPr>
         </p:nvSpPr>
         <p:spPr>
@@ -1081,9 +1123,13 @@
             <a:ext cx="6096000" cy="3429000"/>
           </a:xfrm>
           <a:custGeom>
-            <a:rect b="b" l="l" r="r" t="t"/>
+            <a:avLst/>
+            <a:gdLst/>
+            <a:ahLst/>
+            <a:cxnLst/>
+            <a:rect l="l" t="t" r="r" b="b"/>
             <a:pathLst>
-              <a:path extrusionOk="0" h="120000" w="120000">
+              <a:path w="120000" h="120000" extrusionOk="0">
                 <a:moveTo>
                   <a:pt x="0" y="0"/>
                 </a:moveTo>
@@ -1105,9 +1151,11 @@
       <p:sp>
         <p:nvSpPr>
           <p:cNvPr id="134" name="Google Shape;134;gb4eda68a34_1_34:notes"/>
-          <p:cNvSpPr txBox="1"/>
+          <p:cNvSpPr txBox="1">
+            <a:spLocks noGrp="1"/>
+          </p:cNvSpPr>
           <p:nvPr>
-            <p:ph idx="1" type="body"/>
+            <p:ph type="body" idx="1"/>
           </p:nvPr>
         </p:nvSpPr>
         <p:spPr>
@@ -1120,12 +1168,12 @@
           </a:prstGeom>
         </p:spPr>
         <p:txBody>
-          <a:bodyPr anchorCtr="0" anchor="t" bIns="91425" lIns="91425" spcFirstLastPara="1" rIns="91425" wrap="square" tIns="91425">
+          <a:bodyPr spcFirstLastPara="1" wrap="square" lIns="91425" tIns="91425" rIns="91425" bIns="91425" anchor="t" anchorCtr="0">
             <a:noAutofit/>
           </a:bodyPr>
           <a:lstStyle/>
           <a:p>
-            <a:pPr indent="0" lvl="0" marL="0" rtl="0" algn="l">
+            <a:pPr marL="0" lvl="0" indent="0" algn="l" rtl="0">
               <a:spcBef>
                 <a:spcPts val="0"/>
               </a:spcBef>
@@ -1134,9 +1182,6 @@
               </a:spcAft>
               <a:buNone/>
             </a:pPr>
-            <a:r>
-              <a:t/>
-            </a:r>
             <a:endParaRPr/>
           </a:p>
         </p:txBody>
@@ -1150,11 +1195,11 @@
 </file>
 
 <file path=ppt/notesSlides/notesSlide13.xml><?xml version="1.0" encoding="utf-8"?>
-<p:notes xmlns:a="http://schemas.openxmlformats.org/drawingml/2006/main" xmlns:r="http://schemas.openxmlformats.org/officeDocument/2006/relationships" xmlns:mc="http://schemas.openxmlformats.org/markup-compatibility/2006" xmlns:mv="urn:schemas-microsoft-com:mac:vml" xmlns:p="http://schemas.openxmlformats.org/presentationml/2006/main" xmlns:c="http://schemas.openxmlformats.org/drawingml/2006/chart" xmlns:dgm="http://schemas.openxmlformats.org/drawingml/2006/diagram" xmlns:o="urn:schemas-microsoft-com:office:office" xmlns:v="urn:schemas-microsoft-com:vml" xmlns:pvml="urn:schemas-microsoft-com:office:powerpoint" xmlns:com="http://schemas.openxmlformats.org/drawingml/2006/compatibility" xmlns:p14="http://schemas.microsoft.com/office/powerpoint/2010/main" xmlns:p15="http://schemas.microsoft.com/office/powerpoint/2012/main" xmlns:ahyp="http://schemas.microsoft.com/office/drawing/2018/hyperlinkcolor" showMasterPhAnim="0" showMasterSp="0">
+<p:notes xmlns:a="http://schemas.openxmlformats.org/drawingml/2006/main" xmlns:r="http://schemas.openxmlformats.org/officeDocument/2006/relationships" xmlns:p="http://schemas.openxmlformats.org/presentationml/2006/main" showMasterSp="0" showMasterPhAnim="0">
   <p:cSld>
     <p:spTree>
       <p:nvGrpSpPr>
-        <p:cNvPr id="138" name="Shape 138"/>
+        <p:cNvPr id="1" name="Shape 138"/>
         <p:cNvGrpSpPr/>
         <p:nvPr/>
       </p:nvGrpSpPr>
@@ -1169,9 +1214,11 @@
       <p:sp>
         <p:nvSpPr>
           <p:cNvPr id="139" name="Google Shape;139;gb4eda68a34_1_54:notes"/>
-          <p:cNvSpPr/>
+          <p:cNvSpPr>
+            <a:spLocks noGrp="1" noRot="1" noChangeAspect="1"/>
+          </p:cNvSpPr>
           <p:nvPr>
-            <p:ph idx="2" type="sldImg"/>
+            <p:ph type="sldImg" idx="2"/>
           </p:nvPr>
         </p:nvSpPr>
         <p:spPr>
@@ -1180,9 +1227,13 @@
             <a:ext cx="6096000" cy="3429000"/>
           </a:xfrm>
           <a:custGeom>
-            <a:rect b="b" l="l" r="r" t="t"/>
+            <a:avLst/>
+            <a:gdLst/>
+            <a:ahLst/>
+            <a:cxnLst/>
+            <a:rect l="l" t="t" r="r" b="b"/>
             <a:pathLst>
-              <a:path extrusionOk="0" h="120000" w="120000">
+              <a:path w="120000" h="120000" extrusionOk="0">
                 <a:moveTo>
                   <a:pt x="0" y="0"/>
                 </a:moveTo>
@@ -1204,9 +1255,11 @@
       <p:sp>
         <p:nvSpPr>
           <p:cNvPr id="140" name="Google Shape;140;gb4eda68a34_1_54:notes"/>
-          <p:cNvSpPr txBox="1"/>
+          <p:cNvSpPr txBox="1">
+            <a:spLocks noGrp="1"/>
+          </p:cNvSpPr>
           <p:nvPr>
-            <p:ph idx="1" type="body"/>
+            <p:ph type="body" idx="1"/>
           </p:nvPr>
         </p:nvSpPr>
         <p:spPr>
@@ -1219,12 +1272,12 @@
           </a:prstGeom>
         </p:spPr>
         <p:txBody>
-          <a:bodyPr anchorCtr="0" anchor="t" bIns="91425" lIns="91425" spcFirstLastPara="1" rIns="91425" wrap="square" tIns="91425">
+          <a:bodyPr spcFirstLastPara="1" wrap="square" lIns="91425" tIns="91425" rIns="91425" bIns="91425" anchor="t" anchorCtr="0">
             <a:noAutofit/>
           </a:bodyPr>
           <a:lstStyle/>
           <a:p>
-            <a:pPr indent="0" lvl="0" marL="0" rtl="0" algn="l">
+            <a:pPr marL="0" lvl="0" indent="0" algn="l" rtl="0">
               <a:spcBef>
                 <a:spcPts val="0"/>
               </a:spcBef>
@@ -1233,9 +1286,6 @@
               </a:spcAft>
               <a:buNone/>
             </a:pPr>
-            <a:r>
-              <a:t/>
-            </a:r>
             <a:endParaRPr/>
           </a:p>
         </p:txBody>
@@ -1249,11 +1299,11 @@
 </file>
 
 <file path=ppt/notesSlides/notesSlide14.xml><?xml version="1.0" encoding="utf-8"?>
-<p:notes xmlns:a="http://schemas.openxmlformats.org/drawingml/2006/main" xmlns:r="http://schemas.openxmlformats.org/officeDocument/2006/relationships" xmlns:mc="http://schemas.openxmlformats.org/markup-compatibility/2006" xmlns:mv="urn:schemas-microsoft-com:mac:vml" xmlns:p="http://schemas.openxmlformats.org/presentationml/2006/main" xmlns:c="http://schemas.openxmlformats.org/drawingml/2006/chart" xmlns:dgm="http://schemas.openxmlformats.org/drawingml/2006/diagram" xmlns:o="urn:schemas-microsoft-com:office:office" xmlns:v="urn:schemas-microsoft-com:vml" xmlns:pvml="urn:schemas-microsoft-com:office:powerpoint" xmlns:com="http://schemas.openxmlformats.org/drawingml/2006/compatibility" xmlns:p14="http://schemas.microsoft.com/office/powerpoint/2010/main" xmlns:p15="http://schemas.microsoft.com/office/powerpoint/2012/main" xmlns:ahyp="http://schemas.microsoft.com/office/drawing/2018/hyperlinkcolor" showMasterPhAnim="0" showMasterSp="0">
+<p:notes xmlns:a="http://schemas.openxmlformats.org/drawingml/2006/main" xmlns:r="http://schemas.openxmlformats.org/officeDocument/2006/relationships" xmlns:p="http://schemas.openxmlformats.org/presentationml/2006/main" showMasterSp="0" showMasterPhAnim="0">
   <p:cSld>
     <p:spTree>
       <p:nvGrpSpPr>
-        <p:cNvPr id="145" name="Shape 145"/>
+        <p:cNvPr id="1" name="Shape 145"/>
         <p:cNvGrpSpPr/>
         <p:nvPr/>
       </p:nvGrpSpPr>
@@ -1268,9 +1318,11 @@
       <p:sp>
         <p:nvSpPr>
           <p:cNvPr id="146" name="Google Shape;146;gb4a96153c2_1_230:notes"/>
-          <p:cNvSpPr/>
+          <p:cNvSpPr>
+            <a:spLocks noGrp="1" noRot="1" noChangeAspect="1"/>
+          </p:cNvSpPr>
           <p:nvPr>
-            <p:ph idx="2" type="sldImg"/>
+            <p:ph type="sldImg" idx="2"/>
           </p:nvPr>
         </p:nvSpPr>
         <p:spPr>
@@ -1279,9 +1331,13 @@
             <a:ext cx="6096000" cy="3429000"/>
           </a:xfrm>
           <a:custGeom>
-            <a:rect b="b" l="l" r="r" t="t"/>
+            <a:avLst/>
+            <a:gdLst/>
+            <a:ahLst/>
+            <a:cxnLst/>
+            <a:rect l="l" t="t" r="r" b="b"/>
             <a:pathLst>
-              <a:path extrusionOk="0" h="120000" w="120000">
+              <a:path w="120000" h="120000" extrusionOk="0">
                 <a:moveTo>
                   <a:pt x="0" y="0"/>
                 </a:moveTo>
@@ -1303,9 +1359,11 @@
       <p:sp>
         <p:nvSpPr>
           <p:cNvPr id="147" name="Google Shape;147;gb4a96153c2_1_230:notes"/>
-          <p:cNvSpPr txBox="1"/>
+          <p:cNvSpPr txBox="1">
+            <a:spLocks noGrp="1"/>
+          </p:cNvSpPr>
           <p:nvPr>
-            <p:ph idx="1" type="body"/>
+            <p:ph type="body" idx="1"/>
           </p:nvPr>
         </p:nvSpPr>
         <p:spPr>
@@ -1318,12 +1376,12 @@
           </a:prstGeom>
         </p:spPr>
         <p:txBody>
-          <a:bodyPr anchorCtr="0" anchor="t" bIns="91425" lIns="91425" spcFirstLastPara="1" rIns="91425" wrap="square" tIns="91425">
+          <a:bodyPr spcFirstLastPara="1" wrap="square" lIns="91425" tIns="91425" rIns="91425" bIns="91425" anchor="t" anchorCtr="0">
             <a:noAutofit/>
           </a:bodyPr>
           <a:lstStyle/>
           <a:p>
-            <a:pPr indent="0" lvl="0" marL="0" rtl="0" algn="l">
+            <a:pPr marL="0" lvl="0" indent="0" algn="l" rtl="0">
               <a:spcBef>
                 <a:spcPts val="0"/>
               </a:spcBef>
@@ -1332,9 +1390,6 @@
               </a:spcAft>
               <a:buNone/>
             </a:pPr>
-            <a:r>
-              <a:t/>
-            </a:r>
             <a:endParaRPr/>
           </a:p>
         </p:txBody>
@@ -1348,11 +1403,11 @@
 </file>
 
 <file path=ppt/notesSlides/notesSlide15.xml><?xml version="1.0" encoding="utf-8"?>
-<p:notes xmlns:a="http://schemas.openxmlformats.org/drawingml/2006/main" xmlns:r="http://schemas.openxmlformats.org/officeDocument/2006/relationships" xmlns:mc="http://schemas.openxmlformats.org/markup-compatibility/2006" xmlns:mv="urn:schemas-microsoft-com:mac:vml" xmlns:p="http://schemas.openxmlformats.org/presentationml/2006/main" xmlns:c="http://schemas.openxmlformats.org/drawingml/2006/chart" xmlns:dgm="http://schemas.openxmlformats.org/drawingml/2006/diagram" xmlns:o="urn:schemas-microsoft-com:office:office" xmlns:v="urn:schemas-microsoft-com:vml" xmlns:pvml="urn:schemas-microsoft-com:office:powerpoint" xmlns:com="http://schemas.openxmlformats.org/drawingml/2006/compatibility" xmlns:p14="http://schemas.microsoft.com/office/powerpoint/2010/main" xmlns:p15="http://schemas.microsoft.com/office/powerpoint/2012/main" xmlns:ahyp="http://schemas.microsoft.com/office/drawing/2018/hyperlinkcolor" showMasterPhAnim="0" showMasterSp="0">
+<p:notes xmlns:a="http://schemas.openxmlformats.org/drawingml/2006/main" xmlns:r="http://schemas.openxmlformats.org/officeDocument/2006/relationships" xmlns:p="http://schemas.openxmlformats.org/presentationml/2006/main" showMasterSp="0" showMasterPhAnim="0">
   <p:cSld>
     <p:spTree>
       <p:nvGrpSpPr>
-        <p:cNvPr id="151" name="Shape 151"/>
+        <p:cNvPr id="1" name="Shape 151"/>
         <p:cNvGrpSpPr/>
         <p:nvPr/>
       </p:nvGrpSpPr>
@@ -1367,9 +1422,11 @@
       <p:sp>
         <p:nvSpPr>
           <p:cNvPr id="152" name="Google Shape;152;gb4a96153c2_1_240:notes"/>
-          <p:cNvSpPr/>
+          <p:cNvSpPr>
+            <a:spLocks noGrp="1" noRot="1" noChangeAspect="1"/>
+          </p:cNvSpPr>
           <p:nvPr>
-            <p:ph idx="2" type="sldImg"/>
+            <p:ph type="sldImg" idx="2"/>
           </p:nvPr>
         </p:nvSpPr>
         <p:spPr>
@@ -1378,9 +1435,13 @@
             <a:ext cx="6096000" cy="3429000"/>
           </a:xfrm>
           <a:custGeom>
-            <a:rect b="b" l="l" r="r" t="t"/>
+            <a:avLst/>
+            <a:gdLst/>
+            <a:ahLst/>
+            <a:cxnLst/>
+            <a:rect l="l" t="t" r="r" b="b"/>
             <a:pathLst>
-              <a:path extrusionOk="0" h="120000" w="120000">
+              <a:path w="120000" h="120000" extrusionOk="0">
                 <a:moveTo>
                   <a:pt x="0" y="0"/>
                 </a:moveTo>
@@ -1402,9 +1463,11 @@
       <p:sp>
         <p:nvSpPr>
           <p:cNvPr id="153" name="Google Shape;153;gb4a96153c2_1_240:notes"/>
-          <p:cNvSpPr txBox="1"/>
+          <p:cNvSpPr txBox="1">
+            <a:spLocks noGrp="1"/>
+          </p:cNvSpPr>
           <p:nvPr>
-            <p:ph idx="1" type="body"/>
+            <p:ph type="body" idx="1"/>
           </p:nvPr>
         </p:nvSpPr>
         <p:spPr>
@@ -1417,12 +1480,12 @@
           </a:prstGeom>
         </p:spPr>
         <p:txBody>
-          <a:bodyPr anchorCtr="0" anchor="t" bIns="91425" lIns="91425" spcFirstLastPara="1" rIns="91425" wrap="square" tIns="91425">
+          <a:bodyPr spcFirstLastPara="1" wrap="square" lIns="91425" tIns="91425" rIns="91425" bIns="91425" anchor="t" anchorCtr="0">
             <a:noAutofit/>
           </a:bodyPr>
           <a:lstStyle/>
           <a:p>
-            <a:pPr indent="0" lvl="0" marL="0" rtl="0" algn="l">
+            <a:pPr marL="0" lvl="0" indent="0" algn="l" rtl="0">
               <a:spcBef>
                 <a:spcPts val="0"/>
               </a:spcBef>
@@ -1431,9 +1494,6 @@
               </a:spcAft>
               <a:buNone/>
             </a:pPr>
-            <a:r>
-              <a:t/>
-            </a:r>
             <a:endParaRPr/>
           </a:p>
         </p:txBody>
@@ -1447,11 +1507,11 @@
 </file>
 
 <file path=ppt/notesSlides/notesSlide16.xml><?xml version="1.0" encoding="utf-8"?>
-<p:notes xmlns:a="http://schemas.openxmlformats.org/drawingml/2006/main" xmlns:r="http://schemas.openxmlformats.org/officeDocument/2006/relationships" xmlns:mc="http://schemas.openxmlformats.org/markup-compatibility/2006" xmlns:mv="urn:schemas-microsoft-com:mac:vml" xmlns:p="http://schemas.openxmlformats.org/presentationml/2006/main" xmlns:c="http://schemas.openxmlformats.org/drawingml/2006/chart" xmlns:dgm="http://schemas.openxmlformats.org/drawingml/2006/diagram" xmlns:o="urn:schemas-microsoft-com:office:office" xmlns:v="urn:schemas-microsoft-com:vml" xmlns:pvml="urn:schemas-microsoft-com:office:powerpoint" xmlns:com="http://schemas.openxmlformats.org/drawingml/2006/compatibility" xmlns:p14="http://schemas.microsoft.com/office/powerpoint/2010/main" xmlns:p15="http://schemas.microsoft.com/office/powerpoint/2012/main" xmlns:ahyp="http://schemas.microsoft.com/office/drawing/2018/hyperlinkcolor" showMasterPhAnim="0" showMasterSp="0">
+<p:notes xmlns:a="http://schemas.openxmlformats.org/drawingml/2006/main" xmlns:r="http://schemas.openxmlformats.org/officeDocument/2006/relationships" xmlns:p="http://schemas.openxmlformats.org/presentationml/2006/main" showMasterSp="0" showMasterPhAnim="0">
   <p:cSld>
     <p:spTree>
       <p:nvGrpSpPr>
-        <p:cNvPr id="157" name="Shape 157"/>
+        <p:cNvPr id="1" name="Shape 157"/>
         <p:cNvGrpSpPr/>
         <p:nvPr/>
       </p:nvGrpSpPr>
@@ -1466,9 +1526,11 @@
       <p:sp>
         <p:nvSpPr>
           <p:cNvPr id="158" name="Google Shape;158;gb4a96153c2_1_250:notes"/>
-          <p:cNvSpPr/>
+          <p:cNvSpPr>
+            <a:spLocks noGrp="1" noRot="1" noChangeAspect="1"/>
+          </p:cNvSpPr>
           <p:nvPr>
-            <p:ph idx="2" type="sldImg"/>
+            <p:ph type="sldImg" idx="2"/>
           </p:nvPr>
         </p:nvSpPr>
         <p:spPr>
@@ -1477,9 +1539,13 @@
             <a:ext cx="6096000" cy="3429000"/>
           </a:xfrm>
           <a:custGeom>
-            <a:rect b="b" l="l" r="r" t="t"/>
+            <a:avLst/>
+            <a:gdLst/>
+            <a:ahLst/>
+            <a:cxnLst/>
+            <a:rect l="l" t="t" r="r" b="b"/>
             <a:pathLst>
-              <a:path extrusionOk="0" h="120000" w="120000">
+              <a:path w="120000" h="120000" extrusionOk="0">
                 <a:moveTo>
                   <a:pt x="0" y="0"/>
                 </a:moveTo>
@@ -1501,9 +1567,11 @@
       <p:sp>
         <p:nvSpPr>
           <p:cNvPr id="159" name="Google Shape;159;gb4a96153c2_1_250:notes"/>
-          <p:cNvSpPr txBox="1"/>
+          <p:cNvSpPr txBox="1">
+            <a:spLocks noGrp="1"/>
+          </p:cNvSpPr>
           <p:nvPr>
-            <p:ph idx="1" type="body"/>
+            <p:ph type="body" idx="1"/>
           </p:nvPr>
         </p:nvSpPr>
         <p:spPr>
@@ -1516,12 +1584,12 @@
           </a:prstGeom>
         </p:spPr>
         <p:txBody>
-          <a:bodyPr anchorCtr="0" anchor="t" bIns="91425" lIns="91425" spcFirstLastPara="1" rIns="91425" wrap="square" tIns="91425">
+          <a:bodyPr spcFirstLastPara="1" wrap="square" lIns="91425" tIns="91425" rIns="91425" bIns="91425" anchor="t" anchorCtr="0">
             <a:noAutofit/>
           </a:bodyPr>
           <a:lstStyle/>
           <a:p>
-            <a:pPr indent="0" lvl="0" marL="0" rtl="0" algn="l">
+            <a:pPr marL="0" lvl="0" indent="0" algn="l" rtl="0">
               <a:spcBef>
                 <a:spcPts val="0"/>
               </a:spcBef>
@@ -1530,9 +1598,6 @@
               </a:spcAft>
               <a:buNone/>
             </a:pPr>
-            <a:r>
-              <a:t/>
-            </a:r>
             <a:endParaRPr/>
           </a:p>
         </p:txBody>
@@ -1546,11 +1611,11 @@
 </file>
 
 <file path=ppt/notesSlides/notesSlide17.xml><?xml version="1.0" encoding="utf-8"?>
-<p:notes xmlns:a="http://schemas.openxmlformats.org/drawingml/2006/main" xmlns:r="http://schemas.openxmlformats.org/officeDocument/2006/relationships" xmlns:mc="http://schemas.openxmlformats.org/markup-compatibility/2006" xmlns:mv="urn:schemas-microsoft-com:mac:vml" xmlns:p="http://schemas.openxmlformats.org/presentationml/2006/main" xmlns:c="http://schemas.openxmlformats.org/drawingml/2006/chart" xmlns:dgm="http://schemas.openxmlformats.org/drawingml/2006/diagram" xmlns:o="urn:schemas-microsoft-com:office:office" xmlns:v="urn:schemas-microsoft-com:vml" xmlns:pvml="urn:schemas-microsoft-com:office:powerpoint" xmlns:com="http://schemas.openxmlformats.org/drawingml/2006/compatibility" xmlns:p14="http://schemas.microsoft.com/office/powerpoint/2010/main" xmlns:p15="http://schemas.microsoft.com/office/powerpoint/2012/main" xmlns:ahyp="http://schemas.microsoft.com/office/drawing/2018/hyperlinkcolor" showMasterPhAnim="0" showMasterSp="0">
+<p:notes xmlns:a="http://schemas.openxmlformats.org/drawingml/2006/main" xmlns:r="http://schemas.openxmlformats.org/officeDocument/2006/relationships" xmlns:p="http://schemas.openxmlformats.org/presentationml/2006/main" showMasterSp="0" showMasterPhAnim="0">
   <p:cSld>
     <p:spTree>
       <p:nvGrpSpPr>
-        <p:cNvPr id="163" name="Shape 163"/>
+        <p:cNvPr id="1" name="Shape 163"/>
         <p:cNvGrpSpPr/>
         <p:nvPr/>
       </p:nvGrpSpPr>
@@ -1565,9 +1630,11 @@
       <p:sp>
         <p:nvSpPr>
           <p:cNvPr id="164" name="Google Shape;164;gb4a96153c2_1_255:notes"/>
-          <p:cNvSpPr/>
+          <p:cNvSpPr>
+            <a:spLocks noGrp="1" noRot="1" noChangeAspect="1"/>
+          </p:cNvSpPr>
           <p:nvPr>
-            <p:ph idx="2" type="sldImg"/>
+            <p:ph type="sldImg" idx="2"/>
           </p:nvPr>
         </p:nvSpPr>
         <p:spPr>
@@ -1576,9 +1643,13 @@
             <a:ext cx="6096000" cy="3429000"/>
           </a:xfrm>
           <a:custGeom>
-            <a:rect b="b" l="l" r="r" t="t"/>
+            <a:avLst/>
+            <a:gdLst/>
+            <a:ahLst/>
+            <a:cxnLst/>
+            <a:rect l="l" t="t" r="r" b="b"/>
             <a:pathLst>
-              <a:path extrusionOk="0" h="120000" w="120000">
+              <a:path w="120000" h="120000" extrusionOk="0">
                 <a:moveTo>
                   <a:pt x="0" y="0"/>
                 </a:moveTo>
@@ -1600,9 +1671,11 @@
       <p:sp>
         <p:nvSpPr>
           <p:cNvPr id="165" name="Google Shape;165;gb4a96153c2_1_255:notes"/>
-          <p:cNvSpPr txBox="1"/>
+          <p:cNvSpPr txBox="1">
+            <a:spLocks noGrp="1"/>
+          </p:cNvSpPr>
           <p:nvPr>
-            <p:ph idx="1" type="body"/>
+            <p:ph type="body" idx="1"/>
           </p:nvPr>
         </p:nvSpPr>
         <p:spPr>
@@ -1615,12 +1688,12 @@
           </a:prstGeom>
         </p:spPr>
         <p:txBody>
-          <a:bodyPr anchorCtr="0" anchor="t" bIns="91425" lIns="91425" spcFirstLastPara="1" rIns="91425" wrap="square" tIns="91425">
+          <a:bodyPr spcFirstLastPara="1" wrap="square" lIns="91425" tIns="91425" rIns="91425" bIns="91425" anchor="t" anchorCtr="0">
             <a:noAutofit/>
           </a:bodyPr>
           <a:lstStyle/>
           <a:p>
-            <a:pPr indent="0" lvl="0" marL="0" rtl="0" algn="l">
+            <a:pPr marL="0" lvl="0" indent="0" algn="l" rtl="0">
               <a:spcBef>
                 <a:spcPts val="0"/>
               </a:spcBef>
@@ -1629,9 +1702,6 @@
               </a:spcAft>
               <a:buNone/>
             </a:pPr>
-            <a:r>
-              <a:t/>
-            </a:r>
             <a:endParaRPr/>
           </a:p>
         </p:txBody>
@@ -1645,11 +1715,11 @@
 </file>
 
 <file path=ppt/notesSlides/notesSlide18.xml><?xml version="1.0" encoding="utf-8"?>
-<p:notes xmlns:a="http://schemas.openxmlformats.org/drawingml/2006/main" xmlns:r="http://schemas.openxmlformats.org/officeDocument/2006/relationships" xmlns:mc="http://schemas.openxmlformats.org/markup-compatibility/2006" xmlns:mv="urn:schemas-microsoft-com:mac:vml" xmlns:p="http://schemas.openxmlformats.org/presentationml/2006/main" xmlns:c="http://schemas.openxmlformats.org/drawingml/2006/chart" xmlns:dgm="http://schemas.openxmlformats.org/drawingml/2006/diagram" xmlns:o="urn:schemas-microsoft-com:office:office" xmlns:v="urn:schemas-microsoft-com:vml" xmlns:pvml="urn:schemas-microsoft-com:office:powerpoint" xmlns:com="http://schemas.openxmlformats.org/drawingml/2006/compatibility" xmlns:p14="http://schemas.microsoft.com/office/powerpoint/2010/main" xmlns:p15="http://schemas.microsoft.com/office/powerpoint/2012/main" xmlns:ahyp="http://schemas.microsoft.com/office/drawing/2018/hyperlinkcolor" showMasterPhAnim="0" showMasterSp="0">
+<p:notes xmlns:a="http://schemas.openxmlformats.org/drawingml/2006/main" xmlns:r="http://schemas.openxmlformats.org/officeDocument/2006/relationships" xmlns:p="http://schemas.openxmlformats.org/presentationml/2006/main" showMasterSp="0" showMasterPhAnim="0">
   <p:cSld>
     <p:spTree>
       <p:nvGrpSpPr>
-        <p:cNvPr id="169" name="Shape 169"/>
+        <p:cNvPr id="1" name="Shape 169"/>
         <p:cNvGrpSpPr/>
         <p:nvPr/>
       </p:nvGrpSpPr>
@@ -1664,9 +1734,11 @@
       <p:sp>
         <p:nvSpPr>
           <p:cNvPr id="170" name="Google Shape;170;gb4a96153c2_1_260:notes"/>
-          <p:cNvSpPr/>
+          <p:cNvSpPr>
+            <a:spLocks noGrp="1" noRot="1" noChangeAspect="1"/>
+          </p:cNvSpPr>
           <p:nvPr>
-            <p:ph idx="2" type="sldImg"/>
+            <p:ph type="sldImg" idx="2"/>
           </p:nvPr>
         </p:nvSpPr>
         <p:spPr>
@@ -1675,9 +1747,13 @@
             <a:ext cx="6096000" cy="3429000"/>
           </a:xfrm>
           <a:custGeom>
-            <a:rect b="b" l="l" r="r" t="t"/>
+            <a:avLst/>
+            <a:gdLst/>
+            <a:ahLst/>
+            <a:cxnLst/>
+            <a:rect l="l" t="t" r="r" b="b"/>
             <a:pathLst>
-              <a:path extrusionOk="0" h="120000" w="120000">
+              <a:path w="120000" h="120000" extrusionOk="0">
                 <a:moveTo>
                   <a:pt x="0" y="0"/>
                 </a:moveTo>
@@ -1699,9 +1775,11 @@
       <p:sp>
         <p:nvSpPr>
           <p:cNvPr id="171" name="Google Shape;171;gb4a96153c2_1_260:notes"/>
-          <p:cNvSpPr txBox="1"/>
+          <p:cNvSpPr txBox="1">
+            <a:spLocks noGrp="1"/>
+          </p:cNvSpPr>
           <p:nvPr>
-            <p:ph idx="1" type="body"/>
+            <p:ph type="body" idx="1"/>
           </p:nvPr>
         </p:nvSpPr>
         <p:spPr>
@@ -1714,12 +1792,12 @@
           </a:prstGeom>
         </p:spPr>
         <p:txBody>
-          <a:bodyPr anchorCtr="0" anchor="t" bIns="91425" lIns="91425" spcFirstLastPara="1" rIns="91425" wrap="square" tIns="91425">
+          <a:bodyPr spcFirstLastPara="1" wrap="square" lIns="91425" tIns="91425" rIns="91425" bIns="91425" anchor="t" anchorCtr="0">
             <a:noAutofit/>
           </a:bodyPr>
           <a:lstStyle/>
           <a:p>
-            <a:pPr indent="0" lvl="0" marL="0" rtl="0" algn="l">
+            <a:pPr marL="0" lvl="0" indent="0" algn="l" rtl="0">
               <a:spcBef>
                 <a:spcPts val="0"/>
               </a:spcBef>
@@ -1728,9 +1806,6 @@
               </a:spcAft>
               <a:buNone/>
             </a:pPr>
-            <a:r>
-              <a:t/>
-            </a:r>
             <a:endParaRPr/>
           </a:p>
         </p:txBody>
@@ -1744,11 +1819,11 @@
 </file>
 
 <file path=ppt/notesSlides/notesSlide19.xml><?xml version="1.0" encoding="utf-8"?>
-<p:notes xmlns:a="http://schemas.openxmlformats.org/drawingml/2006/main" xmlns:r="http://schemas.openxmlformats.org/officeDocument/2006/relationships" xmlns:mc="http://schemas.openxmlformats.org/markup-compatibility/2006" xmlns:mv="urn:schemas-microsoft-com:mac:vml" xmlns:p="http://schemas.openxmlformats.org/presentationml/2006/main" xmlns:c="http://schemas.openxmlformats.org/drawingml/2006/chart" xmlns:dgm="http://schemas.openxmlformats.org/drawingml/2006/diagram" xmlns:o="urn:schemas-microsoft-com:office:office" xmlns:v="urn:schemas-microsoft-com:vml" xmlns:pvml="urn:schemas-microsoft-com:office:powerpoint" xmlns:com="http://schemas.openxmlformats.org/drawingml/2006/compatibility" xmlns:p14="http://schemas.microsoft.com/office/powerpoint/2010/main" xmlns:p15="http://schemas.microsoft.com/office/powerpoint/2012/main" xmlns:ahyp="http://schemas.microsoft.com/office/drawing/2018/hyperlinkcolor" showMasterPhAnim="0" showMasterSp="0">
+<p:notes xmlns:a="http://schemas.openxmlformats.org/drawingml/2006/main" xmlns:r="http://schemas.openxmlformats.org/officeDocument/2006/relationships" xmlns:p="http://schemas.openxmlformats.org/presentationml/2006/main" showMasterSp="0" showMasterPhAnim="0">
   <p:cSld>
     <p:spTree>
       <p:nvGrpSpPr>
-        <p:cNvPr id="175" name="Shape 175"/>
+        <p:cNvPr id="1" name="Shape 175"/>
         <p:cNvGrpSpPr/>
         <p:nvPr/>
       </p:nvGrpSpPr>
@@ -1763,9 +1838,11 @@
       <p:sp>
         <p:nvSpPr>
           <p:cNvPr id="176" name="Google Shape;176;gb4a96153c2_1_271:notes"/>
-          <p:cNvSpPr/>
+          <p:cNvSpPr>
+            <a:spLocks noGrp="1" noRot="1" noChangeAspect="1"/>
+          </p:cNvSpPr>
           <p:nvPr>
-            <p:ph idx="2" type="sldImg"/>
+            <p:ph type="sldImg" idx="2"/>
           </p:nvPr>
         </p:nvSpPr>
         <p:spPr>
@@ -1774,9 +1851,13 @@
             <a:ext cx="6096000" cy="3429000"/>
           </a:xfrm>
           <a:custGeom>
-            <a:rect b="b" l="l" r="r" t="t"/>
+            <a:avLst/>
+            <a:gdLst/>
+            <a:ahLst/>
+            <a:cxnLst/>
+            <a:rect l="l" t="t" r="r" b="b"/>
             <a:pathLst>
-              <a:path extrusionOk="0" h="120000" w="120000">
+              <a:path w="120000" h="120000" extrusionOk="0">
                 <a:moveTo>
                   <a:pt x="0" y="0"/>
                 </a:moveTo>
@@ -1798,9 +1879,11 @@
       <p:sp>
         <p:nvSpPr>
           <p:cNvPr id="177" name="Google Shape;177;gb4a96153c2_1_271:notes"/>
-          <p:cNvSpPr txBox="1"/>
+          <p:cNvSpPr txBox="1">
+            <a:spLocks noGrp="1"/>
+          </p:cNvSpPr>
           <p:nvPr>
-            <p:ph idx="1" type="body"/>
+            <p:ph type="body" idx="1"/>
           </p:nvPr>
         </p:nvSpPr>
         <p:spPr>
@@ -1813,12 +1896,12 @@
           </a:prstGeom>
         </p:spPr>
         <p:txBody>
-          <a:bodyPr anchorCtr="0" anchor="t" bIns="91425" lIns="91425" spcFirstLastPara="1" rIns="91425" wrap="square" tIns="91425">
+          <a:bodyPr spcFirstLastPara="1" wrap="square" lIns="91425" tIns="91425" rIns="91425" bIns="91425" anchor="t" anchorCtr="0">
             <a:noAutofit/>
           </a:bodyPr>
           <a:lstStyle/>
           <a:p>
-            <a:pPr indent="0" lvl="0" marL="0" rtl="0" algn="l">
+            <a:pPr marL="0" lvl="0" indent="0" algn="l" rtl="0">
               <a:spcBef>
                 <a:spcPts val="0"/>
               </a:spcBef>
@@ -1827,9 +1910,6 @@
               </a:spcAft>
               <a:buNone/>
             </a:pPr>
-            <a:r>
-              <a:t/>
-            </a:r>
             <a:endParaRPr/>
           </a:p>
         </p:txBody>
@@ -1843,11 +1923,11 @@
 </file>
 
 <file path=ppt/notesSlides/notesSlide2.xml><?xml version="1.0" encoding="utf-8"?>
-<p:notes xmlns:a="http://schemas.openxmlformats.org/drawingml/2006/main" xmlns:r="http://schemas.openxmlformats.org/officeDocument/2006/relationships" xmlns:mc="http://schemas.openxmlformats.org/markup-compatibility/2006" xmlns:mv="urn:schemas-microsoft-com:mac:vml" xmlns:p="http://schemas.openxmlformats.org/presentationml/2006/main" xmlns:c="http://schemas.openxmlformats.org/drawingml/2006/chart" xmlns:dgm="http://schemas.openxmlformats.org/drawingml/2006/diagram" xmlns:o="urn:schemas-microsoft-com:office:office" xmlns:v="urn:schemas-microsoft-com:vml" xmlns:pvml="urn:schemas-microsoft-com:office:powerpoint" xmlns:com="http://schemas.openxmlformats.org/drawingml/2006/compatibility" xmlns:p14="http://schemas.microsoft.com/office/powerpoint/2010/main" xmlns:p15="http://schemas.microsoft.com/office/powerpoint/2012/main" xmlns:ahyp="http://schemas.microsoft.com/office/drawing/2018/hyperlinkcolor" showMasterPhAnim="0" showMasterSp="0">
+<p:notes xmlns:a="http://schemas.openxmlformats.org/drawingml/2006/main" xmlns:r="http://schemas.openxmlformats.org/officeDocument/2006/relationships" xmlns:p="http://schemas.openxmlformats.org/presentationml/2006/main" showMasterSp="0" showMasterPhAnim="0">
   <p:cSld>
     <p:spTree>
       <p:nvGrpSpPr>
-        <p:cNvPr id="65" name="Shape 65"/>
+        <p:cNvPr id="1" name="Shape 65"/>
         <p:cNvGrpSpPr/>
         <p:nvPr/>
       </p:nvGrpSpPr>
@@ -1862,9 +1942,11 @@
       <p:sp>
         <p:nvSpPr>
           <p:cNvPr id="66" name="Google Shape;66;gaada3d296e_3_0:notes"/>
-          <p:cNvSpPr/>
+          <p:cNvSpPr>
+            <a:spLocks noGrp="1" noRot="1" noChangeAspect="1"/>
+          </p:cNvSpPr>
           <p:nvPr>
-            <p:ph idx="2" type="sldImg"/>
+            <p:ph type="sldImg" idx="2"/>
           </p:nvPr>
         </p:nvSpPr>
         <p:spPr>
@@ -1873,9 +1955,13 @@
             <a:ext cx="6096000" cy="3429000"/>
           </a:xfrm>
           <a:custGeom>
-            <a:rect b="b" l="l" r="r" t="t"/>
+            <a:avLst/>
+            <a:gdLst/>
+            <a:ahLst/>
+            <a:cxnLst/>
+            <a:rect l="l" t="t" r="r" b="b"/>
             <a:pathLst>
-              <a:path extrusionOk="0" h="120000" w="120000">
+              <a:path w="120000" h="120000" extrusionOk="0">
                 <a:moveTo>
                   <a:pt x="0" y="0"/>
                 </a:moveTo>
@@ -1897,9 +1983,11 @@
       <p:sp>
         <p:nvSpPr>
           <p:cNvPr id="67" name="Google Shape;67;gaada3d296e_3_0:notes"/>
-          <p:cNvSpPr txBox="1"/>
+          <p:cNvSpPr txBox="1">
+            <a:spLocks noGrp="1"/>
+          </p:cNvSpPr>
           <p:nvPr>
-            <p:ph idx="1" type="body"/>
+            <p:ph type="body" idx="1"/>
           </p:nvPr>
         </p:nvSpPr>
         <p:spPr>
@@ -1912,12 +2000,12 @@
           </a:prstGeom>
         </p:spPr>
         <p:txBody>
-          <a:bodyPr anchorCtr="0" anchor="t" bIns="91425" lIns="91425" spcFirstLastPara="1" rIns="91425" wrap="square" tIns="91425">
+          <a:bodyPr spcFirstLastPara="1" wrap="square" lIns="91425" tIns="91425" rIns="91425" bIns="91425" anchor="t" anchorCtr="0">
             <a:noAutofit/>
           </a:bodyPr>
           <a:lstStyle/>
           <a:p>
-            <a:pPr indent="0" lvl="0" marL="0" rtl="0" algn="l">
+            <a:pPr marL="0" lvl="0" indent="0" algn="l" rtl="0">
               <a:spcBef>
                 <a:spcPts val="0"/>
               </a:spcBef>
@@ -1926,9 +2014,6 @@
               </a:spcAft>
               <a:buNone/>
             </a:pPr>
-            <a:r>
-              <a:t/>
-            </a:r>
             <a:endParaRPr/>
           </a:p>
         </p:txBody>
@@ -1942,11 +2027,11 @@
 </file>
 
 <file path=ppt/notesSlides/notesSlide20.xml><?xml version="1.0" encoding="utf-8"?>
-<p:notes xmlns:a="http://schemas.openxmlformats.org/drawingml/2006/main" xmlns:r="http://schemas.openxmlformats.org/officeDocument/2006/relationships" xmlns:mc="http://schemas.openxmlformats.org/markup-compatibility/2006" xmlns:mv="urn:schemas-microsoft-com:mac:vml" xmlns:p="http://schemas.openxmlformats.org/presentationml/2006/main" xmlns:c="http://schemas.openxmlformats.org/drawingml/2006/chart" xmlns:dgm="http://schemas.openxmlformats.org/drawingml/2006/diagram" xmlns:o="urn:schemas-microsoft-com:office:office" xmlns:v="urn:schemas-microsoft-com:vml" xmlns:pvml="urn:schemas-microsoft-com:office:powerpoint" xmlns:com="http://schemas.openxmlformats.org/drawingml/2006/compatibility" xmlns:p14="http://schemas.microsoft.com/office/powerpoint/2010/main" xmlns:p15="http://schemas.microsoft.com/office/powerpoint/2012/main" xmlns:ahyp="http://schemas.microsoft.com/office/drawing/2018/hyperlinkcolor" showMasterPhAnim="0" showMasterSp="0">
+<p:notes xmlns:a="http://schemas.openxmlformats.org/drawingml/2006/main" xmlns:r="http://schemas.openxmlformats.org/officeDocument/2006/relationships" xmlns:p="http://schemas.openxmlformats.org/presentationml/2006/main" showMasterSp="0" showMasterPhAnim="0">
   <p:cSld>
     <p:spTree>
       <p:nvGrpSpPr>
-        <p:cNvPr id="181" name="Shape 181"/>
+        <p:cNvPr id="1" name="Shape 181"/>
         <p:cNvGrpSpPr/>
         <p:nvPr/>
       </p:nvGrpSpPr>
@@ -1961,9 +2046,11 @@
       <p:sp>
         <p:nvSpPr>
           <p:cNvPr id="182" name="Google Shape;182;gb4a96153c2_1_276:notes"/>
-          <p:cNvSpPr/>
+          <p:cNvSpPr>
+            <a:spLocks noGrp="1" noRot="1" noChangeAspect="1"/>
+          </p:cNvSpPr>
           <p:nvPr>
-            <p:ph idx="2" type="sldImg"/>
+            <p:ph type="sldImg" idx="2"/>
           </p:nvPr>
         </p:nvSpPr>
         <p:spPr>
@@ -1972,9 +2059,13 @@
             <a:ext cx="6096000" cy="3429000"/>
           </a:xfrm>
           <a:custGeom>
-            <a:rect b="b" l="l" r="r" t="t"/>
+            <a:avLst/>
+            <a:gdLst/>
+            <a:ahLst/>
+            <a:cxnLst/>
+            <a:rect l="l" t="t" r="r" b="b"/>
             <a:pathLst>
-              <a:path extrusionOk="0" h="120000" w="120000">
+              <a:path w="120000" h="120000" extrusionOk="0">
                 <a:moveTo>
                   <a:pt x="0" y="0"/>
                 </a:moveTo>
@@ -1996,9 +2087,11 @@
       <p:sp>
         <p:nvSpPr>
           <p:cNvPr id="183" name="Google Shape;183;gb4a96153c2_1_276:notes"/>
-          <p:cNvSpPr txBox="1"/>
+          <p:cNvSpPr txBox="1">
+            <a:spLocks noGrp="1"/>
+          </p:cNvSpPr>
           <p:nvPr>
-            <p:ph idx="1" type="body"/>
+            <p:ph type="body" idx="1"/>
           </p:nvPr>
         </p:nvSpPr>
         <p:spPr>
@@ -2011,12 +2104,12 @@
           </a:prstGeom>
         </p:spPr>
         <p:txBody>
-          <a:bodyPr anchorCtr="0" anchor="t" bIns="91425" lIns="91425" spcFirstLastPara="1" rIns="91425" wrap="square" tIns="91425">
+          <a:bodyPr spcFirstLastPara="1" wrap="square" lIns="91425" tIns="91425" rIns="91425" bIns="91425" anchor="t" anchorCtr="0">
             <a:noAutofit/>
           </a:bodyPr>
           <a:lstStyle/>
           <a:p>
-            <a:pPr indent="0" lvl="0" marL="0" rtl="0" algn="l">
+            <a:pPr marL="0" lvl="0" indent="0" algn="l" rtl="0">
               <a:spcBef>
                 <a:spcPts val="0"/>
               </a:spcBef>
@@ -2025,9 +2118,6 @@
               </a:spcAft>
               <a:buNone/>
             </a:pPr>
-            <a:r>
-              <a:t/>
-            </a:r>
             <a:endParaRPr/>
           </a:p>
         </p:txBody>
@@ -2041,11 +2131,11 @@
 </file>
 
 <file path=ppt/notesSlides/notesSlide21.xml><?xml version="1.0" encoding="utf-8"?>
-<p:notes xmlns:a="http://schemas.openxmlformats.org/drawingml/2006/main" xmlns:r="http://schemas.openxmlformats.org/officeDocument/2006/relationships" xmlns:mc="http://schemas.openxmlformats.org/markup-compatibility/2006" xmlns:mv="urn:schemas-microsoft-com:mac:vml" xmlns:p="http://schemas.openxmlformats.org/presentationml/2006/main" xmlns:c="http://schemas.openxmlformats.org/drawingml/2006/chart" xmlns:dgm="http://schemas.openxmlformats.org/drawingml/2006/diagram" xmlns:o="urn:schemas-microsoft-com:office:office" xmlns:v="urn:schemas-microsoft-com:vml" xmlns:pvml="urn:schemas-microsoft-com:office:powerpoint" xmlns:com="http://schemas.openxmlformats.org/drawingml/2006/compatibility" xmlns:p14="http://schemas.microsoft.com/office/powerpoint/2010/main" xmlns:p15="http://schemas.microsoft.com/office/powerpoint/2012/main" xmlns:ahyp="http://schemas.microsoft.com/office/drawing/2018/hyperlinkcolor" showMasterPhAnim="0" showMasterSp="0">
+<p:notes xmlns:a="http://schemas.openxmlformats.org/drawingml/2006/main" xmlns:r="http://schemas.openxmlformats.org/officeDocument/2006/relationships" xmlns:p="http://schemas.openxmlformats.org/presentationml/2006/main" showMasterSp="0" showMasterPhAnim="0">
   <p:cSld>
     <p:spTree>
       <p:nvGrpSpPr>
-        <p:cNvPr id="187" name="Shape 187"/>
+        <p:cNvPr id="1" name="Shape 187"/>
         <p:cNvGrpSpPr/>
         <p:nvPr/>
       </p:nvGrpSpPr>
@@ -2060,9 +2150,11 @@
       <p:sp>
         <p:nvSpPr>
           <p:cNvPr id="188" name="Google Shape;188;g78a81879d4_0_11:notes"/>
-          <p:cNvSpPr/>
+          <p:cNvSpPr>
+            <a:spLocks noGrp="1" noRot="1" noChangeAspect="1"/>
+          </p:cNvSpPr>
           <p:nvPr>
-            <p:ph idx="2" type="sldImg"/>
+            <p:ph type="sldImg" idx="2"/>
           </p:nvPr>
         </p:nvSpPr>
         <p:spPr>
@@ -2071,9 +2163,13 @@
             <a:ext cx="6096000" cy="3429000"/>
           </a:xfrm>
           <a:custGeom>
-            <a:rect b="b" l="l" r="r" t="t"/>
+            <a:avLst/>
+            <a:gdLst/>
+            <a:ahLst/>
+            <a:cxnLst/>
+            <a:rect l="l" t="t" r="r" b="b"/>
             <a:pathLst>
-              <a:path extrusionOk="0" h="120000" w="120000">
+              <a:path w="120000" h="120000" extrusionOk="0">
                 <a:moveTo>
                   <a:pt x="0" y="0"/>
                 </a:moveTo>
@@ -2095,9 +2191,11 @@
       <p:sp>
         <p:nvSpPr>
           <p:cNvPr id="189" name="Google Shape;189;g78a81879d4_0_11:notes"/>
-          <p:cNvSpPr txBox="1"/>
+          <p:cNvSpPr txBox="1">
+            <a:spLocks noGrp="1"/>
+          </p:cNvSpPr>
           <p:nvPr>
-            <p:ph idx="1" type="body"/>
+            <p:ph type="body" idx="1"/>
           </p:nvPr>
         </p:nvSpPr>
         <p:spPr>
@@ -2110,12 +2208,12 @@
           </a:prstGeom>
         </p:spPr>
         <p:txBody>
-          <a:bodyPr anchorCtr="0" anchor="t" bIns="91425" lIns="91425" spcFirstLastPara="1" rIns="91425" wrap="square" tIns="91425">
+          <a:bodyPr spcFirstLastPara="1" wrap="square" lIns="91425" tIns="91425" rIns="91425" bIns="91425" anchor="t" anchorCtr="0">
             <a:noAutofit/>
           </a:bodyPr>
           <a:lstStyle/>
           <a:p>
-            <a:pPr indent="0" lvl="0" marL="0" rtl="0" algn="l">
+            <a:pPr marL="0" lvl="0" indent="0" algn="l" rtl="0">
               <a:spcBef>
                 <a:spcPts val="0"/>
               </a:spcBef>
@@ -2124,9 +2222,6 @@
               </a:spcAft>
               <a:buNone/>
             </a:pPr>
-            <a:r>
-              <a:t/>
-            </a:r>
             <a:endParaRPr/>
           </a:p>
         </p:txBody>
@@ -2140,11 +2235,11 @@
 </file>
 
 <file path=ppt/notesSlides/notesSlide22.xml><?xml version="1.0" encoding="utf-8"?>
-<p:notes xmlns:a="http://schemas.openxmlformats.org/drawingml/2006/main" xmlns:r="http://schemas.openxmlformats.org/officeDocument/2006/relationships" xmlns:mc="http://schemas.openxmlformats.org/markup-compatibility/2006" xmlns:mv="urn:schemas-microsoft-com:mac:vml" xmlns:p="http://schemas.openxmlformats.org/presentationml/2006/main" xmlns:c="http://schemas.openxmlformats.org/drawingml/2006/chart" xmlns:dgm="http://schemas.openxmlformats.org/drawingml/2006/diagram" xmlns:o="urn:schemas-microsoft-com:office:office" xmlns:v="urn:schemas-microsoft-com:vml" xmlns:pvml="urn:schemas-microsoft-com:office:powerpoint" xmlns:com="http://schemas.openxmlformats.org/drawingml/2006/compatibility" xmlns:p14="http://schemas.microsoft.com/office/powerpoint/2010/main" xmlns:p15="http://schemas.microsoft.com/office/powerpoint/2012/main" xmlns:ahyp="http://schemas.microsoft.com/office/drawing/2018/hyperlinkcolor" showMasterPhAnim="0" showMasterSp="0">
+<p:notes xmlns:a="http://schemas.openxmlformats.org/drawingml/2006/main" xmlns:r="http://schemas.openxmlformats.org/officeDocument/2006/relationships" xmlns:p="http://schemas.openxmlformats.org/presentationml/2006/main" showMasterSp="0" showMasterPhAnim="0">
   <p:cSld>
     <p:spTree>
       <p:nvGrpSpPr>
-        <p:cNvPr id="194" name="Shape 194"/>
+        <p:cNvPr id="1" name="Shape 194"/>
         <p:cNvGrpSpPr/>
         <p:nvPr/>
       </p:nvGrpSpPr>
@@ -2159,9 +2254,11 @@
       <p:sp>
         <p:nvSpPr>
           <p:cNvPr id="195" name="Google Shape;195;g78a81879d4_0_2:notes"/>
-          <p:cNvSpPr/>
+          <p:cNvSpPr>
+            <a:spLocks noGrp="1" noRot="1" noChangeAspect="1"/>
+          </p:cNvSpPr>
           <p:nvPr>
-            <p:ph idx="2" type="sldImg"/>
+            <p:ph type="sldImg" idx="2"/>
           </p:nvPr>
         </p:nvSpPr>
         <p:spPr>
@@ -2170,9 +2267,13 @@
             <a:ext cx="6096000" cy="3429000"/>
           </a:xfrm>
           <a:custGeom>
-            <a:rect b="b" l="l" r="r" t="t"/>
+            <a:avLst/>
+            <a:gdLst/>
+            <a:ahLst/>
+            <a:cxnLst/>
+            <a:rect l="l" t="t" r="r" b="b"/>
             <a:pathLst>
-              <a:path extrusionOk="0" h="120000" w="120000">
+              <a:path w="120000" h="120000" extrusionOk="0">
                 <a:moveTo>
                   <a:pt x="0" y="0"/>
                 </a:moveTo>
@@ -2194,9 +2295,11 @@
       <p:sp>
         <p:nvSpPr>
           <p:cNvPr id="196" name="Google Shape;196;g78a81879d4_0_2:notes"/>
-          <p:cNvSpPr txBox="1"/>
+          <p:cNvSpPr txBox="1">
+            <a:spLocks noGrp="1"/>
+          </p:cNvSpPr>
           <p:nvPr>
-            <p:ph idx="1" type="body"/>
+            <p:ph type="body" idx="1"/>
           </p:nvPr>
         </p:nvSpPr>
         <p:spPr>
@@ -2209,12 +2312,12 @@
           </a:prstGeom>
         </p:spPr>
         <p:txBody>
-          <a:bodyPr anchorCtr="0" anchor="t" bIns="91425" lIns="91425" spcFirstLastPara="1" rIns="91425" wrap="square" tIns="91425">
+          <a:bodyPr spcFirstLastPara="1" wrap="square" lIns="91425" tIns="91425" rIns="91425" bIns="91425" anchor="t" anchorCtr="0">
             <a:noAutofit/>
           </a:bodyPr>
           <a:lstStyle/>
           <a:p>
-            <a:pPr indent="0" lvl="0" marL="0" rtl="0" algn="l">
+            <a:pPr marL="0" lvl="0" indent="0" algn="l" rtl="0">
               <a:spcBef>
                 <a:spcPts val="0"/>
               </a:spcBef>
@@ -2223,9 +2326,6 @@
               </a:spcAft>
               <a:buNone/>
             </a:pPr>
-            <a:r>
-              <a:t/>
-            </a:r>
             <a:endParaRPr/>
           </a:p>
         </p:txBody>
@@ -2239,11 +2339,11 @@
 </file>
 
 <file path=ppt/notesSlides/notesSlide23.xml><?xml version="1.0" encoding="utf-8"?>
-<p:notes xmlns:a="http://schemas.openxmlformats.org/drawingml/2006/main" xmlns:r="http://schemas.openxmlformats.org/officeDocument/2006/relationships" xmlns:mc="http://schemas.openxmlformats.org/markup-compatibility/2006" xmlns:mv="urn:schemas-microsoft-com:mac:vml" xmlns:p="http://schemas.openxmlformats.org/presentationml/2006/main" xmlns:c="http://schemas.openxmlformats.org/drawingml/2006/chart" xmlns:dgm="http://schemas.openxmlformats.org/drawingml/2006/diagram" xmlns:o="urn:schemas-microsoft-com:office:office" xmlns:v="urn:schemas-microsoft-com:vml" xmlns:pvml="urn:schemas-microsoft-com:office:powerpoint" xmlns:com="http://schemas.openxmlformats.org/drawingml/2006/compatibility" xmlns:p14="http://schemas.microsoft.com/office/powerpoint/2010/main" xmlns:p15="http://schemas.microsoft.com/office/powerpoint/2012/main" xmlns:ahyp="http://schemas.microsoft.com/office/drawing/2018/hyperlinkcolor" showMasterPhAnim="0" showMasterSp="0">
+<p:notes xmlns:a="http://schemas.openxmlformats.org/drawingml/2006/main" xmlns:r="http://schemas.openxmlformats.org/officeDocument/2006/relationships" xmlns:p="http://schemas.openxmlformats.org/presentationml/2006/main" showMasterSp="0" showMasterPhAnim="0">
   <p:cSld>
     <p:spTree>
       <p:nvGrpSpPr>
-        <p:cNvPr id="201" name="Shape 201"/>
+        <p:cNvPr id="1" name="Shape 201"/>
         <p:cNvGrpSpPr/>
         <p:nvPr/>
       </p:nvGrpSpPr>
@@ -2258,9 +2358,11 @@
       <p:sp>
         <p:nvSpPr>
           <p:cNvPr id="202" name="Google Shape;202;g78a81879d4_0_20:notes"/>
-          <p:cNvSpPr/>
+          <p:cNvSpPr>
+            <a:spLocks noGrp="1" noRot="1" noChangeAspect="1"/>
+          </p:cNvSpPr>
           <p:nvPr>
-            <p:ph idx="2" type="sldImg"/>
+            <p:ph type="sldImg" idx="2"/>
           </p:nvPr>
         </p:nvSpPr>
         <p:spPr>
@@ -2269,9 +2371,13 @@
             <a:ext cx="6096000" cy="3429000"/>
           </a:xfrm>
           <a:custGeom>
-            <a:rect b="b" l="l" r="r" t="t"/>
+            <a:avLst/>
+            <a:gdLst/>
+            <a:ahLst/>
+            <a:cxnLst/>
+            <a:rect l="l" t="t" r="r" b="b"/>
             <a:pathLst>
-              <a:path extrusionOk="0" h="120000" w="120000">
+              <a:path w="120000" h="120000" extrusionOk="0">
                 <a:moveTo>
                   <a:pt x="0" y="0"/>
                 </a:moveTo>
@@ -2293,9 +2399,11 @@
       <p:sp>
         <p:nvSpPr>
           <p:cNvPr id="203" name="Google Shape;203;g78a81879d4_0_20:notes"/>
-          <p:cNvSpPr txBox="1"/>
+          <p:cNvSpPr txBox="1">
+            <a:spLocks noGrp="1"/>
+          </p:cNvSpPr>
           <p:nvPr>
-            <p:ph idx="1" type="body"/>
+            <p:ph type="body" idx="1"/>
           </p:nvPr>
         </p:nvSpPr>
         <p:spPr>
@@ -2308,12 +2416,12 @@
           </a:prstGeom>
         </p:spPr>
         <p:txBody>
-          <a:bodyPr anchorCtr="0" anchor="t" bIns="91425" lIns="91425" spcFirstLastPara="1" rIns="91425" wrap="square" tIns="91425">
+          <a:bodyPr spcFirstLastPara="1" wrap="square" lIns="91425" tIns="91425" rIns="91425" bIns="91425" anchor="t" anchorCtr="0">
             <a:noAutofit/>
           </a:bodyPr>
           <a:lstStyle/>
           <a:p>
-            <a:pPr indent="0" lvl="0" marL="0" rtl="0" algn="l">
+            <a:pPr marL="0" lvl="0" indent="0" algn="l" rtl="0">
               <a:spcBef>
                 <a:spcPts val="0"/>
               </a:spcBef>
@@ -2322,9 +2430,6 @@
               </a:spcAft>
               <a:buNone/>
             </a:pPr>
-            <a:r>
-              <a:t/>
-            </a:r>
             <a:endParaRPr/>
           </a:p>
         </p:txBody>
@@ -2338,11 +2443,11 @@
 </file>
 
 <file path=ppt/notesSlides/notesSlide24.xml><?xml version="1.0" encoding="utf-8"?>
-<p:notes xmlns:a="http://schemas.openxmlformats.org/drawingml/2006/main" xmlns:r="http://schemas.openxmlformats.org/officeDocument/2006/relationships" xmlns:mc="http://schemas.openxmlformats.org/markup-compatibility/2006" xmlns:mv="urn:schemas-microsoft-com:mac:vml" xmlns:p="http://schemas.openxmlformats.org/presentationml/2006/main" xmlns:c="http://schemas.openxmlformats.org/drawingml/2006/chart" xmlns:dgm="http://schemas.openxmlformats.org/drawingml/2006/diagram" xmlns:o="urn:schemas-microsoft-com:office:office" xmlns:v="urn:schemas-microsoft-com:vml" xmlns:pvml="urn:schemas-microsoft-com:office:powerpoint" xmlns:com="http://schemas.openxmlformats.org/drawingml/2006/compatibility" xmlns:p14="http://schemas.microsoft.com/office/powerpoint/2010/main" xmlns:p15="http://schemas.microsoft.com/office/powerpoint/2012/main" xmlns:ahyp="http://schemas.microsoft.com/office/drawing/2018/hyperlinkcolor" showMasterPhAnim="0" showMasterSp="0">
+<p:notes xmlns:a="http://schemas.openxmlformats.org/drawingml/2006/main" xmlns:r="http://schemas.openxmlformats.org/officeDocument/2006/relationships" xmlns:p="http://schemas.openxmlformats.org/presentationml/2006/main" showMasterSp="0" showMasterPhAnim="0">
   <p:cSld>
     <p:spTree>
       <p:nvGrpSpPr>
-        <p:cNvPr id="208" name="Shape 208"/>
+        <p:cNvPr id="1" name="Shape 208"/>
         <p:cNvGrpSpPr/>
         <p:nvPr/>
       </p:nvGrpSpPr>
@@ -2357,9 +2462,11 @@
       <p:sp>
         <p:nvSpPr>
           <p:cNvPr id="209" name="Google Shape;209;g78a81879d4_0_30:notes"/>
-          <p:cNvSpPr/>
+          <p:cNvSpPr>
+            <a:spLocks noGrp="1" noRot="1" noChangeAspect="1"/>
+          </p:cNvSpPr>
           <p:nvPr>
-            <p:ph idx="2" type="sldImg"/>
+            <p:ph type="sldImg" idx="2"/>
           </p:nvPr>
         </p:nvSpPr>
         <p:spPr>
@@ -2368,9 +2475,13 @@
             <a:ext cx="6096000" cy="3429000"/>
           </a:xfrm>
           <a:custGeom>
-            <a:rect b="b" l="l" r="r" t="t"/>
+            <a:avLst/>
+            <a:gdLst/>
+            <a:ahLst/>
+            <a:cxnLst/>
+            <a:rect l="l" t="t" r="r" b="b"/>
             <a:pathLst>
-              <a:path extrusionOk="0" h="120000" w="120000">
+              <a:path w="120000" h="120000" extrusionOk="0">
                 <a:moveTo>
                   <a:pt x="0" y="0"/>
                 </a:moveTo>
@@ -2392,9 +2503,11 @@
       <p:sp>
         <p:nvSpPr>
           <p:cNvPr id="210" name="Google Shape;210;g78a81879d4_0_30:notes"/>
-          <p:cNvSpPr txBox="1"/>
+          <p:cNvSpPr txBox="1">
+            <a:spLocks noGrp="1"/>
+          </p:cNvSpPr>
           <p:nvPr>
-            <p:ph idx="1" type="body"/>
+            <p:ph type="body" idx="1"/>
           </p:nvPr>
         </p:nvSpPr>
         <p:spPr>
@@ -2407,12 +2520,12 @@
           </a:prstGeom>
         </p:spPr>
         <p:txBody>
-          <a:bodyPr anchorCtr="0" anchor="t" bIns="91425" lIns="91425" spcFirstLastPara="1" rIns="91425" wrap="square" tIns="91425">
+          <a:bodyPr spcFirstLastPara="1" wrap="square" lIns="91425" tIns="91425" rIns="91425" bIns="91425" anchor="t" anchorCtr="0">
             <a:noAutofit/>
           </a:bodyPr>
           <a:lstStyle/>
           <a:p>
-            <a:pPr indent="0" lvl="0" marL="0" rtl="0" algn="l">
+            <a:pPr marL="0" lvl="0" indent="0" algn="l" rtl="0">
               <a:spcBef>
                 <a:spcPts val="0"/>
               </a:spcBef>
@@ -2421,9 +2534,6 @@
               </a:spcAft>
               <a:buNone/>
             </a:pPr>
-            <a:r>
-              <a:t/>
-            </a:r>
             <a:endParaRPr/>
           </a:p>
         </p:txBody>
@@ -2437,11 +2547,11 @@
 </file>
 
 <file path=ppt/notesSlides/notesSlide25.xml><?xml version="1.0" encoding="utf-8"?>
-<p:notes xmlns:a="http://schemas.openxmlformats.org/drawingml/2006/main" xmlns:r="http://schemas.openxmlformats.org/officeDocument/2006/relationships" xmlns:mc="http://schemas.openxmlformats.org/markup-compatibility/2006" xmlns:mv="urn:schemas-microsoft-com:mac:vml" xmlns:p="http://schemas.openxmlformats.org/presentationml/2006/main" xmlns:c="http://schemas.openxmlformats.org/drawingml/2006/chart" xmlns:dgm="http://schemas.openxmlformats.org/drawingml/2006/diagram" xmlns:o="urn:schemas-microsoft-com:office:office" xmlns:v="urn:schemas-microsoft-com:vml" xmlns:pvml="urn:schemas-microsoft-com:office:powerpoint" xmlns:com="http://schemas.openxmlformats.org/drawingml/2006/compatibility" xmlns:p14="http://schemas.microsoft.com/office/powerpoint/2010/main" xmlns:p15="http://schemas.microsoft.com/office/powerpoint/2012/main" xmlns:ahyp="http://schemas.microsoft.com/office/drawing/2018/hyperlinkcolor" showMasterPhAnim="0" showMasterSp="0">
+<p:notes xmlns:a="http://schemas.openxmlformats.org/drawingml/2006/main" xmlns:r="http://schemas.openxmlformats.org/officeDocument/2006/relationships" xmlns:p="http://schemas.openxmlformats.org/presentationml/2006/main" showMasterSp="0" showMasterPhAnim="0">
   <p:cSld>
     <p:spTree>
       <p:nvGrpSpPr>
-        <p:cNvPr id="215" name="Shape 215"/>
+        <p:cNvPr id="1" name="Shape 215"/>
         <p:cNvGrpSpPr/>
         <p:nvPr/>
       </p:nvGrpSpPr>
@@ -2456,9 +2566,11 @@
       <p:sp>
         <p:nvSpPr>
           <p:cNvPr id="216" name="Google Shape;216;g78a81879d4_0_39:notes"/>
-          <p:cNvSpPr/>
+          <p:cNvSpPr>
+            <a:spLocks noGrp="1" noRot="1" noChangeAspect="1"/>
+          </p:cNvSpPr>
           <p:nvPr>
-            <p:ph idx="2" type="sldImg"/>
+            <p:ph type="sldImg" idx="2"/>
           </p:nvPr>
         </p:nvSpPr>
         <p:spPr>
@@ -2467,9 +2579,13 @@
             <a:ext cx="6096000" cy="3429000"/>
           </a:xfrm>
           <a:custGeom>
-            <a:rect b="b" l="l" r="r" t="t"/>
+            <a:avLst/>
+            <a:gdLst/>
+            <a:ahLst/>
+            <a:cxnLst/>
+            <a:rect l="l" t="t" r="r" b="b"/>
             <a:pathLst>
-              <a:path extrusionOk="0" h="120000" w="120000">
+              <a:path w="120000" h="120000" extrusionOk="0">
                 <a:moveTo>
                   <a:pt x="0" y="0"/>
                 </a:moveTo>
@@ -2491,9 +2607,11 @@
       <p:sp>
         <p:nvSpPr>
           <p:cNvPr id="217" name="Google Shape;217;g78a81879d4_0_39:notes"/>
-          <p:cNvSpPr txBox="1"/>
+          <p:cNvSpPr txBox="1">
+            <a:spLocks noGrp="1"/>
+          </p:cNvSpPr>
           <p:nvPr>
-            <p:ph idx="1" type="body"/>
+            <p:ph type="body" idx="1"/>
           </p:nvPr>
         </p:nvSpPr>
         <p:spPr>
@@ -2506,12 +2624,12 @@
           </a:prstGeom>
         </p:spPr>
         <p:txBody>
-          <a:bodyPr anchorCtr="0" anchor="t" bIns="91425" lIns="91425" spcFirstLastPara="1" rIns="91425" wrap="square" tIns="91425">
+          <a:bodyPr spcFirstLastPara="1" wrap="square" lIns="91425" tIns="91425" rIns="91425" bIns="91425" anchor="t" anchorCtr="0">
             <a:noAutofit/>
           </a:bodyPr>
           <a:lstStyle/>
           <a:p>
-            <a:pPr indent="0" lvl="0" marL="0" rtl="0" algn="l">
+            <a:pPr marL="0" lvl="0" indent="0" algn="l" rtl="0">
               <a:spcBef>
                 <a:spcPts val="0"/>
               </a:spcBef>
@@ -2520,9 +2638,6 @@
               </a:spcAft>
               <a:buNone/>
             </a:pPr>
-            <a:r>
-              <a:t/>
-            </a:r>
             <a:endParaRPr/>
           </a:p>
         </p:txBody>
@@ -2536,11 +2651,11 @@
 </file>
 
 <file path=ppt/notesSlides/notesSlide26.xml><?xml version="1.0" encoding="utf-8"?>
-<p:notes xmlns:a="http://schemas.openxmlformats.org/drawingml/2006/main" xmlns:r="http://schemas.openxmlformats.org/officeDocument/2006/relationships" xmlns:mc="http://schemas.openxmlformats.org/markup-compatibility/2006" xmlns:mv="urn:schemas-microsoft-com:mac:vml" xmlns:p="http://schemas.openxmlformats.org/presentationml/2006/main" xmlns:c="http://schemas.openxmlformats.org/drawingml/2006/chart" xmlns:dgm="http://schemas.openxmlformats.org/drawingml/2006/diagram" xmlns:o="urn:schemas-microsoft-com:office:office" xmlns:v="urn:schemas-microsoft-com:vml" xmlns:pvml="urn:schemas-microsoft-com:office:powerpoint" xmlns:com="http://schemas.openxmlformats.org/drawingml/2006/compatibility" xmlns:p14="http://schemas.microsoft.com/office/powerpoint/2010/main" xmlns:p15="http://schemas.microsoft.com/office/powerpoint/2012/main" xmlns:ahyp="http://schemas.microsoft.com/office/drawing/2018/hyperlinkcolor" showMasterPhAnim="0" showMasterSp="0">
+<p:notes xmlns:a="http://schemas.openxmlformats.org/drawingml/2006/main" xmlns:r="http://schemas.openxmlformats.org/officeDocument/2006/relationships" xmlns:p="http://schemas.openxmlformats.org/presentationml/2006/main" showMasterSp="0" showMasterPhAnim="0">
   <p:cSld>
     <p:spTree>
       <p:nvGrpSpPr>
-        <p:cNvPr id="222" name="Shape 222"/>
+        <p:cNvPr id="1" name="Shape 222"/>
         <p:cNvGrpSpPr/>
         <p:nvPr/>
       </p:nvGrpSpPr>
@@ -2555,20 +2670,26 @@
       <p:sp>
         <p:nvSpPr>
           <p:cNvPr id="223" name="Google Shape;223;g78a81879d4_0_47:notes"/>
-          <p:cNvSpPr/>
+          <p:cNvSpPr>
+            <a:spLocks noGrp="1" noRot="1" noChangeAspect="1"/>
+          </p:cNvSpPr>
           <p:nvPr>
-            <p:ph idx="2" type="sldImg"/>
+            <p:ph type="sldImg" idx="2"/>
           </p:nvPr>
         </p:nvSpPr>
         <p:spPr>
           <a:xfrm>
-            <a:off x="381300" y="685800"/>
+            <a:off x="381000" y="685800"/>
             <a:ext cx="6096000" cy="3429000"/>
           </a:xfrm>
           <a:custGeom>
-            <a:rect b="b" l="l" r="r" t="t"/>
+            <a:avLst/>
+            <a:gdLst/>
+            <a:ahLst/>
+            <a:cxnLst/>
+            <a:rect l="l" t="t" r="r" b="b"/>
             <a:pathLst>
-              <a:path extrusionOk="0" h="120000" w="120000">
+              <a:path w="120000" h="120000" extrusionOk="0">
                 <a:moveTo>
                   <a:pt x="0" y="0"/>
                 </a:moveTo>
@@ -2590,9 +2711,11 @@
       <p:sp>
         <p:nvSpPr>
           <p:cNvPr id="224" name="Google Shape;224;g78a81879d4_0_47:notes"/>
-          <p:cNvSpPr txBox="1"/>
+          <p:cNvSpPr txBox="1">
+            <a:spLocks noGrp="1"/>
+          </p:cNvSpPr>
           <p:nvPr>
-            <p:ph idx="1" type="body"/>
+            <p:ph type="body" idx="1"/>
           </p:nvPr>
         </p:nvSpPr>
         <p:spPr>
@@ -2605,12 +2728,12 @@
           </a:prstGeom>
         </p:spPr>
         <p:txBody>
-          <a:bodyPr anchorCtr="0" anchor="t" bIns="91425" lIns="91425" spcFirstLastPara="1" rIns="91425" wrap="square" tIns="91425">
+          <a:bodyPr spcFirstLastPara="1" wrap="square" lIns="91425" tIns="91425" rIns="91425" bIns="91425" anchor="t" anchorCtr="0">
             <a:noAutofit/>
           </a:bodyPr>
           <a:lstStyle/>
           <a:p>
-            <a:pPr indent="0" lvl="0" marL="0" rtl="0" algn="l">
+            <a:pPr marL="0" lvl="0" indent="0" algn="l" rtl="0">
               <a:spcBef>
                 <a:spcPts val="0"/>
               </a:spcBef>
@@ -2619,9 +2742,6 @@
               </a:spcAft>
               <a:buNone/>
             </a:pPr>
-            <a:r>
-              <a:t/>
-            </a:r>
             <a:endParaRPr/>
           </a:p>
         </p:txBody>
@@ -2635,11 +2755,11 @@
 </file>
 
 <file path=ppt/notesSlides/notesSlide3.xml><?xml version="1.0" encoding="utf-8"?>
-<p:notes xmlns:a="http://schemas.openxmlformats.org/drawingml/2006/main" xmlns:r="http://schemas.openxmlformats.org/officeDocument/2006/relationships" xmlns:mc="http://schemas.openxmlformats.org/markup-compatibility/2006" xmlns:mv="urn:schemas-microsoft-com:mac:vml" xmlns:p="http://schemas.openxmlformats.org/presentationml/2006/main" xmlns:c="http://schemas.openxmlformats.org/drawingml/2006/chart" xmlns:dgm="http://schemas.openxmlformats.org/drawingml/2006/diagram" xmlns:o="urn:schemas-microsoft-com:office:office" xmlns:v="urn:schemas-microsoft-com:vml" xmlns:pvml="urn:schemas-microsoft-com:office:powerpoint" xmlns:com="http://schemas.openxmlformats.org/drawingml/2006/compatibility" xmlns:p14="http://schemas.microsoft.com/office/powerpoint/2010/main" xmlns:p15="http://schemas.microsoft.com/office/powerpoint/2012/main" xmlns:ahyp="http://schemas.microsoft.com/office/drawing/2018/hyperlinkcolor" showMasterPhAnim="0" showMasterSp="0">
+<p:notes xmlns:a="http://schemas.openxmlformats.org/drawingml/2006/main" xmlns:r="http://schemas.openxmlformats.org/officeDocument/2006/relationships" xmlns:p="http://schemas.openxmlformats.org/presentationml/2006/main" showMasterSp="0" showMasterPhAnim="0">
   <p:cSld>
     <p:spTree>
       <p:nvGrpSpPr>
-        <p:cNvPr id="71" name="Shape 71"/>
+        <p:cNvPr id="1" name="Shape 71"/>
         <p:cNvGrpSpPr/>
         <p:nvPr/>
       </p:nvGrpSpPr>
@@ -2654,9 +2774,11 @@
       <p:sp>
         <p:nvSpPr>
           <p:cNvPr id="72" name="Google Shape;72;gaada3d296e_3_11:notes"/>
-          <p:cNvSpPr/>
+          <p:cNvSpPr>
+            <a:spLocks noGrp="1" noRot="1" noChangeAspect="1"/>
+          </p:cNvSpPr>
           <p:nvPr>
-            <p:ph idx="2" type="sldImg"/>
+            <p:ph type="sldImg" idx="2"/>
           </p:nvPr>
         </p:nvSpPr>
         <p:spPr>
@@ -2665,9 +2787,13 @@
             <a:ext cx="6096000" cy="3429000"/>
           </a:xfrm>
           <a:custGeom>
-            <a:rect b="b" l="l" r="r" t="t"/>
+            <a:avLst/>
+            <a:gdLst/>
+            <a:ahLst/>
+            <a:cxnLst/>
+            <a:rect l="l" t="t" r="r" b="b"/>
             <a:pathLst>
-              <a:path extrusionOk="0" h="120000" w="120000">
+              <a:path w="120000" h="120000" extrusionOk="0">
                 <a:moveTo>
                   <a:pt x="0" y="0"/>
                 </a:moveTo>
@@ -2689,9 +2815,11 @@
       <p:sp>
         <p:nvSpPr>
           <p:cNvPr id="73" name="Google Shape;73;gaada3d296e_3_11:notes"/>
-          <p:cNvSpPr txBox="1"/>
+          <p:cNvSpPr txBox="1">
+            <a:spLocks noGrp="1"/>
+          </p:cNvSpPr>
           <p:nvPr>
-            <p:ph idx="1" type="body"/>
+            <p:ph type="body" idx="1"/>
           </p:nvPr>
         </p:nvSpPr>
         <p:spPr>
@@ -2704,12 +2832,12 @@
           </a:prstGeom>
         </p:spPr>
         <p:txBody>
-          <a:bodyPr anchorCtr="0" anchor="t" bIns="91425" lIns="91425" spcFirstLastPara="1" rIns="91425" wrap="square" tIns="91425">
+          <a:bodyPr spcFirstLastPara="1" wrap="square" lIns="91425" tIns="91425" rIns="91425" bIns="91425" anchor="t" anchorCtr="0">
             <a:noAutofit/>
           </a:bodyPr>
           <a:lstStyle/>
           <a:p>
-            <a:pPr indent="0" lvl="0" marL="0" rtl="0" algn="l">
+            <a:pPr marL="0" lvl="0" indent="0" algn="l" rtl="0">
               <a:spcBef>
                 <a:spcPts val="0"/>
               </a:spcBef>
@@ -2718,9 +2846,6 @@
               </a:spcAft>
               <a:buNone/>
             </a:pPr>
-            <a:r>
-              <a:t/>
-            </a:r>
             <a:endParaRPr/>
           </a:p>
         </p:txBody>
@@ -2734,11 +2859,11 @@
 </file>
 
 <file path=ppt/notesSlides/notesSlide4.xml><?xml version="1.0" encoding="utf-8"?>
-<p:notes xmlns:a="http://schemas.openxmlformats.org/drawingml/2006/main" xmlns:r="http://schemas.openxmlformats.org/officeDocument/2006/relationships" xmlns:mc="http://schemas.openxmlformats.org/markup-compatibility/2006" xmlns:mv="urn:schemas-microsoft-com:mac:vml" xmlns:p="http://schemas.openxmlformats.org/presentationml/2006/main" xmlns:c="http://schemas.openxmlformats.org/drawingml/2006/chart" xmlns:dgm="http://schemas.openxmlformats.org/drawingml/2006/diagram" xmlns:o="urn:schemas-microsoft-com:office:office" xmlns:v="urn:schemas-microsoft-com:vml" xmlns:pvml="urn:schemas-microsoft-com:office:powerpoint" xmlns:com="http://schemas.openxmlformats.org/drawingml/2006/compatibility" xmlns:p14="http://schemas.microsoft.com/office/powerpoint/2010/main" xmlns:p15="http://schemas.microsoft.com/office/powerpoint/2012/main" xmlns:ahyp="http://schemas.microsoft.com/office/drawing/2018/hyperlinkcolor" showMasterPhAnim="0" showMasterSp="0">
+<p:notes xmlns:a="http://schemas.openxmlformats.org/drawingml/2006/main" xmlns:r="http://schemas.openxmlformats.org/officeDocument/2006/relationships" xmlns:p="http://schemas.openxmlformats.org/presentationml/2006/main" showMasterSp="0" showMasterPhAnim="0">
   <p:cSld>
     <p:spTree>
       <p:nvGrpSpPr>
-        <p:cNvPr id="77" name="Shape 77"/>
+        <p:cNvPr id="1" name="Shape 77"/>
         <p:cNvGrpSpPr/>
         <p:nvPr/>
       </p:nvGrpSpPr>
@@ -2753,9 +2878,11 @@
       <p:sp>
         <p:nvSpPr>
           <p:cNvPr id="78" name="Google Shape;78;gaada3d296e_3_16:notes"/>
-          <p:cNvSpPr/>
+          <p:cNvSpPr>
+            <a:spLocks noGrp="1" noRot="1" noChangeAspect="1"/>
+          </p:cNvSpPr>
           <p:nvPr>
-            <p:ph idx="2" type="sldImg"/>
+            <p:ph type="sldImg" idx="2"/>
           </p:nvPr>
         </p:nvSpPr>
         <p:spPr>
@@ -2764,9 +2891,13 @@
             <a:ext cx="6096000" cy="3429000"/>
           </a:xfrm>
           <a:custGeom>
-            <a:rect b="b" l="l" r="r" t="t"/>
+            <a:avLst/>
+            <a:gdLst/>
+            <a:ahLst/>
+            <a:cxnLst/>
+            <a:rect l="l" t="t" r="r" b="b"/>
             <a:pathLst>
-              <a:path extrusionOk="0" h="120000" w="120000">
+              <a:path w="120000" h="120000" extrusionOk="0">
                 <a:moveTo>
                   <a:pt x="0" y="0"/>
                 </a:moveTo>
@@ -2788,9 +2919,11 @@
       <p:sp>
         <p:nvSpPr>
           <p:cNvPr id="79" name="Google Shape;79;gaada3d296e_3_16:notes"/>
-          <p:cNvSpPr txBox="1"/>
+          <p:cNvSpPr txBox="1">
+            <a:spLocks noGrp="1"/>
+          </p:cNvSpPr>
           <p:nvPr>
-            <p:ph idx="1" type="body"/>
+            <p:ph type="body" idx="1"/>
           </p:nvPr>
         </p:nvSpPr>
         <p:spPr>
@@ -2803,12 +2936,12 @@
           </a:prstGeom>
         </p:spPr>
         <p:txBody>
-          <a:bodyPr anchorCtr="0" anchor="t" bIns="91425" lIns="91425" spcFirstLastPara="1" rIns="91425" wrap="square" tIns="91425">
+          <a:bodyPr spcFirstLastPara="1" wrap="square" lIns="91425" tIns="91425" rIns="91425" bIns="91425" anchor="t" anchorCtr="0">
             <a:noAutofit/>
           </a:bodyPr>
           <a:lstStyle/>
           <a:p>
-            <a:pPr indent="0" lvl="0" marL="0" rtl="0" algn="l">
+            <a:pPr marL="0" lvl="0" indent="0" algn="l" rtl="0">
               <a:spcBef>
                 <a:spcPts val="0"/>
               </a:spcBef>
@@ -2817,9 +2950,6 @@
               </a:spcAft>
               <a:buNone/>
             </a:pPr>
-            <a:r>
-              <a:t/>
-            </a:r>
             <a:endParaRPr/>
           </a:p>
         </p:txBody>
@@ -2833,11 +2963,11 @@
 </file>
 
 <file path=ppt/notesSlides/notesSlide5.xml><?xml version="1.0" encoding="utf-8"?>
-<p:notes xmlns:a="http://schemas.openxmlformats.org/drawingml/2006/main" xmlns:r="http://schemas.openxmlformats.org/officeDocument/2006/relationships" xmlns:mc="http://schemas.openxmlformats.org/markup-compatibility/2006" xmlns:mv="urn:schemas-microsoft-com:mac:vml" xmlns:p="http://schemas.openxmlformats.org/presentationml/2006/main" xmlns:c="http://schemas.openxmlformats.org/drawingml/2006/chart" xmlns:dgm="http://schemas.openxmlformats.org/drawingml/2006/diagram" xmlns:o="urn:schemas-microsoft-com:office:office" xmlns:v="urn:schemas-microsoft-com:vml" xmlns:pvml="urn:schemas-microsoft-com:office:powerpoint" xmlns:com="http://schemas.openxmlformats.org/drawingml/2006/compatibility" xmlns:p14="http://schemas.microsoft.com/office/powerpoint/2010/main" xmlns:p15="http://schemas.microsoft.com/office/powerpoint/2012/main" xmlns:ahyp="http://schemas.microsoft.com/office/drawing/2018/hyperlinkcolor" showMasterPhAnim="0" showMasterSp="0">
+<p:notes xmlns:a="http://schemas.openxmlformats.org/drawingml/2006/main" xmlns:r="http://schemas.openxmlformats.org/officeDocument/2006/relationships" xmlns:p="http://schemas.openxmlformats.org/presentationml/2006/main" showMasterSp="0" showMasterPhAnim="0">
   <p:cSld>
     <p:spTree>
       <p:nvGrpSpPr>
-        <p:cNvPr id="83" name="Shape 83"/>
+        <p:cNvPr id="1" name="Shape 83"/>
         <p:cNvGrpSpPr/>
         <p:nvPr/>
       </p:nvGrpSpPr>
@@ -2852,9 +2982,11 @@
       <p:sp>
         <p:nvSpPr>
           <p:cNvPr id="84" name="Google Shape;84;gb4a96153c2_1_285:notes"/>
-          <p:cNvSpPr/>
+          <p:cNvSpPr>
+            <a:spLocks noGrp="1" noRot="1" noChangeAspect="1"/>
+          </p:cNvSpPr>
           <p:nvPr>
-            <p:ph idx="2" type="sldImg"/>
+            <p:ph type="sldImg" idx="2"/>
           </p:nvPr>
         </p:nvSpPr>
         <p:spPr>
@@ -2863,9 +2995,13 @@
             <a:ext cx="6096000" cy="3429000"/>
           </a:xfrm>
           <a:custGeom>
-            <a:rect b="b" l="l" r="r" t="t"/>
+            <a:avLst/>
+            <a:gdLst/>
+            <a:ahLst/>
+            <a:cxnLst/>
+            <a:rect l="l" t="t" r="r" b="b"/>
             <a:pathLst>
-              <a:path extrusionOk="0" h="120000" w="120000">
+              <a:path w="120000" h="120000" extrusionOk="0">
                 <a:moveTo>
                   <a:pt x="0" y="0"/>
                 </a:moveTo>
@@ -2887,9 +3023,11 @@
       <p:sp>
         <p:nvSpPr>
           <p:cNvPr id="85" name="Google Shape;85;gb4a96153c2_1_285:notes"/>
-          <p:cNvSpPr txBox="1"/>
+          <p:cNvSpPr txBox="1">
+            <a:spLocks noGrp="1"/>
+          </p:cNvSpPr>
           <p:nvPr>
-            <p:ph idx="1" type="body"/>
+            <p:ph type="body" idx="1"/>
           </p:nvPr>
         </p:nvSpPr>
         <p:spPr>
@@ -2902,12 +3040,12 @@
           </a:prstGeom>
         </p:spPr>
         <p:txBody>
-          <a:bodyPr anchorCtr="0" anchor="t" bIns="91425" lIns="91425" spcFirstLastPara="1" rIns="91425" wrap="square" tIns="91425">
+          <a:bodyPr spcFirstLastPara="1" wrap="square" lIns="91425" tIns="91425" rIns="91425" bIns="91425" anchor="t" anchorCtr="0">
             <a:noAutofit/>
           </a:bodyPr>
           <a:lstStyle/>
           <a:p>
-            <a:pPr indent="0" lvl="0" marL="0" rtl="0" algn="l">
+            <a:pPr marL="0" lvl="0" indent="0" algn="l" rtl="0">
               <a:spcBef>
                 <a:spcPts val="0"/>
               </a:spcBef>
@@ -2916,9 +3054,6 @@
               </a:spcAft>
               <a:buNone/>
             </a:pPr>
-            <a:r>
-              <a:t/>
-            </a:r>
             <a:endParaRPr/>
           </a:p>
         </p:txBody>
@@ -2932,11 +3067,11 @@
 </file>
 
 <file path=ppt/notesSlides/notesSlide6.xml><?xml version="1.0" encoding="utf-8"?>
-<p:notes xmlns:a="http://schemas.openxmlformats.org/drawingml/2006/main" xmlns:r="http://schemas.openxmlformats.org/officeDocument/2006/relationships" xmlns:mc="http://schemas.openxmlformats.org/markup-compatibility/2006" xmlns:mv="urn:schemas-microsoft-com:mac:vml" xmlns:p="http://schemas.openxmlformats.org/presentationml/2006/main" xmlns:c="http://schemas.openxmlformats.org/drawingml/2006/chart" xmlns:dgm="http://schemas.openxmlformats.org/drawingml/2006/diagram" xmlns:o="urn:schemas-microsoft-com:office:office" xmlns:v="urn:schemas-microsoft-com:vml" xmlns:pvml="urn:schemas-microsoft-com:office:powerpoint" xmlns:com="http://schemas.openxmlformats.org/drawingml/2006/compatibility" xmlns:p14="http://schemas.microsoft.com/office/powerpoint/2010/main" xmlns:p15="http://schemas.microsoft.com/office/powerpoint/2012/main" xmlns:ahyp="http://schemas.microsoft.com/office/drawing/2018/hyperlinkcolor" showMasterPhAnim="0" showMasterSp="0">
+<p:notes xmlns:a="http://schemas.openxmlformats.org/drawingml/2006/main" xmlns:r="http://schemas.openxmlformats.org/officeDocument/2006/relationships" xmlns:p="http://schemas.openxmlformats.org/presentationml/2006/main" showMasterSp="0" showMasterPhAnim="0">
   <p:cSld>
     <p:spTree>
       <p:nvGrpSpPr>
-        <p:cNvPr id="89" name="Shape 89"/>
+        <p:cNvPr id="1" name="Shape 89"/>
         <p:cNvGrpSpPr/>
         <p:nvPr/>
       </p:nvGrpSpPr>
@@ -2951,9 +3086,11 @@
       <p:sp>
         <p:nvSpPr>
           <p:cNvPr id="90" name="Google Shape;90;gb4eda68a34_0_0:notes"/>
-          <p:cNvSpPr/>
+          <p:cNvSpPr>
+            <a:spLocks noGrp="1" noRot="1" noChangeAspect="1"/>
+          </p:cNvSpPr>
           <p:nvPr>
-            <p:ph idx="2" type="sldImg"/>
+            <p:ph type="sldImg" idx="2"/>
           </p:nvPr>
         </p:nvSpPr>
         <p:spPr>
@@ -2962,9 +3099,13 @@
             <a:ext cx="6096000" cy="3429000"/>
           </a:xfrm>
           <a:custGeom>
-            <a:rect b="b" l="l" r="r" t="t"/>
+            <a:avLst/>
+            <a:gdLst/>
+            <a:ahLst/>
+            <a:cxnLst/>
+            <a:rect l="l" t="t" r="r" b="b"/>
             <a:pathLst>
-              <a:path extrusionOk="0" h="120000" w="120000">
+              <a:path w="120000" h="120000" extrusionOk="0">
                 <a:moveTo>
                   <a:pt x="0" y="0"/>
                 </a:moveTo>
@@ -2986,9 +3127,11 @@
       <p:sp>
         <p:nvSpPr>
           <p:cNvPr id="91" name="Google Shape;91;gb4eda68a34_0_0:notes"/>
-          <p:cNvSpPr txBox="1"/>
+          <p:cNvSpPr txBox="1">
+            <a:spLocks noGrp="1"/>
+          </p:cNvSpPr>
           <p:nvPr>
-            <p:ph idx="1" type="body"/>
+            <p:ph type="body" idx="1"/>
           </p:nvPr>
         </p:nvSpPr>
         <p:spPr>
@@ -3001,12 +3144,12 @@
           </a:prstGeom>
         </p:spPr>
         <p:txBody>
-          <a:bodyPr anchorCtr="0" anchor="t" bIns="91425" lIns="91425" spcFirstLastPara="1" rIns="91425" wrap="square" tIns="91425">
+          <a:bodyPr spcFirstLastPara="1" wrap="square" lIns="91425" tIns="91425" rIns="91425" bIns="91425" anchor="t" anchorCtr="0">
             <a:noAutofit/>
           </a:bodyPr>
           <a:lstStyle/>
           <a:p>
-            <a:pPr indent="0" lvl="0" marL="0" rtl="0" algn="l">
+            <a:pPr marL="0" lvl="0" indent="0" algn="l" rtl="0">
               <a:spcBef>
                 <a:spcPts val="0"/>
               </a:spcBef>
@@ -3015,9 +3158,6 @@
               </a:spcAft>
               <a:buNone/>
             </a:pPr>
-            <a:r>
-              <a:t/>
-            </a:r>
             <a:endParaRPr/>
           </a:p>
         </p:txBody>
@@ -3031,11 +3171,11 @@
 </file>
 
 <file path=ppt/notesSlides/notesSlide7.xml><?xml version="1.0" encoding="utf-8"?>
-<p:notes xmlns:a="http://schemas.openxmlformats.org/drawingml/2006/main" xmlns:r="http://schemas.openxmlformats.org/officeDocument/2006/relationships" xmlns:mc="http://schemas.openxmlformats.org/markup-compatibility/2006" xmlns:mv="urn:schemas-microsoft-com:mac:vml" xmlns:p="http://schemas.openxmlformats.org/presentationml/2006/main" xmlns:c="http://schemas.openxmlformats.org/drawingml/2006/chart" xmlns:dgm="http://schemas.openxmlformats.org/drawingml/2006/diagram" xmlns:o="urn:schemas-microsoft-com:office:office" xmlns:v="urn:schemas-microsoft-com:vml" xmlns:pvml="urn:schemas-microsoft-com:office:powerpoint" xmlns:com="http://schemas.openxmlformats.org/drawingml/2006/compatibility" xmlns:p14="http://schemas.microsoft.com/office/powerpoint/2010/main" xmlns:p15="http://schemas.microsoft.com/office/powerpoint/2012/main" xmlns:ahyp="http://schemas.microsoft.com/office/drawing/2018/hyperlinkcolor" showMasterPhAnim="0" showMasterSp="0">
+<p:notes xmlns:a="http://schemas.openxmlformats.org/drawingml/2006/main" xmlns:r="http://schemas.openxmlformats.org/officeDocument/2006/relationships" xmlns:p="http://schemas.openxmlformats.org/presentationml/2006/main" showMasterSp="0" showMasterPhAnim="0">
   <p:cSld>
     <p:spTree>
       <p:nvGrpSpPr>
-        <p:cNvPr id="95" name="Shape 95"/>
+        <p:cNvPr id="1" name="Shape 95"/>
         <p:cNvGrpSpPr/>
         <p:nvPr/>
       </p:nvGrpSpPr>
@@ -3050,9 +3190,11 @@
       <p:sp>
         <p:nvSpPr>
           <p:cNvPr id="96" name="Google Shape;96;gb4eda68a34_1_1:notes"/>
-          <p:cNvSpPr/>
+          <p:cNvSpPr>
+            <a:spLocks noGrp="1" noRot="1" noChangeAspect="1"/>
+          </p:cNvSpPr>
           <p:nvPr>
-            <p:ph idx="2" type="sldImg"/>
+            <p:ph type="sldImg" idx="2"/>
           </p:nvPr>
         </p:nvSpPr>
         <p:spPr>
@@ -3061,9 +3203,13 @@
             <a:ext cx="6096000" cy="3429000"/>
           </a:xfrm>
           <a:custGeom>
-            <a:rect b="b" l="l" r="r" t="t"/>
+            <a:avLst/>
+            <a:gdLst/>
+            <a:ahLst/>
+            <a:cxnLst/>
+            <a:rect l="l" t="t" r="r" b="b"/>
             <a:pathLst>
-              <a:path extrusionOk="0" h="120000" w="120000">
+              <a:path w="120000" h="120000" extrusionOk="0">
                 <a:moveTo>
                   <a:pt x="0" y="0"/>
                 </a:moveTo>
@@ -3085,9 +3231,11 @@
       <p:sp>
         <p:nvSpPr>
           <p:cNvPr id="97" name="Google Shape;97;gb4eda68a34_1_1:notes"/>
-          <p:cNvSpPr txBox="1"/>
+          <p:cNvSpPr txBox="1">
+            <a:spLocks noGrp="1"/>
+          </p:cNvSpPr>
           <p:nvPr>
-            <p:ph idx="1" type="body"/>
+            <p:ph type="body" idx="1"/>
           </p:nvPr>
         </p:nvSpPr>
         <p:spPr>
@@ -3100,12 +3248,12 @@
           </a:prstGeom>
         </p:spPr>
         <p:txBody>
-          <a:bodyPr anchorCtr="0" anchor="t" bIns="91425" lIns="91425" spcFirstLastPara="1" rIns="91425" wrap="square" tIns="91425">
+          <a:bodyPr spcFirstLastPara="1" wrap="square" lIns="91425" tIns="91425" rIns="91425" bIns="91425" anchor="t" anchorCtr="0">
             <a:noAutofit/>
           </a:bodyPr>
           <a:lstStyle/>
           <a:p>
-            <a:pPr indent="0" lvl="0" marL="0" rtl="0" algn="l">
+            <a:pPr marL="0" lvl="0" indent="0" algn="l" rtl="0">
               <a:spcBef>
                 <a:spcPts val="0"/>
               </a:spcBef>
@@ -3114,9 +3262,6 @@
               </a:spcAft>
               <a:buNone/>
             </a:pPr>
-            <a:r>
-              <a:t/>
-            </a:r>
             <a:endParaRPr/>
           </a:p>
         </p:txBody>
@@ -3130,11 +3275,11 @@
 </file>
 
 <file path=ppt/notesSlides/notesSlide8.xml><?xml version="1.0" encoding="utf-8"?>
-<p:notes xmlns:a="http://schemas.openxmlformats.org/drawingml/2006/main" xmlns:r="http://schemas.openxmlformats.org/officeDocument/2006/relationships" xmlns:mc="http://schemas.openxmlformats.org/markup-compatibility/2006" xmlns:mv="urn:schemas-microsoft-com:mac:vml" xmlns:p="http://schemas.openxmlformats.org/presentationml/2006/main" xmlns:c="http://schemas.openxmlformats.org/drawingml/2006/chart" xmlns:dgm="http://schemas.openxmlformats.org/drawingml/2006/diagram" xmlns:o="urn:schemas-microsoft-com:office:office" xmlns:v="urn:schemas-microsoft-com:vml" xmlns:pvml="urn:schemas-microsoft-com:office:powerpoint" xmlns:com="http://schemas.openxmlformats.org/drawingml/2006/compatibility" xmlns:p14="http://schemas.microsoft.com/office/powerpoint/2010/main" xmlns:p15="http://schemas.microsoft.com/office/powerpoint/2012/main" xmlns:ahyp="http://schemas.microsoft.com/office/drawing/2018/hyperlinkcolor" showMasterPhAnim="0" showMasterSp="0">
+<p:notes xmlns:a="http://schemas.openxmlformats.org/drawingml/2006/main" xmlns:r="http://schemas.openxmlformats.org/officeDocument/2006/relationships" xmlns:p="http://schemas.openxmlformats.org/presentationml/2006/main" showMasterSp="0" showMasterPhAnim="0">
   <p:cSld>
     <p:spTree>
       <p:nvGrpSpPr>
-        <p:cNvPr id="101" name="Shape 101"/>
+        <p:cNvPr id="1" name="Shape 101"/>
         <p:cNvGrpSpPr/>
         <p:nvPr/>
       </p:nvGrpSpPr>
@@ -3149,9 +3294,11 @@
       <p:sp>
         <p:nvSpPr>
           <p:cNvPr id="102" name="Google Shape;102;gb4eda68a34_1_8:notes"/>
-          <p:cNvSpPr/>
+          <p:cNvSpPr>
+            <a:spLocks noGrp="1" noRot="1" noChangeAspect="1"/>
+          </p:cNvSpPr>
           <p:nvPr>
-            <p:ph idx="2" type="sldImg"/>
+            <p:ph type="sldImg" idx="2"/>
           </p:nvPr>
         </p:nvSpPr>
         <p:spPr>
@@ -3160,9 +3307,13 @@
             <a:ext cx="6096000" cy="3429000"/>
           </a:xfrm>
           <a:custGeom>
-            <a:rect b="b" l="l" r="r" t="t"/>
+            <a:avLst/>
+            <a:gdLst/>
+            <a:ahLst/>
+            <a:cxnLst/>
+            <a:rect l="l" t="t" r="r" b="b"/>
             <a:pathLst>
-              <a:path extrusionOk="0" h="120000" w="120000">
+              <a:path w="120000" h="120000" extrusionOk="0">
                 <a:moveTo>
                   <a:pt x="0" y="0"/>
                 </a:moveTo>
@@ -3184,9 +3335,11 @@
       <p:sp>
         <p:nvSpPr>
           <p:cNvPr id="103" name="Google Shape;103;gb4eda68a34_1_8:notes"/>
-          <p:cNvSpPr txBox="1"/>
+          <p:cNvSpPr txBox="1">
+            <a:spLocks noGrp="1"/>
+          </p:cNvSpPr>
           <p:nvPr>
-            <p:ph idx="1" type="body"/>
+            <p:ph type="body" idx="1"/>
           </p:nvPr>
         </p:nvSpPr>
         <p:spPr>
@@ -3199,12 +3352,12 @@
           </a:prstGeom>
         </p:spPr>
         <p:txBody>
-          <a:bodyPr anchorCtr="0" anchor="t" bIns="91425" lIns="91425" spcFirstLastPara="1" rIns="91425" wrap="square" tIns="91425">
+          <a:bodyPr spcFirstLastPara="1" wrap="square" lIns="91425" tIns="91425" rIns="91425" bIns="91425" anchor="t" anchorCtr="0">
             <a:noAutofit/>
           </a:bodyPr>
           <a:lstStyle/>
           <a:p>
-            <a:pPr indent="0" lvl="0" marL="0" rtl="0" algn="l">
+            <a:pPr marL="0" lvl="0" indent="0" algn="l" rtl="0">
               <a:spcBef>
                 <a:spcPts val="0"/>
               </a:spcBef>
@@ -3213,9 +3366,6 @@
               </a:spcAft>
               <a:buNone/>
             </a:pPr>
-            <a:r>
-              <a:t/>
-            </a:r>
             <a:endParaRPr/>
           </a:p>
         </p:txBody>
@@ -3229,11 +3379,11 @@
 </file>
 
 <file path=ppt/notesSlides/notesSlide9.xml><?xml version="1.0" encoding="utf-8"?>
-<p:notes xmlns:a="http://schemas.openxmlformats.org/drawingml/2006/main" xmlns:r="http://schemas.openxmlformats.org/officeDocument/2006/relationships" xmlns:mc="http://schemas.openxmlformats.org/markup-compatibility/2006" xmlns:mv="urn:schemas-microsoft-com:mac:vml" xmlns:p="http://schemas.openxmlformats.org/presentationml/2006/main" xmlns:c="http://schemas.openxmlformats.org/drawingml/2006/chart" xmlns:dgm="http://schemas.openxmlformats.org/drawingml/2006/diagram" xmlns:o="urn:schemas-microsoft-com:office:office" xmlns:v="urn:schemas-microsoft-com:vml" xmlns:pvml="urn:schemas-microsoft-com:office:powerpoint" xmlns:com="http://schemas.openxmlformats.org/drawingml/2006/compatibility" xmlns:p14="http://schemas.microsoft.com/office/powerpoint/2010/main" xmlns:p15="http://schemas.microsoft.com/office/powerpoint/2012/main" xmlns:ahyp="http://schemas.microsoft.com/office/drawing/2018/hyperlinkcolor" showMasterPhAnim="0" showMasterSp="0">
+<p:notes xmlns:a="http://schemas.openxmlformats.org/drawingml/2006/main" xmlns:r="http://schemas.openxmlformats.org/officeDocument/2006/relationships" xmlns:p="http://schemas.openxmlformats.org/presentationml/2006/main" showMasterSp="0" showMasterPhAnim="0">
   <p:cSld>
     <p:spTree>
       <p:nvGrpSpPr>
-        <p:cNvPr id="107" name="Shape 107"/>
+        <p:cNvPr id="1" name="Shape 107"/>
         <p:cNvGrpSpPr/>
         <p:nvPr/>
       </p:nvGrpSpPr>
@@ -3248,9 +3398,11 @@
       <p:sp>
         <p:nvSpPr>
           <p:cNvPr id="108" name="Google Shape;108;gb4eda68a34_1_14:notes"/>
-          <p:cNvSpPr/>
+          <p:cNvSpPr>
+            <a:spLocks noGrp="1" noRot="1" noChangeAspect="1"/>
+          </p:cNvSpPr>
           <p:nvPr>
-            <p:ph idx="2" type="sldImg"/>
+            <p:ph type="sldImg" idx="2"/>
           </p:nvPr>
         </p:nvSpPr>
         <p:spPr>
@@ -3259,9 +3411,13 @@
             <a:ext cx="6096000" cy="3429000"/>
           </a:xfrm>
           <a:custGeom>
-            <a:rect b="b" l="l" r="r" t="t"/>
+            <a:avLst/>
+            <a:gdLst/>
+            <a:ahLst/>
+            <a:cxnLst/>
+            <a:rect l="l" t="t" r="r" b="b"/>
             <a:pathLst>
-              <a:path extrusionOk="0" h="120000" w="120000">
+              <a:path w="120000" h="120000" extrusionOk="0">
                 <a:moveTo>
                   <a:pt x="0" y="0"/>
                 </a:moveTo>
@@ -3283,9 +3439,11 @@
       <p:sp>
         <p:nvSpPr>
           <p:cNvPr id="109" name="Google Shape;109;gb4eda68a34_1_14:notes"/>
-          <p:cNvSpPr txBox="1"/>
+          <p:cNvSpPr txBox="1">
+            <a:spLocks noGrp="1"/>
+          </p:cNvSpPr>
           <p:nvPr>
-            <p:ph idx="1" type="body"/>
+            <p:ph type="body" idx="1"/>
           </p:nvPr>
         </p:nvSpPr>
         <p:spPr>
@@ -3298,12 +3456,12 @@
           </a:prstGeom>
         </p:spPr>
         <p:txBody>
-          <a:bodyPr anchorCtr="0" anchor="t" bIns="91425" lIns="91425" spcFirstLastPara="1" rIns="91425" wrap="square" tIns="91425">
+          <a:bodyPr spcFirstLastPara="1" wrap="square" lIns="91425" tIns="91425" rIns="91425" bIns="91425" anchor="t" anchorCtr="0">
             <a:noAutofit/>
           </a:bodyPr>
           <a:lstStyle/>
           <a:p>
-            <a:pPr indent="0" lvl="0" marL="0" rtl="0" algn="l">
+            <a:pPr marL="0" lvl="0" indent="0" algn="l" rtl="0">
               <a:spcBef>
                 <a:spcPts val="0"/>
               </a:spcBef>
@@ -3312,9 +3470,6 @@
               </a:spcAft>
               <a:buNone/>
             </a:pPr>
-            <a:r>
-              <a:t/>
-            </a:r>
             <a:endParaRPr/>
           </a:p>
         </p:txBody>
@@ -3328,18 +3483,19 @@
 </file>
 
 <file path=ppt/slideLayouts/slideLayout1.xml><?xml version="1.0" encoding="utf-8"?>
-<p:sldLayout xmlns:a="http://schemas.openxmlformats.org/drawingml/2006/main" xmlns:r="http://schemas.openxmlformats.org/officeDocument/2006/relationships" xmlns:mc="http://schemas.openxmlformats.org/markup-compatibility/2006" xmlns:mv="urn:schemas-microsoft-com:mac:vml" xmlns:p="http://schemas.openxmlformats.org/presentationml/2006/main" xmlns:c="http://schemas.openxmlformats.org/drawingml/2006/chart" xmlns:dgm="http://schemas.openxmlformats.org/drawingml/2006/diagram" xmlns:o="urn:schemas-microsoft-com:office:office" xmlns:v="urn:schemas-microsoft-com:vml" xmlns:pvml="urn:schemas-microsoft-com:office:powerpoint" xmlns:com="http://schemas.openxmlformats.org/drawingml/2006/compatibility" xmlns:p14="http://schemas.microsoft.com/office/powerpoint/2010/main" xmlns:p15="http://schemas.microsoft.com/office/powerpoint/2012/main" xmlns:ahyp="http://schemas.microsoft.com/office/drawing/2018/hyperlinkcolor" matchingName="Title slide" type="title">
+<p:sldLayout xmlns:a="http://schemas.openxmlformats.org/drawingml/2006/main" xmlns:r="http://schemas.openxmlformats.org/officeDocument/2006/relationships" xmlns:p="http://schemas.openxmlformats.org/presentationml/2006/main" matchingName="Title slide" type="title">
   <p:cSld name="TITLE">
     <p:bg>
       <p:bgPr>
         <a:solidFill>
           <a:schemeClr val="dk1"/>
         </a:solidFill>
+        <a:effectLst/>
       </p:bgPr>
     </p:bg>
     <p:spTree>
       <p:nvGrpSpPr>
-        <p:cNvPr id="9" name="Shape 9"/>
+        <p:cNvPr id="1" name="Shape 9"/>
         <p:cNvGrpSpPr/>
         <p:nvPr/>
       </p:nvGrpSpPr>
@@ -3366,21 +3522,23 @@
             <a:avLst/>
           </a:prstGeom>
           <a:noFill/>
-          <a:ln cap="flat" cmpd="sng" w="19050">
+          <a:ln w="19050" cap="flat" cmpd="sng">
             <a:solidFill>
               <a:schemeClr val="lt2"/>
             </a:solidFill>
             <a:prstDash val="solid"/>
             <a:round/>
-            <a:headEnd len="sm" w="sm" type="none"/>
-            <a:tailEnd len="sm" w="sm" type="none"/>
+            <a:headEnd type="none" w="sm" len="sm"/>
+            <a:tailEnd type="none" w="sm" len="sm"/>
           </a:ln>
         </p:spPr>
       </p:cxnSp>
       <p:sp>
         <p:nvSpPr>
           <p:cNvPr id="11" name="Google Shape;11;p2"/>
-          <p:cNvSpPr txBox="1"/>
+          <p:cNvSpPr txBox="1">
+            <a:spLocks noGrp="1"/>
+          </p:cNvSpPr>
           <p:nvPr>
             <p:ph type="ctrTitle"/>
           </p:nvPr>
@@ -3395,7 +3553,7 @@
           </a:prstGeom>
         </p:spPr>
         <p:txBody>
-          <a:bodyPr anchorCtr="0" anchor="b" bIns="91425" lIns="91425" spcFirstLastPara="1" rIns="91425" wrap="square" tIns="91425">
+          <a:bodyPr spcFirstLastPara="1" wrap="square" lIns="91425" tIns="91425" rIns="91425" bIns="91425" anchor="b" anchorCtr="0">
             <a:noAutofit/>
           </a:bodyPr>
           <a:lstStyle>
@@ -3562,15 +3720,19 @@
               </a:defRPr>
             </a:lvl9pPr>
           </a:lstStyle>
-          <a:p/>
+          <a:p>
+            <a:endParaRPr/>
+          </a:p>
         </p:txBody>
       </p:sp>
       <p:sp>
         <p:nvSpPr>
           <p:cNvPr id="12" name="Google Shape;12;p2"/>
-          <p:cNvSpPr txBox="1"/>
+          <p:cNvSpPr txBox="1">
+            <a:spLocks noGrp="1"/>
+          </p:cNvSpPr>
           <p:nvPr>
-            <p:ph idx="1" type="subTitle"/>
+            <p:ph type="subTitle" idx="1"/>
           </p:nvPr>
         </p:nvSpPr>
         <p:spPr>
@@ -3583,7 +3745,7 @@
           </a:prstGeom>
         </p:spPr>
         <p:txBody>
-          <a:bodyPr anchorCtr="0" anchor="t" bIns="91425" lIns="91425" spcFirstLastPara="1" rIns="91425" wrap="square" tIns="91425">
+          <a:bodyPr spcFirstLastPara="1" wrap="square" lIns="91425" tIns="91425" rIns="91425" bIns="91425" anchor="t" anchorCtr="0">
             <a:noAutofit/>
           </a:bodyPr>
           <a:lstStyle>
@@ -3777,15 +3939,19 @@
               </a:defRPr>
             </a:lvl9pPr>
           </a:lstStyle>
-          <a:p/>
+          <a:p>
+            <a:endParaRPr/>
+          </a:p>
         </p:txBody>
       </p:sp>
       <p:sp>
         <p:nvSpPr>
           <p:cNvPr id="13" name="Google Shape;13;p2"/>
-          <p:cNvSpPr txBox="1"/>
+          <p:cNvSpPr txBox="1">
+            <a:spLocks noGrp="1"/>
+          </p:cNvSpPr>
           <p:nvPr>
-            <p:ph idx="12" type="sldNum"/>
+            <p:ph type="sldNum" idx="12"/>
           </p:nvPr>
         </p:nvSpPr>
         <p:spPr>
@@ -3798,7 +3964,7 @@
           </a:prstGeom>
         </p:spPr>
         <p:txBody>
-          <a:bodyPr anchorCtr="0" anchor="ctr" bIns="91425" lIns="91425" spcFirstLastPara="1" rIns="91425" wrap="square" tIns="91425">
+          <a:bodyPr spcFirstLastPara="1" wrap="square" lIns="91425" tIns="91425" rIns="91425" bIns="91425" anchor="ctr" anchorCtr="0">
             <a:noAutofit/>
           </a:bodyPr>
           <a:lstStyle>
@@ -3876,7 +4042,7 @@
             </a:lvl9pPr>
           </a:lstStyle>
           <a:p>
-            <a:pPr indent="0" lvl="0" marL="0" rtl="0" algn="r">
+            <a:pPr marL="0" lvl="0" indent="0" algn="r" rtl="0">
               <a:spcBef>
                 <a:spcPts val="0"/>
               </a:spcBef>
@@ -3902,11 +4068,11 @@
 </file>
 
 <file path=ppt/slideLayouts/slideLayout10.xml><?xml version="1.0" encoding="utf-8"?>
-<p:sldLayout xmlns:a="http://schemas.openxmlformats.org/drawingml/2006/main" xmlns:r="http://schemas.openxmlformats.org/officeDocument/2006/relationships" xmlns:mc="http://schemas.openxmlformats.org/markup-compatibility/2006" xmlns:mv="urn:schemas-microsoft-com:mac:vml" xmlns:p="http://schemas.openxmlformats.org/presentationml/2006/main" xmlns:c="http://schemas.openxmlformats.org/drawingml/2006/chart" xmlns:dgm="http://schemas.openxmlformats.org/drawingml/2006/diagram" xmlns:o="urn:schemas-microsoft-com:office:office" xmlns:v="urn:schemas-microsoft-com:vml" xmlns:pvml="urn:schemas-microsoft-com:office:powerpoint" xmlns:com="http://schemas.openxmlformats.org/drawingml/2006/compatibility" xmlns:p14="http://schemas.microsoft.com/office/powerpoint/2010/main" xmlns:p15="http://schemas.microsoft.com/office/powerpoint/2012/main" xmlns:ahyp="http://schemas.microsoft.com/office/drawing/2018/hyperlinkcolor" matchingName="Big number">
+<p:sldLayout xmlns:a="http://schemas.openxmlformats.org/drawingml/2006/main" xmlns:r="http://schemas.openxmlformats.org/officeDocument/2006/relationships" xmlns:p="http://schemas.openxmlformats.org/presentationml/2006/main" matchingName="Big number">
   <p:cSld name="BIG_NUMBER">
     <p:spTree>
       <p:nvGrpSpPr>
-        <p:cNvPr id="48" name="Shape 48"/>
+        <p:cNvPr id="1" name="Shape 48"/>
         <p:cNvGrpSpPr/>
         <p:nvPr/>
       </p:nvGrpSpPr>
@@ -3940,12 +4106,12 @@
           </a:ln>
         </p:spPr>
         <p:txBody>
-          <a:bodyPr anchorCtr="0" anchor="ctr" bIns="91425" lIns="91425" spcFirstLastPara="1" rIns="91425" wrap="square" tIns="91425">
+          <a:bodyPr spcFirstLastPara="1" wrap="square" lIns="91425" tIns="91425" rIns="91425" bIns="91425" anchor="ctr" anchorCtr="0">
             <a:noAutofit/>
           </a:bodyPr>
           <a:lstStyle/>
           <a:p>
-            <a:pPr indent="0" lvl="0" marL="0" rtl="0" algn="l">
+            <a:pPr marL="0" lvl="0" indent="0" algn="l" rtl="0">
               <a:spcBef>
                 <a:spcPts val="0"/>
               </a:spcBef>
@@ -3954,9 +4120,6 @@
               </a:spcAft>
               <a:buNone/>
             </a:pPr>
-            <a:r>
-              <a:t/>
-            </a:r>
             <a:endParaRPr/>
           </a:p>
         </p:txBody>
@@ -3964,9 +4127,11 @@
       <p:sp>
         <p:nvSpPr>
           <p:cNvPr id="50" name="Google Shape;50;p11"/>
-          <p:cNvSpPr txBox="1"/>
+          <p:cNvSpPr txBox="1">
+            <a:spLocks noGrp="1"/>
+          </p:cNvSpPr>
           <p:nvPr>
-            <p:ph hasCustomPrompt="1" type="title"/>
+            <p:ph type="title" hasCustomPrompt="1"/>
           </p:nvPr>
         </p:nvSpPr>
         <p:spPr>
@@ -3979,7 +4144,7 @@
           </a:prstGeom>
         </p:spPr>
         <p:txBody>
-          <a:bodyPr anchorCtr="0" anchor="ctr" bIns="91425" lIns="91425" spcFirstLastPara="1" rIns="91425" wrap="square" tIns="91425">
+          <a:bodyPr spcFirstLastPara="1" wrap="square" lIns="91425" tIns="91425" rIns="91425" bIns="91425" anchor="ctr" anchorCtr="0">
             <a:noAutofit/>
           </a:bodyPr>
           <a:lstStyle>
@@ -3992,7 +4157,7 @@
               </a:spcAft>
               <a:buSzPts val="14000"/>
               <a:buNone/>
-              <a:defRPr b="1" sz="14000"/>
+              <a:defRPr sz="14000" b="1"/>
             </a:lvl1pPr>
             <a:lvl2pPr lvl="1" algn="ctr">
               <a:spcBef>
@@ -4003,7 +4168,7 @@
               </a:spcAft>
               <a:buSzPts val="14000"/>
               <a:buNone/>
-              <a:defRPr b="1" sz="14000"/>
+              <a:defRPr sz="14000" b="1"/>
             </a:lvl2pPr>
             <a:lvl3pPr lvl="2" algn="ctr">
               <a:spcBef>
@@ -4014,7 +4179,7 @@
               </a:spcAft>
               <a:buSzPts val="14000"/>
               <a:buNone/>
-              <a:defRPr b="1" sz="14000"/>
+              <a:defRPr sz="14000" b="1"/>
             </a:lvl3pPr>
             <a:lvl4pPr lvl="3" algn="ctr">
               <a:spcBef>
@@ -4025,7 +4190,7 @@
               </a:spcAft>
               <a:buSzPts val="14000"/>
               <a:buNone/>
-              <a:defRPr b="1" sz="14000"/>
+              <a:defRPr sz="14000" b="1"/>
             </a:lvl4pPr>
             <a:lvl5pPr lvl="4" algn="ctr">
               <a:spcBef>
@@ -4036,7 +4201,7 @@
               </a:spcAft>
               <a:buSzPts val="14000"/>
               <a:buNone/>
-              <a:defRPr b="1" sz="14000"/>
+              <a:defRPr sz="14000" b="1"/>
             </a:lvl5pPr>
             <a:lvl6pPr lvl="5" algn="ctr">
               <a:spcBef>
@@ -4047,7 +4212,7 @@
               </a:spcAft>
               <a:buSzPts val="14000"/>
               <a:buNone/>
-              <a:defRPr b="1" sz="14000"/>
+              <a:defRPr sz="14000" b="1"/>
             </a:lvl6pPr>
             <a:lvl7pPr lvl="6" algn="ctr">
               <a:spcBef>
@@ -4058,7 +4223,7 @@
               </a:spcAft>
               <a:buSzPts val="14000"/>
               <a:buNone/>
-              <a:defRPr b="1" sz="14000"/>
+              <a:defRPr sz="14000" b="1"/>
             </a:lvl7pPr>
             <a:lvl8pPr lvl="7" algn="ctr">
               <a:spcBef>
@@ -4069,7 +4234,7 @@
               </a:spcAft>
               <a:buSzPts val="14000"/>
               <a:buNone/>
-              <a:defRPr b="1" sz="14000"/>
+              <a:defRPr sz="14000" b="1"/>
             </a:lvl8pPr>
             <a:lvl9pPr lvl="8" algn="ctr">
               <a:spcBef>
@@ -4080,7 +4245,7 @@
               </a:spcAft>
               <a:buSzPts val="14000"/>
               <a:buNone/>
-              <a:defRPr b="1" sz="14000"/>
+              <a:defRPr sz="14000" b="1"/>
             </a:lvl9pPr>
           </a:lstStyle>
           <a:p>
@@ -4093,9 +4258,11 @@
       <p:sp>
         <p:nvSpPr>
           <p:cNvPr id="51" name="Google Shape;51;p11"/>
-          <p:cNvSpPr txBox="1"/>
+          <p:cNvSpPr txBox="1">
+            <a:spLocks noGrp="1"/>
+          </p:cNvSpPr>
           <p:nvPr>
-            <p:ph idx="1" type="body"/>
+            <p:ph type="body" idx="1"/>
           </p:nvPr>
         </p:nvSpPr>
         <p:spPr>
@@ -4108,11 +4275,11 @@
           </a:prstGeom>
         </p:spPr>
         <p:txBody>
-          <a:bodyPr anchorCtr="0" anchor="t" bIns="91425" lIns="91425" spcFirstLastPara="1" rIns="91425" wrap="square" tIns="91425">
+          <a:bodyPr spcFirstLastPara="1" wrap="square" lIns="91425" tIns="91425" rIns="91425" bIns="91425" anchor="t" anchorCtr="0">
             <a:noAutofit/>
           </a:bodyPr>
           <a:lstStyle>
-            <a:lvl1pPr indent="-342900" lvl="0" marL="457200" algn="ctr">
+            <a:lvl1pPr marL="457200" lvl="0" indent="-342900" algn="ctr">
               <a:spcBef>
                 <a:spcPts val="0"/>
               </a:spcBef>
@@ -4123,7 +4290,7 @@
               <a:buChar char="●"/>
               <a:defRPr/>
             </a:lvl1pPr>
-            <a:lvl2pPr indent="-317500" lvl="1" marL="914400" algn="ctr">
+            <a:lvl2pPr marL="914400" lvl="1" indent="-317500" algn="ctr">
               <a:spcBef>
                 <a:spcPts val="1600"/>
               </a:spcBef>
@@ -4134,7 +4301,7 @@
               <a:buChar char="○"/>
               <a:defRPr/>
             </a:lvl2pPr>
-            <a:lvl3pPr indent="-317500" lvl="2" marL="1371600" algn="ctr">
+            <a:lvl3pPr marL="1371600" lvl="2" indent="-317500" algn="ctr">
               <a:spcBef>
                 <a:spcPts val="1600"/>
               </a:spcBef>
@@ -4145,7 +4312,7 @@
               <a:buChar char="■"/>
               <a:defRPr/>
             </a:lvl3pPr>
-            <a:lvl4pPr indent="-317500" lvl="3" marL="1828800" algn="ctr">
+            <a:lvl4pPr marL="1828800" lvl="3" indent="-317500" algn="ctr">
               <a:spcBef>
                 <a:spcPts val="1600"/>
               </a:spcBef>
@@ -4156,7 +4323,7 @@
               <a:buChar char="●"/>
               <a:defRPr/>
             </a:lvl4pPr>
-            <a:lvl5pPr indent="-317500" lvl="4" marL="2286000" algn="ctr">
+            <a:lvl5pPr marL="2286000" lvl="4" indent="-317500" algn="ctr">
               <a:spcBef>
                 <a:spcPts val="1600"/>
               </a:spcBef>
@@ -4167,7 +4334,7 @@
               <a:buChar char="○"/>
               <a:defRPr/>
             </a:lvl5pPr>
-            <a:lvl6pPr indent="-317500" lvl="5" marL="2743200" algn="ctr">
+            <a:lvl6pPr marL="2743200" lvl="5" indent="-317500" algn="ctr">
               <a:spcBef>
                 <a:spcPts val="1600"/>
               </a:spcBef>
@@ -4178,7 +4345,7 @@
               <a:buChar char="■"/>
               <a:defRPr/>
             </a:lvl6pPr>
-            <a:lvl7pPr indent="-317500" lvl="6" marL="3200400" algn="ctr">
+            <a:lvl7pPr marL="3200400" lvl="6" indent="-317500" algn="ctr">
               <a:spcBef>
                 <a:spcPts val="1600"/>
               </a:spcBef>
@@ -4189,7 +4356,7 @@
               <a:buChar char="●"/>
               <a:defRPr/>
             </a:lvl7pPr>
-            <a:lvl8pPr indent="-317500" lvl="7" marL="3657600" algn="ctr">
+            <a:lvl8pPr marL="3657600" lvl="7" indent="-317500" algn="ctr">
               <a:spcBef>
                 <a:spcPts val="1600"/>
               </a:spcBef>
@@ -4200,7 +4367,7 @@
               <a:buChar char="○"/>
               <a:defRPr/>
             </a:lvl8pPr>
-            <a:lvl9pPr indent="-317500" lvl="8" marL="4114800" algn="ctr">
+            <a:lvl9pPr marL="4114800" lvl="8" indent="-317500" algn="ctr">
               <a:spcBef>
                 <a:spcPts val="1600"/>
               </a:spcBef>
@@ -4212,15 +4379,19 @@
               <a:defRPr/>
             </a:lvl9pPr>
           </a:lstStyle>
-          <a:p/>
+          <a:p>
+            <a:endParaRPr/>
+          </a:p>
         </p:txBody>
       </p:sp>
       <p:sp>
         <p:nvSpPr>
           <p:cNvPr id="52" name="Google Shape;52;p11"/>
-          <p:cNvSpPr txBox="1"/>
+          <p:cNvSpPr txBox="1">
+            <a:spLocks noGrp="1"/>
+          </p:cNvSpPr>
           <p:nvPr>
-            <p:ph idx="12" type="sldNum"/>
+            <p:ph type="sldNum" idx="12"/>
           </p:nvPr>
         </p:nvSpPr>
         <p:spPr>
@@ -4233,7 +4404,7 @@
           </a:prstGeom>
         </p:spPr>
         <p:txBody>
-          <a:bodyPr anchorCtr="0" anchor="ctr" bIns="91425" lIns="91425" spcFirstLastPara="1" rIns="91425" wrap="square" tIns="91425">
+          <a:bodyPr spcFirstLastPara="1" wrap="square" lIns="91425" tIns="91425" rIns="91425" bIns="91425" anchor="ctr" anchorCtr="0">
             <a:noAutofit/>
           </a:bodyPr>
           <a:lstStyle>
@@ -4275,7 +4446,7 @@
             </a:lvl9pPr>
           </a:lstStyle>
           <a:p>
-            <a:pPr indent="0" lvl="0" marL="0" rtl="0" algn="r">
+            <a:pPr marL="0" lvl="0" indent="0" algn="r" rtl="0">
               <a:spcBef>
                 <a:spcPts val="0"/>
               </a:spcBef>
@@ -4301,11 +4472,11 @@
 </file>
 
 <file path=ppt/slideLayouts/slideLayout11.xml><?xml version="1.0" encoding="utf-8"?>
-<p:sldLayout xmlns:a="http://schemas.openxmlformats.org/drawingml/2006/main" xmlns:r="http://schemas.openxmlformats.org/officeDocument/2006/relationships" xmlns:mc="http://schemas.openxmlformats.org/markup-compatibility/2006" xmlns:mv="urn:schemas-microsoft-com:mac:vml" xmlns:p="http://schemas.openxmlformats.org/presentationml/2006/main" xmlns:c="http://schemas.openxmlformats.org/drawingml/2006/chart" xmlns:dgm="http://schemas.openxmlformats.org/drawingml/2006/diagram" xmlns:o="urn:schemas-microsoft-com:office:office" xmlns:v="urn:schemas-microsoft-com:vml" xmlns:pvml="urn:schemas-microsoft-com:office:powerpoint" xmlns:com="http://schemas.openxmlformats.org/drawingml/2006/compatibility" xmlns:p14="http://schemas.microsoft.com/office/powerpoint/2010/main" xmlns:p15="http://schemas.microsoft.com/office/powerpoint/2012/main" xmlns:ahyp="http://schemas.microsoft.com/office/drawing/2018/hyperlinkcolor" matchingName="Blank" type="blank">
+<p:sldLayout xmlns:a="http://schemas.openxmlformats.org/drawingml/2006/main" xmlns:r="http://schemas.openxmlformats.org/officeDocument/2006/relationships" xmlns:p="http://schemas.openxmlformats.org/presentationml/2006/main" matchingName="Blank" type="blank">
   <p:cSld name="BLANK">
     <p:spTree>
       <p:nvGrpSpPr>
-        <p:cNvPr id="53" name="Shape 53"/>
+        <p:cNvPr id="1" name="Shape 53"/>
         <p:cNvGrpSpPr/>
         <p:nvPr/>
       </p:nvGrpSpPr>
@@ -4320,9 +4491,11 @@
       <p:sp>
         <p:nvSpPr>
           <p:cNvPr id="54" name="Google Shape;54;p12"/>
-          <p:cNvSpPr txBox="1"/>
+          <p:cNvSpPr txBox="1">
+            <a:spLocks noGrp="1"/>
+          </p:cNvSpPr>
           <p:nvPr>
-            <p:ph idx="12" type="sldNum"/>
+            <p:ph type="sldNum" idx="12"/>
           </p:nvPr>
         </p:nvSpPr>
         <p:spPr>
@@ -4335,7 +4508,7 @@
           </a:prstGeom>
         </p:spPr>
         <p:txBody>
-          <a:bodyPr anchorCtr="0" anchor="ctr" bIns="91425" lIns="91425" spcFirstLastPara="1" rIns="91425" wrap="square" tIns="91425">
+          <a:bodyPr spcFirstLastPara="1" wrap="square" lIns="91425" tIns="91425" rIns="91425" bIns="91425" anchor="ctr" anchorCtr="0">
             <a:noAutofit/>
           </a:bodyPr>
           <a:lstStyle>
@@ -4377,7 +4550,7 @@
             </a:lvl9pPr>
           </a:lstStyle>
           <a:p>
-            <a:pPr indent="0" lvl="0" marL="0" rtl="0" algn="r">
+            <a:pPr marL="0" lvl="0" indent="0" algn="r" rtl="0">
               <a:spcBef>
                 <a:spcPts val="0"/>
               </a:spcBef>
@@ -4403,18 +4576,19 @@
 </file>
 
 <file path=ppt/slideLayouts/slideLayout2.xml><?xml version="1.0" encoding="utf-8"?>
-<p:sldLayout xmlns:a="http://schemas.openxmlformats.org/drawingml/2006/main" xmlns:r="http://schemas.openxmlformats.org/officeDocument/2006/relationships" xmlns:mc="http://schemas.openxmlformats.org/markup-compatibility/2006" xmlns:mv="urn:schemas-microsoft-com:mac:vml" xmlns:p="http://schemas.openxmlformats.org/presentationml/2006/main" xmlns:c="http://schemas.openxmlformats.org/drawingml/2006/chart" xmlns:dgm="http://schemas.openxmlformats.org/drawingml/2006/diagram" xmlns:o="urn:schemas-microsoft-com:office:office" xmlns:v="urn:schemas-microsoft-com:vml" xmlns:pvml="urn:schemas-microsoft-com:office:powerpoint" xmlns:com="http://schemas.openxmlformats.org/drawingml/2006/compatibility" xmlns:p14="http://schemas.microsoft.com/office/powerpoint/2010/main" xmlns:p15="http://schemas.microsoft.com/office/powerpoint/2012/main" xmlns:ahyp="http://schemas.microsoft.com/office/drawing/2018/hyperlinkcolor" matchingName="Section header" type="secHead">
+<p:sldLayout xmlns:a="http://schemas.openxmlformats.org/drawingml/2006/main" xmlns:r="http://schemas.openxmlformats.org/officeDocument/2006/relationships" xmlns:p="http://schemas.openxmlformats.org/presentationml/2006/main" matchingName="Section header" type="secHead">
   <p:cSld name="SECTION_HEADER">
     <p:bg>
       <p:bgPr>
         <a:solidFill>
           <a:schemeClr val="dk1"/>
         </a:solidFill>
+        <a:effectLst/>
       </p:bgPr>
     </p:bg>
     <p:spTree>
       <p:nvGrpSpPr>
-        <p:cNvPr id="14" name="Shape 14"/>
+        <p:cNvPr id="1" name="Shape 14"/>
         <p:cNvGrpSpPr/>
         <p:nvPr/>
       </p:nvGrpSpPr>
@@ -4441,21 +4615,23 @@
             <a:avLst/>
           </a:prstGeom>
           <a:noFill/>
-          <a:ln cap="flat" cmpd="sng" w="19050">
+          <a:ln w="19050" cap="flat" cmpd="sng">
             <a:solidFill>
               <a:schemeClr val="lt2"/>
             </a:solidFill>
             <a:prstDash val="solid"/>
             <a:round/>
-            <a:headEnd len="sm" w="sm" type="none"/>
-            <a:tailEnd len="sm" w="sm" type="none"/>
+            <a:headEnd type="none" w="sm" len="sm"/>
+            <a:tailEnd type="none" w="sm" len="sm"/>
           </a:ln>
         </p:spPr>
       </p:cxnSp>
       <p:sp>
         <p:nvSpPr>
           <p:cNvPr id="16" name="Google Shape;16;p3"/>
-          <p:cNvSpPr txBox="1"/>
+          <p:cNvSpPr txBox="1">
+            <a:spLocks noGrp="1"/>
+          </p:cNvSpPr>
           <p:nvPr>
             <p:ph type="title"/>
           </p:nvPr>
@@ -4470,7 +4646,7 @@
           </a:prstGeom>
         </p:spPr>
         <p:txBody>
-          <a:bodyPr anchorCtr="0" anchor="b" bIns="91425" lIns="91425" spcFirstLastPara="1" rIns="91425" wrap="square" tIns="91425">
+          <a:bodyPr spcFirstLastPara="1" wrap="square" lIns="91425" tIns="91425" rIns="91425" bIns="91425" anchor="b" anchorCtr="0">
             <a:noAutofit/>
           </a:bodyPr>
           <a:lstStyle>
@@ -4637,15 +4813,19 @@
               </a:defRPr>
             </a:lvl9pPr>
           </a:lstStyle>
-          <a:p/>
+          <a:p>
+            <a:endParaRPr/>
+          </a:p>
         </p:txBody>
       </p:sp>
       <p:sp>
         <p:nvSpPr>
           <p:cNvPr id="17" name="Google Shape;17;p3"/>
-          <p:cNvSpPr txBox="1"/>
+          <p:cNvSpPr txBox="1">
+            <a:spLocks noGrp="1"/>
+          </p:cNvSpPr>
           <p:nvPr>
-            <p:ph idx="12" type="sldNum"/>
+            <p:ph type="sldNum" idx="12"/>
           </p:nvPr>
         </p:nvSpPr>
         <p:spPr>
@@ -4658,7 +4838,7 @@
           </a:prstGeom>
         </p:spPr>
         <p:txBody>
-          <a:bodyPr anchorCtr="0" anchor="ctr" bIns="91425" lIns="91425" spcFirstLastPara="1" rIns="91425" wrap="square" tIns="91425">
+          <a:bodyPr spcFirstLastPara="1" wrap="square" lIns="91425" tIns="91425" rIns="91425" bIns="91425" anchor="ctr" anchorCtr="0">
             <a:noAutofit/>
           </a:bodyPr>
           <a:lstStyle>
@@ -4736,7 +4916,7 @@
             </a:lvl9pPr>
           </a:lstStyle>
           <a:p>
-            <a:pPr indent="0" lvl="0" marL="0" rtl="0" algn="r">
+            <a:pPr marL="0" lvl="0" indent="0" algn="r" rtl="0">
               <a:spcBef>
                 <a:spcPts val="0"/>
               </a:spcBef>
@@ -4762,11 +4942,11 @@
 </file>
 
 <file path=ppt/slideLayouts/slideLayout3.xml><?xml version="1.0" encoding="utf-8"?>
-<p:sldLayout xmlns:a="http://schemas.openxmlformats.org/drawingml/2006/main" xmlns:r="http://schemas.openxmlformats.org/officeDocument/2006/relationships" xmlns:mc="http://schemas.openxmlformats.org/markup-compatibility/2006" xmlns:mv="urn:schemas-microsoft-com:mac:vml" xmlns:p="http://schemas.openxmlformats.org/presentationml/2006/main" xmlns:c="http://schemas.openxmlformats.org/drawingml/2006/chart" xmlns:dgm="http://schemas.openxmlformats.org/drawingml/2006/diagram" xmlns:o="urn:schemas-microsoft-com:office:office" xmlns:v="urn:schemas-microsoft-com:vml" xmlns:pvml="urn:schemas-microsoft-com:office:powerpoint" xmlns:com="http://schemas.openxmlformats.org/drawingml/2006/compatibility" xmlns:p14="http://schemas.microsoft.com/office/powerpoint/2010/main" xmlns:p15="http://schemas.microsoft.com/office/powerpoint/2012/main" xmlns:ahyp="http://schemas.microsoft.com/office/drawing/2018/hyperlinkcolor" matchingName="Title and body" type="tx">
+<p:sldLayout xmlns:a="http://schemas.openxmlformats.org/drawingml/2006/main" xmlns:r="http://schemas.openxmlformats.org/officeDocument/2006/relationships" xmlns:p="http://schemas.openxmlformats.org/presentationml/2006/main" matchingName="Title and body" type="tx">
   <p:cSld name="TITLE_AND_BODY">
     <p:spTree>
       <p:nvGrpSpPr>
-        <p:cNvPr id="18" name="Shape 18"/>
+        <p:cNvPr id="1" name="Shape 18"/>
         <p:cNvGrpSpPr/>
         <p:nvPr/>
       </p:nvGrpSpPr>
@@ -4800,12 +4980,12 @@
           </a:ln>
         </p:spPr>
         <p:txBody>
-          <a:bodyPr anchorCtr="0" anchor="ctr" bIns="91425" lIns="91425" spcFirstLastPara="1" rIns="91425" wrap="square" tIns="91425">
+          <a:bodyPr spcFirstLastPara="1" wrap="square" lIns="91425" tIns="91425" rIns="91425" bIns="91425" anchor="ctr" anchorCtr="0">
             <a:noAutofit/>
           </a:bodyPr>
           <a:lstStyle/>
           <a:p>
-            <a:pPr indent="0" lvl="0" marL="0" rtl="0" algn="l">
+            <a:pPr marL="0" lvl="0" indent="0" algn="l" rtl="0">
               <a:spcBef>
                 <a:spcPts val="0"/>
               </a:spcBef>
@@ -4814,9 +4994,6 @@
               </a:spcAft>
               <a:buNone/>
             </a:pPr>
-            <a:r>
-              <a:t/>
-            </a:r>
             <a:endParaRPr/>
           </a:p>
         </p:txBody>
@@ -4824,7 +5001,9 @@
       <p:sp>
         <p:nvSpPr>
           <p:cNvPr id="20" name="Google Shape;20;p4"/>
-          <p:cNvSpPr txBox="1"/>
+          <p:cNvSpPr txBox="1">
+            <a:spLocks noGrp="1"/>
+          </p:cNvSpPr>
           <p:nvPr>
             <p:ph type="title"/>
           </p:nvPr>
@@ -4839,7 +5018,7 @@
           </a:prstGeom>
         </p:spPr>
         <p:txBody>
-          <a:bodyPr anchorCtr="0" anchor="t" bIns="91425" lIns="91425" spcFirstLastPara="1" rIns="91425" wrap="square" tIns="91425">
+          <a:bodyPr spcFirstLastPara="1" wrap="square" lIns="91425" tIns="91425" rIns="91425" bIns="91425" anchor="t" anchorCtr="0">
             <a:noAutofit/>
           </a:bodyPr>
           <a:lstStyle>
@@ -4943,15 +5122,19 @@
               <a:defRPr/>
             </a:lvl9pPr>
           </a:lstStyle>
-          <a:p/>
+          <a:p>
+            <a:endParaRPr/>
+          </a:p>
         </p:txBody>
       </p:sp>
       <p:sp>
         <p:nvSpPr>
           <p:cNvPr id="21" name="Google Shape;21;p4"/>
-          <p:cNvSpPr txBox="1"/>
+          <p:cNvSpPr txBox="1">
+            <a:spLocks noGrp="1"/>
+          </p:cNvSpPr>
           <p:nvPr>
-            <p:ph idx="1" type="body"/>
+            <p:ph type="body" idx="1"/>
           </p:nvPr>
         </p:nvSpPr>
         <p:spPr>
@@ -4964,11 +5147,11 @@
           </a:prstGeom>
         </p:spPr>
         <p:txBody>
-          <a:bodyPr anchorCtr="0" anchor="t" bIns="91425" lIns="91425" spcFirstLastPara="1" rIns="91425" wrap="square" tIns="91425">
+          <a:bodyPr spcFirstLastPara="1" wrap="square" lIns="91425" tIns="91425" rIns="91425" bIns="91425" anchor="t" anchorCtr="0">
             <a:noAutofit/>
           </a:bodyPr>
           <a:lstStyle>
-            <a:lvl1pPr indent="-342900" lvl="0" marL="457200">
+            <a:lvl1pPr marL="457200" lvl="0" indent="-342900">
               <a:spcBef>
                 <a:spcPts val="0"/>
               </a:spcBef>
@@ -4979,7 +5162,7 @@
               <a:buChar char="●"/>
               <a:defRPr/>
             </a:lvl1pPr>
-            <a:lvl2pPr indent="-317500" lvl="1" marL="914400">
+            <a:lvl2pPr marL="914400" lvl="1" indent="-317500">
               <a:spcBef>
                 <a:spcPts val="1600"/>
               </a:spcBef>
@@ -4990,7 +5173,7 @@
               <a:buChar char="○"/>
               <a:defRPr/>
             </a:lvl2pPr>
-            <a:lvl3pPr indent="-317500" lvl="2" marL="1371600">
+            <a:lvl3pPr marL="1371600" lvl="2" indent="-317500">
               <a:spcBef>
                 <a:spcPts val="1600"/>
               </a:spcBef>
@@ -5001,7 +5184,7 @@
               <a:buChar char="■"/>
               <a:defRPr/>
             </a:lvl3pPr>
-            <a:lvl4pPr indent="-317500" lvl="3" marL="1828800">
+            <a:lvl4pPr marL="1828800" lvl="3" indent="-317500">
               <a:spcBef>
                 <a:spcPts val="1600"/>
               </a:spcBef>
@@ -5012,7 +5195,7 @@
               <a:buChar char="●"/>
               <a:defRPr/>
             </a:lvl4pPr>
-            <a:lvl5pPr indent="-317500" lvl="4" marL="2286000">
+            <a:lvl5pPr marL="2286000" lvl="4" indent="-317500">
               <a:spcBef>
                 <a:spcPts val="1600"/>
               </a:spcBef>
@@ -5023,7 +5206,7 @@
               <a:buChar char="○"/>
               <a:defRPr/>
             </a:lvl5pPr>
-            <a:lvl6pPr indent="-317500" lvl="5" marL="2743200">
+            <a:lvl6pPr marL="2743200" lvl="5" indent="-317500">
               <a:spcBef>
                 <a:spcPts val="1600"/>
               </a:spcBef>
@@ -5034,7 +5217,7 @@
               <a:buChar char="■"/>
               <a:defRPr/>
             </a:lvl6pPr>
-            <a:lvl7pPr indent="-317500" lvl="6" marL="3200400">
+            <a:lvl7pPr marL="3200400" lvl="6" indent="-317500">
               <a:spcBef>
                 <a:spcPts val="1600"/>
               </a:spcBef>
@@ -5045,7 +5228,7 @@
               <a:buChar char="●"/>
               <a:defRPr/>
             </a:lvl7pPr>
-            <a:lvl8pPr indent="-317500" lvl="7" marL="3657600">
+            <a:lvl8pPr marL="3657600" lvl="7" indent="-317500">
               <a:spcBef>
                 <a:spcPts val="1600"/>
               </a:spcBef>
@@ -5056,7 +5239,7 @@
               <a:buChar char="○"/>
               <a:defRPr/>
             </a:lvl8pPr>
-            <a:lvl9pPr indent="-317500" lvl="8" marL="4114800">
+            <a:lvl9pPr marL="4114800" lvl="8" indent="-317500">
               <a:spcBef>
                 <a:spcPts val="1600"/>
               </a:spcBef>
@@ -5068,15 +5251,19 @@
               <a:defRPr/>
             </a:lvl9pPr>
           </a:lstStyle>
-          <a:p/>
+          <a:p>
+            <a:endParaRPr/>
+          </a:p>
         </p:txBody>
       </p:sp>
       <p:sp>
         <p:nvSpPr>
           <p:cNvPr id="22" name="Google Shape;22;p4"/>
-          <p:cNvSpPr txBox="1"/>
+          <p:cNvSpPr txBox="1">
+            <a:spLocks noGrp="1"/>
+          </p:cNvSpPr>
           <p:nvPr>
-            <p:ph idx="12" type="sldNum"/>
+            <p:ph type="sldNum" idx="12"/>
           </p:nvPr>
         </p:nvSpPr>
         <p:spPr>
@@ -5089,7 +5276,7 @@
           </a:prstGeom>
         </p:spPr>
         <p:txBody>
-          <a:bodyPr anchorCtr="0" anchor="ctr" bIns="91425" lIns="91425" spcFirstLastPara="1" rIns="91425" wrap="square" tIns="91425">
+          <a:bodyPr spcFirstLastPara="1" wrap="square" lIns="91425" tIns="91425" rIns="91425" bIns="91425" anchor="ctr" anchorCtr="0">
             <a:noAutofit/>
           </a:bodyPr>
           <a:lstStyle>
@@ -5131,7 +5318,7 @@
             </a:lvl9pPr>
           </a:lstStyle>
           <a:p>
-            <a:pPr indent="0" lvl="0" marL="0" rtl="0" algn="r">
+            <a:pPr marL="0" lvl="0" indent="0" algn="r" rtl="0">
               <a:spcBef>
                 <a:spcPts val="0"/>
               </a:spcBef>
@@ -5157,11 +5344,11 @@
 </file>
 
 <file path=ppt/slideLayouts/slideLayout4.xml><?xml version="1.0" encoding="utf-8"?>
-<p:sldLayout xmlns:a="http://schemas.openxmlformats.org/drawingml/2006/main" xmlns:r="http://schemas.openxmlformats.org/officeDocument/2006/relationships" xmlns:mc="http://schemas.openxmlformats.org/markup-compatibility/2006" xmlns:mv="urn:schemas-microsoft-com:mac:vml" xmlns:p="http://schemas.openxmlformats.org/presentationml/2006/main" xmlns:c="http://schemas.openxmlformats.org/drawingml/2006/chart" xmlns:dgm="http://schemas.openxmlformats.org/drawingml/2006/diagram" xmlns:o="urn:schemas-microsoft-com:office:office" xmlns:v="urn:schemas-microsoft-com:vml" xmlns:pvml="urn:schemas-microsoft-com:office:powerpoint" xmlns:com="http://schemas.openxmlformats.org/drawingml/2006/compatibility" xmlns:p14="http://schemas.microsoft.com/office/powerpoint/2010/main" xmlns:p15="http://schemas.microsoft.com/office/powerpoint/2012/main" xmlns:ahyp="http://schemas.microsoft.com/office/drawing/2018/hyperlinkcolor" matchingName="Title and two columns" type="twoColTx">
+<p:sldLayout xmlns:a="http://schemas.openxmlformats.org/drawingml/2006/main" xmlns:r="http://schemas.openxmlformats.org/officeDocument/2006/relationships" xmlns:p="http://schemas.openxmlformats.org/presentationml/2006/main" matchingName="Title and two columns" type="twoColTx">
   <p:cSld name="TITLE_AND_TWO_COLUMNS">
     <p:spTree>
       <p:nvGrpSpPr>
-        <p:cNvPr id="23" name="Shape 23"/>
+        <p:cNvPr id="1" name="Shape 23"/>
         <p:cNvGrpSpPr/>
         <p:nvPr/>
       </p:nvGrpSpPr>
@@ -5176,7 +5363,9 @@
       <p:sp>
         <p:nvSpPr>
           <p:cNvPr id="24" name="Google Shape;24;p5"/>
-          <p:cNvSpPr txBox="1"/>
+          <p:cNvSpPr txBox="1">
+            <a:spLocks noGrp="1"/>
+          </p:cNvSpPr>
           <p:nvPr>
             <p:ph type="title"/>
           </p:nvPr>
@@ -5191,7 +5380,7 @@
           </a:prstGeom>
         </p:spPr>
         <p:txBody>
-          <a:bodyPr anchorCtr="0" anchor="t" bIns="91425" lIns="91425" spcFirstLastPara="1" rIns="91425" wrap="square" tIns="91425">
+          <a:bodyPr spcFirstLastPara="1" wrap="square" lIns="91425" tIns="91425" rIns="91425" bIns="91425" anchor="t" anchorCtr="0">
             <a:noAutofit/>
           </a:bodyPr>
           <a:lstStyle>
@@ -5295,15 +5484,19 @@
               <a:defRPr/>
             </a:lvl9pPr>
           </a:lstStyle>
-          <a:p/>
+          <a:p>
+            <a:endParaRPr/>
+          </a:p>
         </p:txBody>
       </p:sp>
       <p:sp>
         <p:nvSpPr>
           <p:cNvPr id="25" name="Google Shape;25;p5"/>
-          <p:cNvSpPr txBox="1"/>
+          <p:cNvSpPr txBox="1">
+            <a:spLocks noGrp="1"/>
+          </p:cNvSpPr>
           <p:nvPr>
-            <p:ph idx="1" type="body"/>
+            <p:ph type="body" idx="1"/>
           </p:nvPr>
         </p:nvSpPr>
         <p:spPr>
@@ -5316,11 +5509,11 @@
           </a:prstGeom>
         </p:spPr>
         <p:txBody>
-          <a:bodyPr anchorCtr="0" anchor="t" bIns="91425" lIns="91425" spcFirstLastPara="1" rIns="91425" wrap="square" tIns="91425">
+          <a:bodyPr spcFirstLastPara="1" wrap="square" lIns="91425" tIns="91425" rIns="91425" bIns="91425" anchor="t" anchorCtr="0">
             <a:noAutofit/>
           </a:bodyPr>
           <a:lstStyle>
-            <a:lvl1pPr indent="-317500" lvl="0" marL="457200">
+            <a:lvl1pPr marL="457200" lvl="0" indent="-317500">
               <a:spcBef>
                 <a:spcPts val="0"/>
               </a:spcBef>
@@ -5331,7 +5524,7 @@
               <a:buChar char="●"/>
               <a:defRPr sz="1400"/>
             </a:lvl1pPr>
-            <a:lvl2pPr indent="-304800" lvl="1" marL="914400">
+            <a:lvl2pPr marL="914400" lvl="1" indent="-304800">
               <a:spcBef>
                 <a:spcPts val="1600"/>
               </a:spcBef>
@@ -5342,7 +5535,7 @@
               <a:buChar char="○"/>
               <a:defRPr sz="1200"/>
             </a:lvl2pPr>
-            <a:lvl3pPr indent="-304800" lvl="2" marL="1371600">
+            <a:lvl3pPr marL="1371600" lvl="2" indent="-304800">
               <a:spcBef>
                 <a:spcPts val="1600"/>
               </a:spcBef>
@@ -5353,7 +5546,7 @@
               <a:buChar char="■"/>
               <a:defRPr sz="1200"/>
             </a:lvl3pPr>
-            <a:lvl4pPr indent="-304800" lvl="3" marL="1828800">
+            <a:lvl4pPr marL="1828800" lvl="3" indent="-304800">
               <a:spcBef>
                 <a:spcPts val="1600"/>
               </a:spcBef>
@@ -5364,7 +5557,7 @@
               <a:buChar char="●"/>
               <a:defRPr sz="1200"/>
             </a:lvl4pPr>
-            <a:lvl5pPr indent="-304800" lvl="4" marL="2286000">
+            <a:lvl5pPr marL="2286000" lvl="4" indent="-304800">
               <a:spcBef>
                 <a:spcPts val="1600"/>
               </a:spcBef>
@@ -5375,7 +5568,7 @@
               <a:buChar char="○"/>
               <a:defRPr sz="1200"/>
             </a:lvl5pPr>
-            <a:lvl6pPr indent="-304800" lvl="5" marL="2743200">
+            <a:lvl6pPr marL="2743200" lvl="5" indent="-304800">
               <a:spcBef>
                 <a:spcPts val="1600"/>
               </a:spcBef>
@@ -5386,7 +5579,7 @@
               <a:buChar char="■"/>
               <a:defRPr sz="1200"/>
             </a:lvl6pPr>
-            <a:lvl7pPr indent="-304800" lvl="6" marL="3200400">
+            <a:lvl7pPr marL="3200400" lvl="6" indent="-304800">
               <a:spcBef>
                 <a:spcPts val="1600"/>
               </a:spcBef>
@@ -5397,7 +5590,7 @@
               <a:buChar char="●"/>
               <a:defRPr sz="1200"/>
             </a:lvl7pPr>
-            <a:lvl8pPr indent="-304800" lvl="7" marL="3657600">
+            <a:lvl8pPr marL="3657600" lvl="7" indent="-304800">
               <a:spcBef>
                 <a:spcPts val="1600"/>
               </a:spcBef>
@@ -5408,7 +5601,7 @@
               <a:buChar char="○"/>
               <a:defRPr sz="1200"/>
             </a:lvl8pPr>
-            <a:lvl9pPr indent="-304800" lvl="8" marL="4114800">
+            <a:lvl9pPr marL="4114800" lvl="8" indent="-304800">
               <a:spcBef>
                 <a:spcPts val="1600"/>
               </a:spcBef>
@@ -5420,15 +5613,19 @@
               <a:defRPr sz="1200"/>
             </a:lvl9pPr>
           </a:lstStyle>
-          <a:p/>
+          <a:p>
+            <a:endParaRPr/>
+          </a:p>
         </p:txBody>
       </p:sp>
       <p:sp>
         <p:nvSpPr>
           <p:cNvPr id="26" name="Google Shape;26;p5"/>
-          <p:cNvSpPr txBox="1"/>
+          <p:cNvSpPr txBox="1">
+            <a:spLocks noGrp="1"/>
+          </p:cNvSpPr>
           <p:nvPr>
-            <p:ph idx="2" type="body"/>
+            <p:ph type="body" idx="2"/>
           </p:nvPr>
         </p:nvSpPr>
         <p:spPr>
@@ -5441,11 +5638,11 @@
           </a:prstGeom>
         </p:spPr>
         <p:txBody>
-          <a:bodyPr anchorCtr="0" anchor="t" bIns="91425" lIns="91425" spcFirstLastPara="1" rIns="91425" wrap="square" tIns="91425">
+          <a:bodyPr spcFirstLastPara="1" wrap="square" lIns="91425" tIns="91425" rIns="91425" bIns="91425" anchor="t" anchorCtr="0">
             <a:noAutofit/>
           </a:bodyPr>
           <a:lstStyle>
-            <a:lvl1pPr indent="-317500" lvl="0" marL="457200">
+            <a:lvl1pPr marL="457200" lvl="0" indent="-317500">
               <a:spcBef>
                 <a:spcPts val="0"/>
               </a:spcBef>
@@ -5456,7 +5653,7 @@
               <a:buChar char="●"/>
               <a:defRPr sz="1400"/>
             </a:lvl1pPr>
-            <a:lvl2pPr indent="-304800" lvl="1" marL="914400">
+            <a:lvl2pPr marL="914400" lvl="1" indent="-304800">
               <a:spcBef>
                 <a:spcPts val="1600"/>
               </a:spcBef>
@@ -5467,7 +5664,7 @@
               <a:buChar char="○"/>
               <a:defRPr sz="1200"/>
             </a:lvl2pPr>
-            <a:lvl3pPr indent="-304800" lvl="2" marL="1371600">
+            <a:lvl3pPr marL="1371600" lvl="2" indent="-304800">
               <a:spcBef>
                 <a:spcPts val="1600"/>
               </a:spcBef>
@@ -5478,7 +5675,7 @@
               <a:buChar char="■"/>
               <a:defRPr sz="1200"/>
             </a:lvl3pPr>
-            <a:lvl4pPr indent="-304800" lvl="3" marL="1828800">
+            <a:lvl4pPr marL="1828800" lvl="3" indent="-304800">
               <a:spcBef>
                 <a:spcPts val="1600"/>
               </a:spcBef>
@@ -5489,7 +5686,7 @@
               <a:buChar char="●"/>
               <a:defRPr sz="1200"/>
             </a:lvl4pPr>
-            <a:lvl5pPr indent="-304800" lvl="4" marL="2286000">
+            <a:lvl5pPr marL="2286000" lvl="4" indent="-304800">
               <a:spcBef>
                 <a:spcPts val="1600"/>
               </a:spcBef>
@@ -5500,7 +5697,7 @@
               <a:buChar char="○"/>
               <a:defRPr sz="1200"/>
             </a:lvl5pPr>
-            <a:lvl6pPr indent="-304800" lvl="5" marL="2743200">
+            <a:lvl6pPr marL="2743200" lvl="5" indent="-304800">
               <a:spcBef>
                 <a:spcPts val="1600"/>
               </a:spcBef>
@@ -5511,7 +5708,7 @@
               <a:buChar char="■"/>
               <a:defRPr sz="1200"/>
             </a:lvl6pPr>
-            <a:lvl7pPr indent="-304800" lvl="6" marL="3200400">
+            <a:lvl7pPr marL="3200400" lvl="6" indent="-304800">
               <a:spcBef>
                 <a:spcPts val="1600"/>
               </a:spcBef>
@@ -5522,7 +5719,7 @@
               <a:buChar char="●"/>
               <a:defRPr sz="1200"/>
             </a:lvl7pPr>
-            <a:lvl8pPr indent="-304800" lvl="7" marL="3657600">
+            <a:lvl8pPr marL="3657600" lvl="7" indent="-304800">
               <a:spcBef>
                 <a:spcPts val="1600"/>
               </a:spcBef>
@@ -5533,7 +5730,7 @@
               <a:buChar char="○"/>
               <a:defRPr sz="1200"/>
             </a:lvl8pPr>
-            <a:lvl9pPr indent="-304800" lvl="8" marL="4114800">
+            <a:lvl9pPr marL="4114800" lvl="8" indent="-304800">
               <a:spcBef>
                 <a:spcPts val="1600"/>
               </a:spcBef>
@@ -5545,15 +5742,19 @@
               <a:defRPr sz="1200"/>
             </a:lvl9pPr>
           </a:lstStyle>
-          <a:p/>
+          <a:p>
+            <a:endParaRPr/>
+          </a:p>
         </p:txBody>
       </p:sp>
       <p:sp>
         <p:nvSpPr>
           <p:cNvPr id="27" name="Google Shape;27;p5"/>
-          <p:cNvSpPr txBox="1"/>
+          <p:cNvSpPr txBox="1">
+            <a:spLocks noGrp="1"/>
+          </p:cNvSpPr>
           <p:nvPr>
-            <p:ph idx="12" type="sldNum"/>
+            <p:ph type="sldNum" idx="12"/>
           </p:nvPr>
         </p:nvSpPr>
         <p:spPr>
@@ -5566,7 +5767,7 @@
           </a:prstGeom>
         </p:spPr>
         <p:txBody>
-          <a:bodyPr anchorCtr="0" anchor="ctr" bIns="91425" lIns="91425" spcFirstLastPara="1" rIns="91425" wrap="square" tIns="91425">
+          <a:bodyPr spcFirstLastPara="1" wrap="square" lIns="91425" tIns="91425" rIns="91425" bIns="91425" anchor="ctr" anchorCtr="0">
             <a:noAutofit/>
           </a:bodyPr>
           <a:lstStyle>
@@ -5608,7 +5809,7 @@
             </a:lvl9pPr>
           </a:lstStyle>
           <a:p>
-            <a:pPr indent="0" lvl="0" marL="0" rtl="0" algn="r">
+            <a:pPr marL="0" lvl="0" indent="0" algn="r" rtl="0">
               <a:spcBef>
                 <a:spcPts val="0"/>
               </a:spcBef>
@@ -5634,11 +5835,11 @@
 </file>
 
 <file path=ppt/slideLayouts/slideLayout5.xml><?xml version="1.0" encoding="utf-8"?>
-<p:sldLayout xmlns:a="http://schemas.openxmlformats.org/drawingml/2006/main" xmlns:r="http://schemas.openxmlformats.org/officeDocument/2006/relationships" xmlns:mc="http://schemas.openxmlformats.org/markup-compatibility/2006" xmlns:mv="urn:schemas-microsoft-com:mac:vml" xmlns:p="http://schemas.openxmlformats.org/presentationml/2006/main" xmlns:c="http://schemas.openxmlformats.org/drawingml/2006/chart" xmlns:dgm="http://schemas.openxmlformats.org/drawingml/2006/diagram" xmlns:o="urn:schemas-microsoft-com:office:office" xmlns:v="urn:schemas-microsoft-com:vml" xmlns:pvml="urn:schemas-microsoft-com:office:powerpoint" xmlns:com="http://schemas.openxmlformats.org/drawingml/2006/compatibility" xmlns:p14="http://schemas.microsoft.com/office/powerpoint/2010/main" xmlns:p15="http://schemas.microsoft.com/office/powerpoint/2012/main" xmlns:ahyp="http://schemas.microsoft.com/office/drawing/2018/hyperlinkcolor" matchingName="Title only" type="titleOnly">
+<p:sldLayout xmlns:a="http://schemas.openxmlformats.org/drawingml/2006/main" xmlns:r="http://schemas.openxmlformats.org/officeDocument/2006/relationships" xmlns:p="http://schemas.openxmlformats.org/presentationml/2006/main" matchingName="Title only" type="titleOnly">
   <p:cSld name="TITLE_ONLY">
     <p:spTree>
       <p:nvGrpSpPr>
-        <p:cNvPr id="28" name="Shape 28"/>
+        <p:cNvPr id="1" name="Shape 28"/>
         <p:cNvGrpSpPr/>
         <p:nvPr/>
       </p:nvGrpSpPr>
@@ -5653,7 +5854,9 @@
       <p:sp>
         <p:nvSpPr>
           <p:cNvPr id="29" name="Google Shape;29;p6"/>
-          <p:cNvSpPr txBox="1"/>
+          <p:cNvSpPr txBox="1">
+            <a:spLocks noGrp="1"/>
+          </p:cNvSpPr>
           <p:nvPr>
             <p:ph type="title"/>
           </p:nvPr>
@@ -5668,7 +5871,7 @@
           </a:prstGeom>
         </p:spPr>
         <p:txBody>
-          <a:bodyPr anchorCtr="0" anchor="t" bIns="91425" lIns="91425" spcFirstLastPara="1" rIns="91425" wrap="square" tIns="91425">
+          <a:bodyPr spcFirstLastPara="1" wrap="square" lIns="91425" tIns="91425" rIns="91425" bIns="91425" anchor="t" anchorCtr="0">
             <a:noAutofit/>
           </a:bodyPr>
           <a:lstStyle>
@@ -5772,15 +5975,19 @@
               <a:defRPr/>
             </a:lvl9pPr>
           </a:lstStyle>
-          <a:p/>
+          <a:p>
+            <a:endParaRPr/>
+          </a:p>
         </p:txBody>
       </p:sp>
       <p:sp>
         <p:nvSpPr>
           <p:cNvPr id="30" name="Google Shape;30;p6"/>
-          <p:cNvSpPr txBox="1"/>
+          <p:cNvSpPr txBox="1">
+            <a:spLocks noGrp="1"/>
+          </p:cNvSpPr>
           <p:nvPr>
-            <p:ph idx="12" type="sldNum"/>
+            <p:ph type="sldNum" idx="12"/>
           </p:nvPr>
         </p:nvSpPr>
         <p:spPr>
@@ -5793,7 +6000,7 @@
           </a:prstGeom>
         </p:spPr>
         <p:txBody>
-          <a:bodyPr anchorCtr="0" anchor="ctr" bIns="91425" lIns="91425" spcFirstLastPara="1" rIns="91425" wrap="square" tIns="91425">
+          <a:bodyPr spcFirstLastPara="1" wrap="square" lIns="91425" tIns="91425" rIns="91425" bIns="91425" anchor="ctr" anchorCtr="0">
             <a:noAutofit/>
           </a:bodyPr>
           <a:lstStyle>
@@ -5835,7 +6042,7 @@
             </a:lvl9pPr>
           </a:lstStyle>
           <a:p>
-            <a:pPr indent="0" lvl="0" marL="0" rtl="0" algn="r">
+            <a:pPr marL="0" lvl="0" indent="0" algn="r" rtl="0">
               <a:spcBef>
                 <a:spcPts val="0"/>
               </a:spcBef>
@@ -5861,11 +6068,11 @@
 </file>
 
 <file path=ppt/slideLayouts/slideLayout6.xml><?xml version="1.0" encoding="utf-8"?>
-<p:sldLayout xmlns:a="http://schemas.openxmlformats.org/drawingml/2006/main" xmlns:r="http://schemas.openxmlformats.org/officeDocument/2006/relationships" xmlns:mc="http://schemas.openxmlformats.org/markup-compatibility/2006" xmlns:mv="urn:schemas-microsoft-com:mac:vml" xmlns:p="http://schemas.openxmlformats.org/presentationml/2006/main" xmlns:c="http://schemas.openxmlformats.org/drawingml/2006/chart" xmlns:dgm="http://schemas.openxmlformats.org/drawingml/2006/diagram" xmlns:o="urn:schemas-microsoft-com:office:office" xmlns:v="urn:schemas-microsoft-com:vml" xmlns:pvml="urn:schemas-microsoft-com:office:powerpoint" xmlns:com="http://schemas.openxmlformats.org/drawingml/2006/compatibility" xmlns:p14="http://schemas.microsoft.com/office/powerpoint/2010/main" xmlns:p15="http://schemas.microsoft.com/office/powerpoint/2012/main" xmlns:ahyp="http://schemas.microsoft.com/office/drawing/2018/hyperlinkcolor" matchingName="One column text">
+<p:sldLayout xmlns:a="http://schemas.openxmlformats.org/drawingml/2006/main" xmlns:r="http://schemas.openxmlformats.org/officeDocument/2006/relationships" xmlns:p="http://schemas.openxmlformats.org/presentationml/2006/main" matchingName="One column text">
   <p:cSld name="ONE_COLUMN_TEXT">
     <p:spTree>
       <p:nvGrpSpPr>
-        <p:cNvPr id="31" name="Shape 31"/>
+        <p:cNvPr id="1" name="Shape 31"/>
         <p:cNvGrpSpPr/>
         <p:nvPr/>
       </p:nvGrpSpPr>
@@ -5880,7 +6087,9 @@
       <p:sp>
         <p:nvSpPr>
           <p:cNvPr id="32" name="Google Shape;32;p7"/>
-          <p:cNvSpPr txBox="1"/>
+          <p:cNvSpPr txBox="1">
+            <a:spLocks noGrp="1"/>
+          </p:cNvSpPr>
           <p:nvPr>
             <p:ph type="title"/>
           </p:nvPr>
@@ -5895,7 +6104,7 @@
           </a:prstGeom>
         </p:spPr>
         <p:txBody>
-          <a:bodyPr anchorCtr="0" anchor="b" bIns="91425" lIns="91425" spcFirstLastPara="1" rIns="91425" wrap="square" tIns="91425">
+          <a:bodyPr spcFirstLastPara="1" wrap="square" lIns="91425" tIns="91425" rIns="91425" bIns="91425" anchor="b" anchorCtr="0">
             <a:noAutofit/>
           </a:bodyPr>
           <a:lstStyle>
@@ -5999,15 +6208,19 @@
               <a:defRPr sz="2400"/>
             </a:lvl9pPr>
           </a:lstStyle>
-          <a:p/>
+          <a:p>
+            <a:endParaRPr/>
+          </a:p>
         </p:txBody>
       </p:sp>
       <p:sp>
         <p:nvSpPr>
           <p:cNvPr id="33" name="Google Shape;33;p7"/>
-          <p:cNvSpPr txBox="1"/>
+          <p:cNvSpPr txBox="1">
+            <a:spLocks noGrp="1"/>
+          </p:cNvSpPr>
           <p:nvPr>
-            <p:ph idx="1" type="body"/>
+            <p:ph type="body" idx="1"/>
           </p:nvPr>
         </p:nvSpPr>
         <p:spPr>
@@ -6020,11 +6233,11 @@
           </a:prstGeom>
         </p:spPr>
         <p:txBody>
-          <a:bodyPr anchorCtr="0" anchor="t" bIns="91425" lIns="91425" spcFirstLastPara="1" rIns="91425" wrap="square" tIns="91425">
+          <a:bodyPr spcFirstLastPara="1" wrap="square" lIns="91425" tIns="91425" rIns="91425" bIns="91425" anchor="t" anchorCtr="0">
             <a:noAutofit/>
           </a:bodyPr>
           <a:lstStyle>
-            <a:lvl1pPr indent="-304800" lvl="0" marL="457200">
+            <a:lvl1pPr marL="457200" lvl="0" indent="-304800">
               <a:spcBef>
                 <a:spcPts val="0"/>
               </a:spcBef>
@@ -6035,7 +6248,7 @@
               <a:buChar char="●"/>
               <a:defRPr sz="1200"/>
             </a:lvl1pPr>
-            <a:lvl2pPr indent="-304800" lvl="1" marL="914400">
+            <a:lvl2pPr marL="914400" lvl="1" indent="-304800">
               <a:spcBef>
                 <a:spcPts val="1600"/>
               </a:spcBef>
@@ -6046,7 +6259,7 @@
               <a:buChar char="○"/>
               <a:defRPr sz="1200"/>
             </a:lvl2pPr>
-            <a:lvl3pPr indent="-304800" lvl="2" marL="1371600">
+            <a:lvl3pPr marL="1371600" lvl="2" indent="-304800">
               <a:spcBef>
                 <a:spcPts val="1600"/>
               </a:spcBef>
@@ -6057,7 +6270,7 @@
               <a:buChar char="■"/>
               <a:defRPr sz="1200"/>
             </a:lvl3pPr>
-            <a:lvl4pPr indent="-304800" lvl="3" marL="1828800">
+            <a:lvl4pPr marL="1828800" lvl="3" indent="-304800">
               <a:spcBef>
                 <a:spcPts val="1600"/>
               </a:spcBef>
@@ -6068,7 +6281,7 @@
               <a:buChar char="●"/>
               <a:defRPr sz="1200"/>
             </a:lvl4pPr>
-            <a:lvl5pPr indent="-304800" lvl="4" marL="2286000">
+            <a:lvl5pPr marL="2286000" lvl="4" indent="-304800">
               <a:spcBef>
                 <a:spcPts val="1600"/>
               </a:spcBef>
@@ -6079,7 +6292,7 @@
               <a:buChar char="○"/>
               <a:defRPr sz="1200"/>
             </a:lvl5pPr>
-            <a:lvl6pPr indent="-304800" lvl="5" marL="2743200">
+            <a:lvl6pPr marL="2743200" lvl="5" indent="-304800">
               <a:spcBef>
                 <a:spcPts val="1600"/>
               </a:spcBef>
@@ -6090,7 +6303,7 @@
               <a:buChar char="■"/>
               <a:defRPr sz="1200"/>
             </a:lvl6pPr>
-            <a:lvl7pPr indent="-304800" lvl="6" marL="3200400">
+            <a:lvl7pPr marL="3200400" lvl="6" indent="-304800">
               <a:spcBef>
                 <a:spcPts val="1600"/>
               </a:spcBef>
@@ -6101,7 +6314,7 @@
               <a:buChar char="●"/>
               <a:defRPr sz="1200"/>
             </a:lvl7pPr>
-            <a:lvl8pPr indent="-304800" lvl="7" marL="3657600">
+            <a:lvl8pPr marL="3657600" lvl="7" indent="-304800">
               <a:spcBef>
                 <a:spcPts val="1600"/>
               </a:spcBef>
@@ -6112,7 +6325,7 @@
               <a:buChar char="○"/>
               <a:defRPr sz="1200"/>
             </a:lvl8pPr>
-            <a:lvl9pPr indent="-304800" lvl="8" marL="4114800">
+            <a:lvl9pPr marL="4114800" lvl="8" indent="-304800">
               <a:spcBef>
                 <a:spcPts val="1600"/>
               </a:spcBef>
@@ -6124,15 +6337,19 @@
               <a:defRPr sz="1200"/>
             </a:lvl9pPr>
           </a:lstStyle>
-          <a:p/>
+          <a:p>
+            <a:endParaRPr/>
+          </a:p>
         </p:txBody>
       </p:sp>
       <p:sp>
         <p:nvSpPr>
           <p:cNvPr id="34" name="Google Shape;34;p7"/>
-          <p:cNvSpPr txBox="1"/>
+          <p:cNvSpPr txBox="1">
+            <a:spLocks noGrp="1"/>
+          </p:cNvSpPr>
           <p:nvPr>
-            <p:ph idx="12" type="sldNum"/>
+            <p:ph type="sldNum" idx="12"/>
           </p:nvPr>
         </p:nvSpPr>
         <p:spPr>
@@ -6145,7 +6362,7 @@
           </a:prstGeom>
         </p:spPr>
         <p:txBody>
-          <a:bodyPr anchorCtr="0" anchor="ctr" bIns="91425" lIns="91425" spcFirstLastPara="1" rIns="91425" wrap="square" tIns="91425">
+          <a:bodyPr spcFirstLastPara="1" wrap="square" lIns="91425" tIns="91425" rIns="91425" bIns="91425" anchor="ctr" anchorCtr="0">
             <a:noAutofit/>
           </a:bodyPr>
           <a:lstStyle>
@@ -6187,7 +6404,7 @@
             </a:lvl9pPr>
           </a:lstStyle>
           <a:p>
-            <a:pPr indent="0" lvl="0" marL="0" rtl="0" algn="r">
+            <a:pPr marL="0" lvl="0" indent="0" algn="r" rtl="0">
               <a:spcBef>
                 <a:spcPts val="0"/>
               </a:spcBef>
@@ -6213,18 +6430,19 @@
 </file>
 
 <file path=ppt/slideLayouts/slideLayout7.xml><?xml version="1.0" encoding="utf-8"?>
-<p:sldLayout xmlns:a="http://schemas.openxmlformats.org/drawingml/2006/main" xmlns:r="http://schemas.openxmlformats.org/officeDocument/2006/relationships" xmlns:mc="http://schemas.openxmlformats.org/markup-compatibility/2006" xmlns:mv="urn:schemas-microsoft-com:mac:vml" xmlns:p="http://schemas.openxmlformats.org/presentationml/2006/main" xmlns:c="http://schemas.openxmlformats.org/drawingml/2006/chart" xmlns:dgm="http://schemas.openxmlformats.org/drawingml/2006/diagram" xmlns:o="urn:schemas-microsoft-com:office:office" xmlns:v="urn:schemas-microsoft-com:vml" xmlns:pvml="urn:schemas-microsoft-com:office:powerpoint" xmlns:com="http://schemas.openxmlformats.org/drawingml/2006/compatibility" xmlns:p14="http://schemas.microsoft.com/office/powerpoint/2010/main" xmlns:p15="http://schemas.microsoft.com/office/powerpoint/2012/main" xmlns:ahyp="http://schemas.microsoft.com/office/drawing/2018/hyperlinkcolor" matchingName="Main point">
+<p:sldLayout xmlns:a="http://schemas.openxmlformats.org/drawingml/2006/main" xmlns:r="http://schemas.openxmlformats.org/officeDocument/2006/relationships" xmlns:p="http://schemas.openxmlformats.org/presentationml/2006/main" matchingName="Main point">
   <p:cSld name="MAIN_POINT">
     <p:bg>
       <p:bgPr>
         <a:solidFill>
           <a:schemeClr val="lt2"/>
         </a:solidFill>
+        <a:effectLst/>
       </p:bgPr>
     </p:bg>
     <p:spTree>
       <p:nvGrpSpPr>
-        <p:cNvPr id="35" name="Shape 35"/>
+        <p:cNvPr id="1" name="Shape 35"/>
         <p:cNvGrpSpPr/>
         <p:nvPr/>
       </p:nvGrpSpPr>
@@ -6239,7 +6457,9 @@
       <p:sp>
         <p:nvSpPr>
           <p:cNvPr id="36" name="Google Shape;36;p8"/>
-          <p:cNvSpPr txBox="1"/>
+          <p:cNvSpPr txBox="1">
+            <a:spLocks noGrp="1"/>
+          </p:cNvSpPr>
           <p:nvPr>
             <p:ph type="title"/>
           </p:nvPr>
@@ -6254,7 +6474,7 @@
           </a:prstGeom>
         </p:spPr>
         <p:txBody>
-          <a:bodyPr anchorCtr="0" anchor="ctr" bIns="91425" lIns="91425" spcFirstLastPara="1" rIns="91425" wrap="square" tIns="91425">
+          <a:bodyPr spcFirstLastPara="1" wrap="square" lIns="91425" tIns="91425" rIns="91425" bIns="91425" anchor="ctr" anchorCtr="0">
             <a:noAutofit/>
           </a:bodyPr>
           <a:lstStyle>
@@ -6358,15 +6578,19 @@
               <a:defRPr sz="4800"/>
             </a:lvl9pPr>
           </a:lstStyle>
-          <a:p/>
+          <a:p>
+            <a:endParaRPr/>
+          </a:p>
         </p:txBody>
       </p:sp>
       <p:sp>
         <p:nvSpPr>
           <p:cNvPr id="37" name="Google Shape;37;p8"/>
-          <p:cNvSpPr txBox="1"/>
+          <p:cNvSpPr txBox="1">
+            <a:spLocks noGrp="1"/>
+          </p:cNvSpPr>
           <p:nvPr>
-            <p:ph idx="12" type="sldNum"/>
+            <p:ph type="sldNum" idx="12"/>
           </p:nvPr>
         </p:nvSpPr>
         <p:spPr>
@@ -6379,7 +6603,7 @@
           </a:prstGeom>
         </p:spPr>
         <p:txBody>
-          <a:bodyPr anchorCtr="0" anchor="ctr" bIns="91425" lIns="91425" spcFirstLastPara="1" rIns="91425" wrap="square" tIns="91425">
+          <a:bodyPr spcFirstLastPara="1" wrap="square" lIns="91425" tIns="91425" rIns="91425" bIns="91425" anchor="ctr" anchorCtr="0">
             <a:noAutofit/>
           </a:bodyPr>
           <a:lstStyle>
@@ -6421,7 +6645,7 @@
             </a:lvl9pPr>
           </a:lstStyle>
           <a:p>
-            <a:pPr indent="0" lvl="0" marL="0" rtl="0" algn="r">
+            <a:pPr marL="0" lvl="0" indent="0" algn="r" rtl="0">
               <a:spcBef>
                 <a:spcPts val="0"/>
               </a:spcBef>
@@ -6447,11 +6671,11 @@
 </file>
 
 <file path=ppt/slideLayouts/slideLayout8.xml><?xml version="1.0" encoding="utf-8"?>
-<p:sldLayout xmlns:a="http://schemas.openxmlformats.org/drawingml/2006/main" xmlns:r="http://schemas.openxmlformats.org/officeDocument/2006/relationships" xmlns:mc="http://schemas.openxmlformats.org/markup-compatibility/2006" xmlns:mv="urn:schemas-microsoft-com:mac:vml" xmlns:p="http://schemas.openxmlformats.org/presentationml/2006/main" xmlns:c="http://schemas.openxmlformats.org/drawingml/2006/chart" xmlns:dgm="http://schemas.openxmlformats.org/drawingml/2006/diagram" xmlns:o="urn:schemas-microsoft-com:office:office" xmlns:v="urn:schemas-microsoft-com:vml" xmlns:pvml="urn:schemas-microsoft-com:office:powerpoint" xmlns:com="http://schemas.openxmlformats.org/drawingml/2006/compatibility" xmlns:p14="http://schemas.microsoft.com/office/powerpoint/2010/main" xmlns:p15="http://schemas.microsoft.com/office/powerpoint/2012/main" xmlns:ahyp="http://schemas.microsoft.com/office/drawing/2018/hyperlinkcolor" matchingName="Section title and description">
+<p:sldLayout xmlns:a="http://schemas.openxmlformats.org/drawingml/2006/main" xmlns:r="http://schemas.openxmlformats.org/officeDocument/2006/relationships" xmlns:p="http://schemas.openxmlformats.org/presentationml/2006/main" matchingName="Section title and description">
   <p:cSld name="SECTION_TITLE_AND_DESCRIPTION">
     <p:spTree>
       <p:nvGrpSpPr>
-        <p:cNvPr id="38" name="Shape 38"/>
+        <p:cNvPr id="1" name="Shape 38"/>
         <p:cNvGrpSpPr/>
         <p:nvPr/>
       </p:nvGrpSpPr>
@@ -6485,12 +6709,12 @@
           </a:ln>
         </p:spPr>
         <p:txBody>
-          <a:bodyPr anchorCtr="0" anchor="ctr" bIns="91425" lIns="91425" spcFirstLastPara="1" rIns="91425" wrap="square" tIns="91425">
+          <a:bodyPr spcFirstLastPara="1" wrap="square" lIns="91425" tIns="91425" rIns="91425" bIns="91425" anchor="ctr" anchorCtr="0">
             <a:noAutofit/>
           </a:bodyPr>
           <a:lstStyle/>
           <a:p>
-            <a:pPr indent="0" lvl="0" marL="0" rtl="0" algn="l">
+            <a:pPr marL="0" lvl="0" indent="0" algn="l" rtl="0">
               <a:spcBef>
                 <a:spcPts val="0"/>
               </a:spcBef>
@@ -6499,9 +6723,6 @@
               </a:spcAft>
               <a:buNone/>
             </a:pPr>
-            <a:r>
-              <a:t/>
-            </a:r>
             <a:endParaRPr/>
           </a:p>
         </p:txBody>
@@ -6521,21 +6742,23 @@
             <a:avLst/>
           </a:prstGeom>
           <a:noFill/>
-          <a:ln cap="flat" cmpd="sng" w="19050">
+          <a:ln w="19050" cap="flat" cmpd="sng">
             <a:solidFill>
               <a:schemeClr val="lt2"/>
             </a:solidFill>
             <a:prstDash val="solid"/>
             <a:round/>
-            <a:headEnd len="sm" w="sm" type="none"/>
-            <a:tailEnd len="sm" w="sm" type="none"/>
+            <a:headEnd type="none" w="sm" len="sm"/>
+            <a:tailEnd type="none" w="sm" len="sm"/>
           </a:ln>
         </p:spPr>
       </p:cxnSp>
       <p:sp>
         <p:nvSpPr>
           <p:cNvPr id="41" name="Google Shape;41;p9"/>
-          <p:cNvSpPr txBox="1"/>
+          <p:cNvSpPr txBox="1">
+            <a:spLocks noGrp="1"/>
+          </p:cNvSpPr>
           <p:nvPr>
             <p:ph type="title"/>
           </p:nvPr>
@@ -6550,7 +6773,7 @@
           </a:prstGeom>
         </p:spPr>
         <p:txBody>
-          <a:bodyPr anchorCtr="0" anchor="b" bIns="91425" lIns="91425" spcFirstLastPara="1" rIns="91425" wrap="square" tIns="91425">
+          <a:bodyPr spcFirstLastPara="1" wrap="square" lIns="91425" tIns="91425" rIns="91425" bIns="91425" anchor="b" anchorCtr="0">
             <a:noAutofit/>
           </a:bodyPr>
           <a:lstStyle>
@@ -6654,15 +6877,19 @@
               <a:defRPr sz="4200"/>
             </a:lvl9pPr>
           </a:lstStyle>
-          <a:p/>
+          <a:p>
+            <a:endParaRPr/>
+          </a:p>
         </p:txBody>
       </p:sp>
       <p:sp>
         <p:nvSpPr>
           <p:cNvPr id="42" name="Google Shape;42;p9"/>
-          <p:cNvSpPr txBox="1"/>
+          <p:cNvSpPr txBox="1">
+            <a:spLocks noGrp="1"/>
+          </p:cNvSpPr>
           <p:nvPr>
-            <p:ph idx="1" type="subTitle"/>
+            <p:ph type="subTitle" idx="1"/>
           </p:nvPr>
         </p:nvSpPr>
         <p:spPr>
@@ -6675,7 +6902,7 @@
           </a:prstGeom>
         </p:spPr>
         <p:txBody>
-          <a:bodyPr anchorCtr="0" anchor="t" bIns="91425" lIns="91425" spcFirstLastPara="1" rIns="91425" wrap="square" tIns="91425">
+          <a:bodyPr spcFirstLastPara="1" wrap="square" lIns="91425" tIns="91425" rIns="91425" bIns="91425" anchor="t" anchorCtr="0">
             <a:noAutofit/>
           </a:bodyPr>
           <a:lstStyle>
@@ -6806,15 +7033,19 @@
               <a:defRPr sz="2100"/>
             </a:lvl9pPr>
           </a:lstStyle>
-          <a:p/>
+          <a:p>
+            <a:endParaRPr/>
+          </a:p>
         </p:txBody>
       </p:sp>
       <p:sp>
         <p:nvSpPr>
           <p:cNvPr id="43" name="Google Shape;43;p9"/>
-          <p:cNvSpPr txBox="1"/>
+          <p:cNvSpPr txBox="1">
+            <a:spLocks noGrp="1"/>
+          </p:cNvSpPr>
           <p:nvPr>
-            <p:ph idx="2" type="body"/>
+            <p:ph type="body" idx="2"/>
           </p:nvPr>
         </p:nvSpPr>
         <p:spPr>
@@ -6827,11 +7058,11 @@
           </a:prstGeom>
         </p:spPr>
         <p:txBody>
-          <a:bodyPr anchorCtr="0" anchor="ctr" bIns="91425" lIns="91425" spcFirstLastPara="1" rIns="91425" wrap="square" tIns="91425">
+          <a:bodyPr spcFirstLastPara="1" wrap="square" lIns="91425" tIns="91425" rIns="91425" bIns="91425" anchor="ctr" anchorCtr="0">
             <a:noAutofit/>
           </a:bodyPr>
           <a:lstStyle>
-            <a:lvl1pPr indent="-342900" lvl="0" marL="457200">
+            <a:lvl1pPr marL="457200" lvl="0" indent="-342900">
               <a:spcBef>
                 <a:spcPts val="0"/>
               </a:spcBef>
@@ -6849,7 +7080,7 @@
                 </a:solidFill>
               </a:defRPr>
             </a:lvl1pPr>
-            <a:lvl2pPr indent="-317500" lvl="1" marL="914400">
+            <a:lvl2pPr marL="914400" lvl="1" indent="-317500">
               <a:spcBef>
                 <a:spcPts val="1600"/>
               </a:spcBef>
@@ -6867,7 +7098,7 @@
                 </a:solidFill>
               </a:defRPr>
             </a:lvl2pPr>
-            <a:lvl3pPr indent="-317500" lvl="2" marL="1371600">
+            <a:lvl3pPr marL="1371600" lvl="2" indent="-317500">
               <a:spcBef>
                 <a:spcPts val="1600"/>
               </a:spcBef>
@@ -6885,7 +7116,7 @@
                 </a:solidFill>
               </a:defRPr>
             </a:lvl3pPr>
-            <a:lvl4pPr indent="-317500" lvl="3" marL="1828800">
+            <a:lvl4pPr marL="1828800" lvl="3" indent="-317500">
               <a:spcBef>
                 <a:spcPts val="1600"/>
               </a:spcBef>
@@ -6903,7 +7134,7 @@
                 </a:solidFill>
               </a:defRPr>
             </a:lvl4pPr>
-            <a:lvl5pPr indent="-317500" lvl="4" marL="2286000">
+            <a:lvl5pPr marL="2286000" lvl="4" indent="-317500">
               <a:spcBef>
                 <a:spcPts val="1600"/>
               </a:spcBef>
@@ -6921,7 +7152,7 @@
                 </a:solidFill>
               </a:defRPr>
             </a:lvl5pPr>
-            <a:lvl6pPr indent="-317500" lvl="5" marL="2743200">
+            <a:lvl6pPr marL="2743200" lvl="5" indent="-317500">
               <a:spcBef>
                 <a:spcPts val="1600"/>
               </a:spcBef>
@@ -6939,7 +7170,7 @@
                 </a:solidFill>
               </a:defRPr>
             </a:lvl6pPr>
-            <a:lvl7pPr indent="-317500" lvl="6" marL="3200400">
+            <a:lvl7pPr marL="3200400" lvl="6" indent="-317500">
               <a:spcBef>
                 <a:spcPts val="1600"/>
               </a:spcBef>
@@ -6957,7 +7188,7 @@
                 </a:solidFill>
               </a:defRPr>
             </a:lvl7pPr>
-            <a:lvl8pPr indent="-317500" lvl="7" marL="3657600">
+            <a:lvl8pPr marL="3657600" lvl="7" indent="-317500">
               <a:spcBef>
                 <a:spcPts val="1600"/>
               </a:spcBef>
@@ -6975,7 +7206,7 @@
                 </a:solidFill>
               </a:defRPr>
             </a:lvl8pPr>
-            <a:lvl9pPr indent="-317500" lvl="8" marL="4114800">
+            <a:lvl9pPr marL="4114800" lvl="8" indent="-317500">
               <a:spcBef>
                 <a:spcPts val="1600"/>
               </a:spcBef>
@@ -6994,15 +7225,19 @@
               </a:defRPr>
             </a:lvl9pPr>
           </a:lstStyle>
-          <a:p/>
+          <a:p>
+            <a:endParaRPr/>
+          </a:p>
         </p:txBody>
       </p:sp>
       <p:sp>
         <p:nvSpPr>
           <p:cNvPr id="44" name="Google Shape;44;p9"/>
-          <p:cNvSpPr txBox="1"/>
+          <p:cNvSpPr txBox="1">
+            <a:spLocks noGrp="1"/>
+          </p:cNvSpPr>
           <p:nvPr>
-            <p:ph idx="12" type="sldNum"/>
+            <p:ph type="sldNum" idx="12"/>
           </p:nvPr>
         </p:nvSpPr>
         <p:spPr>
@@ -7015,7 +7250,7 @@
           </a:prstGeom>
         </p:spPr>
         <p:txBody>
-          <a:bodyPr anchorCtr="0" anchor="ctr" bIns="91425" lIns="91425" spcFirstLastPara="1" rIns="91425" wrap="square" tIns="91425">
+          <a:bodyPr spcFirstLastPara="1" wrap="square" lIns="91425" tIns="91425" rIns="91425" bIns="91425" anchor="ctr" anchorCtr="0">
             <a:noAutofit/>
           </a:bodyPr>
           <a:lstStyle>
@@ -7093,7 +7328,7 @@
             </a:lvl9pPr>
           </a:lstStyle>
           <a:p>
-            <a:pPr indent="0" lvl="0" marL="0" rtl="0" algn="r">
+            <a:pPr marL="0" lvl="0" indent="0" algn="r" rtl="0">
               <a:spcBef>
                 <a:spcPts val="0"/>
               </a:spcBef>
@@ -7119,11 +7354,11 @@
 </file>
 
 <file path=ppt/slideLayouts/slideLayout9.xml><?xml version="1.0" encoding="utf-8"?>
-<p:sldLayout xmlns:a="http://schemas.openxmlformats.org/drawingml/2006/main" xmlns:r="http://schemas.openxmlformats.org/officeDocument/2006/relationships" xmlns:mc="http://schemas.openxmlformats.org/markup-compatibility/2006" xmlns:mv="urn:schemas-microsoft-com:mac:vml" xmlns:p="http://schemas.openxmlformats.org/presentationml/2006/main" xmlns:c="http://schemas.openxmlformats.org/drawingml/2006/chart" xmlns:dgm="http://schemas.openxmlformats.org/drawingml/2006/diagram" xmlns:o="urn:schemas-microsoft-com:office:office" xmlns:v="urn:schemas-microsoft-com:vml" xmlns:pvml="urn:schemas-microsoft-com:office:powerpoint" xmlns:com="http://schemas.openxmlformats.org/drawingml/2006/compatibility" xmlns:p14="http://schemas.microsoft.com/office/powerpoint/2010/main" xmlns:p15="http://schemas.microsoft.com/office/powerpoint/2012/main" xmlns:ahyp="http://schemas.microsoft.com/office/drawing/2018/hyperlinkcolor" matchingName="Caption">
+<p:sldLayout xmlns:a="http://schemas.openxmlformats.org/drawingml/2006/main" xmlns:r="http://schemas.openxmlformats.org/officeDocument/2006/relationships" xmlns:p="http://schemas.openxmlformats.org/presentationml/2006/main" matchingName="Caption">
   <p:cSld name="CAPTION_ONLY">
     <p:spTree>
       <p:nvGrpSpPr>
-        <p:cNvPr id="45" name="Shape 45"/>
+        <p:cNvPr id="1" name="Shape 45"/>
         <p:cNvGrpSpPr/>
         <p:nvPr/>
       </p:nvGrpSpPr>
@@ -7138,9 +7373,11 @@
       <p:sp>
         <p:nvSpPr>
           <p:cNvPr id="46" name="Google Shape;46;p10"/>
-          <p:cNvSpPr txBox="1"/>
+          <p:cNvSpPr txBox="1">
+            <a:spLocks noGrp="1"/>
+          </p:cNvSpPr>
           <p:nvPr>
-            <p:ph idx="1" type="body"/>
+            <p:ph type="body" idx="1"/>
           </p:nvPr>
         </p:nvSpPr>
         <p:spPr>
@@ -7153,11 +7390,11 @@
           </a:prstGeom>
         </p:spPr>
         <p:txBody>
-          <a:bodyPr anchorCtr="0" anchor="ctr" bIns="91425" lIns="91425" spcFirstLastPara="1" rIns="91425" wrap="square" tIns="91425">
+          <a:bodyPr spcFirstLastPara="1" wrap="square" lIns="91425" tIns="91425" rIns="91425" bIns="91425" anchor="ctr" anchorCtr="0">
             <a:noAutofit/>
           </a:bodyPr>
           <a:lstStyle>
-            <a:lvl1pPr indent="-228600" lvl="0" marL="457200">
+            <a:lvl1pPr marL="457200" lvl="0" indent="-228600">
               <a:lnSpc>
                 <a:spcPct val="100000"/>
               </a:lnSpc>
@@ -7172,15 +7409,19 @@
               <a:defRPr sz="2100"/>
             </a:lvl1pPr>
           </a:lstStyle>
-          <a:p/>
+          <a:p>
+            <a:endParaRPr/>
+          </a:p>
         </p:txBody>
       </p:sp>
       <p:sp>
         <p:nvSpPr>
           <p:cNvPr id="47" name="Google Shape;47;p10"/>
-          <p:cNvSpPr txBox="1"/>
+          <p:cNvSpPr txBox="1">
+            <a:spLocks noGrp="1"/>
+          </p:cNvSpPr>
           <p:nvPr>
-            <p:ph idx="12" type="sldNum"/>
+            <p:ph type="sldNum" idx="12"/>
           </p:nvPr>
         </p:nvSpPr>
         <p:spPr>
@@ -7193,7 +7434,7 @@
           </a:prstGeom>
         </p:spPr>
         <p:txBody>
-          <a:bodyPr anchorCtr="0" anchor="ctr" bIns="91425" lIns="91425" spcFirstLastPara="1" rIns="91425" wrap="square" tIns="91425">
+          <a:bodyPr spcFirstLastPara="1" wrap="square" lIns="91425" tIns="91425" rIns="91425" bIns="91425" anchor="ctr" anchorCtr="0">
             <a:noAutofit/>
           </a:bodyPr>
           <a:lstStyle>
@@ -7235,7 +7476,7 @@
             </a:lvl9pPr>
           </a:lstStyle>
           <a:p>
-            <a:pPr indent="0" lvl="0" marL="0" rtl="0" algn="r">
+            <a:pPr marL="0" lvl="0" indent="0" algn="r" rtl="0">
               <a:spcBef>
                 <a:spcPts val="0"/>
               </a:spcBef>
@@ -7261,18 +7502,19 @@
 </file>
 
 <file path=ppt/slideMasters/slideMaster1.xml><?xml version="1.0" encoding="utf-8"?>
-<p:sldMaster xmlns:a="http://schemas.openxmlformats.org/drawingml/2006/main" xmlns:r="http://schemas.openxmlformats.org/officeDocument/2006/relationships" xmlns:mc="http://schemas.openxmlformats.org/markup-compatibility/2006" xmlns:mv="urn:schemas-microsoft-com:mac:vml" xmlns:p="http://schemas.openxmlformats.org/presentationml/2006/main" xmlns:c="http://schemas.openxmlformats.org/drawingml/2006/chart" xmlns:dgm="http://schemas.openxmlformats.org/drawingml/2006/diagram" xmlns:o="urn:schemas-microsoft-com:office:office" xmlns:v="urn:schemas-microsoft-com:vml" xmlns:pvml="urn:schemas-microsoft-com:office:powerpoint" xmlns:com="http://schemas.openxmlformats.org/drawingml/2006/compatibility" xmlns:p14="http://schemas.microsoft.com/office/powerpoint/2010/main" xmlns:p15="http://schemas.microsoft.com/office/powerpoint/2012/main" xmlns:ahyp="http://schemas.microsoft.com/office/drawing/2018/hyperlinkcolor">
+<p:sldMaster xmlns:a="http://schemas.openxmlformats.org/drawingml/2006/main" xmlns:r="http://schemas.openxmlformats.org/officeDocument/2006/relationships" xmlns:p="http://schemas.openxmlformats.org/presentationml/2006/main">
   <p:cSld name="spearmint">
     <p:bg>
       <p:bgPr>
         <a:solidFill>
           <a:schemeClr val="lt1"/>
         </a:solidFill>
+        <a:effectLst/>
       </p:bgPr>
     </p:bg>
     <p:spTree>
       <p:nvGrpSpPr>
-        <p:cNvPr id="5" name="Shape 5"/>
+        <p:cNvPr id="1" name="Shape 5"/>
         <p:cNvGrpSpPr/>
         <p:nvPr/>
       </p:nvGrpSpPr>
@@ -7287,7 +7529,9 @@
       <p:sp>
         <p:nvSpPr>
           <p:cNvPr id="6" name="Google Shape;6;p1"/>
-          <p:cNvSpPr txBox="1"/>
+          <p:cNvSpPr txBox="1">
+            <a:spLocks noGrp="1"/>
+          </p:cNvSpPr>
           <p:nvPr>
             <p:ph type="title"/>
           </p:nvPr>
@@ -7306,7 +7550,7 @@
           </a:ln>
         </p:spPr>
         <p:txBody>
-          <a:bodyPr anchorCtr="0" anchor="t" bIns="91425" lIns="91425" spcFirstLastPara="1" rIns="91425" wrap="square" tIns="91425">
+          <a:bodyPr spcFirstLastPara="1" wrap="square" lIns="91425" tIns="91425" rIns="91425" bIns="91425" anchor="t" anchorCtr="0">
             <a:noAutofit/>
           </a:bodyPr>
           <a:lstStyle>
@@ -7518,15 +7762,19 @@
               </a:defRPr>
             </a:lvl9pPr>
           </a:lstStyle>
-          <a:p/>
+          <a:p>
+            <a:endParaRPr/>
+          </a:p>
         </p:txBody>
       </p:sp>
       <p:sp>
         <p:nvSpPr>
           <p:cNvPr id="7" name="Google Shape;7;p1"/>
-          <p:cNvSpPr txBox="1"/>
+          <p:cNvSpPr txBox="1">
+            <a:spLocks noGrp="1"/>
+          </p:cNvSpPr>
           <p:nvPr>
-            <p:ph idx="1" type="body"/>
+            <p:ph type="body" idx="1"/>
           </p:nvPr>
         </p:nvSpPr>
         <p:spPr>
@@ -7543,11 +7791,11 @@
           </a:ln>
         </p:spPr>
         <p:txBody>
-          <a:bodyPr anchorCtr="0" anchor="t" bIns="91425" lIns="91425" spcFirstLastPara="1" rIns="91425" wrap="square" tIns="91425">
+          <a:bodyPr spcFirstLastPara="1" wrap="square" lIns="91425" tIns="91425" rIns="91425" bIns="91425" anchor="t" anchorCtr="0">
             <a:noAutofit/>
           </a:bodyPr>
           <a:lstStyle>
-            <a:lvl1pPr indent="-342900" lvl="0" marL="457200">
+            <a:lvl1pPr marL="457200" lvl="0" indent="-342900">
               <a:lnSpc>
                 <a:spcPct val="115000"/>
               </a:lnSpc>
@@ -7573,7 +7821,7 @@
                 <a:sym typeface="Proxima Nova"/>
               </a:defRPr>
             </a:lvl1pPr>
-            <a:lvl2pPr indent="-317500" lvl="1" marL="914400">
+            <a:lvl2pPr marL="914400" lvl="1" indent="-317500">
               <a:lnSpc>
                 <a:spcPct val="115000"/>
               </a:lnSpc>
@@ -7599,7 +7847,7 @@
                 <a:sym typeface="Proxima Nova"/>
               </a:defRPr>
             </a:lvl2pPr>
-            <a:lvl3pPr indent="-317500" lvl="2" marL="1371600">
+            <a:lvl3pPr marL="1371600" lvl="2" indent="-317500">
               <a:lnSpc>
                 <a:spcPct val="115000"/>
               </a:lnSpc>
@@ -7625,7 +7873,7 @@
                 <a:sym typeface="Proxima Nova"/>
               </a:defRPr>
             </a:lvl3pPr>
-            <a:lvl4pPr indent="-317500" lvl="3" marL="1828800">
+            <a:lvl4pPr marL="1828800" lvl="3" indent="-317500">
               <a:lnSpc>
                 <a:spcPct val="115000"/>
               </a:lnSpc>
@@ -7651,7 +7899,7 @@
                 <a:sym typeface="Proxima Nova"/>
               </a:defRPr>
             </a:lvl4pPr>
-            <a:lvl5pPr indent="-317500" lvl="4" marL="2286000">
+            <a:lvl5pPr marL="2286000" lvl="4" indent="-317500">
               <a:lnSpc>
                 <a:spcPct val="115000"/>
               </a:lnSpc>
@@ -7677,7 +7925,7 @@
                 <a:sym typeface="Proxima Nova"/>
               </a:defRPr>
             </a:lvl5pPr>
-            <a:lvl6pPr indent="-317500" lvl="5" marL="2743200">
+            <a:lvl6pPr marL="2743200" lvl="5" indent="-317500">
               <a:lnSpc>
                 <a:spcPct val="115000"/>
               </a:lnSpc>
@@ -7703,7 +7951,7 @@
                 <a:sym typeface="Proxima Nova"/>
               </a:defRPr>
             </a:lvl6pPr>
-            <a:lvl7pPr indent="-317500" lvl="6" marL="3200400">
+            <a:lvl7pPr marL="3200400" lvl="6" indent="-317500">
               <a:lnSpc>
                 <a:spcPct val="115000"/>
               </a:lnSpc>
@@ -7729,7 +7977,7 @@
                 <a:sym typeface="Proxima Nova"/>
               </a:defRPr>
             </a:lvl7pPr>
-            <a:lvl8pPr indent="-317500" lvl="7" marL="3657600">
+            <a:lvl8pPr marL="3657600" lvl="7" indent="-317500">
               <a:lnSpc>
                 <a:spcPct val="115000"/>
               </a:lnSpc>
@@ -7755,7 +8003,7 @@
                 <a:sym typeface="Proxima Nova"/>
               </a:defRPr>
             </a:lvl8pPr>
-            <a:lvl9pPr indent="-317500" lvl="8" marL="4114800">
+            <a:lvl9pPr marL="4114800" lvl="8" indent="-317500">
               <a:lnSpc>
                 <a:spcPct val="115000"/>
               </a:lnSpc>
@@ -7782,15 +8030,19 @@
               </a:defRPr>
             </a:lvl9pPr>
           </a:lstStyle>
-          <a:p/>
+          <a:p>
+            <a:endParaRPr/>
+          </a:p>
         </p:txBody>
       </p:sp>
       <p:sp>
         <p:nvSpPr>
           <p:cNvPr id="8" name="Google Shape;8;p1"/>
-          <p:cNvSpPr txBox="1"/>
+          <p:cNvSpPr txBox="1">
+            <a:spLocks noGrp="1"/>
+          </p:cNvSpPr>
           <p:nvPr>
-            <p:ph idx="12" type="sldNum"/>
+            <p:ph type="sldNum" idx="12"/>
           </p:nvPr>
         </p:nvSpPr>
         <p:spPr>
@@ -7807,7 +8059,7 @@
           </a:ln>
         </p:spPr>
         <p:txBody>
-          <a:bodyPr anchorCtr="0" anchor="ctr" bIns="91425" lIns="91425" spcFirstLastPara="1" rIns="91425" wrap="square" tIns="91425">
+          <a:bodyPr spcFirstLastPara="1" wrap="square" lIns="91425" tIns="91425" rIns="91425" bIns="91425" anchor="ctr" anchorCtr="0">
             <a:noAutofit/>
           </a:bodyPr>
           <a:lstStyle>
@@ -7921,7 +8173,7 @@
             </a:lvl9pPr>
           </a:lstStyle>
           <a:p>
-            <a:pPr indent="0" lvl="0" marL="0" rtl="0" algn="r">
+            <a:pPr marL="0" lvl="0" indent="0" algn="r" rtl="0">
               <a:spcBef>
                 <a:spcPts val="0"/>
               </a:spcBef>
@@ -7940,7 +8192,7 @@
       </p:sp>
     </p:spTree>
   </p:cSld>
-  <p:clrMap accent1="accent1" accent2="accent2" accent3="accent3" accent4="accent4" accent5="accent5" accent6="accent6" bg1="lt1" bg2="dk2" tx1="dk1" tx2="lt2" folHlink="folHlink" hlink="hlink"/>
+  <p:clrMap bg1="lt1" tx1="dk1" bg2="dk2" tx2="lt2" accent1="accent1" accent2="accent2" accent3="accent3" accent4="accent4" accent5="accent5" accent6="accent6" hlink="hlink" folHlink="folHlink"/>
   <p:sldLayoutIdLst>
     <p:sldLayoutId id="2147483648" r:id="rId1"/>
     <p:sldLayoutId id="2147483649" r:id="rId2"/>
@@ -7954,10 +8206,10 @@
     <p:sldLayoutId id="2147483657" r:id="rId10"/>
     <p:sldLayoutId id="2147483658" r:id="rId11"/>
   </p:sldLayoutIdLst>
-  <p:hf dt="0" ftr="0" hdr="0" sldNum="0"/>
+  <p:hf sldNum="0" hdr="0" ftr="0" dt="0"/>
   <p:txStyles>
     <p:titleStyle>
-      <a:defPPr lvl="0" marR="0" rtl="0" algn="l">
+      <a:defPPr marR="0" lvl="0" algn="l" rtl="0">
         <a:lnSpc>
           <a:spcPct val="100000"/>
         </a:lnSpc>
@@ -7968,7 +8220,7 @@
           <a:spcPts val="0"/>
         </a:spcAft>
       </a:defPPr>
-      <a:lvl1pPr lvl="0" marR="0" rtl="0" algn="l">
+      <a:lvl1pPr marR="0" lvl="0" algn="l" rtl="0">
         <a:lnSpc>
           <a:spcPct val="100000"/>
         </a:lnSpc>
@@ -7982,7 +8234,7 @@
           <a:srgbClr val="000000"/>
         </a:buClr>
         <a:buFont typeface="Arial"/>
-        <a:defRPr b="0" i="0" sz="1400" u="none" cap="none" strike="noStrike">
+        <a:defRPr sz="1400" b="0" i="0" u="none" strike="noStrike" cap="none">
           <a:solidFill>
             <a:srgbClr val="000000"/>
           </a:solidFill>
@@ -7992,7 +8244,7 @@
           <a:sym typeface="Arial"/>
         </a:defRPr>
       </a:lvl1pPr>
-      <a:lvl2pPr lvl="1" marR="0" rtl="0" algn="l">
+      <a:lvl2pPr marR="0" lvl="1" algn="l" rtl="0">
         <a:lnSpc>
           <a:spcPct val="100000"/>
         </a:lnSpc>
@@ -8006,7 +8258,7 @@
           <a:srgbClr val="000000"/>
         </a:buClr>
         <a:buFont typeface="Arial"/>
-        <a:defRPr b="0" i="0" sz="1400" u="none" cap="none" strike="noStrike">
+        <a:defRPr sz="1400" b="0" i="0" u="none" strike="noStrike" cap="none">
           <a:solidFill>
             <a:srgbClr val="000000"/>
           </a:solidFill>
@@ -8016,7 +8268,7 @@
           <a:sym typeface="Arial"/>
         </a:defRPr>
       </a:lvl2pPr>
-      <a:lvl3pPr lvl="2" marR="0" rtl="0" algn="l">
+      <a:lvl3pPr marR="0" lvl="2" algn="l" rtl="0">
         <a:lnSpc>
           <a:spcPct val="100000"/>
         </a:lnSpc>
@@ -8030,7 +8282,7 @@
           <a:srgbClr val="000000"/>
         </a:buClr>
         <a:buFont typeface="Arial"/>
-        <a:defRPr b="0" i="0" sz="1400" u="none" cap="none" strike="noStrike">
+        <a:defRPr sz="1400" b="0" i="0" u="none" strike="noStrike" cap="none">
           <a:solidFill>
             <a:srgbClr val="000000"/>
           </a:solidFill>
@@ -8040,7 +8292,7 @@
           <a:sym typeface="Arial"/>
         </a:defRPr>
       </a:lvl3pPr>
-      <a:lvl4pPr lvl="3" marR="0" rtl="0" algn="l">
+      <a:lvl4pPr marR="0" lvl="3" algn="l" rtl="0">
         <a:lnSpc>
           <a:spcPct val="100000"/>
         </a:lnSpc>
@@ -8054,7 +8306,7 @@
           <a:srgbClr val="000000"/>
         </a:buClr>
         <a:buFont typeface="Arial"/>
-        <a:defRPr b="0" i="0" sz="1400" u="none" cap="none" strike="noStrike">
+        <a:defRPr sz="1400" b="0" i="0" u="none" strike="noStrike" cap="none">
           <a:solidFill>
             <a:srgbClr val="000000"/>
           </a:solidFill>
@@ -8064,7 +8316,7 @@
           <a:sym typeface="Arial"/>
         </a:defRPr>
       </a:lvl4pPr>
-      <a:lvl5pPr lvl="4" marR="0" rtl="0" algn="l">
+      <a:lvl5pPr marR="0" lvl="4" algn="l" rtl="0">
         <a:lnSpc>
           <a:spcPct val="100000"/>
         </a:lnSpc>
@@ -8078,7 +8330,7 @@
           <a:srgbClr val="000000"/>
         </a:buClr>
         <a:buFont typeface="Arial"/>
-        <a:defRPr b="0" i="0" sz="1400" u="none" cap="none" strike="noStrike">
+        <a:defRPr sz="1400" b="0" i="0" u="none" strike="noStrike" cap="none">
           <a:solidFill>
             <a:srgbClr val="000000"/>
           </a:solidFill>
@@ -8088,7 +8340,7 @@
           <a:sym typeface="Arial"/>
         </a:defRPr>
       </a:lvl5pPr>
-      <a:lvl6pPr lvl="5" marR="0" rtl="0" algn="l">
+      <a:lvl6pPr marR="0" lvl="5" algn="l" rtl="0">
         <a:lnSpc>
           <a:spcPct val="100000"/>
         </a:lnSpc>
@@ -8102,7 +8354,7 @@
           <a:srgbClr val="000000"/>
         </a:buClr>
         <a:buFont typeface="Arial"/>
-        <a:defRPr b="0" i="0" sz="1400" u="none" cap="none" strike="noStrike">
+        <a:defRPr sz="1400" b="0" i="0" u="none" strike="noStrike" cap="none">
           <a:solidFill>
             <a:srgbClr val="000000"/>
           </a:solidFill>
@@ -8112,7 +8364,7 @@
           <a:sym typeface="Arial"/>
         </a:defRPr>
       </a:lvl6pPr>
-      <a:lvl7pPr lvl="6" marR="0" rtl="0" algn="l">
+      <a:lvl7pPr marR="0" lvl="6" algn="l" rtl="0">
         <a:lnSpc>
           <a:spcPct val="100000"/>
         </a:lnSpc>
@@ -8126,7 +8378,7 @@
           <a:srgbClr val="000000"/>
         </a:buClr>
         <a:buFont typeface="Arial"/>
-        <a:defRPr b="0" i="0" sz="1400" u="none" cap="none" strike="noStrike">
+        <a:defRPr sz="1400" b="0" i="0" u="none" strike="noStrike" cap="none">
           <a:solidFill>
             <a:srgbClr val="000000"/>
           </a:solidFill>
@@ -8136,7 +8388,7 @@
           <a:sym typeface="Arial"/>
         </a:defRPr>
       </a:lvl7pPr>
-      <a:lvl8pPr lvl="7" marR="0" rtl="0" algn="l">
+      <a:lvl8pPr marR="0" lvl="7" algn="l" rtl="0">
         <a:lnSpc>
           <a:spcPct val="100000"/>
         </a:lnSpc>
@@ -8150,7 +8402,7 @@
           <a:srgbClr val="000000"/>
         </a:buClr>
         <a:buFont typeface="Arial"/>
-        <a:defRPr b="0" i="0" sz="1400" u="none" cap="none" strike="noStrike">
+        <a:defRPr sz="1400" b="0" i="0" u="none" strike="noStrike" cap="none">
           <a:solidFill>
             <a:srgbClr val="000000"/>
           </a:solidFill>
@@ -8160,7 +8412,7 @@
           <a:sym typeface="Arial"/>
         </a:defRPr>
       </a:lvl8pPr>
-      <a:lvl9pPr lvl="8" marR="0" rtl="0" algn="l">
+      <a:lvl9pPr marR="0" lvl="8" algn="l" rtl="0">
         <a:lnSpc>
           <a:spcPct val="100000"/>
         </a:lnSpc>
@@ -8174,7 +8426,7 @@
           <a:srgbClr val="000000"/>
         </a:buClr>
         <a:buFont typeface="Arial"/>
-        <a:defRPr b="0" i="0" sz="1400" u="none" cap="none" strike="noStrike">
+        <a:defRPr sz="1400" b="0" i="0" u="none" strike="noStrike" cap="none">
           <a:solidFill>
             <a:srgbClr val="000000"/>
           </a:solidFill>
@@ -8186,7 +8438,7 @@
       </a:lvl9pPr>
     </p:titleStyle>
     <p:bodyStyle>
-      <a:defPPr lvl="0" marR="0" rtl="0" algn="l">
+      <a:defPPr marR="0" lvl="0" algn="l" rtl="0">
         <a:lnSpc>
           <a:spcPct val="100000"/>
         </a:lnSpc>
@@ -8197,7 +8449,7 @@
           <a:spcPts val="0"/>
         </a:spcAft>
       </a:defPPr>
-      <a:lvl1pPr lvl="0" marR="0" rtl="0" algn="l">
+      <a:lvl1pPr marR="0" lvl="0" algn="l" rtl="0">
         <a:lnSpc>
           <a:spcPct val="100000"/>
         </a:lnSpc>
@@ -8211,7 +8463,7 @@
           <a:srgbClr val="000000"/>
         </a:buClr>
         <a:buFont typeface="Arial"/>
-        <a:defRPr b="0" i="0" sz="1400" u="none" cap="none" strike="noStrike">
+        <a:defRPr sz="1400" b="0" i="0" u="none" strike="noStrike" cap="none">
           <a:solidFill>
             <a:srgbClr val="000000"/>
           </a:solidFill>
@@ -8221,7 +8473,7 @@
           <a:sym typeface="Arial"/>
         </a:defRPr>
       </a:lvl1pPr>
-      <a:lvl2pPr lvl="1" marR="0" rtl="0" algn="l">
+      <a:lvl2pPr marR="0" lvl="1" algn="l" rtl="0">
         <a:lnSpc>
           <a:spcPct val="100000"/>
         </a:lnSpc>
@@ -8235,7 +8487,7 @@
           <a:srgbClr val="000000"/>
         </a:buClr>
         <a:buFont typeface="Arial"/>
-        <a:defRPr b="0" i="0" sz="1400" u="none" cap="none" strike="noStrike">
+        <a:defRPr sz="1400" b="0" i="0" u="none" strike="noStrike" cap="none">
           <a:solidFill>
             <a:srgbClr val="000000"/>
           </a:solidFill>
@@ -8245,7 +8497,7 @@
           <a:sym typeface="Arial"/>
         </a:defRPr>
       </a:lvl2pPr>
-      <a:lvl3pPr lvl="2" marR="0" rtl="0" algn="l">
+      <a:lvl3pPr marR="0" lvl="2" algn="l" rtl="0">
         <a:lnSpc>
           <a:spcPct val="100000"/>
         </a:lnSpc>
@@ -8259,7 +8511,7 @@
           <a:srgbClr val="000000"/>
         </a:buClr>
         <a:buFont typeface="Arial"/>
-        <a:defRPr b="0" i="0" sz="1400" u="none" cap="none" strike="noStrike">
+        <a:defRPr sz="1400" b="0" i="0" u="none" strike="noStrike" cap="none">
           <a:solidFill>
             <a:srgbClr val="000000"/>
           </a:solidFill>
@@ -8269,7 +8521,7 @@
           <a:sym typeface="Arial"/>
         </a:defRPr>
       </a:lvl3pPr>
-      <a:lvl4pPr lvl="3" marR="0" rtl="0" algn="l">
+      <a:lvl4pPr marR="0" lvl="3" algn="l" rtl="0">
         <a:lnSpc>
           <a:spcPct val="100000"/>
         </a:lnSpc>
@@ -8283,7 +8535,7 @@
           <a:srgbClr val="000000"/>
         </a:buClr>
         <a:buFont typeface="Arial"/>
-        <a:defRPr b="0" i="0" sz="1400" u="none" cap="none" strike="noStrike">
+        <a:defRPr sz="1400" b="0" i="0" u="none" strike="noStrike" cap="none">
           <a:solidFill>
             <a:srgbClr val="000000"/>
           </a:solidFill>
@@ -8293,7 +8545,7 @@
           <a:sym typeface="Arial"/>
         </a:defRPr>
       </a:lvl4pPr>
-      <a:lvl5pPr lvl="4" marR="0" rtl="0" algn="l">
+      <a:lvl5pPr marR="0" lvl="4" algn="l" rtl="0">
         <a:lnSpc>
           <a:spcPct val="100000"/>
         </a:lnSpc>
@@ -8307,7 +8559,7 @@
           <a:srgbClr val="000000"/>
         </a:buClr>
         <a:buFont typeface="Arial"/>
-        <a:defRPr b="0" i="0" sz="1400" u="none" cap="none" strike="noStrike">
+        <a:defRPr sz="1400" b="0" i="0" u="none" strike="noStrike" cap="none">
           <a:solidFill>
             <a:srgbClr val="000000"/>
           </a:solidFill>
@@ -8317,7 +8569,7 @@
           <a:sym typeface="Arial"/>
         </a:defRPr>
       </a:lvl5pPr>
-      <a:lvl6pPr lvl="5" marR="0" rtl="0" algn="l">
+      <a:lvl6pPr marR="0" lvl="5" algn="l" rtl="0">
         <a:lnSpc>
           <a:spcPct val="100000"/>
         </a:lnSpc>
@@ -8331,7 +8583,7 @@
           <a:srgbClr val="000000"/>
         </a:buClr>
         <a:buFont typeface="Arial"/>
-        <a:defRPr b="0" i="0" sz="1400" u="none" cap="none" strike="noStrike">
+        <a:defRPr sz="1400" b="0" i="0" u="none" strike="noStrike" cap="none">
           <a:solidFill>
             <a:srgbClr val="000000"/>
           </a:solidFill>
@@ -8341,7 +8593,7 @@
           <a:sym typeface="Arial"/>
         </a:defRPr>
       </a:lvl6pPr>
-      <a:lvl7pPr lvl="6" marR="0" rtl="0" algn="l">
+      <a:lvl7pPr marR="0" lvl="6" algn="l" rtl="0">
         <a:lnSpc>
           <a:spcPct val="100000"/>
         </a:lnSpc>
@@ -8355,7 +8607,7 @@
           <a:srgbClr val="000000"/>
         </a:buClr>
         <a:buFont typeface="Arial"/>
-        <a:defRPr b="0" i="0" sz="1400" u="none" cap="none" strike="noStrike">
+        <a:defRPr sz="1400" b="0" i="0" u="none" strike="noStrike" cap="none">
           <a:solidFill>
             <a:srgbClr val="000000"/>
           </a:solidFill>
@@ -8365,7 +8617,7 @@
           <a:sym typeface="Arial"/>
         </a:defRPr>
       </a:lvl7pPr>
-      <a:lvl8pPr lvl="7" marR="0" rtl="0" algn="l">
+      <a:lvl8pPr marR="0" lvl="7" algn="l" rtl="0">
         <a:lnSpc>
           <a:spcPct val="100000"/>
         </a:lnSpc>
@@ -8379,7 +8631,7 @@
           <a:srgbClr val="000000"/>
         </a:buClr>
         <a:buFont typeface="Arial"/>
-        <a:defRPr b="0" i="0" sz="1400" u="none" cap="none" strike="noStrike">
+        <a:defRPr sz="1400" b="0" i="0" u="none" strike="noStrike" cap="none">
           <a:solidFill>
             <a:srgbClr val="000000"/>
           </a:solidFill>
@@ -8389,7 +8641,7 @@
           <a:sym typeface="Arial"/>
         </a:defRPr>
       </a:lvl8pPr>
-      <a:lvl9pPr lvl="8" marR="0" rtl="0" algn="l">
+      <a:lvl9pPr marR="0" lvl="8" algn="l" rtl="0">
         <a:lnSpc>
           <a:spcPct val="100000"/>
         </a:lnSpc>
@@ -8403,7 +8655,7 @@
           <a:srgbClr val="000000"/>
         </a:buClr>
         <a:buFont typeface="Arial"/>
-        <a:defRPr b="0" i="0" sz="1400" u="none" cap="none" strike="noStrike">
+        <a:defRPr sz="1400" b="0" i="0" u="none" strike="noStrike" cap="none">
           <a:solidFill>
             <a:srgbClr val="000000"/>
           </a:solidFill>
@@ -8415,7 +8667,7 @@
       </a:lvl9pPr>
     </p:bodyStyle>
     <p:otherStyle>
-      <a:defPPr lvl="0" marR="0" rtl="0" algn="l">
+      <a:defPPr marR="0" lvl="0" algn="l" rtl="0">
         <a:lnSpc>
           <a:spcPct val="100000"/>
         </a:lnSpc>
@@ -8426,7 +8678,7 @@
           <a:spcPts val="0"/>
         </a:spcAft>
       </a:defPPr>
-      <a:lvl1pPr lvl="0" marR="0" rtl="0" algn="l">
+      <a:lvl1pPr marR="0" lvl="0" algn="l" rtl="0">
         <a:lnSpc>
           <a:spcPct val="100000"/>
         </a:lnSpc>
@@ -8440,7 +8692,7 @@
           <a:srgbClr val="000000"/>
         </a:buClr>
         <a:buFont typeface="Arial"/>
-        <a:defRPr b="0" i="0" sz="1400" u="none" cap="none" strike="noStrike">
+        <a:defRPr sz="1400" b="0" i="0" u="none" strike="noStrike" cap="none">
           <a:solidFill>
             <a:srgbClr val="000000"/>
           </a:solidFill>
@@ -8450,7 +8702,7 @@
           <a:sym typeface="Arial"/>
         </a:defRPr>
       </a:lvl1pPr>
-      <a:lvl2pPr lvl="1" marR="0" rtl="0" algn="l">
+      <a:lvl2pPr marR="0" lvl="1" algn="l" rtl="0">
         <a:lnSpc>
           <a:spcPct val="100000"/>
         </a:lnSpc>
@@ -8464,7 +8716,7 @@
           <a:srgbClr val="000000"/>
         </a:buClr>
         <a:buFont typeface="Arial"/>
-        <a:defRPr b="0" i="0" sz="1400" u="none" cap="none" strike="noStrike">
+        <a:defRPr sz="1400" b="0" i="0" u="none" strike="noStrike" cap="none">
           <a:solidFill>
             <a:srgbClr val="000000"/>
           </a:solidFill>
@@ -8474,7 +8726,7 @@
           <a:sym typeface="Arial"/>
         </a:defRPr>
       </a:lvl2pPr>
-      <a:lvl3pPr lvl="2" marR="0" rtl="0" algn="l">
+      <a:lvl3pPr marR="0" lvl="2" algn="l" rtl="0">
         <a:lnSpc>
           <a:spcPct val="100000"/>
         </a:lnSpc>
@@ -8488,7 +8740,7 @@
           <a:srgbClr val="000000"/>
         </a:buClr>
         <a:buFont typeface="Arial"/>
-        <a:defRPr b="0" i="0" sz="1400" u="none" cap="none" strike="noStrike">
+        <a:defRPr sz="1400" b="0" i="0" u="none" strike="noStrike" cap="none">
           <a:solidFill>
             <a:srgbClr val="000000"/>
           </a:solidFill>
@@ -8498,7 +8750,7 @@
           <a:sym typeface="Arial"/>
         </a:defRPr>
       </a:lvl3pPr>
-      <a:lvl4pPr lvl="3" marR="0" rtl="0" algn="l">
+      <a:lvl4pPr marR="0" lvl="3" algn="l" rtl="0">
         <a:lnSpc>
           <a:spcPct val="100000"/>
         </a:lnSpc>
@@ -8512,7 +8764,7 @@
           <a:srgbClr val="000000"/>
         </a:buClr>
         <a:buFont typeface="Arial"/>
-        <a:defRPr b="0" i="0" sz="1400" u="none" cap="none" strike="noStrike">
+        <a:defRPr sz="1400" b="0" i="0" u="none" strike="noStrike" cap="none">
           <a:solidFill>
             <a:srgbClr val="000000"/>
           </a:solidFill>
@@ -8522,7 +8774,7 @@
           <a:sym typeface="Arial"/>
         </a:defRPr>
       </a:lvl4pPr>
-      <a:lvl5pPr lvl="4" marR="0" rtl="0" algn="l">
+      <a:lvl5pPr marR="0" lvl="4" algn="l" rtl="0">
         <a:lnSpc>
           <a:spcPct val="100000"/>
         </a:lnSpc>
@@ -8536,7 +8788,7 @@
           <a:srgbClr val="000000"/>
         </a:buClr>
         <a:buFont typeface="Arial"/>
-        <a:defRPr b="0" i="0" sz="1400" u="none" cap="none" strike="noStrike">
+        <a:defRPr sz="1400" b="0" i="0" u="none" strike="noStrike" cap="none">
           <a:solidFill>
             <a:srgbClr val="000000"/>
           </a:solidFill>
@@ -8546,7 +8798,7 @@
           <a:sym typeface="Arial"/>
         </a:defRPr>
       </a:lvl5pPr>
-      <a:lvl6pPr lvl="5" marR="0" rtl="0" algn="l">
+      <a:lvl6pPr marR="0" lvl="5" algn="l" rtl="0">
         <a:lnSpc>
           <a:spcPct val="100000"/>
         </a:lnSpc>
@@ -8560,7 +8812,7 @@
           <a:srgbClr val="000000"/>
         </a:buClr>
         <a:buFont typeface="Arial"/>
-        <a:defRPr b="0" i="0" sz="1400" u="none" cap="none" strike="noStrike">
+        <a:defRPr sz="1400" b="0" i="0" u="none" strike="noStrike" cap="none">
           <a:solidFill>
             <a:srgbClr val="000000"/>
           </a:solidFill>
@@ -8570,7 +8822,7 @@
           <a:sym typeface="Arial"/>
         </a:defRPr>
       </a:lvl6pPr>
-      <a:lvl7pPr lvl="6" marR="0" rtl="0" algn="l">
+      <a:lvl7pPr marR="0" lvl="6" algn="l" rtl="0">
         <a:lnSpc>
           <a:spcPct val="100000"/>
         </a:lnSpc>
@@ -8584,7 +8836,7 @@
           <a:srgbClr val="000000"/>
         </a:buClr>
         <a:buFont typeface="Arial"/>
-        <a:defRPr b="0" i="0" sz="1400" u="none" cap="none" strike="noStrike">
+        <a:defRPr sz="1400" b="0" i="0" u="none" strike="noStrike" cap="none">
           <a:solidFill>
             <a:srgbClr val="000000"/>
           </a:solidFill>
@@ -8594,7 +8846,7 @@
           <a:sym typeface="Arial"/>
         </a:defRPr>
       </a:lvl7pPr>
-      <a:lvl8pPr lvl="7" marR="0" rtl="0" algn="l">
+      <a:lvl8pPr marR="0" lvl="7" algn="l" rtl="0">
         <a:lnSpc>
           <a:spcPct val="100000"/>
         </a:lnSpc>
@@ -8608,7 +8860,7 @@
           <a:srgbClr val="000000"/>
         </a:buClr>
         <a:buFont typeface="Arial"/>
-        <a:defRPr b="0" i="0" sz="1400" u="none" cap="none" strike="noStrike">
+        <a:defRPr sz="1400" b="0" i="0" u="none" strike="noStrike" cap="none">
           <a:solidFill>
             <a:srgbClr val="000000"/>
           </a:solidFill>
@@ -8618,7 +8870,7 @@
           <a:sym typeface="Arial"/>
         </a:defRPr>
       </a:lvl8pPr>
-      <a:lvl9pPr lvl="8" marR="0" rtl="0" algn="l">
+      <a:lvl9pPr marR="0" lvl="8" algn="l" rtl="0">
         <a:lnSpc>
           <a:spcPct val="100000"/>
         </a:lnSpc>
@@ -8632,7 +8884,7 @@
           <a:srgbClr val="000000"/>
         </a:buClr>
         <a:buFont typeface="Arial"/>
-        <a:defRPr b="0" i="0" sz="1400" u="none" cap="none" strike="noStrike">
+        <a:defRPr sz="1400" b="0" i="0" u="none" strike="noStrike" cap="none">
           <a:solidFill>
             <a:srgbClr val="000000"/>
           </a:solidFill>
@@ -8648,11 +8900,11 @@
 </file>
 
 <file path=ppt/slides/slide1.xml><?xml version="1.0" encoding="utf-8"?>
-<p:sld xmlns:a="http://schemas.openxmlformats.org/drawingml/2006/main" xmlns:r="http://schemas.openxmlformats.org/officeDocument/2006/relationships" xmlns:mc="http://schemas.openxmlformats.org/markup-compatibility/2006" xmlns:mv="urn:schemas-microsoft-com:mac:vml" xmlns:p="http://schemas.openxmlformats.org/presentationml/2006/main" xmlns:c="http://schemas.openxmlformats.org/drawingml/2006/chart" xmlns:dgm="http://schemas.openxmlformats.org/drawingml/2006/diagram" xmlns:o="urn:schemas-microsoft-com:office:office" xmlns:v="urn:schemas-microsoft-com:vml" xmlns:pvml="urn:schemas-microsoft-com:office:powerpoint" xmlns:com="http://schemas.openxmlformats.org/drawingml/2006/compatibility" xmlns:p14="http://schemas.microsoft.com/office/powerpoint/2010/main" xmlns:p15="http://schemas.microsoft.com/office/powerpoint/2012/main" xmlns:ahyp="http://schemas.microsoft.com/office/drawing/2018/hyperlinkcolor">
+<p:sld xmlns:a="http://schemas.openxmlformats.org/drawingml/2006/main" xmlns:r="http://schemas.openxmlformats.org/officeDocument/2006/relationships" xmlns:p="http://schemas.openxmlformats.org/presentationml/2006/main">
   <p:cSld>
     <p:spTree>
       <p:nvGrpSpPr>
-        <p:cNvPr id="58" name="Shape 58"/>
+        <p:cNvPr id="1" name="Shape 58"/>
         <p:cNvGrpSpPr/>
         <p:nvPr/>
       </p:nvGrpSpPr>
@@ -8667,7 +8919,9 @@
       <p:sp>
         <p:nvSpPr>
           <p:cNvPr id="59" name="Google Shape;59;p13"/>
-          <p:cNvSpPr txBox="1"/>
+          <p:cNvSpPr txBox="1">
+            <a:spLocks noGrp="1"/>
+          </p:cNvSpPr>
           <p:nvPr>
             <p:ph type="ctrTitle"/>
           </p:nvPr>
@@ -8682,12 +8936,12 @@
           </a:prstGeom>
         </p:spPr>
         <p:txBody>
-          <a:bodyPr anchorCtr="0" anchor="b" bIns="91425" lIns="91425" spcFirstLastPara="1" rIns="91425" wrap="square" tIns="91425">
+          <a:bodyPr spcFirstLastPara="1" wrap="square" lIns="91425" tIns="91425" rIns="91425" bIns="91425" anchor="b" anchorCtr="0">
             <a:noAutofit/>
           </a:bodyPr>
           <a:lstStyle/>
           <a:p>
-            <a:pPr indent="0" lvl="0" marL="0" rtl="0" algn="l">
+            <a:pPr marL="0" lvl="0" indent="0" algn="l" rtl="0">
               <a:spcBef>
                 <a:spcPts val="0"/>
               </a:spcBef>
@@ -8707,9 +8961,11 @@
       <p:sp>
         <p:nvSpPr>
           <p:cNvPr id="60" name="Google Shape;60;p13"/>
-          <p:cNvSpPr txBox="1"/>
+          <p:cNvSpPr txBox="1">
+            <a:spLocks noGrp="1"/>
+          </p:cNvSpPr>
           <p:nvPr>
-            <p:ph idx="1" type="subTitle"/>
+            <p:ph type="subTitle" idx="1"/>
           </p:nvPr>
         </p:nvSpPr>
         <p:spPr>
@@ -8722,12 +8978,12 @@
           </a:prstGeom>
         </p:spPr>
         <p:txBody>
-          <a:bodyPr anchorCtr="0" anchor="t" bIns="91425" lIns="91425" spcFirstLastPara="1" rIns="91425" wrap="square" tIns="91425">
+          <a:bodyPr spcFirstLastPara="1" wrap="square" lIns="91425" tIns="91425" rIns="91425" bIns="91425" anchor="t" anchorCtr="0">
             <a:noAutofit/>
           </a:bodyPr>
           <a:lstStyle/>
           <a:p>
-            <a:pPr indent="0" lvl="0" marL="0" rtl="0" algn="l">
+            <a:pPr marL="0" lvl="0" indent="0" algn="l" rtl="0">
               <a:spcBef>
                 <a:spcPts val="0"/>
               </a:spcBef>
@@ -8764,12 +9020,12 @@
           </a:ln>
         </p:spPr>
         <p:txBody>
-          <a:bodyPr anchorCtr="0" anchor="t" bIns="91425" lIns="91425" spcFirstLastPara="1" rIns="91425" wrap="square" tIns="91425">
+          <a:bodyPr spcFirstLastPara="1" wrap="square" lIns="91425" tIns="91425" rIns="91425" bIns="91425" anchor="t" anchorCtr="0">
             <a:noAutofit/>
           </a:bodyPr>
           <a:lstStyle/>
           <a:p>
-            <a:pPr indent="0" lvl="0" marL="0" rtl="0" algn="l">
+            <a:pPr marL="0" lvl="0" indent="0" algn="l" rtl="0">
               <a:spcBef>
                 <a:spcPts val="0"/>
               </a:spcBef>
@@ -8778,71 +9034,10 @@
               </a:spcAft>
               <a:buNone/>
             </a:pPr>
-            <a:r>
-              <a:t/>
-            </a:r>
             <a:endParaRPr>
               <a:solidFill>
                 <a:schemeClr val="lt2"/>
               </a:solidFill>
-            </a:endParaRPr>
-          </a:p>
-        </p:txBody>
-      </p:sp>
-      <p:sp>
-        <p:nvSpPr>
-          <p:cNvPr id="62" name="Google Shape;62;p13"/>
-          <p:cNvSpPr txBox="1"/>
-          <p:nvPr/>
-        </p:nvSpPr>
-        <p:spPr>
-          <a:xfrm>
-            <a:off x="5829650" y="3688475"/>
-            <a:ext cx="2632200" cy="389400"/>
-          </a:xfrm>
-          <a:prstGeom prst="rect">
-            <a:avLst/>
-          </a:prstGeom>
-          <a:noFill/>
-          <a:ln>
-            <a:noFill/>
-          </a:ln>
-        </p:spPr>
-        <p:txBody>
-          <a:bodyPr anchorCtr="0" anchor="t" bIns="91425" lIns="91425" spcFirstLastPara="1" rIns="91425" wrap="square" tIns="91425">
-            <a:noAutofit/>
-          </a:bodyPr>
-          <a:lstStyle/>
-          <a:p>
-            <a:pPr indent="0" lvl="0" marL="0" rtl="0" algn="l">
-              <a:spcBef>
-                <a:spcPts val="0"/>
-              </a:spcBef>
-              <a:spcAft>
-                <a:spcPts val="0"/>
-              </a:spcAft>
-              <a:buNone/>
-            </a:pPr>
-            <a:r>
-              <a:rPr lang="iw">
-                <a:solidFill>
-                  <a:schemeClr val="lt2"/>
-                </a:solidFill>
-                <a:latin typeface="Proxima Nova"/>
-                <a:ea typeface="Proxima Nova"/>
-                <a:cs typeface="Proxima Nova"/>
-                <a:sym typeface="Proxima Nova"/>
-              </a:rPr>
-              <a:t>Tal Komemi</a:t>
-            </a:r>
-            <a:endParaRPr>
-              <a:solidFill>
-                <a:schemeClr val="lt2"/>
-              </a:solidFill>
-              <a:latin typeface="Proxima Nova"/>
-              <a:ea typeface="Proxima Nova"/>
-              <a:cs typeface="Proxima Nova"/>
-              <a:sym typeface="Proxima Nova"/>
             </a:endParaRPr>
           </a:p>
         </p:txBody>
@@ -8855,7 +9050,7 @@
         </p:nvSpPr>
         <p:spPr>
           <a:xfrm>
-            <a:off x="5829650" y="4077875"/>
+            <a:off x="6110850" y="3340325"/>
             <a:ext cx="2632200" cy="389400"/>
           </a:xfrm>
           <a:prstGeom prst="rect">
@@ -8867,12 +9062,12 @@
           </a:ln>
         </p:spPr>
         <p:txBody>
-          <a:bodyPr anchorCtr="0" anchor="t" bIns="91425" lIns="91425" spcFirstLastPara="1" rIns="91425" wrap="square" tIns="91425">
+          <a:bodyPr spcFirstLastPara="1" wrap="square" lIns="91425" tIns="91425" rIns="91425" bIns="91425" anchor="t" anchorCtr="0">
             <a:noAutofit/>
           </a:bodyPr>
           <a:lstStyle/>
           <a:p>
-            <a:pPr indent="0" lvl="0" marL="0" rtl="0" algn="l">
+            <a:pPr marL="0" lvl="0" indent="0" algn="l" rtl="0">
               <a:spcBef>
                 <a:spcPts val="0"/>
               </a:spcBef>
@@ -8882,7 +9077,7 @@
               <a:buNone/>
             </a:pPr>
             <a:r>
-              <a:rPr lang="iw">
+              <a:rPr lang="iw" dirty="0">
                 <a:solidFill>
                   <a:schemeClr val="lt2"/>
                 </a:solidFill>
@@ -8893,7 +9088,7 @@
               </a:rPr>
               <a:t>Hodaya Sror</a:t>
             </a:r>
-            <a:endParaRPr>
+            <a:endParaRPr dirty="0">
               <a:solidFill>
                 <a:schemeClr val="lt2"/>
               </a:solidFill>
@@ -8913,7 +9108,7 @@
         </p:nvSpPr>
         <p:spPr>
           <a:xfrm>
-            <a:off x="5829650" y="4449025"/>
+            <a:off x="6110850" y="3688475"/>
             <a:ext cx="2632200" cy="389400"/>
           </a:xfrm>
           <a:prstGeom prst="rect">
@@ -8925,12 +9120,12 @@
           </a:ln>
         </p:spPr>
         <p:txBody>
-          <a:bodyPr anchorCtr="0" anchor="t" bIns="91425" lIns="91425" spcFirstLastPara="1" rIns="91425" wrap="square" tIns="91425">
+          <a:bodyPr spcFirstLastPara="1" wrap="square" lIns="91425" tIns="91425" rIns="91425" bIns="91425" anchor="t" anchorCtr="0">
             <a:noAutofit/>
           </a:bodyPr>
           <a:lstStyle/>
           <a:p>
-            <a:pPr indent="0" lvl="0" marL="0" rtl="0" algn="l">
+            <a:pPr marL="0" lvl="0" indent="0" algn="l" rtl="0">
               <a:spcBef>
                 <a:spcPts val="0"/>
               </a:spcBef>
@@ -8940,7 +9135,7 @@
               <a:buNone/>
             </a:pPr>
             <a:r>
-              <a:rPr lang="iw">
+              <a:rPr lang="iw" dirty="0">
                 <a:solidFill>
                   <a:schemeClr val="lt2"/>
                 </a:solidFill>
@@ -8951,7 +9146,7 @@
               </a:rPr>
               <a:t>Suha Edris</a:t>
             </a:r>
-            <a:endParaRPr>
+            <a:endParaRPr dirty="0">
               <a:solidFill>
                 <a:schemeClr val="lt2"/>
               </a:solidFill>
@@ -8959,6 +9154,63 @@
               <a:ea typeface="Proxima Nova"/>
               <a:cs typeface="Proxima Nova"/>
               <a:sym typeface="Proxima Nova"/>
+            </a:endParaRPr>
+          </a:p>
+        </p:txBody>
+      </p:sp>
+      <p:sp>
+        <p:nvSpPr>
+          <p:cNvPr id="8" name="Google Shape;63;p13">
+            <a:extLst>
+              <a:ext uri="{FF2B5EF4-FFF2-40B4-BE49-F238E27FC236}">
+                <a16:creationId xmlns:a16="http://schemas.microsoft.com/office/drawing/2014/main" id="{10CFEF83-B0A0-476B-B98F-44E1CF4D341E}"/>
+              </a:ext>
+            </a:extLst>
+          </p:cNvPr>
+          <p:cNvSpPr txBox="1"/>
+          <p:nvPr/>
+        </p:nvSpPr>
+        <p:spPr>
+          <a:xfrm>
+            <a:off x="234003" y="3625959"/>
+            <a:ext cx="3391699" cy="389400"/>
+          </a:xfrm>
+          <a:prstGeom prst="rect">
+            <a:avLst/>
+          </a:prstGeom>
+          <a:noFill/>
+          <a:ln>
+            <a:noFill/>
+          </a:ln>
+        </p:spPr>
+        <p:txBody>
+          <a:bodyPr spcFirstLastPara="1" wrap="square" lIns="91425" tIns="91425" rIns="91425" bIns="91425" anchor="t" anchorCtr="0">
+            <a:noAutofit/>
+          </a:bodyPr>
+          <a:lstStyle/>
+          <a:p>
+            <a:pPr algn="ctr" defTabSz="951583"/>
+            <a:r>
+              <a:rPr lang="en-US" sz="1400" b="1" dirty="0">
+                <a:solidFill>
+                  <a:schemeClr val="tx1">
+                    <a:lumMod val="50000"/>
+                    <a:lumOff val="50000"/>
+                  </a:schemeClr>
+                </a:solidFill>
+                <a:latin typeface="Calibri"/>
+              </a:rPr>
+              <a:t>Instructor : Anat Paskin-Cherniavsky</a:t>
+            </a:r>
+            <a:endParaRPr lang="fr-FR" sz="1400" b="1" dirty="0">
+              <a:solidFill>
+                <a:schemeClr val="tx1">
+                  <a:lumMod val="50000"/>
+                  <a:lumOff val="50000"/>
+                </a:schemeClr>
+              </a:solidFill>
+              <a:effectLst/>
+              <a:latin typeface="Arial" panose="020B0604020202020204" pitchFamily="34" charset="0"/>
             </a:endParaRPr>
           </a:p>
         </p:txBody>
@@ -8972,11 +9224,11 @@
 </file>
 
 <file path=ppt/slides/slide10.xml><?xml version="1.0" encoding="utf-8"?>
-<p:sld xmlns:a="http://schemas.openxmlformats.org/drawingml/2006/main" xmlns:r="http://schemas.openxmlformats.org/officeDocument/2006/relationships" xmlns:mc="http://schemas.openxmlformats.org/markup-compatibility/2006" xmlns:mv="urn:schemas-microsoft-com:mac:vml" xmlns:p="http://schemas.openxmlformats.org/presentationml/2006/main" xmlns:c="http://schemas.openxmlformats.org/drawingml/2006/chart" xmlns:dgm="http://schemas.openxmlformats.org/drawingml/2006/diagram" xmlns:o="urn:schemas-microsoft-com:office:office" xmlns:v="urn:schemas-microsoft-com:vml" xmlns:pvml="urn:schemas-microsoft-com:office:powerpoint" xmlns:com="http://schemas.openxmlformats.org/drawingml/2006/compatibility" xmlns:p14="http://schemas.microsoft.com/office/powerpoint/2010/main" xmlns:p15="http://schemas.microsoft.com/office/powerpoint/2012/main" xmlns:ahyp="http://schemas.microsoft.com/office/drawing/2018/hyperlinkcolor">
+<p:sld xmlns:a="http://schemas.openxmlformats.org/drawingml/2006/main" xmlns:r="http://schemas.openxmlformats.org/officeDocument/2006/relationships" xmlns:p="http://schemas.openxmlformats.org/presentationml/2006/main">
   <p:cSld>
     <p:spTree>
       <p:nvGrpSpPr>
-        <p:cNvPr id="117" name="Shape 117"/>
+        <p:cNvPr id="1" name="Shape 117"/>
         <p:cNvGrpSpPr/>
         <p:nvPr/>
       </p:nvGrpSpPr>
@@ -9064,12 +9316,12 @@
           </a:ln>
         </p:spPr>
         <p:txBody>
-          <a:bodyPr anchorCtr="0" anchor="t" bIns="91425" lIns="91425" spcFirstLastPara="1" rIns="91425" wrap="square" tIns="91425">
+          <a:bodyPr spcFirstLastPara="1" wrap="square" lIns="91425" tIns="91425" rIns="91425" bIns="91425" anchor="t" anchorCtr="0">
             <a:noAutofit/>
           </a:bodyPr>
           <a:lstStyle/>
           <a:p>
-            <a:pPr indent="0" lvl="0" marL="0" rtl="0" algn="l">
+            <a:pPr marL="0" lvl="0" indent="0" algn="l" rtl="0">
               <a:spcBef>
                 <a:spcPts val="0"/>
               </a:spcBef>
@@ -9101,7 +9353,7 @@
             </a:endParaRPr>
           </a:p>
           <a:p>
-            <a:pPr indent="0" lvl="0" marL="0" rtl="0" algn="l">
+            <a:pPr marL="0" lvl="0" indent="0" algn="l" rtl="0">
               <a:spcBef>
                 <a:spcPts val="0"/>
               </a:spcBef>
@@ -9110,9 +9362,6 @@
               </a:spcAft>
               <a:buNone/>
             </a:pPr>
-            <a:r>
-              <a:t/>
-            </a:r>
             <a:endParaRPr sz="1800">
               <a:solidFill>
                 <a:schemeClr val="accent3"/>
@@ -9124,7 +9373,7 @@
             </a:endParaRPr>
           </a:p>
           <a:p>
-            <a:pPr indent="-342900" lvl="0" marL="457200" rtl="0" algn="l">
+            <a:pPr marL="457200" lvl="0" indent="-342900" algn="l" rtl="0">
               <a:spcBef>
                 <a:spcPts val="0"/>
               </a:spcBef>
@@ -9161,7 +9410,7 @@
             </a:endParaRPr>
           </a:p>
           <a:p>
-            <a:pPr indent="-342900" lvl="0" marL="457200" rtl="0" algn="l">
+            <a:pPr marL="457200" lvl="0" indent="-342900" algn="l" rtl="0">
               <a:spcBef>
                 <a:spcPts val="0"/>
               </a:spcBef>
@@ -9185,67 +9434,7 @@
                 <a:cs typeface="Proxima Nova"/>
                 <a:sym typeface="Proxima Nova"/>
               </a:rPr>
-              <a:t>Each lecture shows </a:t>
-            </a:r>
-            <a:r>
-              <a:rPr lang="iw" sz="1800">
-                <a:solidFill>
-                  <a:schemeClr val="accent3"/>
-                </a:solidFill>
-                <a:latin typeface="Proxima Nova"/>
-                <a:ea typeface="Proxima Nova"/>
-                <a:cs typeface="Proxima Nova"/>
-                <a:sym typeface="Proxima Nova"/>
-              </a:rPr>
-              <a:t>lectures</a:t>
-            </a:r>
-            <a:r>
-              <a:rPr lang="iw" sz="1800">
-                <a:solidFill>
-                  <a:schemeClr val="accent3"/>
-                </a:solidFill>
-                <a:latin typeface="Proxima Nova"/>
-                <a:ea typeface="Proxima Nova"/>
-                <a:cs typeface="Proxima Nova"/>
-                <a:sym typeface="Proxima Nova"/>
-              </a:rPr>
-              <a:t> time, </a:t>
-            </a:r>
-            <a:r>
-              <a:rPr lang="iw" sz="1800">
-                <a:solidFill>
-                  <a:schemeClr val="accent3"/>
-                </a:solidFill>
-                <a:latin typeface="Proxima Nova"/>
-                <a:ea typeface="Proxima Nova"/>
-                <a:cs typeface="Proxima Nova"/>
-                <a:sym typeface="Proxima Nova"/>
-              </a:rPr>
-              <a:t>lectures </a:t>
-            </a:r>
-            <a:r>
-              <a:rPr lang="iw" sz="1800">
-                <a:solidFill>
-                  <a:schemeClr val="accent3"/>
-                </a:solidFill>
-                <a:latin typeface="Proxima Nova"/>
-                <a:ea typeface="Proxima Nova"/>
-                <a:cs typeface="Proxima Nova"/>
-                <a:sym typeface="Proxima Nova"/>
-              </a:rPr>
-              <a:t>name and </a:t>
-            </a:r>
-            <a:r>
-              <a:rPr lang="iw" sz="1800">
-                <a:solidFill>
-                  <a:schemeClr val="accent3"/>
-                </a:solidFill>
-                <a:latin typeface="Proxima Nova"/>
-                <a:ea typeface="Proxima Nova"/>
-                <a:cs typeface="Proxima Nova"/>
-                <a:sym typeface="Proxima Nova"/>
-              </a:rPr>
-              <a:t>lecturers</a:t>
+              <a:t>Each lecture shows lectures time, lectures name and lecturers</a:t>
             </a:r>
             <a:endParaRPr sz="1800">
               <a:solidFill>
@@ -9258,7 +9447,7 @@
             </a:endParaRPr>
           </a:p>
           <a:p>
-            <a:pPr indent="-342900" lvl="0" marL="457200" rtl="0" algn="l">
+            <a:pPr marL="457200" lvl="0" indent="-342900" algn="l" rtl="0">
               <a:spcBef>
                 <a:spcPts val="0"/>
               </a:spcBef>
@@ -9305,11 +9494,11 @@
 </file>
 
 <file path=ppt/slides/slide11.xml><?xml version="1.0" encoding="utf-8"?>
-<p:sld xmlns:a="http://schemas.openxmlformats.org/drawingml/2006/main" xmlns:r="http://schemas.openxmlformats.org/officeDocument/2006/relationships" xmlns:mc="http://schemas.openxmlformats.org/markup-compatibility/2006" xmlns:mv="urn:schemas-microsoft-com:mac:vml" xmlns:p="http://schemas.openxmlformats.org/presentationml/2006/main" xmlns:c="http://schemas.openxmlformats.org/drawingml/2006/chart" xmlns:dgm="http://schemas.openxmlformats.org/drawingml/2006/diagram" xmlns:o="urn:schemas-microsoft-com:office:office" xmlns:v="urn:schemas-microsoft-com:vml" xmlns:pvml="urn:schemas-microsoft-com:office:powerpoint" xmlns:com="http://schemas.openxmlformats.org/drawingml/2006/compatibility" xmlns:p14="http://schemas.microsoft.com/office/powerpoint/2010/main" xmlns:p15="http://schemas.microsoft.com/office/powerpoint/2012/main" xmlns:ahyp="http://schemas.microsoft.com/office/drawing/2018/hyperlinkcolor">
+<p:sld xmlns:a="http://schemas.openxmlformats.org/drawingml/2006/main" xmlns:r="http://schemas.openxmlformats.org/officeDocument/2006/relationships" xmlns:p="http://schemas.openxmlformats.org/presentationml/2006/main">
   <p:cSld>
     <p:spTree>
       <p:nvGrpSpPr>
-        <p:cNvPr id="124" name="Shape 124"/>
+        <p:cNvPr id="1" name="Shape 124"/>
         <p:cNvGrpSpPr/>
         <p:nvPr/>
       </p:nvGrpSpPr>
@@ -9384,7 +9573,7 @@
           <p:nvPr/>
         </p:nvCxnSpPr>
         <p:spPr>
-          <a:xfrm flipH="1" rot="10800000">
+          <a:xfrm rot="10800000" flipH="1">
             <a:off x="5351125" y="1137300"/>
             <a:ext cx="1536900" cy="6000"/>
           </a:xfrm>
@@ -9392,14 +9581,14 @@
             <a:avLst/>
           </a:prstGeom>
           <a:noFill/>
-          <a:ln cap="flat" cmpd="sng" w="9525">
+          <a:ln w="9525" cap="flat" cmpd="sng">
             <a:solidFill>
               <a:schemeClr val="dk2"/>
             </a:solidFill>
             <a:prstDash val="solid"/>
             <a:round/>
-            <a:headEnd len="med" w="med" type="none"/>
-            <a:tailEnd len="med" w="med" type="triangle"/>
+            <a:headEnd type="none" w="med" len="med"/>
+            <a:tailEnd type="triangle" w="med" len="med"/>
           </a:ln>
         </p:spPr>
       </p:cxnSp>
@@ -9418,14 +9607,14 @@
             <a:avLst/>
           </a:prstGeom>
           <a:noFill/>
-          <a:ln cap="flat" cmpd="sng" w="9525">
+          <a:ln w="9525" cap="flat" cmpd="sng">
             <a:solidFill>
               <a:schemeClr val="dk2"/>
             </a:solidFill>
             <a:prstDash val="solid"/>
             <a:round/>
-            <a:headEnd len="med" w="med" type="none"/>
-            <a:tailEnd len="med" w="med" type="triangle"/>
+            <a:headEnd type="none" w="med" len="med"/>
+            <a:tailEnd type="triangle" w="med" len="med"/>
           </a:ln>
         </p:spPr>
       </p:cxnSp>
@@ -9439,7 +9628,7 @@
           <a:blip r:embed="rId5">
             <a:alphaModFix/>
           </a:blip>
-          <a:srcRect b="1569" l="0" r="0" t="-1569"/>
+          <a:srcRect t="-1569" b="1569"/>
           <a:stretch/>
         </p:blipFill>
         <p:spPr>
@@ -9476,12 +9665,12 @@
           </a:ln>
         </p:spPr>
         <p:txBody>
-          <a:bodyPr anchorCtr="0" anchor="t" bIns="91425" lIns="91425" spcFirstLastPara="1" rIns="91425" wrap="square" tIns="91425">
+          <a:bodyPr spcFirstLastPara="1" wrap="square" lIns="91425" tIns="91425" rIns="91425" bIns="91425" anchor="t" anchorCtr="0">
             <a:noAutofit/>
           </a:bodyPr>
           <a:lstStyle/>
           <a:p>
-            <a:pPr indent="0" lvl="0" marL="0" rtl="0" algn="l">
+            <a:pPr marL="0" lvl="0" indent="0" algn="l" rtl="0">
               <a:spcBef>
                 <a:spcPts val="0"/>
               </a:spcBef>
@@ -9540,12 +9729,12 @@
           </a:ln>
         </p:spPr>
         <p:txBody>
-          <a:bodyPr anchorCtr="0" anchor="t" bIns="91425" lIns="91425" spcFirstLastPara="1" rIns="91425" wrap="square" tIns="91425">
+          <a:bodyPr spcFirstLastPara="1" wrap="square" lIns="91425" tIns="91425" rIns="91425" bIns="91425" anchor="t" anchorCtr="0">
             <a:noAutofit/>
           </a:bodyPr>
           <a:lstStyle/>
           <a:p>
-            <a:pPr indent="0" lvl="0" marL="0" rtl="0" algn="l">
+            <a:pPr marL="0" lvl="0" indent="0" algn="l" rtl="0">
               <a:spcBef>
                 <a:spcPts val="0"/>
               </a:spcBef>
@@ -9587,11 +9776,11 @@
 </file>
 
 <file path=ppt/slides/slide12.xml><?xml version="1.0" encoding="utf-8"?>
-<p:sld xmlns:a="http://schemas.openxmlformats.org/drawingml/2006/main" xmlns:r="http://schemas.openxmlformats.org/officeDocument/2006/relationships" xmlns:mc="http://schemas.openxmlformats.org/markup-compatibility/2006" xmlns:mv="urn:schemas-microsoft-com:mac:vml" xmlns:p="http://schemas.openxmlformats.org/presentationml/2006/main" xmlns:c="http://schemas.openxmlformats.org/drawingml/2006/chart" xmlns:dgm="http://schemas.openxmlformats.org/drawingml/2006/diagram" xmlns:o="urn:schemas-microsoft-com:office:office" xmlns:v="urn:schemas-microsoft-com:vml" xmlns:pvml="urn:schemas-microsoft-com:office:powerpoint" xmlns:com="http://schemas.openxmlformats.org/drawingml/2006/compatibility" xmlns:p14="http://schemas.microsoft.com/office/powerpoint/2010/main" xmlns:p15="http://schemas.microsoft.com/office/powerpoint/2012/main" xmlns:ahyp="http://schemas.microsoft.com/office/drawing/2018/hyperlinkcolor">
+<p:sld xmlns:a="http://schemas.openxmlformats.org/drawingml/2006/main" xmlns:r="http://schemas.openxmlformats.org/officeDocument/2006/relationships" xmlns:p="http://schemas.openxmlformats.org/presentationml/2006/main">
   <p:cSld>
     <p:spTree>
       <p:nvGrpSpPr>
-        <p:cNvPr id="135" name="Shape 135"/>
+        <p:cNvPr id="1" name="Shape 135"/>
         <p:cNvGrpSpPr/>
         <p:nvPr/>
       </p:nvGrpSpPr>
@@ -9651,12 +9840,12 @@
           </a:ln>
         </p:spPr>
         <p:txBody>
-          <a:bodyPr anchorCtr="0" anchor="t" bIns="91425" lIns="91425" spcFirstLastPara="1" rIns="91425" wrap="square" tIns="91425">
+          <a:bodyPr spcFirstLastPara="1" wrap="square" lIns="91425" tIns="91425" rIns="91425" bIns="91425" anchor="t" anchorCtr="0">
             <a:noAutofit/>
           </a:bodyPr>
           <a:lstStyle/>
           <a:p>
-            <a:pPr indent="0" lvl="0" marL="0" rtl="0" algn="l">
+            <a:pPr marL="0" lvl="0" indent="0" algn="l" rtl="0">
               <a:spcBef>
                 <a:spcPts val="0"/>
               </a:spcBef>
@@ -9688,7 +9877,7 @@
             </a:endParaRPr>
           </a:p>
           <a:p>
-            <a:pPr indent="0" lvl="0" marL="0" rtl="0" algn="l">
+            <a:pPr marL="0" lvl="0" indent="0" algn="l" rtl="0">
               <a:spcBef>
                 <a:spcPts val="0"/>
               </a:spcBef>
@@ -9697,9 +9886,6 @@
               </a:spcAft>
               <a:buNone/>
             </a:pPr>
-            <a:r>
-              <a:t/>
-            </a:r>
             <a:endParaRPr sz="1800">
               <a:solidFill>
                 <a:schemeClr val="lt2"/>
@@ -9711,7 +9897,7 @@
             </a:endParaRPr>
           </a:p>
           <a:p>
-            <a:pPr indent="-342900" lvl="0" marL="457200" rtl="0" algn="l">
+            <a:pPr marL="457200" lvl="0" indent="-342900" algn="l" rtl="0">
               <a:spcBef>
                 <a:spcPts val="0"/>
               </a:spcBef>
@@ -9748,7 +9934,7 @@
             </a:endParaRPr>
           </a:p>
           <a:p>
-            <a:pPr indent="-342900" lvl="0" marL="457200" rtl="0" algn="l">
+            <a:pPr marL="457200" lvl="0" indent="-342900" algn="l" rtl="0">
               <a:spcBef>
                 <a:spcPts val="0"/>
               </a:spcBef>
@@ -9785,7 +9971,7 @@
             </a:endParaRPr>
           </a:p>
           <a:p>
-            <a:pPr indent="-342900" lvl="0" marL="457200" rtl="0" algn="l">
+            <a:pPr marL="457200" lvl="0" indent="-342900" algn="l" rtl="0">
               <a:spcBef>
                 <a:spcPts val="0"/>
               </a:spcBef>
@@ -9832,11 +10018,11 @@
 </file>
 
 <file path=ppt/slides/slide13.xml><?xml version="1.0" encoding="utf-8"?>
-<p:sld xmlns:a="http://schemas.openxmlformats.org/drawingml/2006/main" xmlns:r="http://schemas.openxmlformats.org/officeDocument/2006/relationships" xmlns:mc="http://schemas.openxmlformats.org/markup-compatibility/2006" xmlns:mv="urn:schemas-microsoft-com:mac:vml" xmlns:p="http://schemas.openxmlformats.org/presentationml/2006/main" xmlns:c="http://schemas.openxmlformats.org/drawingml/2006/chart" xmlns:dgm="http://schemas.openxmlformats.org/drawingml/2006/diagram" xmlns:o="urn:schemas-microsoft-com:office:office" xmlns:v="urn:schemas-microsoft-com:vml" xmlns:pvml="urn:schemas-microsoft-com:office:powerpoint" xmlns:com="http://schemas.openxmlformats.org/drawingml/2006/compatibility" xmlns:p14="http://schemas.microsoft.com/office/powerpoint/2010/main" xmlns:p15="http://schemas.microsoft.com/office/powerpoint/2012/main" xmlns:ahyp="http://schemas.microsoft.com/office/drawing/2018/hyperlinkcolor">
+<p:sld xmlns:a="http://schemas.openxmlformats.org/drawingml/2006/main" xmlns:r="http://schemas.openxmlformats.org/officeDocument/2006/relationships" xmlns:p="http://schemas.openxmlformats.org/presentationml/2006/main">
   <p:cSld>
     <p:spTree>
       <p:nvGrpSpPr>
-        <p:cNvPr id="141" name="Shape 141"/>
+        <p:cNvPr id="1" name="Shape 141"/>
         <p:cNvGrpSpPr/>
         <p:nvPr/>
       </p:nvGrpSpPr>
@@ -9924,12 +10110,12 @@
           </a:ln>
         </p:spPr>
         <p:txBody>
-          <a:bodyPr anchorCtr="0" anchor="t" bIns="91425" lIns="91425" spcFirstLastPara="1" rIns="91425" wrap="square" tIns="91425">
+          <a:bodyPr spcFirstLastPara="1" wrap="square" lIns="91425" tIns="91425" rIns="91425" bIns="91425" anchor="t" anchorCtr="0">
             <a:noAutofit/>
           </a:bodyPr>
           <a:lstStyle/>
           <a:p>
-            <a:pPr indent="0" lvl="0" marL="0" rtl="0" algn="l">
+            <a:pPr marL="0" lvl="0" indent="0" algn="l" rtl="0">
               <a:spcBef>
                 <a:spcPts val="0"/>
               </a:spcBef>
@@ -9961,7 +10147,7 @@
             </a:endParaRPr>
           </a:p>
           <a:p>
-            <a:pPr indent="0" lvl="0" marL="0" rtl="0" algn="l">
+            <a:pPr marL="0" lvl="0" indent="0" algn="l" rtl="0">
               <a:spcBef>
                 <a:spcPts val="0"/>
               </a:spcBef>
@@ -9993,7 +10179,7 @@
             </a:endParaRPr>
           </a:p>
           <a:p>
-            <a:pPr indent="0" lvl="0" marL="0" rtl="0" algn="l">
+            <a:pPr marL="0" lvl="0" indent="0" algn="l" rtl="0">
               <a:spcBef>
                 <a:spcPts val="0"/>
               </a:spcBef>
@@ -10002,9 +10188,6 @@
               </a:spcAft>
               <a:buNone/>
             </a:pPr>
-            <a:r>
-              <a:t/>
-            </a:r>
             <a:endParaRPr sz="1800">
               <a:solidFill>
                 <a:schemeClr val="accent3"/>
@@ -10016,7 +10199,7 @@
             </a:endParaRPr>
           </a:p>
           <a:p>
-            <a:pPr indent="-342900" lvl="0" marL="457200" rtl="0" algn="l">
+            <a:pPr marL="457200" lvl="0" indent="-342900" algn="l" rtl="0">
               <a:spcBef>
                 <a:spcPts val="0"/>
               </a:spcBef>
@@ -10053,7 +10236,7 @@
             </a:endParaRPr>
           </a:p>
           <a:p>
-            <a:pPr indent="-342900" lvl="0" marL="457200" rtl="0" algn="l">
+            <a:pPr marL="457200" lvl="0" indent="-342900" algn="l" rtl="0">
               <a:spcBef>
                 <a:spcPts val="0"/>
               </a:spcBef>
@@ -10090,7 +10273,7 @@
             </a:endParaRPr>
           </a:p>
           <a:p>
-            <a:pPr indent="-342900" lvl="0" marL="457200" rtl="0" algn="l">
+            <a:pPr marL="457200" lvl="0" indent="-342900" algn="l" rtl="0">
               <a:spcBef>
                 <a:spcPts val="0"/>
               </a:spcBef>
@@ -10137,11 +10320,11 @@
 </file>
 
 <file path=ppt/slides/slide14.xml><?xml version="1.0" encoding="utf-8"?>
-<p:sld xmlns:a="http://schemas.openxmlformats.org/drawingml/2006/main" xmlns:r="http://schemas.openxmlformats.org/officeDocument/2006/relationships" xmlns:mc="http://schemas.openxmlformats.org/markup-compatibility/2006" xmlns:mv="urn:schemas-microsoft-com:mac:vml" xmlns:p="http://schemas.openxmlformats.org/presentationml/2006/main" xmlns:c="http://schemas.openxmlformats.org/drawingml/2006/chart" xmlns:dgm="http://schemas.openxmlformats.org/drawingml/2006/diagram" xmlns:o="urn:schemas-microsoft-com:office:office" xmlns:v="urn:schemas-microsoft-com:vml" xmlns:pvml="urn:schemas-microsoft-com:office:powerpoint" xmlns:com="http://schemas.openxmlformats.org/drawingml/2006/compatibility" xmlns:p14="http://schemas.microsoft.com/office/powerpoint/2010/main" xmlns:p15="http://schemas.microsoft.com/office/powerpoint/2012/main" xmlns:ahyp="http://schemas.microsoft.com/office/drawing/2018/hyperlinkcolor">
+<p:sld xmlns:a="http://schemas.openxmlformats.org/drawingml/2006/main" xmlns:r="http://schemas.openxmlformats.org/officeDocument/2006/relationships" xmlns:p="http://schemas.openxmlformats.org/presentationml/2006/main">
   <p:cSld>
     <p:spTree>
       <p:nvGrpSpPr>
-        <p:cNvPr id="148" name="Shape 148"/>
+        <p:cNvPr id="1" name="Shape 148"/>
         <p:cNvGrpSpPr/>
         <p:nvPr/>
       </p:nvGrpSpPr>
@@ -10163,7 +10346,7 @@
           <a:blip r:embed="rId3">
             <a:alphaModFix/>
           </a:blip>
-          <a:srcRect b="0" l="19478" r="0" t="20723"/>
+          <a:srcRect l="19478" t="20723"/>
           <a:stretch/>
         </p:blipFill>
         <p:spPr>
@@ -10183,7 +10366,9 @@
       <p:sp>
         <p:nvSpPr>
           <p:cNvPr id="150" name="Google Shape;150;p26"/>
-          <p:cNvSpPr txBox="1"/>
+          <p:cNvSpPr txBox="1">
+            <a:spLocks noGrp="1"/>
+          </p:cNvSpPr>
           <p:nvPr>
             <p:ph type="title"/>
           </p:nvPr>
@@ -10198,12 +10383,12 @@
           </a:prstGeom>
         </p:spPr>
         <p:txBody>
-          <a:bodyPr anchorCtr="0" anchor="t" bIns="91425" lIns="91425" spcFirstLastPara="1" rIns="91425" wrap="square" tIns="91425">
+          <a:bodyPr spcFirstLastPara="1" wrap="square" lIns="91425" tIns="91425" rIns="91425" bIns="91425" anchor="t" anchorCtr="0">
             <a:noAutofit/>
           </a:bodyPr>
           <a:lstStyle/>
           <a:p>
-            <a:pPr indent="0" lvl="0" marL="0" rtl="0" algn="l">
+            <a:pPr marL="0" lvl="0" indent="0" algn="l" rtl="0">
               <a:spcBef>
                 <a:spcPts val="0"/>
               </a:spcBef>
@@ -10213,7 +10398,7 @@
               <a:buNone/>
             </a:pPr>
             <a:r>
-              <a:rPr b="1" lang="iw">
+              <a:rPr lang="iw" b="1">
                 <a:solidFill>
                   <a:schemeClr val="dk2"/>
                 </a:solidFill>
@@ -10237,11 +10422,11 @@
 </file>
 
 <file path=ppt/slides/slide15.xml><?xml version="1.0" encoding="utf-8"?>
-<p:sld xmlns:a="http://schemas.openxmlformats.org/drawingml/2006/main" xmlns:r="http://schemas.openxmlformats.org/officeDocument/2006/relationships" xmlns:mc="http://schemas.openxmlformats.org/markup-compatibility/2006" xmlns:mv="urn:schemas-microsoft-com:mac:vml" xmlns:p="http://schemas.openxmlformats.org/presentationml/2006/main" xmlns:c="http://schemas.openxmlformats.org/drawingml/2006/chart" xmlns:dgm="http://schemas.openxmlformats.org/drawingml/2006/diagram" xmlns:o="urn:schemas-microsoft-com:office:office" xmlns:v="urn:schemas-microsoft-com:vml" xmlns:pvml="urn:schemas-microsoft-com:office:powerpoint" xmlns:com="http://schemas.openxmlformats.org/drawingml/2006/compatibility" xmlns:p14="http://schemas.microsoft.com/office/powerpoint/2010/main" xmlns:p15="http://schemas.microsoft.com/office/powerpoint/2012/main" xmlns:ahyp="http://schemas.microsoft.com/office/drawing/2018/hyperlinkcolor">
+<p:sld xmlns:a="http://schemas.openxmlformats.org/drawingml/2006/main" xmlns:r="http://schemas.openxmlformats.org/officeDocument/2006/relationships" xmlns:p="http://schemas.openxmlformats.org/presentationml/2006/main">
   <p:cSld>
     <p:spTree>
       <p:nvGrpSpPr>
-        <p:cNvPr id="154" name="Shape 154"/>
+        <p:cNvPr id="1" name="Shape 154"/>
         <p:cNvGrpSpPr/>
         <p:nvPr/>
       </p:nvGrpSpPr>
@@ -10256,7 +10441,9 @@
       <p:sp>
         <p:nvSpPr>
           <p:cNvPr id="155" name="Google Shape;155;p27"/>
-          <p:cNvSpPr txBox="1"/>
+          <p:cNvSpPr txBox="1">
+            <a:spLocks noGrp="1"/>
+          </p:cNvSpPr>
           <p:nvPr>
             <p:ph type="title"/>
           </p:nvPr>
@@ -10271,12 +10458,12 @@
           </a:prstGeom>
         </p:spPr>
         <p:txBody>
-          <a:bodyPr anchorCtr="0" anchor="t" bIns="91425" lIns="91425" spcFirstLastPara="1" rIns="91425" wrap="square" tIns="91425">
+          <a:bodyPr spcFirstLastPara="1" wrap="square" lIns="91425" tIns="91425" rIns="91425" bIns="91425" anchor="t" anchorCtr="0">
             <a:noAutofit/>
           </a:bodyPr>
           <a:lstStyle/>
           <a:p>
-            <a:pPr indent="0" lvl="0" marL="0" rtl="0" algn="l">
+            <a:pPr marL="0" lvl="0" indent="0" algn="l" rtl="0">
               <a:spcBef>
                 <a:spcPts val="0"/>
               </a:spcBef>
@@ -10286,7 +10473,7 @@
               <a:buNone/>
             </a:pPr>
             <a:r>
-              <a:rPr b="1" lang="iw">
+              <a:rPr lang="iw" b="1">
                 <a:solidFill>
                   <a:schemeClr val="dk2"/>
                 </a:solidFill>
@@ -10338,11 +10525,11 @@
 </file>
 
 <file path=ppt/slides/slide16.xml><?xml version="1.0" encoding="utf-8"?>
-<p:sld xmlns:a="http://schemas.openxmlformats.org/drawingml/2006/main" xmlns:r="http://schemas.openxmlformats.org/officeDocument/2006/relationships" xmlns:mc="http://schemas.openxmlformats.org/markup-compatibility/2006" xmlns:mv="urn:schemas-microsoft-com:mac:vml" xmlns:p="http://schemas.openxmlformats.org/presentationml/2006/main" xmlns:c="http://schemas.openxmlformats.org/drawingml/2006/chart" xmlns:dgm="http://schemas.openxmlformats.org/drawingml/2006/diagram" xmlns:o="urn:schemas-microsoft-com:office:office" xmlns:v="urn:schemas-microsoft-com:vml" xmlns:pvml="urn:schemas-microsoft-com:office:powerpoint" xmlns:com="http://schemas.openxmlformats.org/drawingml/2006/compatibility" xmlns:p14="http://schemas.microsoft.com/office/powerpoint/2010/main" xmlns:p15="http://schemas.microsoft.com/office/powerpoint/2012/main" xmlns:ahyp="http://schemas.microsoft.com/office/drawing/2018/hyperlinkcolor">
+<p:sld xmlns:a="http://schemas.openxmlformats.org/drawingml/2006/main" xmlns:r="http://schemas.openxmlformats.org/officeDocument/2006/relationships" xmlns:p="http://schemas.openxmlformats.org/presentationml/2006/main">
   <p:cSld>
     <p:spTree>
       <p:nvGrpSpPr>
-        <p:cNvPr id="160" name="Shape 160"/>
+        <p:cNvPr id="1" name="Shape 160"/>
         <p:cNvGrpSpPr/>
         <p:nvPr/>
       </p:nvGrpSpPr>
@@ -10357,7 +10544,9 @@
       <p:sp>
         <p:nvSpPr>
           <p:cNvPr id="161" name="Google Shape;161;p28"/>
-          <p:cNvSpPr txBox="1"/>
+          <p:cNvSpPr txBox="1">
+            <a:spLocks noGrp="1"/>
+          </p:cNvSpPr>
           <p:nvPr>
             <p:ph type="title"/>
           </p:nvPr>
@@ -10372,12 +10561,12 @@
           </a:prstGeom>
         </p:spPr>
         <p:txBody>
-          <a:bodyPr anchorCtr="0" anchor="t" bIns="91425" lIns="91425" spcFirstLastPara="1" rIns="91425" wrap="square" tIns="91425">
+          <a:bodyPr spcFirstLastPara="1" wrap="square" lIns="91425" tIns="91425" rIns="91425" bIns="91425" anchor="t" anchorCtr="0">
             <a:noAutofit/>
           </a:bodyPr>
           <a:lstStyle/>
           <a:p>
-            <a:pPr indent="0" lvl="0" marL="0" rtl="0" algn="l">
+            <a:pPr marL="0" lvl="0" indent="0" algn="l" rtl="0">
               <a:spcBef>
                 <a:spcPts val="0"/>
               </a:spcBef>
@@ -10387,7 +10576,7 @@
               <a:buNone/>
             </a:pPr>
             <a:r>
-              <a:rPr b="1" lang="iw">
+              <a:rPr lang="iw" b="1">
                 <a:solidFill>
                   <a:schemeClr val="dk2"/>
                 </a:solidFill>
@@ -10439,11 +10628,11 @@
 </file>
 
 <file path=ppt/slides/slide17.xml><?xml version="1.0" encoding="utf-8"?>
-<p:sld xmlns:a="http://schemas.openxmlformats.org/drawingml/2006/main" xmlns:r="http://schemas.openxmlformats.org/officeDocument/2006/relationships" xmlns:mc="http://schemas.openxmlformats.org/markup-compatibility/2006" xmlns:mv="urn:schemas-microsoft-com:mac:vml" xmlns:p="http://schemas.openxmlformats.org/presentationml/2006/main" xmlns:c="http://schemas.openxmlformats.org/drawingml/2006/chart" xmlns:dgm="http://schemas.openxmlformats.org/drawingml/2006/diagram" xmlns:o="urn:schemas-microsoft-com:office:office" xmlns:v="urn:schemas-microsoft-com:vml" xmlns:pvml="urn:schemas-microsoft-com:office:powerpoint" xmlns:com="http://schemas.openxmlformats.org/drawingml/2006/compatibility" xmlns:p14="http://schemas.microsoft.com/office/powerpoint/2010/main" xmlns:p15="http://schemas.microsoft.com/office/powerpoint/2012/main" xmlns:ahyp="http://schemas.microsoft.com/office/drawing/2018/hyperlinkcolor">
+<p:sld xmlns:a="http://schemas.openxmlformats.org/drawingml/2006/main" xmlns:r="http://schemas.openxmlformats.org/officeDocument/2006/relationships" xmlns:p="http://schemas.openxmlformats.org/presentationml/2006/main">
   <p:cSld>
     <p:spTree>
       <p:nvGrpSpPr>
-        <p:cNvPr id="166" name="Shape 166"/>
+        <p:cNvPr id="1" name="Shape 166"/>
         <p:cNvGrpSpPr/>
         <p:nvPr/>
       </p:nvGrpSpPr>
@@ -10458,7 +10647,9 @@
       <p:sp>
         <p:nvSpPr>
           <p:cNvPr id="167" name="Google Shape;167;p29"/>
-          <p:cNvSpPr txBox="1"/>
+          <p:cNvSpPr txBox="1">
+            <a:spLocks noGrp="1"/>
+          </p:cNvSpPr>
           <p:nvPr>
             <p:ph type="title"/>
           </p:nvPr>
@@ -10473,12 +10664,12 @@
           </a:prstGeom>
         </p:spPr>
         <p:txBody>
-          <a:bodyPr anchorCtr="0" anchor="t" bIns="91425" lIns="91425" spcFirstLastPara="1" rIns="91425" wrap="square" tIns="91425">
+          <a:bodyPr spcFirstLastPara="1" wrap="square" lIns="91425" tIns="91425" rIns="91425" bIns="91425" anchor="t" anchorCtr="0">
             <a:noAutofit/>
           </a:bodyPr>
           <a:lstStyle/>
           <a:p>
-            <a:pPr indent="0" lvl="0" marL="0" rtl="0" algn="l">
+            <a:pPr marL="0" lvl="0" indent="0" algn="l" rtl="0">
               <a:spcBef>
                 <a:spcPts val="0"/>
               </a:spcBef>
@@ -10488,7 +10679,7 @@
               <a:buNone/>
             </a:pPr>
             <a:r>
-              <a:rPr b="1" lang="iw">
+              <a:rPr lang="iw" b="1">
                 <a:solidFill>
                   <a:schemeClr val="dk2"/>
                 </a:solidFill>
@@ -10540,11 +10731,11 @@
 </file>
 
 <file path=ppt/slides/slide18.xml><?xml version="1.0" encoding="utf-8"?>
-<p:sld xmlns:a="http://schemas.openxmlformats.org/drawingml/2006/main" xmlns:r="http://schemas.openxmlformats.org/officeDocument/2006/relationships" xmlns:mc="http://schemas.openxmlformats.org/markup-compatibility/2006" xmlns:mv="urn:schemas-microsoft-com:mac:vml" xmlns:p="http://schemas.openxmlformats.org/presentationml/2006/main" xmlns:c="http://schemas.openxmlformats.org/drawingml/2006/chart" xmlns:dgm="http://schemas.openxmlformats.org/drawingml/2006/diagram" xmlns:o="urn:schemas-microsoft-com:office:office" xmlns:v="urn:schemas-microsoft-com:vml" xmlns:pvml="urn:schemas-microsoft-com:office:powerpoint" xmlns:com="http://schemas.openxmlformats.org/drawingml/2006/compatibility" xmlns:p14="http://schemas.microsoft.com/office/powerpoint/2010/main" xmlns:p15="http://schemas.microsoft.com/office/powerpoint/2012/main" xmlns:ahyp="http://schemas.microsoft.com/office/drawing/2018/hyperlinkcolor">
+<p:sld xmlns:a="http://schemas.openxmlformats.org/drawingml/2006/main" xmlns:r="http://schemas.openxmlformats.org/officeDocument/2006/relationships" xmlns:p="http://schemas.openxmlformats.org/presentationml/2006/main">
   <p:cSld>
     <p:spTree>
       <p:nvGrpSpPr>
-        <p:cNvPr id="172" name="Shape 172"/>
+        <p:cNvPr id="1" name="Shape 172"/>
         <p:cNvGrpSpPr/>
         <p:nvPr/>
       </p:nvGrpSpPr>
@@ -10559,7 +10750,9 @@
       <p:sp>
         <p:nvSpPr>
           <p:cNvPr id="173" name="Google Shape;173;p30"/>
-          <p:cNvSpPr txBox="1"/>
+          <p:cNvSpPr txBox="1">
+            <a:spLocks noGrp="1"/>
+          </p:cNvSpPr>
           <p:nvPr>
             <p:ph type="title"/>
           </p:nvPr>
@@ -10574,12 +10767,12 @@
           </a:prstGeom>
         </p:spPr>
         <p:txBody>
-          <a:bodyPr anchorCtr="0" anchor="t" bIns="91425" lIns="91425" spcFirstLastPara="1" rIns="91425" wrap="square" tIns="91425">
+          <a:bodyPr spcFirstLastPara="1" wrap="square" lIns="91425" tIns="91425" rIns="91425" bIns="91425" anchor="t" anchorCtr="0">
             <a:noAutofit/>
           </a:bodyPr>
           <a:lstStyle/>
           <a:p>
-            <a:pPr indent="0" lvl="0" marL="0" rtl="0" algn="l">
+            <a:pPr marL="0" lvl="0" indent="0" algn="l" rtl="0">
               <a:spcBef>
                 <a:spcPts val="0"/>
               </a:spcBef>
@@ -10589,7 +10782,7 @@
               <a:buNone/>
             </a:pPr>
             <a:r>
-              <a:rPr b="1" lang="iw">
+              <a:rPr lang="iw" b="1">
                 <a:solidFill>
                   <a:schemeClr val="dk2"/>
                 </a:solidFill>
@@ -10641,11 +10834,11 @@
 </file>
 
 <file path=ppt/slides/slide19.xml><?xml version="1.0" encoding="utf-8"?>
-<p:sld xmlns:a="http://schemas.openxmlformats.org/drawingml/2006/main" xmlns:r="http://schemas.openxmlformats.org/officeDocument/2006/relationships" xmlns:mc="http://schemas.openxmlformats.org/markup-compatibility/2006" xmlns:mv="urn:schemas-microsoft-com:mac:vml" xmlns:p="http://schemas.openxmlformats.org/presentationml/2006/main" xmlns:c="http://schemas.openxmlformats.org/drawingml/2006/chart" xmlns:dgm="http://schemas.openxmlformats.org/drawingml/2006/diagram" xmlns:o="urn:schemas-microsoft-com:office:office" xmlns:v="urn:schemas-microsoft-com:vml" xmlns:pvml="urn:schemas-microsoft-com:office:powerpoint" xmlns:com="http://schemas.openxmlformats.org/drawingml/2006/compatibility" xmlns:p14="http://schemas.microsoft.com/office/powerpoint/2010/main" xmlns:p15="http://schemas.microsoft.com/office/powerpoint/2012/main" xmlns:ahyp="http://schemas.microsoft.com/office/drawing/2018/hyperlinkcolor">
+<p:sld xmlns:a="http://schemas.openxmlformats.org/drawingml/2006/main" xmlns:r="http://schemas.openxmlformats.org/officeDocument/2006/relationships" xmlns:p="http://schemas.openxmlformats.org/presentationml/2006/main">
   <p:cSld>
     <p:spTree>
       <p:nvGrpSpPr>
-        <p:cNvPr id="178" name="Shape 178"/>
+        <p:cNvPr id="1" name="Shape 178"/>
         <p:cNvGrpSpPr/>
         <p:nvPr/>
       </p:nvGrpSpPr>
@@ -10660,7 +10853,9 @@
       <p:sp>
         <p:nvSpPr>
           <p:cNvPr id="179" name="Google Shape;179;p31"/>
-          <p:cNvSpPr txBox="1"/>
+          <p:cNvSpPr txBox="1">
+            <a:spLocks noGrp="1"/>
+          </p:cNvSpPr>
           <p:nvPr>
             <p:ph type="title"/>
           </p:nvPr>
@@ -10675,12 +10870,12 @@
           </a:prstGeom>
         </p:spPr>
         <p:txBody>
-          <a:bodyPr anchorCtr="0" anchor="t" bIns="91425" lIns="91425" spcFirstLastPara="1" rIns="91425" wrap="square" tIns="91425">
+          <a:bodyPr spcFirstLastPara="1" wrap="square" lIns="91425" tIns="91425" rIns="91425" bIns="91425" anchor="t" anchorCtr="0">
             <a:noAutofit/>
           </a:bodyPr>
           <a:lstStyle/>
           <a:p>
-            <a:pPr indent="0" lvl="0" marL="0" rtl="0" algn="l">
+            <a:pPr marL="0" lvl="0" indent="0" algn="l" rtl="0">
               <a:spcBef>
                 <a:spcPts val="0"/>
               </a:spcBef>
@@ -10690,7 +10885,7 @@
               <a:buNone/>
             </a:pPr>
             <a:r>
-              <a:rPr b="1" lang="iw">
+              <a:rPr lang="iw" b="1">
                 <a:solidFill>
                   <a:schemeClr val="dk2"/>
                 </a:solidFill>
@@ -10742,11 +10937,11 @@
 </file>
 
 <file path=ppt/slides/slide2.xml><?xml version="1.0" encoding="utf-8"?>
-<p:sld xmlns:a="http://schemas.openxmlformats.org/drawingml/2006/main" xmlns:r="http://schemas.openxmlformats.org/officeDocument/2006/relationships" xmlns:mc="http://schemas.openxmlformats.org/markup-compatibility/2006" xmlns:mv="urn:schemas-microsoft-com:mac:vml" xmlns:p="http://schemas.openxmlformats.org/presentationml/2006/main" xmlns:c="http://schemas.openxmlformats.org/drawingml/2006/chart" xmlns:dgm="http://schemas.openxmlformats.org/drawingml/2006/diagram" xmlns:o="urn:schemas-microsoft-com:office:office" xmlns:v="urn:schemas-microsoft-com:vml" xmlns:pvml="urn:schemas-microsoft-com:office:powerpoint" xmlns:com="http://schemas.openxmlformats.org/drawingml/2006/compatibility" xmlns:p14="http://schemas.microsoft.com/office/powerpoint/2010/main" xmlns:p15="http://schemas.microsoft.com/office/powerpoint/2012/main" xmlns:ahyp="http://schemas.microsoft.com/office/drawing/2018/hyperlinkcolor">
+<p:sld xmlns:a="http://schemas.openxmlformats.org/drawingml/2006/main" xmlns:r="http://schemas.openxmlformats.org/officeDocument/2006/relationships" xmlns:p="http://schemas.openxmlformats.org/presentationml/2006/main">
   <p:cSld>
     <p:spTree>
       <p:nvGrpSpPr>
-        <p:cNvPr id="68" name="Shape 68"/>
+        <p:cNvPr id="1" name="Shape 68"/>
         <p:cNvGrpSpPr/>
         <p:nvPr/>
       </p:nvGrpSpPr>
@@ -10761,7 +10956,9 @@
       <p:sp>
         <p:nvSpPr>
           <p:cNvPr id="69" name="Google Shape;69;p14"/>
-          <p:cNvSpPr txBox="1"/>
+          <p:cNvSpPr txBox="1">
+            <a:spLocks noGrp="1"/>
+          </p:cNvSpPr>
           <p:nvPr>
             <p:ph type="title"/>
           </p:nvPr>
@@ -10776,12 +10973,12 @@
           </a:prstGeom>
         </p:spPr>
         <p:txBody>
-          <a:bodyPr anchorCtr="0" anchor="t" bIns="91425" lIns="91425" spcFirstLastPara="1" rIns="91425" wrap="square" tIns="91425">
+          <a:bodyPr spcFirstLastPara="1" wrap="square" lIns="91425" tIns="91425" rIns="91425" bIns="91425" anchor="t" anchorCtr="0">
             <a:noAutofit/>
           </a:bodyPr>
           <a:lstStyle/>
           <a:p>
-            <a:pPr indent="0" lvl="0" marL="0" rtl="0" algn="l">
+            <a:pPr marL="0" lvl="0" indent="0" algn="l" rtl="0">
               <a:spcBef>
                 <a:spcPts val="0"/>
               </a:spcBef>
@@ -10809,9 +11006,11 @@
       <p:sp>
         <p:nvSpPr>
           <p:cNvPr id="70" name="Google Shape;70;p14"/>
-          <p:cNvSpPr txBox="1"/>
+          <p:cNvSpPr txBox="1">
+            <a:spLocks noGrp="1"/>
+          </p:cNvSpPr>
           <p:nvPr>
-            <p:ph idx="1" type="body"/>
+            <p:ph type="body" idx="1"/>
           </p:nvPr>
         </p:nvSpPr>
         <p:spPr>
@@ -10824,12 +11023,12 @@
           </a:prstGeom>
         </p:spPr>
         <p:txBody>
-          <a:bodyPr anchorCtr="0" anchor="t" bIns="91425" lIns="91425" spcFirstLastPara="1" rIns="91425" wrap="square" tIns="91425">
+          <a:bodyPr spcFirstLastPara="1" wrap="square" lIns="91425" tIns="91425" rIns="91425" bIns="91425" anchor="t" anchorCtr="0">
             <a:noAutofit/>
           </a:bodyPr>
           <a:lstStyle/>
           <a:p>
-            <a:pPr indent="0" lvl="0" marL="0" rtl="0" algn="l">
+            <a:pPr marL="0" lvl="0" indent="0" algn="l" rtl="0">
               <a:spcBef>
                 <a:spcPts val="0"/>
               </a:spcBef>
@@ -10838,13 +11037,10 @@
               </a:spcAft>
               <a:buNone/>
             </a:pPr>
-            <a:r>
-              <a:t/>
-            </a:r>
             <a:endParaRPr/>
           </a:p>
           <a:p>
-            <a:pPr indent="0" lvl="0" marL="0" rtl="0" algn="l">
+            <a:pPr marL="0" lvl="0" indent="0" algn="l" rtl="0">
               <a:spcBef>
                 <a:spcPts val="1600"/>
               </a:spcBef>
@@ -10853,9 +11049,6 @@
               </a:spcAft>
               <a:buNone/>
             </a:pPr>
-            <a:r>
-              <a:t/>
-            </a:r>
             <a:endParaRPr>
               <a:solidFill>
                 <a:schemeClr val="accent6"/>
@@ -10863,7 +11056,7 @@
             </a:endParaRPr>
           </a:p>
           <a:p>
-            <a:pPr indent="-342900" lvl="0" marL="457200" rtl="0" algn="l">
+            <a:pPr marL="457200" lvl="0" indent="-342900" algn="l" rtl="0">
               <a:spcBef>
                 <a:spcPts val="1600"/>
               </a:spcBef>
@@ -10890,11 +11083,11 @@
 </file>
 
 <file path=ppt/slides/slide20.xml><?xml version="1.0" encoding="utf-8"?>
-<p:sld xmlns:a="http://schemas.openxmlformats.org/drawingml/2006/main" xmlns:r="http://schemas.openxmlformats.org/officeDocument/2006/relationships" xmlns:mc="http://schemas.openxmlformats.org/markup-compatibility/2006" xmlns:mv="urn:schemas-microsoft-com:mac:vml" xmlns:p="http://schemas.openxmlformats.org/presentationml/2006/main" xmlns:c="http://schemas.openxmlformats.org/drawingml/2006/chart" xmlns:dgm="http://schemas.openxmlformats.org/drawingml/2006/diagram" xmlns:o="urn:schemas-microsoft-com:office:office" xmlns:v="urn:schemas-microsoft-com:vml" xmlns:pvml="urn:schemas-microsoft-com:office:powerpoint" xmlns:com="http://schemas.openxmlformats.org/drawingml/2006/compatibility" xmlns:p14="http://schemas.microsoft.com/office/powerpoint/2010/main" xmlns:p15="http://schemas.microsoft.com/office/powerpoint/2012/main" xmlns:ahyp="http://schemas.microsoft.com/office/drawing/2018/hyperlinkcolor">
+<p:sld xmlns:a="http://schemas.openxmlformats.org/drawingml/2006/main" xmlns:r="http://schemas.openxmlformats.org/officeDocument/2006/relationships" xmlns:p="http://schemas.openxmlformats.org/presentationml/2006/main">
   <p:cSld>
     <p:spTree>
       <p:nvGrpSpPr>
-        <p:cNvPr id="184" name="Shape 184"/>
+        <p:cNvPr id="1" name="Shape 184"/>
         <p:cNvGrpSpPr/>
         <p:nvPr/>
       </p:nvGrpSpPr>
@@ -10909,7 +11102,9 @@
       <p:sp>
         <p:nvSpPr>
           <p:cNvPr id="185" name="Google Shape;185;p32"/>
-          <p:cNvSpPr txBox="1"/>
+          <p:cNvSpPr txBox="1">
+            <a:spLocks noGrp="1"/>
+          </p:cNvSpPr>
           <p:nvPr>
             <p:ph type="title"/>
           </p:nvPr>
@@ -10924,12 +11119,12 @@
           </a:prstGeom>
         </p:spPr>
         <p:txBody>
-          <a:bodyPr anchorCtr="0" anchor="t" bIns="91425" lIns="91425" spcFirstLastPara="1" rIns="91425" wrap="square" tIns="91425">
+          <a:bodyPr spcFirstLastPara="1" wrap="square" lIns="91425" tIns="91425" rIns="91425" bIns="91425" anchor="t" anchorCtr="0">
             <a:noAutofit/>
           </a:bodyPr>
           <a:lstStyle/>
           <a:p>
-            <a:pPr indent="0" lvl="0" marL="0" rtl="0" algn="l">
+            <a:pPr marL="0" lvl="0" indent="0" algn="l" rtl="0">
               <a:spcBef>
                 <a:spcPts val="0"/>
               </a:spcBef>
@@ -10939,7 +11134,7 @@
               <a:buNone/>
             </a:pPr>
             <a:r>
-              <a:rPr b="1" lang="iw">
+              <a:rPr lang="iw" b="1">
                 <a:solidFill>
                   <a:schemeClr val="dk2"/>
                 </a:solidFill>
@@ -10991,11 +11186,11 @@
 </file>
 
 <file path=ppt/slides/slide21.xml><?xml version="1.0" encoding="utf-8"?>
-<p:sld xmlns:a="http://schemas.openxmlformats.org/drawingml/2006/main" xmlns:r="http://schemas.openxmlformats.org/officeDocument/2006/relationships" xmlns:mc="http://schemas.openxmlformats.org/markup-compatibility/2006" xmlns:mv="urn:schemas-microsoft-com:mac:vml" xmlns:p="http://schemas.openxmlformats.org/presentationml/2006/main" xmlns:c="http://schemas.openxmlformats.org/drawingml/2006/chart" xmlns:dgm="http://schemas.openxmlformats.org/drawingml/2006/diagram" xmlns:o="urn:schemas-microsoft-com:office:office" xmlns:v="urn:schemas-microsoft-com:vml" xmlns:pvml="urn:schemas-microsoft-com:office:powerpoint" xmlns:com="http://schemas.openxmlformats.org/drawingml/2006/compatibility" xmlns:p14="http://schemas.microsoft.com/office/powerpoint/2010/main" xmlns:p15="http://schemas.microsoft.com/office/powerpoint/2012/main" xmlns:ahyp="http://schemas.microsoft.com/office/drawing/2018/hyperlinkcolor">
+<p:sld xmlns:a="http://schemas.openxmlformats.org/drawingml/2006/main" xmlns:r="http://schemas.openxmlformats.org/officeDocument/2006/relationships" xmlns:p="http://schemas.openxmlformats.org/presentationml/2006/main">
   <p:cSld>
     <p:spTree>
       <p:nvGrpSpPr>
-        <p:cNvPr id="190" name="Shape 190"/>
+        <p:cNvPr id="1" name="Shape 190"/>
         <p:cNvGrpSpPr/>
         <p:nvPr/>
       </p:nvGrpSpPr>
@@ -11034,7 +11229,7 @@
             <a:noFill/>
           </a:ln>
           <a:effectLst>
-            <a:outerShdw blurRad="57150" rotWithShape="0" algn="bl" dir="5400000" dist="19050">
+            <a:outerShdw blurRad="57150" dist="19050" dir="5400000" algn="bl" rotWithShape="0">
               <a:schemeClr val="lt2">
                 <a:alpha val="50000"/>
               </a:schemeClr>
@@ -11055,30 +11250,30 @@
           </a:xfrm>
           <a:prstGeom prst="stripedRightArrow">
             <a:avLst>
-              <a:gd fmla="val 50000" name="adj1"/>
-              <a:gd fmla="val 50000" name="adj2"/>
+              <a:gd name="adj1" fmla="val 50000"/>
+              <a:gd name="adj2" fmla="val 50000"/>
             </a:avLst>
           </a:prstGeom>
           <a:solidFill>
             <a:schemeClr val="lt2"/>
           </a:solidFill>
-          <a:ln cap="flat" cmpd="sng" w="9525">
+          <a:ln w="9525" cap="flat" cmpd="sng">
             <a:solidFill>
               <a:schemeClr val="dk2"/>
             </a:solidFill>
             <a:prstDash val="solid"/>
             <a:round/>
-            <a:headEnd len="sm" w="sm" type="none"/>
-            <a:tailEnd len="sm" w="sm" type="none"/>
+            <a:headEnd type="none" w="sm" len="sm"/>
+            <a:tailEnd type="none" w="sm" len="sm"/>
           </a:ln>
         </p:spPr>
         <p:txBody>
-          <a:bodyPr anchorCtr="0" anchor="ctr" bIns="91425" lIns="91425" spcFirstLastPara="1" rIns="91425" wrap="square" tIns="91425">
+          <a:bodyPr spcFirstLastPara="1" wrap="square" lIns="91425" tIns="91425" rIns="91425" bIns="91425" anchor="ctr" anchorCtr="0">
             <a:noAutofit/>
           </a:bodyPr>
           <a:lstStyle/>
           <a:p>
-            <a:pPr indent="0" lvl="0" marL="0" rtl="0" algn="l">
+            <a:pPr marL="0" lvl="0" indent="0" algn="l" rtl="0">
               <a:spcBef>
                 <a:spcPts val="0"/>
               </a:spcBef>
@@ -11087,9 +11282,6 @@
               </a:spcAft>
               <a:buNone/>
             </a:pPr>
-            <a:r>
-              <a:t/>
-            </a:r>
             <a:endParaRPr/>
           </a:p>
         </p:txBody>
@@ -11114,12 +11306,12 @@
           </a:ln>
         </p:spPr>
         <p:txBody>
-          <a:bodyPr anchorCtr="0" anchor="t" bIns="91425" lIns="91425" spcFirstLastPara="1" rIns="91425" wrap="square" tIns="91425">
+          <a:bodyPr spcFirstLastPara="1" wrap="square" lIns="91425" tIns="91425" rIns="91425" bIns="91425" anchor="t" anchorCtr="0">
             <a:noAutofit/>
           </a:bodyPr>
           <a:lstStyle/>
           <a:p>
-            <a:pPr indent="0" lvl="0" marL="0" rtl="0" algn="l">
+            <a:pPr marL="0" lvl="0" indent="0" algn="l" rtl="0">
               <a:spcBef>
                 <a:spcPts val="0"/>
               </a:spcBef>
@@ -11161,11 +11353,11 @@
 </file>
 
 <file path=ppt/slides/slide22.xml><?xml version="1.0" encoding="utf-8"?>
-<p:sld xmlns:a="http://schemas.openxmlformats.org/drawingml/2006/main" xmlns:r="http://schemas.openxmlformats.org/officeDocument/2006/relationships" xmlns:mc="http://schemas.openxmlformats.org/markup-compatibility/2006" xmlns:mv="urn:schemas-microsoft-com:mac:vml" xmlns:p="http://schemas.openxmlformats.org/presentationml/2006/main" xmlns:c="http://schemas.openxmlformats.org/drawingml/2006/chart" xmlns:dgm="http://schemas.openxmlformats.org/drawingml/2006/diagram" xmlns:o="urn:schemas-microsoft-com:office:office" xmlns:v="urn:schemas-microsoft-com:vml" xmlns:pvml="urn:schemas-microsoft-com:office:powerpoint" xmlns:com="http://schemas.openxmlformats.org/drawingml/2006/compatibility" xmlns:p14="http://schemas.microsoft.com/office/powerpoint/2010/main" xmlns:p15="http://schemas.microsoft.com/office/powerpoint/2012/main" xmlns:ahyp="http://schemas.microsoft.com/office/drawing/2018/hyperlinkcolor">
+<p:sld xmlns:a="http://schemas.openxmlformats.org/drawingml/2006/main" xmlns:r="http://schemas.openxmlformats.org/officeDocument/2006/relationships" xmlns:p="http://schemas.openxmlformats.org/presentationml/2006/main">
   <p:cSld>
     <p:spTree>
       <p:nvGrpSpPr>
-        <p:cNvPr id="197" name="Shape 197"/>
+        <p:cNvPr id="1" name="Shape 197"/>
         <p:cNvGrpSpPr/>
         <p:nvPr/>
       </p:nvGrpSpPr>
@@ -11204,7 +11396,7 @@
             <a:noFill/>
           </a:ln>
           <a:effectLst>
-            <a:outerShdw blurRad="57150" rotWithShape="0" algn="bl" dir="5400000" dist="19050">
+            <a:outerShdw blurRad="57150" dist="19050" dir="5400000" algn="bl" rotWithShape="0">
               <a:schemeClr val="lt2">
                 <a:alpha val="50000"/>
               </a:schemeClr>
@@ -11232,12 +11424,12 @@
           </a:ln>
         </p:spPr>
         <p:txBody>
-          <a:bodyPr anchorCtr="0" anchor="t" bIns="91425" lIns="91425" spcFirstLastPara="1" rIns="91425" wrap="square" tIns="91425">
+          <a:bodyPr spcFirstLastPara="1" wrap="square" lIns="91425" tIns="91425" rIns="91425" bIns="91425" anchor="t" anchorCtr="0">
             <a:noAutofit/>
           </a:bodyPr>
           <a:lstStyle/>
           <a:p>
-            <a:pPr indent="0" lvl="0" marL="0" rtl="0" algn="l">
+            <a:pPr marL="0" lvl="0" indent="0" algn="l" rtl="0">
               <a:spcBef>
                 <a:spcPts val="0"/>
               </a:spcBef>
@@ -11283,30 +11475,30 @@
           </a:xfrm>
           <a:prstGeom prst="stripedRightArrow">
             <a:avLst>
-              <a:gd fmla="val 50000" name="adj1"/>
-              <a:gd fmla="val 50000" name="adj2"/>
+              <a:gd name="adj1" fmla="val 50000"/>
+              <a:gd name="adj2" fmla="val 50000"/>
             </a:avLst>
           </a:prstGeom>
           <a:solidFill>
             <a:schemeClr val="lt2"/>
           </a:solidFill>
-          <a:ln cap="flat" cmpd="sng" w="9525">
+          <a:ln w="9525" cap="flat" cmpd="sng">
             <a:solidFill>
               <a:schemeClr val="dk2"/>
             </a:solidFill>
             <a:prstDash val="solid"/>
             <a:round/>
-            <a:headEnd len="sm" w="sm" type="none"/>
-            <a:tailEnd len="sm" w="sm" type="none"/>
+            <a:headEnd type="none" w="sm" len="sm"/>
+            <a:tailEnd type="none" w="sm" len="sm"/>
           </a:ln>
         </p:spPr>
         <p:txBody>
-          <a:bodyPr anchorCtr="0" anchor="ctr" bIns="91425" lIns="91425" spcFirstLastPara="1" rIns="91425" wrap="square" tIns="91425">
+          <a:bodyPr spcFirstLastPara="1" wrap="square" lIns="91425" tIns="91425" rIns="91425" bIns="91425" anchor="ctr" anchorCtr="0">
             <a:noAutofit/>
           </a:bodyPr>
           <a:lstStyle/>
           <a:p>
-            <a:pPr indent="0" lvl="0" marL="0" rtl="0" algn="l">
+            <a:pPr marL="0" lvl="0" indent="0" algn="l" rtl="0">
               <a:spcBef>
                 <a:spcPts val="0"/>
               </a:spcBef>
@@ -11315,9 +11507,6 @@
               </a:spcAft>
               <a:buNone/>
             </a:pPr>
-            <a:r>
-              <a:t/>
-            </a:r>
             <a:endParaRPr/>
           </a:p>
         </p:txBody>
@@ -11331,11 +11520,11 @@
 </file>
 
 <file path=ppt/slides/slide23.xml><?xml version="1.0" encoding="utf-8"?>
-<p:sld xmlns:a="http://schemas.openxmlformats.org/drawingml/2006/main" xmlns:r="http://schemas.openxmlformats.org/officeDocument/2006/relationships" xmlns:mc="http://schemas.openxmlformats.org/markup-compatibility/2006" xmlns:mv="urn:schemas-microsoft-com:mac:vml" xmlns:p="http://schemas.openxmlformats.org/presentationml/2006/main" xmlns:c="http://schemas.openxmlformats.org/drawingml/2006/chart" xmlns:dgm="http://schemas.openxmlformats.org/drawingml/2006/diagram" xmlns:o="urn:schemas-microsoft-com:office:office" xmlns:v="urn:schemas-microsoft-com:vml" xmlns:pvml="urn:schemas-microsoft-com:office:powerpoint" xmlns:com="http://schemas.openxmlformats.org/drawingml/2006/compatibility" xmlns:p14="http://schemas.microsoft.com/office/powerpoint/2010/main" xmlns:p15="http://schemas.microsoft.com/office/powerpoint/2012/main" xmlns:ahyp="http://schemas.microsoft.com/office/drawing/2018/hyperlinkcolor">
+<p:sld xmlns:a="http://schemas.openxmlformats.org/drawingml/2006/main" xmlns:r="http://schemas.openxmlformats.org/officeDocument/2006/relationships" xmlns:p="http://schemas.openxmlformats.org/presentationml/2006/main">
   <p:cSld>
     <p:spTree>
       <p:nvGrpSpPr>
-        <p:cNvPr id="204" name="Shape 204"/>
+        <p:cNvPr id="1" name="Shape 204"/>
         <p:cNvGrpSpPr/>
         <p:nvPr/>
       </p:nvGrpSpPr>
@@ -11374,7 +11563,7 @@
             <a:noFill/>
           </a:ln>
           <a:effectLst>
-            <a:outerShdw blurRad="57150" rotWithShape="0" algn="bl" dir="5400000" dist="19050">
+            <a:outerShdw blurRad="57150" dist="19050" dir="5400000" algn="bl" rotWithShape="0">
               <a:schemeClr val="lt2">
                 <a:alpha val="50000"/>
               </a:schemeClr>
@@ -11395,30 +11584,30 @@
           </a:xfrm>
           <a:prstGeom prst="stripedRightArrow">
             <a:avLst>
-              <a:gd fmla="val 50000" name="adj1"/>
-              <a:gd fmla="val 50000" name="adj2"/>
+              <a:gd name="adj1" fmla="val 50000"/>
+              <a:gd name="adj2" fmla="val 50000"/>
             </a:avLst>
           </a:prstGeom>
           <a:solidFill>
             <a:schemeClr val="lt2"/>
           </a:solidFill>
-          <a:ln cap="flat" cmpd="sng" w="9525">
+          <a:ln w="9525" cap="flat" cmpd="sng">
             <a:solidFill>
               <a:schemeClr val="dk2"/>
             </a:solidFill>
             <a:prstDash val="solid"/>
             <a:round/>
-            <a:headEnd len="sm" w="sm" type="none"/>
-            <a:tailEnd len="sm" w="sm" type="none"/>
+            <a:headEnd type="none" w="sm" len="sm"/>
+            <a:tailEnd type="none" w="sm" len="sm"/>
           </a:ln>
         </p:spPr>
         <p:txBody>
-          <a:bodyPr anchorCtr="0" anchor="ctr" bIns="91425" lIns="91425" spcFirstLastPara="1" rIns="91425" wrap="square" tIns="91425">
+          <a:bodyPr spcFirstLastPara="1" wrap="square" lIns="91425" tIns="91425" rIns="91425" bIns="91425" anchor="ctr" anchorCtr="0">
             <a:noAutofit/>
           </a:bodyPr>
           <a:lstStyle/>
           <a:p>
-            <a:pPr indent="0" lvl="0" marL="0" rtl="0" algn="l">
+            <a:pPr marL="0" lvl="0" indent="0" algn="l" rtl="0">
               <a:spcBef>
                 <a:spcPts val="0"/>
               </a:spcBef>
@@ -11427,9 +11616,6 @@
               </a:spcAft>
               <a:buNone/>
             </a:pPr>
-            <a:r>
-              <a:t/>
-            </a:r>
             <a:endParaRPr/>
           </a:p>
         </p:txBody>
@@ -11454,12 +11640,12 @@
           </a:ln>
         </p:spPr>
         <p:txBody>
-          <a:bodyPr anchorCtr="0" anchor="t" bIns="91425" lIns="91425" spcFirstLastPara="1" rIns="91425" wrap="square" tIns="91425">
+          <a:bodyPr spcFirstLastPara="1" wrap="square" lIns="91425" tIns="91425" rIns="91425" bIns="91425" anchor="t" anchorCtr="0">
             <a:noAutofit/>
           </a:bodyPr>
           <a:lstStyle/>
           <a:p>
-            <a:pPr indent="0" lvl="0" marL="0" rtl="0" algn="l">
+            <a:pPr marL="0" lvl="0" indent="0" algn="l" rtl="0">
               <a:spcBef>
                 <a:spcPts val="0"/>
               </a:spcBef>
@@ -11501,11 +11687,11 @@
 </file>
 
 <file path=ppt/slides/slide24.xml><?xml version="1.0" encoding="utf-8"?>
-<p:sld xmlns:a="http://schemas.openxmlformats.org/drawingml/2006/main" xmlns:r="http://schemas.openxmlformats.org/officeDocument/2006/relationships" xmlns:mc="http://schemas.openxmlformats.org/markup-compatibility/2006" xmlns:mv="urn:schemas-microsoft-com:mac:vml" xmlns:p="http://schemas.openxmlformats.org/presentationml/2006/main" xmlns:c="http://schemas.openxmlformats.org/drawingml/2006/chart" xmlns:dgm="http://schemas.openxmlformats.org/drawingml/2006/diagram" xmlns:o="urn:schemas-microsoft-com:office:office" xmlns:v="urn:schemas-microsoft-com:vml" xmlns:pvml="urn:schemas-microsoft-com:office:powerpoint" xmlns:com="http://schemas.openxmlformats.org/drawingml/2006/compatibility" xmlns:p14="http://schemas.microsoft.com/office/powerpoint/2010/main" xmlns:p15="http://schemas.microsoft.com/office/powerpoint/2012/main" xmlns:ahyp="http://schemas.microsoft.com/office/drawing/2018/hyperlinkcolor">
+<p:sld xmlns:a="http://schemas.openxmlformats.org/drawingml/2006/main" xmlns:r="http://schemas.openxmlformats.org/officeDocument/2006/relationships" xmlns:p="http://schemas.openxmlformats.org/presentationml/2006/main">
   <p:cSld>
     <p:spTree>
       <p:nvGrpSpPr>
-        <p:cNvPr id="211" name="Shape 211"/>
+        <p:cNvPr id="1" name="Shape 211"/>
         <p:cNvGrpSpPr/>
         <p:nvPr/>
       </p:nvGrpSpPr>
@@ -11558,30 +11744,30 @@
           </a:xfrm>
           <a:prstGeom prst="stripedRightArrow">
             <a:avLst>
-              <a:gd fmla="val 50000" name="adj1"/>
-              <a:gd fmla="val 50000" name="adj2"/>
+              <a:gd name="adj1" fmla="val 50000"/>
+              <a:gd name="adj2" fmla="val 50000"/>
             </a:avLst>
           </a:prstGeom>
           <a:solidFill>
             <a:schemeClr val="lt2"/>
           </a:solidFill>
-          <a:ln cap="flat" cmpd="sng" w="9525">
+          <a:ln w="9525" cap="flat" cmpd="sng">
             <a:solidFill>
               <a:schemeClr val="dk2"/>
             </a:solidFill>
             <a:prstDash val="solid"/>
             <a:round/>
-            <a:headEnd len="sm" w="sm" type="none"/>
-            <a:tailEnd len="sm" w="sm" type="none"/>
+            <a:headEnd type="none" w="sm" len="sm"/>
+            <a:tailEnd type="none" w="sm" len="sm"/>
           </a:ln>
         </p:spPr>
         <p:txBody>
-          <a:bodyPr anchorCtr="0" anchor="ctr" bIns="91425" lIns="91425" spcFirstLastPara="1" rIns="91425" wrap="square" tIns="91425">
+          <a:bodyPr spcFirstLastPara="1" wrap="square" lIns="91425" tIns="91425" rIns="91425" bIns="91425" anchor="ctr" anchorCtr="0">
             <a:noAutofit/>
           </a:bodyPr>
           <a:lstStyle/>
           <a:p>
-            <a:pPr indent="0" lvl="0" marL="0" rtl="0" algn="l">
+            <a:pPr marL="0" lvl="0" indent="0" algn="l" rtl="0">
               <a:spcBef>
                 <a:spcPts val="0"/>
               </a:spcBef>
@@ -11590,9 +11776,6 @@
               </a:spcAft>
               <a:buNone/>
             </a:pPr>
-            <a:r>
-              <a:t/>
-            </a:r>
             <a:endParaRPr/>
           </a:p>
         </p:txBody>
@@ -11617,12 +11800,12 @@
           </a:ln>
         </p:spPr>
         <p:txBody>
-          <a:bodyPr anchorCtr="0" anchor="t" bIns="91425" lIns="91425" spcFirstLastPara="1" rIns="91425" wrap="square" tIns="91425">
+          <a:bodyPr spcFirstLastPara="1" wrap="square" lIns="91425" tIns="91425" rIns="91425" bIns="91425" anchor="t" anchorCtr="0">
             <a:noAutofit/>
           </a:bodyPr>
           <a:lstStyle/>
           <a:p>
-            <a:pPr indent="0" lvl="0" marL="0" rtl="0" algn="l">
+            <a:pPr marL="0" lvl="0" indent="0" algn="l" rtl="0">
               <a:spcBef>
                 <a:spcPts val="0"/>
               </a:spcBef>
@@ -11664,11 +11847,11 @@
 </file>
 
 <file path=ppt/slides/slide25.xml><?xml version="1.0" encoding="utf-8"?>
-<p:sld xmlns:a="http://schemas.openxmlformats.org/drawingml/2006/main" xmlns:r="http://schemas.openxmlformats.org/officeDocument/2006/relationships" xmlns:mc="http://schemas.openxmlformats.org/markup-compatibility/2006" xmlns:mv="urn:schemas-microsoft-com:mac:vml" xmlns:p="http://schemas.openxmlformats.org/presentationml/2006/main" xmlns:c="http://schemas.openxmlformats.org/drawingml/2006/chart" xmlns:dgm="http://schemas.openxmlformats.org/drawingml/2006/diagram" xmlns:o="urn:schemas-microsoft-com:office:office" xmlns:v="urn:schemas-microsoft-com:vml" xmlns:pvml="urn:schemas-microsoft-com:office:powerpoint" xmlns:com="http://schemas.openxmlformats.org/drawingml/2006/compatibility" xmlns:p14="http://schemas.microsoft.com/office/powerpoint/2010/main" xmlns:p15="http://schemas.microsoft.com/office/powerpoint/2012/main" xmlns:ahyp="http://schemas.microsoft.com/office/drawing/2018/hyperlinkcolor">
+<p:sld xmlns:a="http://schemas.openxmlformats.org/drawingml/2006/main" xmlns:r="http://schemas.openxmlformats.org/officeDocument/2006/relationships" xmlns:p="http://schemas.openxmlformats.org/presentationml/2006/main">
   <p:cSld>
     <p:spTree>
       <p:nvGrpSpPr>
-        <p:cNvPr id="218" name="Shape 218"/>
+        <p:cNvPr id="1" name="Shape 218"/>
         <p:cNvGrpSpPr/>
         <p:nvPr/>
       </p:nvGrpSpPr>
@@ -11693,30 +11876,30 @@
           </a:xfrm>
           <a:prstGeom prst="stripedRightArrow">
             <a:avLst>
-              <a:gd fmla="val 50000" name="adj1"/>
-              <a:gd fmla="val 50000" name="adj2"/>
+              <a:gd name="adj1" fmla="val 50000"/>
+              <a:gd name="adj2" fmla="val 50000"/>
             </a:avLst>
           </a:prstGeom>
           <a:solidFill>
             <a:schemeClr val="lt2"/>
           </a:solidFill>
-          <a:ln cap="flat" cmpd="sng" w="9525">
+          <a:ln w="9525" cap="flat" cmpd="sng">
             <a:solidFill>
               <a:schemeClr val="dk2"/>
             </a:solidFill>
             <a:prstDash val="solid"/>
             <a:round/>
-            <a:headEnd len="sm" w="sm" type="none"/>
-            <a:tailEnd len="sm" w="sm" type="none"/>
+            <a:headEnd type="none" w="sm" len="sm"/>
+            <a:tailEnd type="none" w="sm" len="sm"/>
           </a:ln>
         </p:spPr>
         <p:txBody>
-          <a:bodyPr anchorCtr="0" anchor="ctr" bIns="91425" lIns="91425" spcFirstLastPara="1" rIns="91425" wrap="square" tIns="91425">
+          <a:bodyPr spcFirstLastPara="1" wrap="square" lIns="91425" tIns="91425" rIns="91425" bIns="91425" anchor="ctr" anchorCtr="0">
             <a:noAutofit/>
           </a:bodyPr>
           <a:lstStyle/>
           <a:p>
-            <a:pPr indent="0" lvl="0" marL="0" rtl="0" algn="l">
+            <a:pPr marL="0" lvl="0" indent="0" algn="l" rtl="0">
               <a:spcBef>
                 <a:spcPts val="0"/>
               </a:spcBef>
@@ -11725,9 +11908,6 @@
               </a:spcAft>
               <a:buNone/>
             </a:pPr>
-            <a:r>
-              <a:t/>
-            </a:r>
             <a:endParaRPr/>
           </a:p>
         </p:txBody>
@@ -11752,12 +11932,12 @@
           </a:ln>
         </p:spPr>
         <p:txBody>
-          <a:bodyPr anchorCtr="0" anchor="t" bIns="91425" lIns="91425" spcFirstLastPara="1" rIns="91425" wrap="square" tIns="91425">
+          <a:bodyPr spcFirstLastPara="1" wrap="square" lIns="91425" tIns="91425" rIns="91425" bIns="91425" anchor="t" anchorCtr="0">
             <a:noAutofit/>
           </a:bodyPr>
           <a:lstStyle/>
           <a:p>
-            <a:pPr indent="0" lvl="0" marL="0" rtl="0" algn="l">
+            <a:pPr marL="0" lvl="0" indent="0" algn="l" rtl="0">
               <a:spcBef>
                 <a:spcPts val="0"/>
               </a:spcBef>
@@ -11827,11 +12007,11 @@
 </file>
 
 <file path=ppt/slides/slide26.xml><?xml version="1.0" encoding="utf-8"?>
-<p:sld xmlns:a="http://schemas.openxmlformats.org/drawingml/2006/main" xmlns:r="http://schemas.openxmlformats.org/officeDocument/2006/relationships" xmlns:mc="http://schemas.openxmlformats.org/markup-compatibility/2006" xmlns:mv="urn:schemas-microsoft-com:mac:vml" xmlns:p="http://schemas.openxmlformats.org/presentationml/2006/main" xmlns:c="http://schemas.openxmlformats.org/drawingml/2006/chart" xmlns:dgm="http://schemas.openxmlformats.org/drawingml/2006/diagram" xmlns:o="urn:schemas-microsoft-com:office:office" xmlns:v="urn:schemas-microsoft-com:vml" xmlns:pvml="urn:schemas-microsoft-com:office:powerpoint" xmlns:com="http://schemas.openxmlformats.org/drawingml/2006/compatibility" xmlns:p14="http://schemas.microsoft.com/office/powerpoint/2010/main" xmlns:p15="http://schemas.microsoft.com/office/powerpoint/2012/main" xmlns:ahyp="http://schemas.microsoft.com/office/drawing/2018/hyperlinkcolor">
+<p:sld xmlns:a="http://schemas.openxmlformats.org/drawingml/2006/main" xmlns:r="http://schemas.openxmlformats.org/officeDocument/2006/relationships" xmlns:p="http://schemas.openxmlformats.org/presentationml/2006/main">
   <p:cSld>
     <p:spTree>
       <p:nvGrpSpPr>
-        <p:cNvPr id="225" name="Shape 225"/>
+        <p:cNvPr id="1" name="Shape 225"/>
         <p:cNvGrpSpPr/>
         <p:nvPr/>
       </p:nvGrpSpPr>
@@ -11846,7 +12026,9 @@
       <p:sp>
         <p:nvSpPr>
           <p:cNvPr id="226" name="Google Shape;226;p38"/>
-          <p:cNvSpPr txBox="1"/>
+          <p:cNvSpPr txBox="1">
+            <a:spLocks noGrp="1"/>
+          </p:cNvSpPr>
           <p:nvPr>
             <p:ph type="title"/>
           </p:nvPr>
@@ -11861,12 +12043,12 @@
           </a:prstGeom>
         </p:spPr>
         <p:txBody>
-          <a:bodyPr anchorCtr="0" anchor="b" bIns="91425" lIns="91425" spcFirstLastPara="1" rIns="91425" wrap="square" tIns="91425">
+          <a:bodyPr spcFirstLastPara="1" wrap="square" lIns="91425" tIns="91425" rIns="91425" bIns="91425" anchor="b" anchorCtr="0">
             <a:noAutofit/>
           </a:bodyPr>
           <a:lstStyle/>
           <a:p>
-            <a:pPr indent="0" lvl="0" marL="0" rtl="0" algn="ctr">
+            <a:pPr marL="0" lvl="0" indent="0" algn="ctr" rtl="0">
               <a:spcBef>
                 <a:spcPts val="0"/>
               </a:spcBef>
@@ -11876,12 +12058,10 @@
               <a:buNone/>
             </a:pPr>
             <a:r>
-              <a:rPr lang="iw" sz="2800" u="sng">
-                <a:hlinkClick r:id="rId3"/>
-              </a:rPr>
-              <a:t>https://github.com/talcome/ArielCast.git</a:t>
+              <a:rPr lang="en-US" sz="2800" u="sng" dirty="0"/>
+              <a:t>https://github.com/hodayasr/FinalProject_ArielCast</a:t>
             </a:r>
-            <a:endParaRPr/>
+            <a:endParaRPr dirty="0"/>
           </a:p>
         </p:txBody>
       </p:sp>
@@ -11894,11 +12074,11 @@
 </file>
 
 <file path=ppt/slides/slide3.xml><?xml version="1.0" encoding="utf-8"?>
-<p:sld xmlns:a="http://schemas.openxmlformats.org/drawingml/2006/main" xmlns:r="http://schemas.openxmlformats.org/officeDocument/2006/relationships" xmlns:mc="http://schemas.openxmlformats.org/markup-compatibility/2006" xmlns:mv="urn:schemas-microsoft-com:mac:vml" xmlns:p="http://schemas.openxmlformats.org/presentationml/2006/main" xmlns:c="http://schemas.openxmlformats.org/drawingml/2006/chart" xmlns:dgm="http://schemas.openxmlformats.org/drawingml/2006/diagram" xmlns:o="urn:schemas-microsoft-com:office:office" xmlns:v="urn:schemas-microsoft-com:vml" xmlns:pvml="urn:schemas-microsoft-com:office:powerpoint" xmlns:com="http://schemas.openxmlformats.org/drawingml/2006/compatibility" xmlns:p14="http://schemas.microsoft.com/office/powerpoint/2010/main" xmlns:p15="http://schemas.microsoft.com/office/powerpoint/2012/main" xmlns:ahyp="http://schemas.microsoft.com/office/drawing/2018/hyperlinkcolor">
+<p:sld xmlns:a="http://schemas.openxmlformats.org/drawingml/2006/main" xmlns:r="http://schemas.openxmlformats.org/officeDocument/2006/relationships" xmlns:p="http://schemas.openxmlformats.org/presentationml/2006/main">
   <p:cSld>
     <p:spTree>
       <p:nvGrpSpPr>
-        <p:cNvPr id="74" name="Shape 74"/>
+        <p:cNvPr id="1" name="Shape 74"/>
         <p:cNvGrpSpPr/>
         <p:nvPr/>
       </p:nvGrpSpPr>
@@ -11913,7 +12093,9 @@
       <p:sp>
         <p:nvSpPr>
           <p:cNvPr id="75" name="Google Shape;75;p15"/>
-          <p:cNvSpPr txBox="1"/>
+          <p:cNvSpPr txBox="1">
+            <a:spLocks noGrp="1"/>
+          </p:cNvSpPr>
           <p:nvPr>
             <p:ph type="title"/>
           </p:nvPr>
@@ -11928,12 +12110,12 @@
           </a:prstGeom>
         </p:spPr>
         <p:txBody>
-          <a:bodyPr anchorCtr="0" anchor="t" bIns="91425" lIns="91425" spcFirstLastPara="1" rIns="91425" wrap="square" tIns="91425">
+          <a:bodyPr spcFirstLastPara="1" wrap="square" lIns="91425" tIns="91425" rIns="91425" bIns="91425" anchor="t" anchorCtr="0">
             <a:noAutofit/>
           </a:bodyPr>
           <a:lstStyle/>
           <a:p>
-            <a:pPr indent="0" lvl="0" marL="0" rtl="0" algn="l">
+            <a:pPr marL="0" lvl="0" indent="0" algn="l" rtl="0">
               <a:spcBef>
                 <a:spcPts val="0"/>
               </a:spcBef>
@@ -11957,7 +12139,7 @@
             </a:endParaRPr>
           </a:p>
           <a:p>
-            <a:pPr indent="0" lvl="0" marL="0" rtl="0" algn="l">
+            <a:pPr marL="0" lvl="0" indent="0" algn="l" rtl="0">
               <a:spcBef>
                 <a:spcPts val="0"/>
               </a:spcBef>
@@ -11966,9 +12148,6 @@
               </a:spcAft>
               <a:buNone/>
             </a:pPr>
-            <a:r>
-              <a:t/>
-            </a:r>
             <a:endParaRPr/>
           </a:p>
         </p:txBody>
@@ -11976,9 +12155,11 @@
       <p:sp>
         <p:nvSpPr>
           <p:cNvPr id="76" name="Google Shape;76;p15"/>
-          <p:cNvSpPr txBox="1"/>
+          <p:cNvSpPr txBox="1">
+            <a:spLocks noGrp="1"/>
+          </p:cNvSpPr>
           <p:nvPr>
-            <p:ph idx="1" type="body"/>
+            <p:ph type="body" idx="1"/>
           </p:nvPr>
         </p:nvSpPr>
         <p:spPr>
@@ -11991,12 +12172,12 @@
           </a:prstGeom>
         </p:spPr>
         <p:txBody>
-          <a:bodyPr anchorCtr="0" anchor="t" bIns="91425" lIns="91425" spcFirstLastPara="1" rIns="91425" wrap="square" tIns="91425">
+          <a:bodyPr spcFirstLastPara="1" wrap="square" lIns="91425" tIns="91425" rIns="91425" bIns="91425" anchor="t" anchorCtr="0">
             <a:noAutofit/>
           </a:bodyPr>
           <a:lstStyle/>
           <a:p>
-            <a:pPr indent="0" lvl="0" marL="0" rtl="0" algn="l">
+            <a:pPr marL="0" lvl="0" indent="0" algn="l" rtl="0">
               <a:spcBef>
                 <a:spcPts val="0"/>
               </a:spcBef>
@@ -12005,13 +12186,10 @@
               </a:spcAft>
               <a:buNone/>
             </a:pPr>
-            <a:r>
-              <a:t/>
-            </a:r>
             <a:endParaRPr/>
           </a:p>
           <a:p>
-            <a:pPr indent="-342900" lvl="0" marL="457200" rtl="0" algn="l">
+            <a:pPr marL="457200" lvl="0" indent="-342900" algn="l" rtl="0">
               <a:spcBef>
                 <a:spcPts val="1600"/>
               </a:spcBef>
@@ -12028,7 +12206,7 @@
             <a:endParaRPr/>
           </a:p>
           <a:p>
-            <a:pPr indent="-342900" lvl="0" marL="457200" rtl="0" algn="l">
+            <a:pPr marL="457200" lvl="0" indent="-342900" algn="l" rtl="0">
               <a:spcBef>
                 <a:spcPts val="0"/>
               </a:spcBef>
@@ -12045,7 +12223,7 @@
             <a:endParaRPr/>
           </a:p>
           <a:p>
-            <a:pPr indent="-342900" lvl="0" marL="457200" rtl="0" algn="l">
+            <a:pPr marL="457200" lvl="0" indent="-342900" algn="l" rtl="0">
               <a:spcBef>
                 <a:spcPts val="0"/>
               </a:spcBef>
@@ -12062,7 +12240,7 @@
             <a:endParaRPr/>
           </a:p>
           <a:p>
-            <a:pPr indent="-342900" lvl="0" marL="457200" rtl="0" algn="l">
+            <a:pPr marL="457200" lvl="0" indent="-342900" algn="l" rtl="0">
               <a:spcBef>
                 <a:spcPts val="0"/>
               </a:spcBef>
@@ -12079,7 +12257,7 @@
             <a:endParaRPr/>
           </a:p>
           <a:p>
-            <a:pPr indent="-342900" lvl="0" marL="457200" rtl="0" algn="l">
+            <a:pPr marL="457200" lvl="0" indent="-342900" algn="l" rtl="0">
               <a:spcBef>
                 <a:spcPts val="0"/>
               </a:spcBef>
@@ -12106,11 +12284,11 @@
 </file>
 
 <file path=ppt/slides/slide4.xml><?xml version="1.0" encoding="utf-8"?>
-<p:sld xmlns:a="http://schemas.openxmlformats.org/drawingml/2006/main" xmlns:r="http://schemas.openxmlformats.org/officeDocument/2006/relationships" xmlns:mc="http://schemas.openxmlformats.org/markup-compatibility/2006" xmlns:mv="urn:schemas-microsoft-com:mac:vml" xmlns:p="http://schemas.openxmlformats.org/presentationml/2006/main" xmlns:c="http://schemas.openxmlformats.org/drawingml/2006/chart" xmlns:dgm="http://schemas.openxmlformats.org/drawingml/2006/diagram" xmlns:o="urn:schemas-microsoft-com:office:office" xmlns:v="urn:schemas-microsoft-com:vml" xmlns:pvml="urn:schemas-microsoft-com:office:powerpoint" xmlns:com="http://schemas.openxmlformats.org/drawingml/2006/compatibility" xmlns:p14="http://schemas.microsoft.com/office/powerpoint/2010/main" xmlns:p15="http://schemas.microsoft.com/office/powerpoint/2012/main" xmlns:ahyp="http://schemas.microsoft.com/office/drawing/2018/hyperlinkcolor">
+<p:sld xmlns:a="http://schemas.openxmlformats.org/drawingml/2006/main" xmlns:r="http://schemas.openxmlformats.org/officeDocument/2006/relationships" xmlns:p="http://schemas.openxmlformats.org/presentationml/2006/main">
   <p:cSld>
     <p:spTree>
       <p:nvGrpSpPr>
-        <p:cNvPr id="80" name="Shape 80"/>
+        <p:cNvPr id="1" name="Shape 80"/>
         <p:cNvGrpSpPr/>
         <p:nvPr/>
       </p:nvGrpSpPr>
@@ -12125,7 +12303,9 @@
       <p:sp>
         <p:nvSpPr>
           <p:cNvPr id="81" name="Google Shape;81;p16"/>
-          <p:cNvSpPr txBox="1"/>
+          <p:cNvSpPr txBox="1">
+            <a:spLocks noGrp="1"/>
+          </p:cNvSpPr>
           <p:nvPr>
             <p:ph type="title"/>
           </p:nvPr>
@@ -12140,12 +12320,12 @@
           </a:prstGeom>
         </p:spPr>
         <p:txBody>
-          <a:bodyPr anchorCtr="0" anchor="t" bIns="91425" lIns="91425" spcFirstLastPara="1" rIns="91425" wrap="square" tIns="91425">
+          <a:bodyPr spcFirstLastPara="1" wrap="square" lIns="91425" tIns="91425" rIns="91425" bIns="91425" anchor="t" anchorCtr="0">
             <a:noAutofit/>
           </a:bodyPr>
           <a:lstStyle/>
           <a:p>
-            <a:pPr indent="0" lvl="0" marL="0" rtl="0" algn="l">
+            <a:pPr marL="0" lvl="0" indent="0" algn="l" rtl="0">
               <a:spcBef>
                 <a:spcPts val="0"/>
               </a:spcBef>
@@ -12173,9 +12353,11 @@
       <p:sp>
         <p:nvSpPr>
           <p:cNvPr id="82" name="Google Shape;82;p16"/>
-          <p:cNvSpPr txBox="1"/>
+          <p:cNvSpPr txBox="1">
+            <a:spLocks noGrp="1"/>
+          </p:cNvSpPr>
           <p:nvPr>
-            <p:ph idx="1" type="body"/>
+            <p:ph type="body" idx="1"/>
           </p:nvPr>
         </p:nvSpPr>
         <p:spPr>
@@ -12188,12 +12370,12 @@
           </a:prstGeom>
         </p:spPr>
         <p:txBody>
-          <a:bodyPr anchorCtr="0" anchor="t" bIns="91425" lIns="91425" spcFirstLastPara="1" rIns="91425" wrap="square" tIns="91425">
+          <a:bodyPr spcFirstLastPara="1" wrap="square" lIns="91425" tIns="91425" rIns="91425" bIns="91425" anchor="t" anchorCtr="0">
             <a:noAutofit/>
           </a:bodyPr>
           <a:lstStyle/>
           <a:p>
-            <a:pPr indent="0" lvl="0" marL="0" rtl="0" algn="l">
+            <a:pPr marL="0" lvl="0" indent="0" algn="l" rtl="0">
               <a:spcBef>
                 <a:spcPts val="0"/>
               </a:spcBef>
@@ -12202,13 +12384,10 @@
               </a:spcAft>
               <a:buNone/>
             </a:pPr>
-            <a:r>
-              <a:t/>
-            </a:r>
             <a:endParaRPr/>
           </a:p>
           <a:p>
-            <a:pPr indent="-342900" lvl="0" marL="457200" rtl="0" algn="l">
+            <a:pPr marL="457200" lvl="0" indent="-342900" algn="l" rtl="0">
               <a:spcBef>
                 <a:spcPts val="1600"/>
               </a:spcBef>
@@ -12225,7 +12404,7 @@
             <a:endParaRPr/>
           </a:p>
           <a:p>
-            <a:pPr indent="-342900" lvl="0" marL="457200" rtl="0" algn="l">
+            <a:pPr marL="457200" lvl="0" indent="-342900" algn="l" rtl="0">
               <a:spcBef>
                 <a:spcPts val="0"/>
               </a:spcBef>
@@ -12242,7 +12421,7 @@
             <a:endParaRPr/>
           </a:p>
           <a:p>
-            <a:pPr indent="-342900" lvl="0" marL="457200" rtl="0" algn="l">
+            <a:pPr marL="457200" lvl="0" indent="-342900" algn="l" rtl="0">
               <a:spcBef>
                 <a:spcPts val="0"/>
               </a:spcBef>
@@ -12259,7 +12438,7 @@
             <a:endParaRPr/>
           </a:p>
           <a:p>
-            <a:pPr indent="-342900" lvl="0" marL="457200" rtl="0" algn="l">
+            <a:pPr marL="457200" lvl="0" indent="-342900" algn="l" rtl="0">
               <a:spcBef>
                 <a:spcPts val="0"/>
               </a:spcBef>
@@ -12276,7 +12455,7 @@
             <a:endParaRPr/>
           </a:p>
           <a:p>
-            <a:pPr indent="-342900" lvl="0" marL="457200" rtl="0" algn="l">
+            <a:pPr marL="457200" lvl="0" indent="-342900" algn="l" rtl="0">
               <a:spcBef>
                 <a:spcPts val="0"/>
               </a:spcBef>
@@ -12293,7 +12472,7 @@
             <a:endParaRPr/>
           </a:p>
           <a:p>
-            <a:pPr indent="-342900" lvl="0" marL="457200" rtl="0" algn="l">
+            <a:pPr marL="457200" lvl="0" indent="-342900" algn="l" rtl="0">
               <a:spcBef>
                 <a:spcPts val="0"/>
               </a:spcBef>
@@ -12320,11 +12499,11 @@
 </file>
 
 <file path=ppt/slides/slide5.xml><?xml version="1.0" encoding="utf-8"?>
-<p:sld xmlns:a="http://schemas.openxmlformats.org/drawingml/2006/main" xmlns:r="http://schemas.openxmlformats.org/officeDocument/2006/relationships" xmlns:mc="http://schemas.openxmlformats.org/markup-compatibility/2006" xmlns:mv="urn:schemas-microsoft-com:mac:vml" xmlns:p="http://schemas.openxmlformats.org/presentationml/2006/main" xmlns:c="http://schemas.openxmlformats.org/drawingml/2006/chart" xmlns:dgm="http://schemas.openxmlformats.org/drawingml/2006/diagram" xmlns:o="urn:schemas-microsoft-com:office:office" xmlns:v="urn:schemas-microsoft-com:vml" xmlns:pvml="urn:schemas-microsoft-com:office:powerpoint" xmlns:com="http://schemas.openxmlformats.org/drawingml/2006/compatibility" xmlns:p14="http://schemas.microsoft.com/office/powerpoint/2010/main" xmlns:p15="http://schemas.microsoft.com/office/powerpoint/2012/main" xmlns:ahyp="http://schemas.microsoft.com/office/drawing/2018/hyperlinkcolor">
+<p:sld xmlns:a="http://schemas.openxmlformats.org/drawingml/2006/main" xmlns:r="http://schemas.openxmlformats.org/officeDocument/2006/relationships" xmlns:p="http://schemas.openxmlformats.org/presentationml/2006/main">
   <p:cSld>
     <p:spTree>
       <p:nvGrpSpPr>
-        <p:cNvPr id="86" name="Shape 86"/>
+        <p:cNvPr id="1" name="Shape 86"/>
         <p:cNvGrpSpPr/>
         <p:nvPr/>
       </p:nvGrpSpPr>
@@ -12339,7 +12518,9 @@
       <p:sp>
         <p:nvSpPr>
           <p:cNvPr id="87" name="Google Shape;87;p17"/>
-          <p:cNvSpPr txBox="1"/>
+          <p:cNvSpPr txBox="1">
+            <a:spLocks noGrp="1"/>
+          </p:cNvSpPr>
           <p:nvPr>
             <p:ph type="title"/>
           </p:nvPr>
@@ -12354,12 +12535,12 @@
           </a:prstGeom>
         </p:spPr>
         <p:txBody>
-          <a:bodyPr anchorCtr="0" anchor="t" bIns="91425" lIns="91425" spcFirstLastPara="1" rIns="91425" wrap="square" tIns="91425">
+          <a:bodyPr spcFirstLastPara="1" wrap="square" lIns="91425" tIns="91425" rIns="91425" bIns="91425" anchor="t" anchorCtr="0">
             <a:noAutofit/>
           </a:bodyPr>
           <a:lstStyle/>
           <a:p>
-            <a:pPr indent="0" lvl="0" marL="0" rtl="0" algn="l">
+            <a:pPr marL="0" lvl="0" indent="0" algn="l" rtl="0">
               <a:spcBef>
                 <a:spcPts val="0"/>
               </a:spcBef>
@@ -12387,9 +12568,11 @@
       <p:sp>
         <p:nvSpPr>
           <p:cNvPr id="88" name="Google Shape;88;p17"/>
-          <p:cNvSpPr txBox="1"/>
+          <p:cNvSpPr txBox="1">
+            <a:spLocks noGrp="1"/>
+          </p:cNvSpPr>
           <p:nvPr>
-            <p:ph idx="1" type="body"/>
+            <p:ph type="body" idx="1"/>
           </p:nvPr>
         </p:nvSpPr>
         <p:spPr>
@@ -12402,12 +12585,12 @@
           </a:prstGeom>
         </p:spPr>
         <p:txBody>
-          <a:bodyPr anchorCtr="0" anchor="t" bIns="91425" lIns="91425" spcFirstLastPara="1" rIns="91425" wrap="square" tIns="91425">
+          <a:bodyPr spcFirstLastPara="1" wrap="square" lIns="91425" tIns="91425" rIns="91425" bIns="91425" anchor="t" anchorCtr="0">
             <a:noAutofit/>
           </a:bodyPr>
           <a:lstStyle/>
           <a:p>
-            <a:pPr indent="-342900" lvl="0" marL="457200" rtl="0" algn="l">
+            <a:pPr marL="457200" lvl="0" indent="-342900" algn="l" rtl="0">
               <a:spcBef>
                 <a:spcPts val="0"/>
               </a:spcBef>
@@ -12424,7 +12607,7 @@
             <a:endParaRPr/>
           </a:p>
           <a:p>
-            <a:pPr indent="-342900" lvl="0" marL="457200" rtl="0" algn="l">
+            <a:pPr marL="457200" lvl="0" indent="-342900" algn="l" rtl="0">
               <a:spcBef>
                 <a:spcPts val="0"/>
               </a:spcBef>
@@ -12441,7 +12624,7 @@
             <a:endParaRPr/>
           </a:p>
           <a:p>
-            <a:pPr indent="-342900" lvl="0" marL="457200" rtl="0" algn="l">
+            <a:pPr marL="457200" lvl="0" indent="-342900" algn="l" rtl="0">
               <a:spcBef>
                 <a:spcPts val="0"/>
               </a:spcBef>
@@ -12458,7 +12641,7 @@
             <a:endParaRPr/>
           </a:p>
           <a:p>
-            <a:pPr indent="-342900" lvl="0" marL="457200" rtl="0" algn="l">
+            <a:pPr marL="457200" lvl="0" indent="-342900" algn="l" rtl="0">
               <a:spcBef>
                 <a:spcPts val="0"/>
               </a:spcBef>
@@ -12475,7 +12658,7 @@
             <a:endParaRPr/>
           </a:p>
           <a:p>
-            <a:pPr indent="-342900" lvl="0" marL="457200" rtl="0" algn="l">
+            <a:pPr marL="457200" lvl="0" indent="-342900" algn="l" rtl="0">
               <a:spcBef>
                 <a:spcPts val="0"/>
               </a:spcBef>
@@ -12492,7 +12675,7 @@
             <a:endParaRPr/>
           </a:p>
           <a:p>
-            <a:pPr indent="0" lvl="0" marL="457200" rtl="0" algn="l">
+            <a:pPr marL="457200" lvl="0" indent="0" algn="l" rtl="0">
               <a:spcBef>
                 <a:spcPts val="1600"/>
               </a:spcBef>
@@ -12501,9 +12684,6 @@
               </a:spcAft>
               <a:buNone/>
             </a:pPr>
-            <a:r>
-              <a:t/>
-            </a:r>
             <a:endParaRPr/>
           </a:p>
         </p:txBody>
@@ -12517,11 +12697,11 @@
 </file>
 
 <file path=ppt/slides/slide6.xml><?xml version="1.0" encoding="utf-8"?>
-<p:sld xmlns:a="http://schemas.openxmlformats.org/drawingml/2006/main" xmlns:r="http://schemas.openxmlformats.org/officeDocument/2006/relationships" xmlns:mc="http://schemas.openxmlformats.org/markup-compatibility/2006" xmlns:mv="urn:schemas-microsoft-com:mac:vml" xmlns:p="http://schemas.openxmlformats.org/presentationml/2006/main" xmlns:c="http://schemas.openxmlformats.org/drawingml/2006/chart" xmlns:dgm="http://schemas.openxmlformats.org/drawingml/2006/diagram" xmlns:o="urn:schemas-microsoft-com:office:office" xmlns:v="urn:schemas-microsoft-com:vml" xmlns:pvml="urn:schemas-microsoft-com:office:powerpoint" xmlns:com="http://schemas.openxmlformats.org/drawingml/2006/compatibility" xmlns:p14="http://schemas.microsoft.com/office/powerpoint/2010/main" xmlns:p15="http://schemas.microsoft.com/office/powerpoint/2012/main" xmlns:ahyp="http://schemas.microsoft.com/office/drawing/2018/hyperlinkcolor">
+<p:sld xmlns:a="http://schemas.openxmlformats.org/drawingml/2006/main" xmlns:r="http://schemas.openxmlformats.org/officeDocument/2006/relationships" xmlns:p="http://schemas.openxmlformats.org/presentationml/2006/main">
   <p:cSld>
     <p:spTree>
       <p:nvGrpSpPr>
-        <p:cNvPr id="92" name="Shape 92"/>
+        <p:cNvPr id="1" name="Shape 92"/>
         <p:cNvGrpSpPr/>
         <p:nvPr/>
       </p:nvGrpSpPr>
@@ -12536,7 +12716,9 @@
       <p:sp>
         <p:nvSpPr>
           <p:cNvPr id="93" name="Google Shape;93;p18"/>
-          <p:cNvSpPr txBox="1"/>
+          <p:cNvSpPr txBox="1">
+            <a:spLocks noGrp="1"/>
+          </p:cNvSpPr>
           <p:nvPr>
             <p:ph type="title"/>
           </p:nvPr>
@@ -12551,12 +12733,12 @@
           </a:prstGeom>
         </p:spPr>
         <p:txBody>
-          <a:bodyPr anchorCtr="0" anchor="t" bIns="91425" lIns="91425" spcFirstLastPara="1" rIns="91425" wrap="square" tIns="91425">
+          <a:bodyPr spcFirstLastPara="1" wrap="square" lIns="91425" tIns="91425" rIns="91425" bIns="91425" anchor="t" anchorCtr="0">
             <a:noAutofit/>
           </a:bodyPr>
           <a:lstStyle/>
           <a:p>
-            <a:pPr indent="0" lvl="0" marL="0" rtl="0" algn="l">
+            <a:pPr marL="0" lvl="0" indent="0" algn="l" rtl="0">
               <a:spcBef>
                 <a:spcPts val="0"/>
               </a:spcBef>
@@ -12584,9 +12766,11 @@
       <p:sp>
         <p:nvSpPr>
           <p:cNvPr id="94" name="Google Shape;94;p18"/>
-          <p:cNvSpPr txBox="1"/>
+          <p:cNvSpPr txBox="1">
+            <a:spLocks noGrp="1"/>
+          </p:cNvSpPr>
           <p:nvPr>
-            <p:ph idx="1" type="body"/>
+            <p:ph type="body" idx="1"/>
           </p:nvPr>
         </p:nvSpPr>
         <p:spPr>
@@ -12599,12 +12783,12 @@
           </a:prstGeom>
         </p:spPr>
         <p:txBody>
-          <a:bodyPr anchorCtr="0" anchor="t" bIns="91425" lIns="91425" spcFirstLastPara="1" rIns="91425" wrap="square" tIns="91425">
+          <a:bodyPr spcFirstLastPara="1" wrap="square" lIns="91425" tIns="91425" rIns="91425" bIns="91425" anchor="t" anchorCtr="0">
             <a:noAutofit/>
           </a:bodyPr>
           <a:lstStyle/>
           <a:p>
-            <a:pPr indent="0" lvl="0" marL="457200" rtl="0" algn="l">
+            <a:pPr marL="457200" lvl="0" indent="0" algn="l" rtl="0">
               <a:spcBef>
                 <a:spcPts val="0"/>
               </a:spcBef>
@@ -12613,13 +12797,10 @@
               </a:spcAft>
               <a:buNone/>
             </a:pPr>
-            <a:r>
-              <a:t/>
-            </a:r>
             <a:endParaRPr/>
           </a:p>
           <a:p>
-            <a:pPr indent="0" lvl="0" marL="457200" rtl="0" algn="l">
+            <a:pPr marL="457200" lvl="0" indent="0" algn="l" rtl="0">
               <a:spcBef>
                 <a:spcPts val="1600"/>
               </a:spcBef>
@@ -12628,13 +12809,10 @@
               </a:spcAft>
               <a:buNone/>
             </a:pPr>
-            <a:r>
-              <a:t/>
-            </a:r>
             <a:endParaRPr/>
           </a:p>
           <a:p>
-            <a:pPr indent="-342900" lvl="0" marL="457200" rtl="0" algn="l">
+            <a:pPr marL="457200" lvl="0" indent="-342900" algn="l" rtl="0">
               <a:spcBef>
                 <a:spcPts val="1600"/>
               </a:spcBef>
@@ -12651,7 +12829,7 @@
             <a:endParaRPr/>
           </a:p>
           <a:p>
-            <a:pPr indent="-342900" lvl="0" marL="457200" rtl="0" algn="l">
+            <a:pPr marL="457200" lvl="0" indent="-342900" algn="l" rtl="0">
               <a:spcBef>
                 <a:spcPts val="0"/>
               </a:spcBef>
@@ -12678,11 +12856,11 @@
 </file>
 
 <file path=ppt/slides/slide7.xml><?xml version="1.0" encoding="utf-8"?>
-<p:sld xmlns:a="http://schemas.openxmlformats.org/drawingml/2006/main" xmlns:r="http://schemas.openxmlformats.org/officeDocument/2006/relationships" xmlns:mc="http://schemas.openxmlformats.org/markup-compatibility/2006" xmlns:mv="urn:schemas-microsoft-com:mac:vml" xmlns:p="http://schemas.openxmlformats.org/presentationml/2006/main" xmlns:c="http://schemas.openxmlformats.org/drawingml/2006/chart" xmlns:dgm="http://schemas.openxmlformats.org/drawingml/2006/diagram" xmlns:o="urn:schemas-microsoft-com:office:office" xmlns:v="urn:schemas-microsoft-com:vml" xmlns:pvml="urn:schemas-microsoft-com:office:powerpoint" xmlns:com="http://schemas.openxmlformats.org/drawingml/2006/compatibility" xmlns:p14="http://schemas.microsoft.com/office/powerpoint/2010/main" xmlns:p15="http://schemas.microsoft.com/office/powerpoint/2012/main" xmlns:ahyp="http://schemas.microsoft.com/office/drawing/2018/hyperlinkcolor">
+<p:sld xmlns:a="http://schemas.openxmlformats.org/drawingml/2006/main" xmlns:r="http://schemas.openxmlformats.org/officeDocument/2006/relationships" xmlns:p="http://schemas.openxmlformats.org/presentationml/2006/main">
   <p:cSld>
     <p:spTree>
       <p:nvGrpSpPr>
-        <p:cNvPr id="98" name="Shape 98"/>
+        <p:cNvPr id="1" name="Shape 98"/>
         <p:cNvGrpSpPr/>
         <p:nvPr/>
       </p:nvGrpSpPr>
@@ -12704,7 +12882,7 @@
           <a:blip r:embed="rId3">
             <a:alphaModFix/>
           </a:blip>
-          <a:srcRect b="2119" l="0" r="0" t="-2120"/>
+          <a:srcRect t="-2120" b="2119"/>
           <a:stretch/>
         </p:blipFill>
         <p:spPr>
@@ -12741,12 +12919,12 @@
           </a:ln>
         </p:spPr>
         <p:txBody>
-          <a:bodyPr anchorCtr="0" anchor="t" bIns="91425" lIns="91425" spcFirstLastPara="1" rIns="91425" wrap="square" tIns="91425">
+          <a:bodyPr spcFirstLastPara="1" wrap="square" lIns="91425" tIns="91425" rIns="91425" bIns="91425" anchor="t" anchorCtr="0">
             <a:noAutofit/>
           </a:bodyPr>
           <a:lstStyle/>
           <a:p>
-            <a:pPr indent="0" lvl="0" marL="0" rtl="0" algn="l">
+            <a:pPr marL="0" lvl="0" indent="0" algn="l" rtl="0">
               <a:spcBef>
                 <a:spcPts val="0"/>
               </a:spcBef>
@@ -12778,7 +12956,7 @@
             </a:endParaRPr>
           </a:p>
           <a:p>
-            <a:pPr indent="0" lvl="0" marL="0" rtl="0" algn="l">
+            <a:pPr marL="0" lvl="0" indent="0" algn="l" rtl="0">
               <a:spcBef>
                 <a:spcPts val="0"/>
               </a:spcBef>
@@ -12787,9 +12965,6 @@
               </a:spcAft>
               <a:buNone/>
             </a:pPr>
-            <a:r>
-              <a:t/>
-            </a:r>
             <a:endParaRPr sz="1700">
               <a:solidFill>
                 <a:schemeClr val="accent3"/>
@@ -12801,7 +12976,7 @@
             </a:endParaRPr>
           </a:p>
           <a:p>
-            <a:pPr indent="-336550" lvl="0" marL="457200" rtl="0" algn="l">
+            <a:pPr marL="457200" lvl="0" indent="-336550" algn="l" rtl="0">
               <a:spcBef>
                 <a:spcPts val="0"/>
               </a:spcBef>
@@ -12838,7 +13013,7 @@
             </a:endParaRPr>
           </a:p>
           <a:p>
-            <a:pPr indent="-336550" lvl="0" marL="457200" rtl="0" algn="l">
+            <a:pPr marL="457200" lvl="0" indent="-336550" algn="l" rtl="0">
               <a:spcBef>
                 <a:spcPts val="0"/>
               </a:spcBef>
@@ -12875,7 +13050,7 @@
             </a:endParaRPr>
           </a:p>
           <a:p>
-            <a:pPr indent="-336550" lvl="0" marL="457200" rtl="0" algn="l">
+            <a:pPr marL="457200" lvl="0" indent="-336550" algn="l" rtl="0">
               <a:spcBef>
                 <a:spcPts val="0"/>
               </a:spcBef>
@@ -12912,7 +13087,7 @@
             </a:endParaRPr>
           </a:p>
           <a:p>
-            <a:pPr indent="-336550" lvl="0" marL="457200" rtl="0" algn="l">
+            <a:pPr marL="457200" lvl="0" indent="-336550" algn="l" rtl="0">
               <a:spcBef>
                 <a:spcPts val="0"/>
               </a:spcBef>
@@ -12959,11 +13134,11 @@
 </file>
 
 <file path=ppt/slides/slide8.xml><?xml version="1.0" encoding="utf-8"?>
-<p:sld xmlns:a="http://schemas.openxmlformats.org/drawingml/2006/main" xmlns:r="http://schemas.openxmlformats.org/officeDocument/2006/relationships" xmlns:mc="http://schemas.openxmlformats.org/markup-compatibility/2006" xmlns:mv="urn:schemas-microsoft-com:mac:vml" xmlns:p="http://schemas.openxmlformats.org/presentationml/2006/main" xmlns:c="http://schemas.openxmlformats.org/drawingml/2006/chart" xmlns:dgm="http://schemas.openxmlformats.org/drawingml/2006/diagram" xmlns:o="urn:schemas-microsoft-com:office:office" xmlns:v="urn:schemas-microsoft-com:vml" xmlns:pvml="urn:schemas-microsoft-com:office:powerpoint" xmlns:com="http://schemas.openxmlformats.org/drawingml/2006/compatibility" xmlns:p14="http://schemas.microsoft.com/office/powerpoint/2010/main" xmlns:p15="http://schemas.microsoft.com/office/powerpoint/2012/main" xmlns:ahyp="http://schemas.microsoft.com/office/drawing/2018/hyperlinkcolor">
+<p:sld xmlns:a="http://schemas.openxmlformats.org/drawingml/2006/main" xmlns:r="http://schemas.openxmlformats.org/officeDocument/2006/relationships" xmlns:p="http://schemas.openxmlformats.org/presentationml/2006/main">
   <p:cSld>
     <p:spTree>
       <p:nvGrpSpPr>
-        <p:cNvPr id="104" name="Shape 104"/>
+        <p:cNvPr id="1" name="Shape 104"/>
         <p:cNvGrpSpPr/>
         <p:nvPr/>
       </p:nvGrpSpPr>
@@ -13023,12 +13198,12 @@
           </a:ln>
         </p:spPr>
         <p:txBody>
-          <a:bodyPr anchorCtr="0" anchor="t" bIns="91425" lIns="91425" spcFirstLastPara="1" rIns="91425" wrap="square" tIns="91425">
+          <a:bodyPr spcFirstLastPara="1" wrap="square" lIns="91425" tIns="91425" rIns="91425" bIns="91425" anchor="t" anchorCtr="0">
             <a:noAutofit/>
           </a:bodyPr>
           <a:lstStyle/>
           <a:p>
-            <a:pPr indent="0" lvl="0" marL="0" rtl="0" algn="l">
+            <a:pPr marL="0" lvl="0" indent="0" algn="l" rtl="0">
               <a:spcBef>
                 <a:spcPts val="0"/>
               </a:spcBef>
@@ -13060,7 +13235,7 @@
             </a:endParaRPr>
           </a:p>
           <a:p>
-            <a:pPr indent="0" lvl="0" marL="0" rtl="0" algn="l">
+            <a:pPr marL="0" lvl="0" indent="0" algn="l" rtl="0">
               <a:spcBef>
                 <a:spcPts val="0"/>
               </a:spcBef>
@@ -13069,9 +13244,6 @@
               </a:spcAft>
               <a:buNone/>
             </a:pPr>
-            <a:r>
-              <a:t/>
-            </a:r>
             <a:endParaRPr sz="1700">
               <a:solidFill>
                 <a:schemeClr val="accent3"/>
@@ -13083,7 +13255,7 @@
             </a:endParaRPr>
           </a:p>
           <a:p>
-            <a:pPr indent="-336550" lvl="0" marL="457200" rtl="0" algn="l">
+            <a:pPr marL="457200" lvl="0" indent="-336550" algn="l" rtl="0">
               <a:spcBef>
                 <a:spcPts val="0"/>
               </a:spcBef>
@@ -13120,7 +13292,7 @@
             </a:endParaRPr>
           </a:p>
           <a:p>
-            <a:pPr indent="-336550" lvl="0" marL="457200" rtl="0" algn="l">
+            <a:pPr marL="457200" lvl="0" indent="-336550" algn="l" rtl="0">
               <a:spcBef>
                 <a:spcPts val="0"/>
               </a:spcBef>
@@ -13157,7 +13329,7 @@
             </a:endParaRPr>
           </a:p>
           <a:p>
-            <a:pPr indent="0" lvl="0" marL="457200" rtl="0" algn="l">
+            <a:pPr marL="457200" lvl="0" indent="0" algn="l" rtl="0">
               <a:spcBef>
                 <a:spcPts val="0"/>
               </a:spcBef>
@@ -13166,9 +13338,6 @@
               </a:spcAft>
               <a:buNone/>
             </a:pPr>
-            <a:r>
-              <a:t/>
-            </a:r>
             <a:endParaRPr sz="1700">
               <a:solidFill>
                 <a:schemeClr val="accent3"/>
@@ -13190,11 +13359,11 @@
 </file>
 
 <file path=ppt/slides/slide9.xml><?xml version="1.0" encoding="utf-8"?>
-<p:sld xmlns:a="http://schemas.openxmlformats.org/drawingml/2006/main" xmlns:r="http://schemas.openxmlformats.org/officeDocument/2006/relationships" xmlns:mc="http://schemas.openxmlformats.org/markup-compatibility/2006" xmlns:mv="urn:schemas-microsoft-com:mac:vml" xmlns:p="http://schemas.openxmlformats.org/presentationml/2006/main" xmlns:c="http://schemas.openxmlformats.org/drawingml/2006/chart" xmlns:dgm="http://schemas.openxmlformats.org/drawingml/2006/diagram" xmlns:o="urn:schemas-microsoft-com:office:office" xmlns:v="urn:schemas-microsoft-com:vml" xmlns:pvml="urn:schemas-microsoft-com:office:powerpoint" xmlns:com="http://schemas.openxmlformats.org/drawingml/2006/compatibility" xmlns:p14="http://schemas.microsoft.com/office/powerpoint/2010/main" xmlns:p15="http://schemas.microsoft.com/office/powerpoint/2012/main" xmlns:ahyp="http://schemas.microsoft.com/office/drawing/2018/hyperlinkcolor">
+<p:sld xmlns:a="http://schemas.openxmlformats.org/drawingml/2006/main" xmlns:r="http://schemas.openxmlformats.org/officeDocument/2006/relationships" xmlns:p="http://schemas.openxmlformats.org/presentationml/2006/main">
   <p:cSld>
     <p:spTree>
       <p:nvGrpSpPr>
-        <p:cNvPr id="110" name="Shape 110"/>
+        <p:cNvPr id="1" name="Shape 110"/>
         <p:cNvGrpSpPr/>
         <p:nvPr/>
       </p:nvGrpSpPr>
@@ -13282,12 +13451,12 @@
           </a:ln>
         </p:spPr>
         <p:txBody>
-          <a:bodyPr anchorCtr="0" anchor="t" bIns="91425" lIns="91425" spcFirstLastPara="1" rIns="91425" wrap="square" tIns="91425">
+          <a:bodyPr spcFirstLastPara="1" wrap="square" lIns="91425" tIns="91425" rIns="91425" bIns="91425" anchor="t" anchorCtr="0">
             <a:noAutofit/>
           </a:bodyPr>
           <a:lstStyle/>
           <a:p>
-            <a:pPr indent="0" lvl="0" marL="0" rtl="0" algn="l">
+            <a:pPr marL="0" lvl="0" indent="0" algn="l" rtl="0">
               <a:spcBef>
                 <a:spcPts val="0"/>
               </a:spcBef>
@@ -13319,7 +13488,7 @@
             </a:endParaRPr>
           </a:p>
           <a:p>
-            <a:pPr indent="0" lvl="0" marL="0" rtl="0" algn="l">
+            <a:pPr marL="0" lvl="0" indent="0" algn="l" rtl="0">
               <a:spcBef>
                 <a:spcPts val="0"/>
               </a:spcBef>
@@ -13328,9 +13497,6 @@
               </a:spcAft>
               <a:buNone/>
             </a:pPr>
-            <a:r>
-              <a:t/>
-            </a:r>
             <a:endParaRPr sz="1700">
               <a:solidFill>
                 <a:schemeClr val="accent3"/>
@@ -13342,7 +13508,7 @@
             </a:endParaRPr>
           </a:p>
           <a:p>
-            <a:pPr indent="-336550" lvl="0" marL="457200" rtl="0" algn="l">
+            <a:pPr marL="457200" lvl="0" indent="-336550" algn="l" rtl="0">
               <a:spcBef>
                 <a:spcPts val="0"/>
               </a:spcBef>
@@ -13366,31 +13532,7 @@
                 <a:cs typeface="Proxima Nova"/>
                 <a:sym typeface="Proxima Nova"/>
               </a:rPr>
-              <a:t>Displays all the </a:t>
-            </a:r>
-            <a:r>
-              <a:rPr lang="iw" sz="1700">
-                <a:solidFill>
-                  <a:schemeClr val="accent3"/>
-                </a:solidFill>
-                <a:latin typeface="Proxima Nova"/>
-                <a:ea typeface="Proxima Nova"/>
-                <a:cs typeface="Proxima Nova"/>
-                <a:sym typeface="Proxima Nova"/>
-              </a:rPr>
-              <a:t>available</a:t>
-            </a:r>
-            <a:r>
-              <a:rPr lang="iw" sz="1700">
-                <a:solidFill>
-                  <a:schemeClr val="accent3"/>
-                </a:solidFill>
-                <a:latin typeface="Proxima Nova"/>
-                <a:ea typeface="Proxima Nova"/>
-                <a:cs typeface="Proxima Nova"/>
-                <a:sym typeface="Proxima Nova"/>
-              </a:rPr>
-              <a:t> courses in the semester</a:t>
+              <a:t>Displays all the available courses in the semester</a:t>
             </a:r>
             <a:endParaRPr sz="1700">
               <a:solidFill>
@@ -13403,7 +13545,7 @@
             </a:endParaRPr>
           </a:p>
           <a:p>
-            <a:pPr indent="-336550" lvl="0" marL="457200" rtl="0" algn="l">
+            <a:pPr marL="457200" lvl="0" indent="-336550" algn="l" rtl="0">
               <a:spcBef>
                 <a:spcPts val="0"/>
               </a:spcBef>
@@ -13440,7 +13582,7 @@
             </a:endParaRPr>
           </a:p>
           <a:p>
-            <a:pPr indent="-336550" lvl="0" marL="457200" rtl="0" algn="l">
+            <a:pPr marL="457200" lvl="0" indent="-336550" algn="l" rtl="0">
               <a:spcBef>
                 <a:spcPts val="0"/>
               </a:spcBef>
@@ -13477,7 +13619,7 @@
             </a:endParaRPr>
           </a:p>
           <a:p>
-            <a:pPr indent="-336550" lvl="0" marL="457200" rtl="0" algn="l">
+            <a:pPr marL="457200" lvl="0" indent="-336550" algn="l" rtl="0">
               <a:spcBef>
                 <a:spcPts val="0"/>
               </a:spcBef>
@@ -13514,7 +13656,7 @@
             </a:endParaRPr>
           </a:p>
           <a:p>
-            <a:pPr indent="-336550" lvl="0" marL="457200" rtl="0" algn="l">
+            <a:pPr marL="457200" lvl="0" indent="-336550" algn="l" rtl="0">
               <a:spcBef>
                 <a:spcPts val="0"/>
               </a:spcBef>
@@ -13561,7 +13703,288 @@
 </file>
 
 <file path=ppt/theme/theme1.xml><?xml version="1.0" encoding="utf-8"?>
-<a:theme xmlns:a="http://schemas.openxmlformats.org/drawingml/2006/main" xmlns:r="http://schemas.openxmlformats.org/officeDocument/2006/relationships">
+<a:theme xmlns:a="http://schemas.openxmlformats.org/drawingml/2006/main" name="Spearmint">
+  <a:themeElements>
+    <a:clrScheme name="Spearmint">
+      <a:dk1>
+        <a:srgbClr val="202729"/>
+      </a:dk1>
+      <a:lt1>
+        <a:srgbClr val="FFFFFF"/>
+      </a:lt1>
+      <a:dk2>
+        <a:srgbClr val="4BA173"/>
+      </a:dk2>
+      <a:lt2>
+        <a:srgbClr val="63D297"/>
+      </a:lt2>
+      <a:accent1>
+        <a:srgbClr val="353744"/>
+      </a:accent1>
+      <a:accent2>
+        <a:srgbClr val="424242"/>
+      </a:accent2>
+      <a:accent3>
+        <a:srgbClr val="616161"/>
+      </a:accent3>
+      <a:accent4>
+        <a:srgbClr val="999999"/>
+      </a:accent4>
+      <a:accent5>
+        <a:srgbClr val="FF5252"/>
+      </a:accent5>
+      <a:accent6>
+        <a:srgbClr val="FFF176"/>
+      </a:accent6>
+      <a:hlink>
+        <a:srgbClr val="FF5252"/>
+      </a:hlink>
+      <a:folHlink>
+        <a:srgbClr val="FF5252"/>
+      </a:folHlink>
+    </a:clrScheme>
+    <a:fontScheme name="Office">
+      <a:majorFont>
+        <a:latin typeface="Arial"/>
+        <a:ea typeface=""/>
+        <a:cs typeface=""/>
+        <a:font script="Jpan" typeface="ＭＳ Ｐゴシック"/>
+        <a:font script="Hang" typeface="맑은 고딕"/>
+        <a:font script="Hans" typeface="宋体"/>
+        <a:font script="Hant" typeface="新細明體"/>
+        <a:font script="Arab" typeface="Times New Roman"/>
+        <a:font script="Hebr" typeface="Times New Roman"/>
+        <a:font script="Thai" typeface="Angsana New"/>
+        <a:font script="Ethi" typeface="Nyala"/>
+        <a:font script="Beng" typeface="Vrinda"/>
+        <a:font script="Gujr" typeface="Shruti"/>
+        <a:font script="Khmr" typeface="MoolBoran"/>
+        <a:font script="Knda" typeface="Tunga"/>
+        <a:font script="Guru" typeface="Raavi"/>
+        <a:font script="Cans" typeface="Euphemia"/>
+        <a:font script="Cher" typeface="Plantagenet Cherokee"/>
+        <a:font script="Yiii" typeface="Microsoft Yi Baiti"/>
+        <a:font script="Tibt" typeface="Microsoft Himalaya"/>
+        <a:font script="Thaa" typeface="MV Boli"/>
+        <a:font script="Deva" typeface="Mangal"/>
+        <a:font script="Telu" typeface="Gautami"/>
+        <a:font script="Taml" typeface="Latha"/>
+        <a:font script="Syrc" typeface="Estrangelo Edessa"/>
+        <a:font script="Orya" typeface="Kalinga"/>
+        <a:font script="Mlym" typeface="Kartika"/>
+        <a:font script="Laoo" typeface="DokChampa"/>
+        <a:font script="Sinh" typeface="Iskoola Pota"/>
+        <a:font script="Mong" typeface="Mongolian Baiti"/>
+        <a:font script="Viet" typeface="Times New Roman"/>
+        <a:font script="Uigh" typeface="Microsoft Uighur"/>
+        <a:font script="Geor" typeface="Sylfaen"/>
+      </a:majorFont>
+      <a:minorFont>
+        <a:latin typeface="Arial"/>
+        <a:ea typeface=""/>
+        <a:cs typeface=""/>
+        <a:font script="Jpan" typeface="ＭＳ Ｐゴシック"/>
+        <a:font script="Hang" typeface="맑은 고딕"/>
+        <a:font script="Hans" typeface="宋体"/>
+        <a:font script="Hant" typeface="新細明體"/>
+        <a:font script="Arab" typeface="Arial"/>
+        <a:font script="Hebr" typeface="Arial"/>
+        <a:font script="Thai" typeface="Cordia New"/>
+        <a:font script="Ethi" typeface="Nyala"/>
+        <a:font script="Beng" typeface="Vrinda"/>
+        <a:font script="Gujr" typeface="Shruti"/>
+        <a:font script="Khmr" typeface="DaunPenh"/>
+        <a:font script="Knda" typeface="Tunga"/>
+        <a:font script="Guru" typeface="Raavi"/>
+        <a:font script="Cans" typeface="Euphemia"/>
+        <a:font script="Cher" typeface="Plantagenet Cherokee"/>
+        <a:font script="Yiii" typeface="Microsoft Yi Baiti"/>
+        <a:font script="Tibt" typeface="Microsoft Himalaya"/>
+        <a:font script="Thaa" typeface="MV Boli"/>
+        <a:font script="Deva" typeface="Mangal"/>
+        <a:font script="Telu" typeface="Gautami"/>
+        <a:font script="Taml" typeface="Latha"/>
+        <a:font script="Syrc" typeface="Estrangelo Edessa"/>
+        <a:font script="Orya" typeface="Kalinga"/>
+        <a:font script="Mlym" typeface="Kartika"/>
+        <a:font script="Laoo" typeface="DokChampa"/>
+        <a:font script="Sinh" typeface="Iskoola Pota"/>
+        <a:font script="Mong" typeface="Mongolian Baiti"/>
+        <a:font script="Viet" typeface="Arial"/>
+        <a:font script="Uigh" typeface="Microsoft Uighur"/>
+        <a:font script="Geor" typeface="Sylfaen"/>
+      </a:minorFont>
+    </a:fontScheme>
+    <a:fmtScheme name="Office">
+      <a:fillStyleLst>
+        <a:solidFill>
+          <a:schemeClr val="phClr"/>
+        </a:solidFill>
+        <a:gradFill rotWithShape="1">
+          <a:gsLst>
+            <a:gs pos="0">
+              <a:schemeClr val="phClr">
+                <a:tint val="50000"/>
+                <a:satMod val="300000"/>
+              </a:schemeClr>
+            </a:gs>
+            <a:gs pos="35000">
+              <a:schemeClr val="phClr">
+                <a:tint val="37000"/>
+                <a:satMod val="300000"/>
+              </a:schemeClr>
+            </a:gs>
+            <a:gs pos="100000">
+              <a:schemeClr val="phClr">
+                <a:tint val="15000"/>
+                <a:satMod val="350000"/>
+              </a:schemeClr>
+            </a:gs>
+          </a:gsLst>
+          <a:lin ang="16200000" scaled="1"/>
+        </a:gradFill>
+        <a:gradFill rotWithShape="1">
+          <a:gsLst>
+            <a:gs pos="0">
+              <a:schemeClr val="phClr">
+                <a:tint val="100000"/>
+                <a:shade val="100000"/>
+                <a:satMod val="130000"/>
+              </a:schemeClr>
+            </a:gs>
+            <a:gs pos="100000">
+              <a:schemeClr val="phClr">
+                <a:tint val="50000"/>
+                <a:shade val="100000"/>
+                <a:satMod val="350000"/>
+              </a:schemeClr>
+            </a:gs>
+          </a:gsLst>
+          <a:lin ang="16200000" scaled="0"/>
+        </a:gradFill>
+      </a:fillStyleLst>
+      <a:lnStyleLst>
+        <a:ln w="9525" cap="flat" cmpd="sng" algn="ctr">
+          <a:solidFill>
+            <a:schemeClr val="phClr">
+              <a:shade val="95000"/>
+              <a:satMod val="105000"/>
+            </a:schemeClr>
+          </a:solidFill>
+          <a:prstDash val="solid"/>
+        </a:ln>
+        <a:ln w="25400" cap="flat" cmpd="sng" algn="ctr">
+          <a:solidFill>
+            <a:schemeClr val="phClr"/>
+          </a:solidFill>
+          <a:prstDash val="solid"/>
+        </a:ln>
+        <a:ln w="38100" cap="flat" cmpd="sng" algn="ctr">
+          <a:solidFill>
+            <a:schemeClr val="phClr"/>
+          </a:solidFill>
+          <a:prstDash val="solid"/>
+        </a:ln>
+      </a:lnStyleLst>
+      <a:effectStyleLst>
+        <a:effectStyle>
+          <a:effectLst>
+            <a:outerShdw blurRad="40000" dist="20000" dir="5400000" rotWithShape="0">
+              <a:srgbClr val="000000">
+                <a:alpha val="38000"/>
+              </a:srgbClr>
+            </a:outerShdw>
+          </a:effectLst>
+        </a:effectStyle>
+        <a:effectStyle>
+          <a:effectLst>
+            <a:outerShdw blurRad="40000" dist="23000" dir="5400000" rotWithShape="0">
+              <a:srgbClr val="000000">
+                <a:alpha val="35000"/>
+              </a:srgbClr>
+            </a:outerShdw>
+          </a:effectLst>
+        </a:effectStyle>
+        <a:effectStyle>
+          <a:effectLst>
+            <a:outerShdw blurRad="40000" dist="23000" dir="5400000" rotWithShape="0">
+              <a:srgbClr val="000000">
+                <a:alpha val="35000"/>
+              </a:srgbClr>
+            </a:outerShdw>
+          </a:effectLst>
+          <a:scene3d>
+            <a:camera prst="orthographicFront">
+              <a:rot lat="0" lon="0" rev="0"/>
+            </a:camera>
+            <a:lightRig rig="threePt" dir="t">
+              <a:rot lat="0" lon="0" rev="1200000"/>
+            </a:lightRig>
+          </a:scene3d>
+          <a:sp3d>
+            <a:bevelT w="63500" h="25400"/>
+          </a:sp3d>
+        </a:effectStyle>
+      </a:effectStyleLst>
+      <a:bgFillStyleLst>
+        <a:solidFill>
+          <a:schemeClr val="phClr"/>
+        </a:solidFill>
+        <a:gradFill rotWithShape="1">
+          <a:gsLst>
+            <a:gs pos="0">
+              <a:schemeClr val="phClr">
+                <a:tint val="40000"/>
+                <a:satMod val="350000"/>
+              </a:schemeClr>
+            </a:gs>
+            <a:gs pos="40000">
+              <a:schemeClr val="phClr">
+                <a:tint val="45000"/>
+                <a:shade val="99000"/>
+                <a:satMod val="350000"/>
+              </a:schemeClr>
+            </a:gs>
+            <a:gs pos="100000">
+              <a:schemeClr val="phClr">
+                <a:shade val="20000"/>
+                <a:satMod val="255000"/>
+              </a:schemeClr>
+            </a:gs>
+          </a:gsLst>
+          <a:path path="circle">
+            <a:fillToRect l="50000" t="-80000" r="50000" b="180000"/>
+          </a:path>
+        </a:gradFill>
+        <a:gradFill rotWithShape="1">
+          <a:gsLst>
+            <a:gs pos="0">
+              <a:schemeClr val="phClr">
+                <a:tint val="80000"/>
+                <a:satMod val="300000"/>
+              </a:schemeClr>
+            </a:gs>
+            <a:gs pos="100000">
+              <a:schemeClr val="phClr">
+                <a:shade val="30000"/>
+                <a:satMod val="200000"/>
+              </a:schemeClr>
+            </a:gs>
+          </a:gsLst>
+          <a:path path="circle">
+            <a:fillToRect l="50000" t="50000" r="50000" b="50000"/>
+          </a:path>
+        </a:gradFill>
+      </a:bgFillStyleLst>
+    </a:fmtScheme>
+  </a:themeElements>
+  <a:objectDefaults/>
+  <a:extraClrSchemeLst/>
+</a:theme>
+</file>
+
+<file path=ppt/theme/theme2.xml><?xml version="1.0" encoding="utf-8"?>
+<a:theme xmlns:a="http://schemas.openxmlformats.org/drawingml/2006/main">
   <a:themeElements>
     <a:clrScheme name="Default">
       <a:dk1>
@@ -13836,284 +14259,7 @@
       </a:bgFillStyleLst>
     </a:fmtScheme>
   </a:themeElements>
-</a:theme>
-</file>
-
-<file path=ppt/theme/theme2.xml><?xml version="1.0" encoding="utf-8"?>
-<a:theme xmlns:a="http://schemas.openxmlformats.org/drawingml/2006/main" xmlns:r="http://schemas.openxmlformats.org/officeDocument/2006/relationships" name="Spearmint">
-  <a:themeElements>
-    <a:clrScheme name="Spearmint">
-      <a:dk1>
-        <a:srgbClr val="202729"/>
-      </a:dk1>
-      <a:lt1>
-        <a:srgbClr val="FFFFFF"/>
-      </a:lt1>
-      <a:dk2>
-        <a:srgbClr val="4BA173"/>
-      </a:dk2>
-      <a:lt2>
-        <a:srgbClr val="63D297"/>
-      </a:lt2>
-      <a:accent1>
-        <a:srgbClr val="353744"/>
-      </a:accent1>
-      <a:accent2>
-        <a:srgbClr val="424242"/>
-      </a:accent2>
-      <a:accent3>
-        <a:srgbClr val="616161"/>
-      </a:accent3>
-      <a:accent4>
-        <a:srgbClr val="999999"/>
-      </a:accent4>
-      <a:accent5>
-        <a:srgbClr val="FF5252"/>
-      </a:accent5>
-      <a:accent6>
-        <a:srgbClr val="FFF176"/>
-      </a:accent6>
-      <a:hlink>
-        <a:srgbClr val="FF5252"/>
-      </a:hlink>
-      <a:folHlink>
-        <a:srgbClr val="FF5252"/>
-      </a:folHlink>
-    </a:clrScheme>
-    <a:fontScheme name="Office">
-      <a:majorFont>
-        <a:latin typeface="Arial"/>
-        <a:ea typeface=""/>
-        <a:cs typeface=""/>
-        <a:font script="Jpan" typeface="ＭＳ Ｐゴシック"/>
-        <a:font script="Hang" typeface="맑은 고딕"/>
-        <a:font script="Hans" typeface="宋体"/>
-        <a:font script="Hant" typeface="新細明體"/>
-        <a:font script="Arab" typeface="Times New Roman"/>
-        <a:font script="Hebr" typeface="Times New Roman"/>
-        <a:font script="Thai" typeface="Angsana New"/>
-        <a:font script="Ethi" typeface="Nyala"/>
-        <a:font script="Beng" typeface="Vrinda"/>
-        <a:font script="Gujr" typeface="Shruti"/>
-        <a:font script="Khmr" typeface="MoolBoran"/>
-        <a:font script="Knda" typeface="Tunga"/>
-        <a:font script="Guru" typeface="Raavi"/>
-        <a:font script="Cans" typeface="Euphemia"/>
-        <a:font script="Cher" typeface="Plantagenet Cherokee"/>
-        <a:font script="Yiii" typeface="Microsoft Yi Baiti"/>
-        <a:font script="Tibt" typeface="Microsoft Himalaya"/>
-        <a:font script="Thaa" typeface="MV Boli"/>
-        <a:font script="Deva" typeface="Mangal"/>
-        <a:font script="Telu" typeface="Gautami"/>
-        <a:font script="Taml" typeface="Latha"/>
-        <a:font script="Syrc" typeface="Estrangelo Edessa"/>
-        <a:font script="Orya" typeface="Kalinga"/>
-        <a:font script="Mlym" typeface="Kartika"/>
-        <a:font script="Laoo" typeface="DokChampa"/>
-        <a:font script="Sinh" typeface="Iskoola Pota"/>
-        <a:font script="Mong" typeface="Mongolian Baiti"/>
-        <a:font script="Viet" typeface="Times New Roman"/>
-        <a:font script="Uigh" typeface="Microsoft Uighur"/>
-        <a:font script="Geor" typeface="Sylfaen"/>
-      </a:majorFont>
-      <a:minorFont>
-        <a:latin typeface="Arial"/>
-        <a:ea typeface=""/>
-        <a:cs typeface=""/>
-        <a:font script="Jpan" typeface="ＭＳ Ｐゴシック"/>
-        <a:font script="Hang" typeface="맑은 고딕"/>
-        <a:font script="Hans" typeface="宋体"/>
-        <a:font script="Hant" typeface="新細明體"/>
-        <a:font script="Arab" typeface="Arial"/>
-        <a:font script="Hebr" typeface="Arial"/>
-        <a:font script="Thai" typeface="Cordia New"/>
-        <a:font script="Ethi" typeface="Nyala"/>
-        <a:font script="Beng" typeface="Vrinda"/>
-        <a:font script="Gujr" typeface="Shruti"/>
-        <a:font script="Khmr" typeface="DaunPenh"/>
-        <a:font script="Knda" typeface="Tunga"/>
-        <a:font script="Guru" typeface="Raavi"/>
-        <a:font script="Cans" typeface="Euphemia"/>
-        <a:font script="Cher" typeface="Plantagenet Cherokee"/>
-        <a:font script="Yiii" typeface="Microsoft Yi Baiti"/>
-        <a:font script="Tibt" typeface="Microsoft Himalaya"/>
-        <a:font script="Thaa" typeface="MV Boli"/>
-        <a:font script="Deva" typeface="Mangal"/>
-        <a:font script="Telu" typeface="Gautami"/>
-        <a:font script="Taml" typeface="Latha"/>
-        <a:font script="Syrc" typeface="Estrangelo Edessa"/>
-        <a:font script="Orya" typeface="Kalinga"/>
-        <a:font script="Mlym" typeface="Kartika"/>
-        <a:font script="Laoo" typeface="DokChampa"/>
-        <a:font script="Sinh" typeface="Iskoola Pota"/>
-        <a:font script="Mong" typeface="Mongolian Baiti"/>
-        <a:font script="Viet" typeface="Arial"/>
-        <a:font script="Uigh" typeface="Microsoft Uighur"/>
-        <a:font script="Geor" typeface="Sylfaen"/>
-      </a:minorFont>
-    </a:fontScheme>
-    <a:fmtScheme name="Office">
-      <a:fillStyleLst>
-        <a:solidFill>
-          <a:schemeClr val="phClr"/>
-        </a:solidFill>
-        <a:gradFill rotWithShape="1">
-          <a:gsLst>
-            <a:gs pos="0">
-              <a:schemeClr val="phClr">
-                <a:tint val="50000"/>
-                <a:satMod val="300000"/>
-              </a:schemeClr>
-            </a:gs>
-            <a:gs pos="35000">
-              <a:schemeClr val="phClr">
-                <a:tint val="37000"/>
-                <a:satMod val="300000"/>
-              </a:schemeClr>
-            </a:gs>
-            <a:gs pos="100000">
-              <a:schemeClr val="phClr">
-                <a:tint val="15000"/>
-                <a:satMod val="350000"/>
-              </a:schemeClr>
-            </a:gs>
-          </a:gsLst>
-          <a:lin ang="16200000" scaled="1"/>
-        </a:gradFill>
-        <a:gradFill rotWithShape="1">
-          <a:gsLst>
-            <a:gs pos="0">
-              <a:schemeClr val="phClr">
-                <a:tint val="100000"/>
-                <a:shade val="100000"/>
-                <a:satMod val="130000"/>
-              </a:schemeClr>
-            </a:gs>
-            <a:gs pos="100000">
-              <a:schemeClr val="phClr">
-                <a:tint val="50000"/>
-                <a:shade val="100000"/>
-                <a:satMod val="350000"/>
-              </a:schemeClr>
-            </a:gs>
-          </a:gsLst>
-          <a:lin ang="16200000" scaled="0"/>
-        </a:gradFill>
-      </a:fillStyleLst>
-      <a:lnStyleLst>
-        <a:ln w="9525" cap="flat" cmpd="sng" algn="ctr">
-          <a:solidFill>
-            <a:schemeClr val="phClr">
-              <a:shade val="95000"/>
-              <a:satMod val="105000"/>
-            </a:schemeClr>
-          </a:solidFill>
-          <a:prstDash val="solid"/>
-        </a:ln>
-        <a:ln w="25400" cap="flat" cmpd="sng" algn="ctr">
-          <a:solidFill>
-            <a:schemeClr val="phClr"/>
-          </a:solidFill>
-          <a:prstDash val="solid"/>
-        </a:ln>
-        <a:ln w="38100" cap="flat" cmpd="sng" algn="ctr">
-          <a:solidFill>
-            <a:schemeClr val="phClr"/>
-          </a:solidFill>
-          <a:prstDash val="solid"/>
-        </a:ln>
-      </a:lnStyleLst>
-      <a:effectStyleLst>
-        <a:effectStyle>
-          <a:effectLst>
-            <a:outerShdw blurRad="40000" dist="20000" dir="5400000" rotWithShape="0">
-              <a:srgbClr val="000000">
-                <a:alpha val="38000"/>
-              </a:srgbClr>
-            </a:outerShdw>
-          </a:effectLst>
-        </a:effectStyle>
-        <a:effectStyle>
-          <a:effectLst>
-            <a:outerShdw blurRad="40000" dist="23000" dir="5400000" rotWithShape="0">
-              <a:srgbClr val="000000">
-                <a:alpha val="35000"/>
-              </a:srgbClr>
-            </a:outerShdw>
-          </a:effectLst>
-        </a:effectStyle>
-        <a:effectStyle>
-          <a:effectLst>
-            <a:outerShdw blurRad="40000" dist="23000" dir="5400000" rotWithShape="0">
-              <a:srgbClr val="000000">
-                <a:alpha val="35000"/>
-              </a:srgbClr>
-            </a:outerShdw>
-          </a:effectLst>
-          <a:scene3d>
-            <a:camera prst="orthographicFront">
-              <a:rot lat="0" lon="0" rev="0"/>
-            </a:camera>
-            <a:lightRig rig="threePt" dir="t">
-              <a:rot lat="0" lon="0" rev="1200000"/>
-            </a:lightRig>
-          </a:scene3d>
-          <a:sp3d>
-            <a:bevelT w="63500" h="25400"/>
-          </a:sp3d>
-        </a:effectStyle>
-      </a:effectStyleLst>
-      <a:bgFillStyleLst>
-        <a:solidFill>
-          <a:schemeClr val="phClr"/>
-        </a:solidFill>
-        <a:gradFill rotWithShape="1">
-          <a:gsLst>
-            <a:gs pos="0">
-              <a:schemeClr val="phClr">
-                <a:tint val="40000"/>
-                <a:satMod val="350000"/>
-              </a:schemeClr>
-            </a:gs>
-            <a:gs pos="40000">
-              <a:schemeClr val="phClr">
-                <a:tint val="45000"/>
-                <a:shade val="99000"/>
-                <a:satMod val="350000"/>
-              </a:schemeClr>
-            </a:gs>
-            <a:gs pos="100000">
-              <a:schemeClr val="phClr">
-                <a:shade val="20000"/>
-                <a:satMod val="255000"/>
-              </a:schemeClr>
-            </a:gs>
-          </a:gsLst>
-          <a:path path="circle">
-            <a:fillToRect l="50000" t="-80000" r="50000" b="180000"/>
-          </a:path>
-        </a:gradFill>
-        <a:gradFill rotWithShape="1">
-          <a:gsLst>
-            <a:gs pos="0">
-              <a:schemeClr val="phClr">
-                <a:tint val="80000"/>
-                <a:satMod val="300000"/>
-              </a:schemeClr>
-            </a:gs>
-            <a:gs pos="100000">
-              <a:schemeClr val="phClr">
-                <a:shade val="30000"/>
-                <a:satMod val="200000"/>
-              </a:schemeClr>
-            </a:gs>
-          </a:gsLst>
-          <a:path path="circle">
-            <a:fillToRect l="50000" t="50000" r="50000" b="50000"/>
-          </a:path>
-        </a:gradFill>
-      </a:bgFillStyleLst>
-    </a:fmtScheme>
-  </a:themeElements>
+  <a:objectDefaults/>
+  <a:extraClrSchemeLst/>
 </a:theme>
 </file>